--- a/05_CSS.pptx
+++ b/05_CSS.pptx
@@ -5,7 +5,7 @@
     <p:sldMasterId id="2147483759" r:id="rId4"/>
   </p:sldMasterIdLst>
   <p:notesMasterIdLst>
-    <p:notesMasterId r:id="rId32"/>
+    <p:notesMasterId r:id="rId43"/>
   </p:notesMasterIdLst>
   <p:sldIdLst>
     <p:sldId id="333" r:id="rId5"/>
@@ -23,18 +23,29 @@
     <p:sldId id="339" r:id="rId17"/>
     <p:sldId id="340" r:id="rId18"/>
     <p:sldId id="355" r:id="rId19"/>
-    <p:sldId id="328" r:id="rId20"/>
-    <p:sldId id="346" r:id="rId21"/>
-    <p:sldId id="347" r:id="rId22"/>
-    <p:sldId id="348" r:id="rId23"/>
-    <p:sldId id="349" r:id="rId24"/>
-    <p:sldId id="350" r:id="rId25"/>
-    <p:sldId id="351" r:id="rId26"/>
-    <p:sldId id="352" r:id="rId27"/>
-    <p:sldId id="353" r:id="rId28"/>
-    <p:sldId id="354" r:id="rId29"/>
-    <p:sldId id="331" r:id="rId30"/>
-    <p:sldId id="356" r:id="rId31"/>
+    <p:sldId id="357" r:id="rId20"/>
+    <p:sldId id="358" r:id="rId21"/>
+    <p:sldId id="360" r:id="rId22"/>
+    <p:sldId id="359" r:id="rId23"/>
+    <p:sldId id="361" r:id="rId24"/>
+    <p:sldId id="363" r:id="rId25"/>
+    <p:sldId id="364" r:id="rId26"/>
+    <p:sldId id="365" r:id="rId27"/>
+    <p:sldId id="369" r:id="rId28"/>
+    <p:sldId id="366" r:id="rId29"/>
+    <p:sldId id="367" r:id="rId30"/>
+    <p:sldId id="368" r:id="rId31"/>
+    <p:sldId id="346" r:id="rId32"/>
+    <p:sldId id="347" r:id="rId33"/>
+    <p:sldId id="348" r:id="rId34"/>
+    <p:sldId id="349" r:id="rId35"/>
+    <p:sldId id="350" r:id="rId36"/>
+    <p:sldId id="351" r:id="rId37"/>
+    <p:sldId id="352" r:id="rId38"/>
+    <p:sldId id="353" r:id="rId39"/>
+    <p:sldId id="354" r:id="rId40"/>
+    <p:sldId id="331" r:id="rId41"/>
+    <p:sldId id="356" r:id="rId42"/>
   </p:sldIdLst>
   <p:sldSz cx="12192000" cy="6858000"/>
   <p:notesSz cx="6858000" cy="9144000"/>
@@ -223,7 +234,7 @@
           <a:p>
             <a:fld id="{C76DF261-2E64-46EA-8978-57B2C7401E71}" type="datetimeFigureOut">
               <a:rPr lang="en-US" smtClean="0"/>
-              <a:t>2/24/2022</a:t>
+              <a:t>2/27/2022</a:t>
             </a:fld>
             <a:endParaRPr lang="en-US"/>
           </a:p>
@@ -1392,7 +1403,7 @@
           <a:p>
             <a:fld id="{1160EA64-D806-43AC-9DF2-F8C432F32B4C}" type="datetimeFigureOut">
               <a:rPr lang="en-US" smtClean="0"/>
-              <a:t>2/24/2022</a:t>
+              <a:t>2/27/2022</a:t>
             </a:fld>
             <a:endParaRPr lang="en-US" dirty="0"/>
           </a:p>
@@ -1644,7 +1655,7 @@
           <a:p>
             <a:fld id="{1160EA64-D806-43AC-9DF2-F8C432F32B4C}" type="datetimeFigureOut">
               <a:rPr lang="en-US" smtClean="0"/>
-              <a:t>2/24/2022</a:t>
+              <a:t>2/27/2022</a:t>
             </a:fld>
             <a:endParaRPr lang="en-US" dirty="0"/>
           </a:p>
@@ -1960,7 +1971,7 @@
           <a:p>
             <a:fld id="{1160EA64-D806-43AC-9DF2-F8C432F32B4C}" type="datetimeFigureOut">
               <a:rPr lang="en-US" smtClean="0"/>
-              <a:t>2/24/2022</a:t>
+              <a:t>2/27/2022</a:t>
             </a:fld>
             <a:endParaRPr lang="en-US" dirty="0"/>
           </a:p>
@@ -2295,7 +2306,7 @@
           <a:p>
             <a:fld id="{1160EA64-D806-43AC-9DF2-F8C432F32B4C}" type="datetimeFigureOut">
               <a:rPr lang="en-US" smtClean="0"/>
-              <a:t>2/24/2022</a:t>
+              <a:t>2/27/2022</a:t>
             </a:fld>
             <a:endParaRPr lang="en-US" dirty="0"/>
           </a:p>
@@ -2611,7 +2622,7 @@
           <a:p>
             <a:fld id="{1160EA64-D806-43AC-9DF2-F8C432F32B4C}" type="datetimeFigureOut">
               <a:rPr lang="en-US" smtClean="0"/>
-              <a:t>2/24/2022</a:t>
+              <a:t>2/27/2022</a:t>
             </a:fld>
             <a:endParaRPr lang="en-US" dirty="0"/>
           </a:p>
@@ -3006,7 +3017,7 @@
           <a:p>
             <a:fld id="{1160EA64-D806-43AC-9DF2-F8C432F32B4C}" type="datetimeFigureOut">
               <a:rPr lang="en-US" smtClean="0"/>
-              <a:t>2/24/2022</a:t>
+              <a:t>2/27/2022</a:t>
             </a:fld>
             <a:endParaRPr lang="en-US" dirty="0"/>
           </a:p>
@@ -3178,7 +3189,7 @@
           <a:p>
             <a:fld id="{E9F9C37B-1D36-470B-8223-D6C91242EC14}" type="datetimeFigureOut">
               <a:rPr lang="en-US" smtClean="0"/>
-              <a:t>2/24/2022</a:t>
+              <a:t>2/27/2022</a:t>
             </a:fld>
             <a:endParaRPr lang="en-US" dirty="0"/>
           </a:p>
@@ -3358,7 +3369,7 @@
           <a:p>
             <a:fld id="{67C6F52A-A82B-47A2-A83A-8C4C91F2D59F}" type="datetimeFigureOut">
               <a:rPr lang="en-US" smtClean="0"/>
-              <a:t>2/24/2022</a:t>
+              <a:t>2/27/2022</a:t>
             </a:fld>
             <a:endParaRPr lang="en-US" dirty="0"/>
           </a:p>
@@ -3528,7 +3539,7 @@
           <a:p>
             <a:fld id="{F070A7B3-6521-4DCA-87E5-044747A908C1}" type="datetimeFigureOut">
               <a:rPr lang="en-US" smtClean="0"/>
-              <a:t>2/24/2022</a:t>
+              <a:t>2/27/2022</a:t>
             </a:fld>
             <a:endParaRPr lang="en-US" dirty="0"/>
           </a:p>
@@ -3776,7 +3787,7 @@
           <a:p>
             <a:fld id="{1160EA64-D806-43AC-9DF2-F8C432F32B4C}" type="datetimeFigureOut">
               <a:rPr lang="en-US" smtClean="0"/>
-              <a:t>2/24/2022</a:t>
+              <a:t>2/27/2022</a:t>
             </a:fld>
             <a:endParaRPr lang="en-US" dirty="0"/>
           </a:p>
@@ -4009,7 +4020,7 @@
           <a:p>
             <a:fld id="{AB134690-1557-4C89-A502-4959FE7FAD70}" type="datetimeFigureOut">
               <a:rPr lang="en-US" smtClean="0"/>
-              <a:t>2/24/2022</a:t>
+              <a:t>2/27/2022</a:t>
             </a:fld>
             <a:endParaRPr lang="en-US" dirty="0"/>
           </a:p>
@@ -4383,7 +4394,7 @@
           <a:p>
             <a:fld id="{1160EA64-D806-43AC-9DF2-F8C432F32B4C}" type="datetimeFigureOut">
               <a:rPr lang="en-US" smtClean="0"/>
-              <a:t>2/24/2022</a:t>
+              <a:t>2/27/2022</a:t>
             </a:fld>
             <a:endParaRPr lang="en-US" dirty="0"/>
           </a:p>
@@ -4508,7 +4519,7 @@
           <a:p>
             <a:fld id="{E1037C31-9E7A-4F99-8774-A0E530DE1A42}" type="datetimeFigureOut">
               <a:rPr lang="en-US" smtClean="0"/>
-              <a:t>2/24/2022</a:t>
+              <a:t>2/27/2022</a:t>
             </a:fld>
             <a:endParaRPr lang="en-US" dirty="0"/>
           </a:p>
@@ -4603,7 +4614,7 @@
           <a:p>
             <a:fld id="{C278504F-A551-4DE0-9316-4DCD1D8CC752}" type="datetimeFigureOut">
               <a:rPr lang="en-US" smtClean="0"/>
-              <a:t>2/24/2022</a:t>
+              <a:t>2/27/2022</a:t>
             </a:fld>
             <a:endParaRPr lang="en-US" dirty="0"/>
           </a:p>
@@ -4858,7 +4869,7 @@
           <a:p>
             <a:fld id="{1160EA64-D806-43AC-9DF2-F8C432F32B4C}" type="datetimeFigureOut">
               <a:rPr lang="en-US" smtClean="0"/>
-              <a:t>2/24/2022</a:t>
+              <a:t>2/27/2022</a:t>
             </a:fld>
             <a:endParaRPr lang="en-US" dirty="0"/>
           </a:p>
@@ -5166,7 +5177,7 @@
             <a:fld id="{1160EA64-D806-43AC-9DF2-F8C432F32B4C}" type="datetimeFigureOut">
               <a:rPr lang="en-US" smtClean="0"/>
               <a:pPr/>
-              <a:t>2/24/2022</a:t>
+              <a:t>2/27/2022</a:t>
             </a:fld>
             <a:endParaRPr lang="en-US" dirty="0"/>
           </a:p>
@@ -5868,7 +5879,7 @@
           <a:p>
             <a:fld id="{1160EA64-D806-43AC-9DF2-F8C432F32B4C}" type="datetimeFigureOut">
               <a:rPr lang="en-US" smtClean="0"/>
-              <a:t>2/24/2022</a:t>
+              <a:t>2/27/2022</a:t>
             </a:fld>
             <a:endParaRPr lang="en-US" dirty="0"/>
           </a:p>
@@ -6650,6 +6661,78 @@
           </a:ln>
         </p:spPr>
       </p:pic>
+      <p:sp>
+        <p:nvSpPr>
+          <p:cNvPr id="3" name="Oval 2">
+            <a:extLst>
+              <a:ext uri="{FF2B5EF4-FFF2-40B4-BE49-F238E27FC236}">
+                <a16:creationId xmlns:a16="http://schemas.microsoft.com/office/drawing/2014/main" id="{B548AFD1-2880-4EB5-9EF0-6DD17D07F2F5}"/>
+              </a:ext>
+            </a:extLst>
+          </p:cNvPr>
+          <p:cNvSpPr/>
+          <p:nvPr/>
+        </p:nvSpPr>
+        <p:spPr>
+          <a:xfrm>
+            <a:off x="7646826" y="562371"/>
+            <a:ext cx="1979720" cy="945611"/>
+          </a:xfrm>
+          <a:prstGeom prst="ellipse">
+            <a:avLst/>
+          </a:prstGeom>
+          <a:ln w="57150">
+            <a:solidFill>
+              <a:schemeClr val="tx1">
+                <a:lumMod val="85000"/>
+                <a:lumOff val="15000"/>
+              </a:schemeClr>
+            </a:solidFill>
+          </a:ln>
+        </p:spPr>
+        <p:style>
+          <a:lnRef idx="2">
+            <a:schemeClr val="accent4">
+              <a:shade val="50000"/>
+            </a:schemeClr>
+          </a:lnRef>
+          <a:fillRef idx="1">
+            <a:schemeClr val="accent4"/>
+          </a:fillRef>
+          <a:effectRef idx="0">
+            <a:schemeClr val="accent4"/>
+          </a:effectRef>
+          <a:fontRef idx="minor">
+            <a:schemeClr val="lt1"/>
+          </a:fontRef>
+        </p:style>
+        <p:txBody>
+          <a:bodyPr rtlCol="0" anchor="ctr"/>
+          <a:lstStyle/>
+          <a:p>
+            <a:pPr algn="ctr"/>
+            <a:r>
+              <a:rPr lang="en-US" b="1" dirty="0">
+                <a:solidFill>
+                  <a:sysClr val="windowText" lastClr="000000"/>
+                </a:solidFill>
+              </a:rPr>
+              <a:t>SIMPLE</a:t>
+            </a:r>
+          </a:p>
+          <a:p>
+            <a:pPr algn="ctr"/>
+            <a:r>
+              <a:rPr lang="en-US" b="1" dirty="0">
+                <a:solidFill>
+                  <a:sysClr val="windowText" lastClr="000000"/>
+                </a:solidFill>
+              </a:rPr>
+              <a:t>SELECTOR</a:t>
+            </a:r>
+          </a:p>
+        </p:txBody>
+      </p:sp>
     </p:spTree>
     <p:extLst>
       <p:ext uri="{BB962C8B-B14F-4D97-AF65-F5344CB8AC3E}">
@@ -6862,6 +6945,78 @@
           </a:ln>
         </p:spPr>
       </p:pic>
+      <p:sp>
+        <p:nvSpPr>
+          <p:cNvPr id="6" name="Oval 5">
+            <a:extLst>
+              <a:ext uri="{FF2B5EF4-FFF2-40B4-BE49-F238E27FC236}">
+                <a16:creationId xmlns:a16="http://schemas.microsoft.com/office/drawing/2014/main" id="{1572E23F-A8ED-433C-B252-ECC30D6BE972}"/>
+              </a:ext>
+            </a:extLst>
+          </p:cNvPr>
+          <p:cNvSpPr/>
+          <p:nvPr/>
+        </p:nvSpPr>
+        <p:spPr>
+          <a:xfrm>
+            <a:off x="7931397" y="562371"/>
+            <a:ext cx="1979720" cy="945611"/>
+          </a:xfrm>
+          <a:prstGeom prst="ellipse">
+            <a:avLst/>
+          </a:prstGeom>
+          <a:ln w="57150">
+            <a:solidFill>
+              <a:schemeClr val="tx1">
+                <a:lumMod val="85000"/>
+                <a:lumOff val="15000"/>
+              </a:schemeClr>
+            </a:solidFill>
+          </a:ln>
+        </p:spPr>
+        <p:style>
+          <a:lnRef idx="2">
+            <a:schemeClr val="accent4">
+              <a:shade val="50000"/>
+            </a:schemeClr>
+          </a:lnRef>
+          <a:fillRef idx="1">
+            <a:schemeClr val="accent4"/>
+          </a:fillRef>
+          <a:effectRef idx="0">
+            <a:schemeClr val="accent4"/>
+          </a:effectRef>
+          <a:fontRef idx="minor">
+            <a:schemeClr val="lt1"/>
+          </a:fontRef>
+        </p:style>
+        <p:txBody>
+          <a:bodyPr rtlCol="0" anchor="ctr"/>
+          <a:lstStyle/>
+          <a:p>
+            <a:pPr algn="ctr"/>
+            <a:r>
+              <a:rPr lang="en-US" b="1" dirty="0">
+                <a:solidFill>
+                  <a:sysClr val="windowText" lastClr="000000"/>
+                </a:solidFill>
+              </a:rPr>
+              <a:t>SIMPLE</a:t>
+            </a:r>
+          </a:p>
+          <a:p>
+            <a:pPr algn="ctr"/>
+            <a:r>
+              <a:rPr lang="en-US" b="1" dirty="0">
+                <a:solidFill>
+                  <a:sysClr val="windowText" lastClr="000000"/>
+                </a:solidFill>
+              </a:rPr>
+              <a:t>SELECTOR</a:t>
+            </a:r>
+          </a:p>
+        </p:txBody>
+      </p:sp>
     </p:spTree>
     <p:extLst>
       <p:ext uri="{BB962C8B-B14F-4D97-AF65-F5344CB8AC3E}">
@@ -7136,6 +7291,78 @@
           </a:ln>
         </p:spPr>
       </p:pic>
+      <p:sp>
+        <p:nvSpPr>
+          <p:cNvPr id="8" name="Oval 7">
+            <a:extLst>
+              <a:ext uri="{FF2B5EF4-FFF2-40B4-BE49-F238E27FC236}">
+                <a16:creationId xmlns:a16="http://schemas.microsoft.com/office/drawing/2014/main" id="{989613FB-4A93-469C-85DE-64E0068301BD}"/>
+              </a:ext>
+            </a:extLst>
+          </p:cNvPr>
+          <p:cNvSpPr/>
+          <p:nvPr/>
+        </p:nvSpPr>
+        <p:spPr>
+          <a:xfrm>
+            <a:off x="7637948" y="503135"/>
+            <a:ext cx="1979720" cy="945611"/>
+          </a:xfrm>
+          <a:prstGeom prst="ellipse">
+            <a:avLst/>
+          </a:prstGeom>
+          <a:ln w="57150">
+            <a:solidFill>
+              <a:schemeClr val="tx1">
+                <a:lumMod val="85000"/>
+                <a:lumOff val="15000"/>
+              </a:schemeClr>
+            </a:solidFill>
+          </a:ln>
+        </p:spPr>
+        <p:style>
+          <a:lnRef idx="2">
+            <a:schemeClr val="accent4">
+              <a:shade val="50000"/>
+            </a:schemeClr>
+          </a:lnRef>
+          <a:fillRef idx="1">
+            <a:schemeClr val="accent4"/>
+          </a:fillRef>
+          <a:effectRef idx="0">
+            <a:schemeClr val="accent4"/>
+          </a:effectRef>
+          <a:fontRef idx="minor">
+            <a:schemeClr val="lt1"/>
+          </a:fontRef>
+        </p:style>
+        <p:txBody>
+          <a:bodyPr rtlCol="0" anchor="ctr"/>
+          <a:lstStyle/>
+          <a:p>
+            <a:pPr algn="ctr"/>
+            <a:r>
+              <a:rPr lang="en-US" b="1" dirty="0">
+                <a:solidFill>
+                  <a:sysClr val="windowText" lastClr="000000"/>
+                </a:solidFill>
+              </a:rPr>
+              <a:t>SIMPLE</a:t>
+            </a:r>
+          </a:p>
+          <a:p>
+            <a:pPr algn="ctr"/>
+            <a:r>
+              <a:rPr lang="en-US" b="1" dirty="0">
+                <a:solidFill>
+                  <a:sysClr val="windowText" lastClr="000000"/>
+                </a:solidFill>
+              </a:rPr>
+              <a:t>SELECTOR</a:t>
+            </a:r>
+          </a:p>
+        </p:txBody>
+      </p:sp>
     </p:spTree>
     <p:extLst>
       <p:ext uri="{BB962C8B-B14F-4D97-AF65-F5344CB8AC3E}">
@@ -7318,6 +7545,78 @@
           </a:ln>
         </p:spPr>
       </p:pic>
+      <p:sp>
+        <p:nvSpPr>
+          <p:cNvPr id="6" name="Oval 5">
+            <a:extLst>
+              <a:ext uri="{FF2B5EF4-FFF2-40B4-BE49-F238E27FC236}">
+                <a16:creationId xmlns:a16="http://schemas.microsoft.com/office/drawing/2014/main" id="{9DEFFD9E-8F3D-470D-AE2B-E2AD34000B1A}"/>
+              </a:ext>
+            </a:extLst>
+          </p:cNvPr>
+          <p:cNvSpPr/>
+          <p:nvPr/>
+        </p:nvSpPr>
+        <p:spPr>
+          <a:xfrm>
+            <a:off x="8294896" y="562371"/>
+            <a:ext cx="1979720" cy="945611"/>
+          </a:xfrm>
+          <a:prstGeom prst="ellipse">
+            <a:avLst/>
+          </a:prstGeom>
+          <a:ln w="57150">
+            <a:solidFill>
+              <a:schemeClr val="tx1">
+                <a:lumMod val="85000"/>
+                <a:lumOff val="15000"/>
+              </a:schemeClr>
+            </a:solidFill>
+          </a:ln>
+        </p:spPr>
+        <p:style>
+          <a:lnRef idx="2">
+            <a:schemeClr val="accent4">
+              <a:shade val="50000"/>
+            </a:schemeClr>
+          </a:lnRef>
+          <a:fillRef idx="1">
+            <a:schemeClr val="accent4"/>
+          </a:fillRef>
+          <a:effectRef idx="0">
+            <a:schemeClr val="accent4"/>
+          </a:effectRef>
+          <a:fontRef idx="minor">
+            <a:schemeClr val="lt1"/>
+          </a:fontRef>
+        </p:style>
+        <p:txBody>
+          <a:bodyPr rtlCol="0" anchor="ctr"/>
+          <a:lstStyle/>
+          <a:p>
+            <a:pPr algn="ctr"/>
+            <a:r>
+              <a:rPr lang="en-US" b="1" dirty="0">
+                <a:solidFill>
+                  <a:sysClr val="windowText" lastClr="000000"/>
+                </a:solidFill>
+              </a:rPr>
+              <a:t>SIMPLE</a:t>
+            </a:r>
+          </a:p>
+          <a:p>
+            <a:pPr algn="ctr"/>
+            <a:r>
+              <a:rPr lang="en-US" b="1" dirty="0">
+                <a:solidFill>
+                  <a:sysClr val="windowText" lastClr="000000"/>
+                </a:solidFill>
+              </a:rPr>
+              <a:t>SELECTOR</a:t>
+            </a:r>
+          </a:p>
+        </p:txBody>
+      </p:sp>
     </p:spTree>
     <p:extLst>
       <p:ext uri="{BB962C8B-B14F-4D97-AF65-F5344CB8AC3E}">
@@ -7500,6 +7799,78 @@
           </a:ln>
         </p:spPr>
       </p:pic>
+      <p:sp>
+        <p:nvSpPr>
+          <p:cNvPr id="5" name="Oval 4">
+            <a:extLst>
+              <a:ext uri="{FF2B5EF4-FFF2-40B4-BE49-F238E27FC236}">
+                <a16:creationId xmlns:a16="http://schemas.microsoft.com/office/drawing/2014/main" id="{A8A84760-9B7B-4109-803D-4642EF99B40A}"/>
+              </a:ext>
+            </a:extLst>
+          </p:cNvPr>
+          <p:cNvSpPr/>
+          <p:nvPr/>
+        </p:nvSpPr>
+        <p:spPr>
+          <a:xfrm>
+            <a:off x="8010811" y="562371"/>
+            <a:ext cx="1979720" cy="945611"/>
+          </a:xfrm>
+          <a:prstGeom prst="ellipse">
+            <a:avLst/>
+          </a:prstGeom>
+          <a:ln w="57150">
+            <a:solidFill>
+              <a:schemeClr val="tx1">
+                <a:lumMod val="85000"/>
+                <a:lumOff val="15000"/>
+              </a:schemeClr>
+            </a:solidFill>
+          </a:ln>
+        </p:spPr>
+        <p:style>
+          <a:lnRef idx="2">
+            <a:schemeClr val="accent4">
+              <a:shade val="50000"/>
+            </a:schemeClr>
+          </a:lnRef>
+          <a:fillRef idx="1">
+            <a:schemeClr val="accent4"/>
+          </a:fillRef>
+          <a:effectRef idx="0">
+            <a:schemeClr val="accent4"/>
+          </a:effectRef>
+          <a:fontRef idx="minor">
+            <a:schemeClr val="lt1"/>
+          </a:fontRef>
+        </p:style>
+        <p:txBody>
+          <a:bodyPr rtlCol="0" anchor="ctr"/>
+          <a:lstStyle/>
+          <a:p>
+            <a:pPr algn="ctr"/>
+            <a:r>
+              <a:rPr lang="en-US" b="1" dirty="0">
+                <a:solidFill>
+                  <a:sysClr val="windowText" lastClr="000000"/>
+                </a:solidFill>
+              </a:rPr>
+              <a:t>SIMPLE</a:t>
+            </a:r>
+          </a:p>
+          <a:p>
+            <a:pPr algn="ctr"/>
+            <a:r>
+              <a:rPr lang="en-US" b="1" dirty="0">
+                <a:solidFill>
+                  <a:sysClr val="windowText" lastClr="000000"/>
+                </a:solidFill>
+              </a:rPr>
+              <a:t>SELECTOR</a:t>
+            </a:r>
+          </a:p>
+        </p:txBody>
+      </p:sp>
     </p:spTree>
     <p:extLst>
       <p:ext uri="{BB962C8B-B14F-4D97-AF65-F5344CB8AC3E}">
@@ -7594,7 +7965,7 @@
                 <a:latin typeface="Segoe UI" panose="020B0502040204020203" pitchFamily="34" charset="0"/>
                 <a:cs typeface="Segoe UI" panose="020B0502040204020203" pitchFamily="34" charset="0"/>
               </a:rPr>
-              <a:t>Advanced selectors</a:t>
+              <a:t>Combinator selectors</a:t>
             </a:r>
             <a:endParaRPr lang="en-US" sz="4000" b="1" dirty="0">
               <a:solidFill>
@@ -7624,7 +7995,7 @@
         <p:spPr>
           <a:xfrm>
             <a:off x="985071" y="1669833"/>
-            <a:ext cx="9579355" cy="369332"/>
+            <a:ext cx="10103139" cy="2585323"/>
           </a:xfrm>
           <a:prstGeom prst="rect">
             <a:avLst/>
@@ -7642,7 +8013,155 @@
                 <a:latin typeface="Segoe UI" panose="020B0502040204020203" pitchFamily="34" charset="0"/>
                 <a:cs typeface="Segoe UI" panose="020B0502040204020203" pitchFamily="34" charset="0"/>
               </a:rPr>
-              <a:t>https://www.webdevelopmentinstitute.com/blog/css-advanced-selectors</a:t>
+              <a:t>A CSS selector can contain more than one simple selector. Between the simple selectors, we can include a combinator.</a:t>
+            </a:r>
+          </a:p>
+          <a:p>
+            <a:endParaRPr lang="en-US" dirty="0">
+              <a:latin typeface="Segoe UI" panose="020B0502040204020203" pitchFamily="34" charset="0"/>
+              <a:cs typeface="Segoe UI" panose="020B0502040204020203" pitchFamily="34" charset="0"/>
+            </a:endParaRPr>
+          </a:p>
+          <a:p>
+            <a:r>
+              <a:rPr lang="en-US" dirty="0">
+                <a:latin typeface="Segoe UI" panose="020B0502040204020203" pitchFamily="34" charset="0"/>
+                <a:cs typeface="Segoe UI" panose="020B0502040204020203" pitchFamily="34" charset="0"/>
+              </a:rPr>
+              <a:t>There are four different combinators in CSS:</a:t>
+            </a:r>
+          </a:p>
+          <a:p>
+            <a:endParaRPr lang="en-US" dirty="0">
+              <a:latin typeface="Segoe UI" panose="020B0502040204020203" pitchFamily="34" charset="0"/>
+              <a:cs typeface="Segoe UI" panose="020B0502040204020203" pitchFamily="34" charset="0"/>
+            </a:endParaRPr>
+          </a:p>
+          <a:p>
+            <a:pPr marL="342900" indent="-342900">
+              <a:buFont typeface="+mj-lt"/>
+              <a:buAutoNum type="arabicPeriod"/>
+            </a:pPr>
+            <a:r>
+              <a:rPr lang="en-US" dirty="0">
+                <a:latin typeface="Segoe UI" panose="020B0502040204020203" pitchFamily="34" charset="0"/>
+                <a:cs typeface="Segoe UI" panose="020B0502040204020203" pitchFamily="34" charset="0"/>
+              </a:rPr>
+              <a:t>descendant selector (space)</a:t>
+            </a:r>
+          </a:p>
+          <a:p>
+            <a:pPr marL="342900" indent="-342900">
+              <a:buFont typeface="+mj-lt"/>
+              <a:buAutoNum type="arabicPeriod"/>
+            </a:pPr>
+            <a:r>
+              <a:rPr lang="en-US" dirty="0">
+                <a:latin typeface="Segoe UI" panose="020B0502040204020203" pitchFamily="34" charset="0"/>
+                <a:cs typeface="Segoe UI" panose="020B0502040204020203" pitchFamily="34" charset="0"/>
+              </a:rPr>
+              <a:t>child selector (&gt;)</a:t>
+            </a:r>
+          </a:p>
+          <a:p>
+            <a:pPr marL="342900" indent="-342900">
+              <a:buFont typeface="+mj-lt"/>
+              <a:buAutoNum type="arabicPeriod"/>
+            </a:pPr>
+            <a:r>
+              <a:rPr lang="en-US" dirty="0">
+                <a:latin typeface="Segoe UI" panose="020B0502040204020203" pitchFamily="34" charset="0"/>
+                <a:cs typeface="Segoe UI" panose="020B0502040204020203" pitchFamily="34" charset="0"/>
+              </a:rPr>
+              <a:t>adjacent sibling selector (+)</a:t>
+            </a:r>
+          </a:p>
+          <a:p>
+            <a:pPr marL="342900" indent="-342900">
+              <a:buFont typeface="+mj-lt"/>
+              <a:buAutoNum type="arabicPeriod"/>
+            </a:pPr>
+            <a:r>
+              <a:rPr lang="en-US" dirty="0">
+                <a:latin typeface="Segoe UI" panose="020B0502040204020203" pitchFamily="34" charset="0"/>
+                <a:cs typeface="Segoe UI" panose="020B0502040204020203" pitchFamily="34" charset="0"/>
+              </a:rPr>
+              <a:t>general sibling selector (~)</a:t>
+            </a:r>
+          </a:p>
+        </p:txBody>
+      </p:sp>
+      <p:sp>
+        <p:nvSpPr>
+          <p:cNvPr id="6" name="Oval 5">
+            <a:extLst>
+              <a:ext uri="{FF2B5EF4-FFF2-40B4-BE49-F238E27FC236}">
+                <a16:creationId xmlns:a16="http://schemas.microsoft.com/office/drawing/2014/main" id="{F879A979-24CC-4C17-B5B2-519CA50C48B9}"/>
+              </a:ext>
+            </a:extLst>
+          </p:cNvPr>
+          <p:cNvSpPr/>
+          <p:nvPr/>
+        </p:nvSpPr>
+        <p:spPr>
+          <a:xfrm>
+            <a:off x="8010810" y="562371"/>
+            <a:ext cx="2311749" cy="945611"/>
+          </a:xfrm>
+          <a:prstGeom prst="ellipse">
+            <a:avLst/>
+          </a:prstGeom>
+          <a:solidFill>
+            <a:schemeClr val="accent2"/>
+          </a:solidFill>
+          <a:ln w="57150">
+            <a:solidFill>
+              <a:schemeClr val="tx1">
+                <a:lumMod val="85000"/>
+                <a:lumOff val="15000"/>
+              </a:schemeClr>
+            </a:solidFill>
+          </a:ln>
+        </p:spPr>
+        <p:style>
+          <a:lnRef idx="2">
+            <a:schemeClr val="accent4">
+              <a:shade val="50000"/>
+            </a:schemeClr>
+          </a:lnRef>
+          <a:fillRef idx="1">
+            <a:schemeClr val="accent4"/>
+          </a:fillRef>
+          <a:effectRef idx="0">
+            <a:schemeClr val="accent4"/>
+          </a:effectRef>
+          <a:fontRef idx="minor">
+            <a:schemeClr val="lt1"/>
+          </a:fontRef>
+        </p:style>
+        <p:txBody>
+          <a:bodyPr rtlCol="0" anchor="ctr"/>
+          <a:lstStyle/>
+          <a:p>
+            <a:pPr algn="ctr"/>
+            <a:r>
+              <a:rPr lang="en-US" b="1" dirty="0">
+                <a:solidFill>
+                  <a:sysClr val="windowText" lastClr="000000"/>
+                </a:solidFill>
+              </a:rPr>
+              <a:t>COMBINATOR</a:t>
+            </a:r>
+          </a:p>
+          <a:p>
+            <a:pPr algn="ctr"/>
+            <a:r>
+              <a:rPr lang="en-US" b="1" dirty="0">
+                <a:solidFill>
+                  <a:sysClr val="windowText" lastClr="000000"/>
+                </a:solidFill>
+              </a:rPr>
+              <a:t>SELECTOR</a:t>
             </a:r>
           </a:p>
         </p:txBody>
@@ -7679,10 +8198,10 @@
       </p:grpSpPr>
       <p:sp>
         <p:nvSpPr>
-          <p:cNvPr id="3" name="Subtitle 2">
+          <p:cNvPr id="2" name="Title 1">
             <a:extLst>
               <a:ext uri="{FF2B5EF4-FFF2-40B4-BE49-F238E27FC236}">
-                <a16:creationId xmlns:a16="http://schemas.microsoft.com/office/drawing/2014/main" id="{A584C4F9-6E08-478B-9CFF-E6852DBE2EC0}"/>
+                <a16:creationId xmlns:a16="http://schemas.microsoft.com/office/drawing/2014/main" id="{2D4E4121-CDC8-41BA-846E-58655BA90FCF}"/>
               </a:ext>
             </a:extLst>
           </p:cNvPr>
@@ -7690,296 +8209,18 @@
             <a:spLocks noGrp="1"/>
           </p:cNvSpPr>
           <p:nvPr>
-            <p:ph type="subTitle" idx="1"/>
+            <p:ph type="ctrTitle"/>
           </p:nvPr>
         </p:nvSpPr>
         <p:spPr>
           <a:xfrm>
-            <a:off x="1393793" y="1882067"/>
-            <a:ext cx="8859916" cy="3986073"/>
-          </a:xfrm>
-          <a:ln>
-            <a:noFill/>
-          </a:ln>
-        </p:spPr>
-        <p:txBody>
-          <a:bodyPr>
-            <a:normAutofit/>
-          </a:bodyPr>
+            <a:off x="985071" y="375999"/>
+            <a:ext cx="7766936" cy="970133"/>
+          </a:xfrm>
+        </p:spPr>
+        <p:txBody>
+          <a:bodyPr/>
           <a:lstStyle/>
-          <a:p>
-            <a:pPr algn="l"/>
-            <a:r>
-              <a:rPr lang="en-US" dirty="0">
-                <a:solidFill>
-                  <a:schemeClr val="tx1"/>
-                </a:solidFill>
-                <a:latin typeface="Segoe UI" panose="020B0502040204020203" pitchFamily="34" charset="0"/>
-                <a:cs typeface="Segoe UI" panose="020B0502040204020203" pitchFamily="34" charset="0"/>
-              </a:rPr>
-              <a:t>The position property specifies the type of positioning method used for an element.</a:t>
-            </a:r>
-          </a:p>
-          <a:p>
-            <a:pPr algn="l"/>
-            <a:endParaRPr lang="en-US" dirty="0">
-              <a:solidFill>
-                <a:schemeClr val="tx1"/>
-              </a:solidFill>
-              <a:latin typeface="Segoe UI" panose="020B0502040204020203" pitchFamily="34" charset="0"/>
-              <a:cs typeface="Segoe UI" panose="020B0502040204020203" pitchFamily="34" charset="0"/>
-            </a:endParaRPr>
-          </a:p>
-          <a:p>
-            <a:pPr algn="l"/>
-            <a:r>
-              <a:rPr lang="en-US" dirty="0">
-                <a:solidFill>
-                  <a:schemeClr val="tx1"/>
-                </a:solidFill>
-                <a:latin typeface="Segoe UI" panose="020B0502040204020203" pitchFamily="34" charset="0"/>
-                <a:cs typeface="Segoe UI" panose="020B0502040204020203" pitchFamily="34" charset="0"/>
-              </a:rPr>
-              <a:t>There are </a:t>
-            </a:r>
-            <a:r>
-              <a:rPr lang="en-US" b="1" dirty="0">
-                <a:solidFill>
-                  <a:schemeClr val="tx1"/>
-                </a:solidFill>
-                <a:latin typeface="Segoe UI" panose="020B0502040204020203" pitchFamily="34" charset="0"/>
-                <a:cs typeface="Segoe UI" panose="020B0502040204020203" pitchFamily="34" charset="0"/>
-              </a:rPr>
-              <a:t>five </a:t>
-            </a:r>
-            <a:r>
-              <a:rPr lang="en-US" dirty="0">
-                <a:solidFill>
-                  <a:schemeClr val="tx1"/>
-                </a:solidFill>
-                <a:latin typeface="Segoe UI" panose="020B0502040204020203" pitchFamily="34" charset="0"/>
-                <a:cs typeface="Segoe UI" panose="020B0502040204020203" pitchFamily="34" charset="0"/>
-              </a:rPr>
-              <a:t>different position values:</a:t>
-            </a:r>
-          </a:p>
-          <a:p>
-            <a:pPr marL="342900" indent="-342900" algn="l">
-              <a:buFont typeface="+mj-lt"/>
-              <a:buAutoNum type="arabicPeriod"/>
-            </a:pPr>
-            <a:r>
-              <a:rPr lang="en-US" dirty="0">
-                <a:solidFill>
-                  <a:schemeClr val="tx1"/>
-                </a:solidFill>
-                <a:latin typeface="Segoe UI" panose="020B0502040204020203" pitchFamily="34" charset="0"/>
-                <a:cs typeface="Segoe UI" panose="020B0502040204020203" pitchFamily="34" charset="0"/>
-              </a:rPr>
-              <a:t>Static</a:t>
-            </a:r>
-          </a:p>
-          <a:p>
-            <a:pPr marL="342900" indent="-342900" algn="l">
-              <a:buFont typeface="+mj-lt"/>
-              <a:buAutoNum type="arabicPeriod"/>
-            </a:pPr>
-            <a:r>
-              <a:rPr lang="en-US" dirty="0">
-                <a:solidFill>
-                  <a:schemeClr val="tx1"/>
-                </a:solidFill>
-                <a:latin typeface="Segoe UI" panose="020B0502040204020203" pitchFamily="34" charset="0"/>
-                <a:cs typeface="Segoe UI" panose="020B0502040204020203" pitchFamily="34" charset="0"/>
-              </a:rPr>
-              <a:t>Relative</a:t>
-            </a:r>
-          </a:p>
-          <a:p>
-            <a:pPr marL="342900" indent="-342900" algn="l">
-              <a:buFont typeface="+mj-lt"/>
-              <a:buAutoNum type="arabicPeriod"/>
-            </a:pPr>
-            <a:r>
-              <a:rPr lang="en-US" dirty="0">
-                <a:solidFill>
-                  <a:schemeClr val="tx1"/>
-                </a:solidFill>
-                <a:latin typeface="Segoe UI" panose="020B0502040204020203" pitchFamily="34" charset="0"/>
-                <a:cs typeface="Segoe UI" panose="020B0502040204020203" pitchFamily="34" charset="0"/>
-              </a:rPr>
-              <a:t>Fixed</a:t>
-            </a:r>
-          </a:p>
-          <a:p>
-            <a:pPr marL="342900" indent="-342900" algn="l">
-              <a:buFont typeface="+mj-lt"/>
-              <a:buAutoNum type="arabicPeriod"/>
-            </a:pPr>
-            <a:r>
-              <a:rPr lang="en-US" dirty="0">
-                <a:solidFill>
-                  <a:schemeClr val="tx1"/>
-                </a:solidFill>
-                <a:latin typeface="Segoe UI" panose="020B0502040204020203" pitchFamily="34" charset="0"/>
-                <a:cs typeface="Segoe UI" panose="020B0502040204020203" pitchFamily="34" charset="0"/>
-              </a:rPr>
-              <a:t>Absolute</a:t>
-            </a:r>
-          </a:p>
-          <a:p>
-            <a:pPr marL="342900" indent="-342900" algn="l">
-              <a:buFont typeface="+mj-lt"/>
-              <a:buAutoNum type="arabicPeriod"/>
-            </a:pPr>
-            <a:r>
-              <a:rPr lang="en-US" dirty="0">
-                <a:solidFill>
-                  <a:schemeClr val="tx1"/>
-                </a:solidFill>
-                <a:latin typeface="Segoe UI" panose="020B0502040204020203" pitchFamily="34" charset="0"/>
-                <a:cs typeface="Segoe UI" panose="020B0502040204020203" pitchFamily="34" charset="0"/>
-              </a:rPr>
-              <a:t>Sticky</a:t>
-            </a:r>
-          </a:p>
-          <a:p>
-            <a:pPr marL="342900" indent="-342900" algn="l">
-              <a:buFont typeface="+mj-lt"/>
-              <a:buAutoNum type="arabicPeriod"/>
-            </a:pPr>
-            <a:endParaRPr lang="en-US" dirty="0">
-              <a:solidFill>
-                <a:schemeClr val="tx1"/>
-              </a:solidFill>
-              <a:latin typeface="Segoe UI" panose="020B0502040204020203" pitchFamily="34" charset="0"/>
-              <a:cs typeface="Segoe UI" panose="020B0502040204020203" pitchFamily="34" charset="0"/>
-            </a:endParaRPr>
-          </a:p>
-          <a:p>
-            <a:pPr algn="l"/>
-            <a:r>
-              <a:rPr lang="en-US" dirty="0">
-                <a:solidFill>
-                  <a:schemeClr val="tx1"/>
-                </a:solidFill>
-                <a:latin typeface="Segoe UI" panose="020B0502040204020203" pitchFamily="34" charset="0"/>
-                <a:cs typeface="Segoe UI" panose="020B0502040204020203" pitchFamily="34" charset="0"/>
-              </a:rPr>
-              <a:t>https://www.w3schools.com/css/css_positioning.asp</a:t>
-            </a:r>
-          </a:p>
-          <a:p>
-            <a:pPr algn="l"/>
-            <a:endParaRPr lang="en-US" dirty="0">
-              <a:solidFill>
-                <a:schemeClr val="tx1"/>
-              </a:solidFill>
-              <a:latin typeface="Segoe UI" panose="020B0502040204020203" pitchFamily="34" charset="0"/>
-              <a:cs typeface="Segoe UI" panose="020B0502040204020203" pitchFamily="34" charset="0"/>
-            </a:endParaRPr>
-          </a:p>
-        </p:txBody>
-      </p:sp>
-      <p:sp>
-        <p:nvSpPr>
-          <p:cNvPr id="7" name="Title 1">
-            <a:extLst>
-              <a:ext uri="{FF2B5EF4-FFF2-40B4-BE49-F238E27FC236}">
-                <a16:creationId xmlns:a16="http://schemas.microsoft.com/office/drawing/2014/main" id="{58DD303D-6A5A-43C0-946C-E2A29CE022F1}"/>
-              </a:ext>
-            </a:extLst>
-          </p:cNvPr>
-          <p:cNvSpPr txBox="1">
-            <a:spLocks/>
-          </p:cNvSpPr>
-          <p:nvPr/>
-        </p:nvSpPr>
-        <p:spPr>
-          <a:xfrm>
-            <a:off x="1154321" y="375999"/>
-            <a:ext cx="7766936" cy="970133"/>
-          </a:xfrm>
-          <a:prstGeom prst="rect">
-            <a:avLst/>
-          </a:prstGeom>
-        </p:spPr>
-        <p:txBody>
-          <a:bodyPr vert="horz" lIns="91440" tIns="45720" rIns="91440" bIns="45720" rtlCol="0" anchor="b">
-            <a:noAutofit/>
-          </a:bodyPr>
-          <a:lstStyle>
-            <a:lvl1pPr algn="r" defTabSz="457200" rtl="0" eaLnBrk="1" latinLnBrk="0" hangingPunct="1">
-              <a:spcBef>
-                <a:spcPct val="0"/>
-              </a:spcBef>
-              <a:buNone/>
-              <a:defRPr sz="5400" kern="1200">
-                <a:solidFill>
-                  <a:schemeClr val="accent1"/>
-                </a:solidFill>
-                <a:latin typeface="+mj-lt"/>
-                <a:ea typeface="+mj-ea"/>
-                <a:cs typeface="+mj-cs"/>
-              </a:defRPr>
-            </a:lvl1pPr>
-            <a:lvl2pPr eaLnBrk="1" hangingPunct="1">
-              <a:defRPr>
-                <a:solidFill>
-                  <a:schemeClr val="tx2"/>
-                </a:solidFill>
-              </a:defRPr>
-            </a:lvl2pPr>
-            <a:lvl3pPr eaLnBrk="1" hangingPunct="1">
-              <a:defRPr>
-                <a:solidFill>
-                  <a:schemeClr val="tx2"/>
-                </a:solidFill>
-              </a:defRPr>
-            </a:lvl3pPr>
-            <a:lvl4pPr eaLnBrk="1" hangingPunct="1">
-              <a:defRPr>
-                <a:solidFill>
-                  <a:schemeClr val="tx2"/>
-                </a:solidFill>
-              </a:defRPr>
-            </a:lvl4pPr>
-            <a:lvl5pPr eaLnBrk="1" hangingPunct="1">
-              <a:defRPr>
-                <a:solidFill>
-                  <a:schemeClr val="tx2"/>
-                </a:solidFill>
-              </a:defRPr>
-            </a:lvl5pPr>
-            <a:lvl6pPr eaLnBrk="1" hangingPunct="1">
-              <a:defRPr>
-                <a:solidFill>
-                  <a:schemeClr val="tx2"/>
-                </a:solidFill>
-              </a:defRPr>
-            </a:lvl6pPr>
-            <a:lvl7pPr eaLnBrk="1" hangingPunct="1">
-              <a:defRPr>
-                <a:solidFill>
-                  <a:schemeClr val="tx2"/>
-                </a:solidFill>
-              </a:defRPr>
-            </a:lvl7pPr>
-            <a:lvl8pPr eaLnBrk="1" hangingPunct="1">
-              <a:defRPr>
-                <a:solidFill>
-                  <a:schemeClr val="tx2"/>
-                </a:solidFill>
-              </a:defRPr>
-            </a:lvl8pPr>
-            <a:lvl9pPr eaLnBrk="1" hangingPunct="1">
-              <a:defRPr>
-                <a:solidFill>
-                  <a:schemeClr val="tx2"/>
-                </a:solidFill>
-              </a:defRPr>
-            </a:lvl9pPr>
-          </a:lstStyle>
           <a:p>
             <a:pPr algn="l"/>
             <a:r>
@@ -8006,7 +8247,7 @@
                 <a:latin typeface="Segoe UI" panose="020B0502040204020203" pitchFamily="34" charset="0"/>
                 <a:cs typeface="Segoe UI" panose="020B0502040204020203" pitchFamily="34" charset="0"/>
               </a:rPr>
-              <a:t> | </a:t>
+              <a:t> | D</a:t>
             </a:r>
             <a:r>
               <a:rPr lang="en-US" sz="4000" dirty="0">
@@ -8019,7 +8260,7 @@
                 <a:latin typeface="Segoe UI" panose="020B0502040204020203" pitchFamily="34" charset="0"/>
                 <a:cs typeface="Segoe UI" panose="020B0502040204020203" pitchFamily="34" charset="0"/>
               </a:rPr>
-              <a:t>Position property</a:t>
+              <a:t>escendent Selector</a:t>
             </a:r>
             <a:endParaRPr lang="en-US" sz="4000" b="1" dirty="0">
               <a:solidFill>
@@ -8034,10 +8275,339 @@
           </a:p>
         </p:txBody>
       </p:sp>
+      <p:pic>
+        <p:nvPicPr>
+          <p:cNvPr id="5" name="Picture 4">
+            <a:extLst>
+              <a:ext uri="{FF2B5EF4-FFF2-40B4-BE49-F238E27FC236}">
+                <a16:creationId xmlns:a16="http://schemas.microsoft.com/office/drawing/2014/main" id="{FAE8F202-FBAE-4B86-8485-F62F55FDB4EB}"/>
+              </a:ext>
+            </a:extLst>
+          </p:cNvPr>
+          <p:cNvPicPr>
+            <a:picLocks noChangeAspect="1"/>
+          </p:cNvPicPr>
+          <p:nvPr/>
+        </p:nvPicPr>
+        <p:blipFill>
+          <a:blip r:embed="rId2"/>
+          <a:stretch>
+            <a:fillRect/>
+          </a:stretch>
+        </p:blipFill>
+        <p:spPr>
+          <a:xfrm>
+            <a:off x="985071" y="1431782"/>
+            <a:ext cx="10097627" cy="5159518"/>
+          </a:xfrm>
+          <a:prstGeom prst="rect">
+            <a:avLst/>
+          </a:prstGeom>
+        </p:spPr>
+      </p:pic>
+      <p:sp>
+        <p:nvSpPr>
+          <p:cNvPr id="6" name="Oval 5">
+            <a:extLst>
+              <a:ext uri="{FF2B5EF4-FFF2-40B4-BE49-F238E27FC236}">
+                <a16:creationId xmlns:a16="http://schemas.microsoft.com/office/drawing/2014/main" id="{1B90DF56-2633-4B39-A801-9FAB1C9C265E}"/>
+              </a:ext>
+            </a:extLst>
+          </p:cNvPr>
+          <p:cNvSpPr/>
+          <p:nvPr/>
+        </p:nvSpPr>
+        <p:spPr>
+          <a:xfrm>
+            <a:off x="8614060" y="486171"/>
+            <a:ext cx="2311749" cy="945611"/>
+          </a:xfrm>
+          <a:prstGeom prst="ellipse">
+            <a:avLst/>
+          </a:prstGeom>
+          <a:solidFill>
+            <a:schemeClr val="accent2"/>
+          </a:solidFill>
+          <a:ln w="57150">
+            <a:solidFill>
+              <a:schemeClr val="tx1">
+                <a:lumMod val="85000"/>
+                <a:lumOff val="15000"/>
+              </a:schemeClr>
+            </a:solidFill>
+          </a:ln>
+        </p:spPr>
+        <p:style>
+          <a:lnRef idx="2">
+            <a:schemeClr val="accent4">
+              <a:shade val="50000"/>
+            </a:schemeClr>
+          </a:lnRef>
+          <a:fillRef idx="1">
+            <a:schemeClr val="accent4"/>
+          </a:fillRef>
+          <a:effectRef idx="0">
+            <a:schemeClr val="accent4"/>
+          </a:effectRef>
+          <a:fontRef idx="minor">
+            <a:schemeClr val="lt1"/>
+          </a:fontRef>
+        </p:style>
+        <p:txBody>
+          <a:bodyPr rtlCol="0" anchor="ctr"/>
+          <a:lstStyle/>
+          <a:p>
+            <a:pPr algn="ctr"/>
+            <a:r>
+              <a:rPr lang="en-US" b="1" dirty="0">
+                <a:solidFill>
+                  <a:sysClr val="windowText" lastClr="000000"/>
+                </a:solidFill>
+              </a:rPr>
+              <a:t>COMBINATOR</a:t>
+            </a:r>
+          </a:p>
+          <a:p>
+            <a:pPr algn="ctr"/>
+            <a:r>
+              <a:rPr lang="en-US" b="1" dirty="0">
+                <a:solidFill>
+                  <a:sysClr val="windowText" lastClr="000000"/>
+                </a:solidFill>
+              </a:rPr>
+              <a:t>SELECTOR</a:t>
+            </a:r>
+          </a:p>
+        </p:txBody>
+      </p:sp>
+      <p:sp>
+        <p:nvSpPr>
+          <p:cNvPr id="7" name="Rectangle 6">
+            <a:extLst>
+              <a:ext uri="{FF2B5EF4-FFF2-40B4-BE49-F238E27FC236}">
+                <a16:creationId xmlns:a16="http://schemas.microsoft.com/office/drawing/2014/main" id="{5CEA98F8-21ED-48C4-9AC2-BA0FB081D9B1}"/>
+              </a:ext>
+            </a:extLst>
+          </p:cNvPr>
+          <p:cNvSpPr/>
+          <p:nvPr/>
+        </p:nvSpPr>
+        <p:spPr>
+          <a:xfrm>
+            <a:off x="985071" y="2031392"/>
+            <a:ext cx="2367729" cy="908657"/>
+          </a:xfrm>
+          <a:prstGeom prst="rect">
+            <a:avLst/>
+          </a:prstGeom>
+          <a:noFill/>
+          <a:ln w="57150">
+            <a:solidFill>
+              <a:srgbClr val="C00000"/>
+            </a:solidFill>
+          </a:ln>
+        </p:spPr>
+        <p:style>
+          <a:lnRef idx="2">
+            <a:schemeClr val="accent1">
+              <a:shade val="50000"/>
+            </a:schemeClr>
+          </a:lnRef>
+          <a:fillRef idx="1">
+            <a:schemeClr val="accent1"/>
+          </a:fillRef>
+          <a:effectRef idx="0">
+            <a:schemeClr val="accent1"/>
+          </a:effectRef>
+          <a:fontRef idx="minor">
+            <a:schemeClr val="lt1"/>
+          </a:fontRef>
+        </p:style>
+        <p:txBody>
+          <a:bodyPr rtlCol="0" anchor="ctr"/>
+          <a:lstStyle/>
+          <a:p>
+            <a:pPr algn="ctr"/>
+            <a:endParaRPr lang="en-US"/>
+          </a:p>
+        </p:txBody>
+      </p:sp>
+      <p:sp>
+        <p:nvSpPr>
+          <p:cNvPr id="10" name="Rectangle 9">
+            <a:extLst>
+              <a:ext uri="{FF2B5EF4-FFF2-40B4-BE49-F238E27FC236}">
+                <a16:creationId xmlns:a16="http://schemas.microsoft.com/office/drawing/2014/main" id="{645EFA3D-80F3-4C4C-933E-D883DCE047D7}"/>
+              </a:ext>
+            </a:extLst>
+          </p:cNvPr>
+          <p:cNvSpPr/>
+          <p:nvPr/>
+        </p:nvSpPr>
+        <p:spPr>
+          <a:xfrm>
+            <a:off x="6295676" y="2009168"/>
+            <a:ext cx="4630133" cy="565150"/>
+          </a:xfrm>
+          <a:prstGeom prst="rect">
+            <a:avLst/>
+          </a:prstGeom>
+          <a:noFill/>
+          <a:ln w="57150">
+            <a:solidFill>
+              <a:srgbClr val="00B050"/>
+            </a:solidFill>
+          </a:ln>
+        </p:spPr>
+        <p:style>
+          <a:lnRef idx="2">
+            <a:schemeClr val="accent1">
+              <a:shade val="50000"/>
+            </a:schemeClr>
+          </a:lnRef>
+          <a:fillRef idx="1">
+            <a:schemeClr val="accent1"/>
+          </a:fillRef>
+          <a:effectRef idx="0">
+            <a:schemeClr val="accent1"/>
+          </a:effectRef>
+          <a:fontRef idx="minor">
+            <a:schemeClr val="lt1"/>
+          </a:fontRef>
+        </p:style>
+        <p:txBody>
+          <a:bodyPr rtlCol="0" anchor="ctr"/>
+          <a:lstStyle/>
+          <a:p>
+            <a:pPr algn="ctr"/>
+            <a:endParaRPr lang="en-US"/>
+          </a:p>
+        </p:txBody>
+      </p:sp>
+      <p:sp>
+        <p:nvSpPr>
+          <p:cNvPr id="13" name="Arrow: Right 12">
+            <a:extLst>
+              <a:ext uri="{FF2B5EF4-FFF2-40B4-BE49-F238E27FC236}">
+                <a16:creationId xmlns:a16="http://schemas.microsoft.com/office/drawing/2014/main" id="{52A57BCE-6302-4BD1-B5F2-59BDD689825A}"/>
+              </a:ext>
+            </a:extLst>
+          </p:cNvPr>
+          <p:cNvSpPr/>
+          <p:nvPr/>
+        </p:nvSpPr>
+        <p:spPr>
+          <a:xfrm rot="10800000" flipV="1">
+            <a:off x="3498060" y="2485720"/>
+            <a:ext cx="1239039" cy="574581"/>
+          </a:xfrm>
+          <a:prstGeom prst="rightArrow">
+            <a:avLst/>
+          </a:prstGeom>
+          <a:solidFill>
+            <a:srgbClr val="C00000"/>
+          </a:solidFill>
+          <a:ln w="38100">
+            <a:solidFill>
+              <a:schemeClr val="tx1">
+                <a:lumMod val="85000"/>
+                <a:lumOff val="15000"/>
+              </a:schemeClr>
+            </a:solidFill>
+          </a:ln>
+        </p:spPr>
+        <p:style>
+          <a:lnRef idx="2">
+            <a:schemeClr val="accent1">
+              <a:shade val="50000"/>
+            </a:schemeClr>
+          </a:lnRef>
+          <a:fillRef idx="1">
+            <a:schemeClr val="accent1"/>
+          </a:fillRef>
+          <a:effectRef idx="0">
+            <a:schemeClr val="accent1"/>
+          </a:effectRef>
+          <a:fontRef idx="minor">
+            <a:schemeClr val="lt1"/>
+          </a:fontRef>
+        </p:style>
+        <p:txBody>
+          <a:bodyPr rtlCol="0" anchor="ctr"/>
+          <a:lstStyle/>
+          <a:p>
+            <a:pPr algn="ctr"/>
+            <a:r>
+              <a:rPr lang="en-US" dirty="0"/>
+              <a:t>Selector</a:t>
+            </a:r>
+          </a:p>
+        </p:txBody>
+      </p:sp>
+      <p:sp>
+        <p:nvSpPr>
+          <p:cNvPr id="14" name="Arrow: Right 13">
+            <a:extLst>
+              <a:ext uri="{FF2B5EF4-FFF2-40B4-BE49-F238E27FC236}">
+                <a16:creationId xmlns:a16="http://schemas.microsoft.com/office/drawing/2014/main" id="{0234E921-46D2-4169-97A8-D261D3056277}"/>
+              </a:ext>
+            </a:extLst>
+          </p:cNvPr>
+          <p:cNvSpPr/>
+          <p:nvPr/>
+        </p:nvSpPr>
+        <p:spPr>
+          <a:xfrm>
+            <a:off x="5054826" y="1989814"/>
+            <a:ext cx="979058" cy="603858"/>
+          </a:xfrm>
+          <a:prstGeom prst="rightArrow">
+            <a:avLst/>
+          </a:prstGeom>
+          <a:solidFill>
+            <a:srgbClr val="00B050"/>
+          </a:solidFill>
+          <a:ln w="38100">
+            <a:solidFill>
+              <a:schemeClr val="tx1">
+                <a:lumMod val="85000"/>
+                <a:lumOff val="15000"/>
+              </a:schemeClr>
+            </a:solidFill>
+          </a:ln>
+        </p:spPr>
+        <p:style>
+          <a:lnRef idx="2">
+            <a:schemeClr val="accent1">
+              <a:shade val="50000"/>
+            </a:schemeClr>
+          </a:lnRef>
+          <a:fillRef idx="1">
+            <a:schemeClr val="accent1"/>
+          </a:fillRef>
+          <a:effectRef idx="0">
+            <a:schemeClr val="accent1"/>
+          </a:effectRef>
+          <a:fontRef idx="minor">
+            <a:schemeClr val="lt1"/>
+          </a:fontRef>
+        </p:style>
+        <p:txBody>
+          <a:bodyPr rtlCol="0" anchor="ctr"/>
+          <a:lstStyle/>
+          <a:p>
+            <a:pPr algn="ctr"/>
+            <a:r>
+              <a:rPr lang="en-US" dirty="0"/>
+              <a:t>Desc</a:t>
+            </a:r>
+          </a:p>
+        </p:txBody>
+      </p:sp>
     </p:spTree>
     <p:extLst>
       <p:ext uri="{BB962C8B-B14F-4D97-AF65-F5344CB8AC3E}">
-        <p14:creationId xmlns:p14="http://schemas.microsoft.com/office/powerpoint/2010/main" val="3479481660"/>
+        <p14:creationId xmlns:p14="http://schemas.microsoft.com/office/powerpoint/2010/main" val="1956089824"/>
       </p:ext>
     </p:extLst>
   </p:cSld>
@@ -8066,103 +8636,29 @@
       </p:grpSpPr>
       <p:sp>
         <p:nvSpPr>
-          <p:cNvPr id="7" name="Title 1">
+          <p:cNvPr id="2" name="Title 1">
             <a:extLst>
               <a:ext uri="{FF2B5EF4-FFF2-40B4-BE49-F238E27FC236}">
-                <a16:creationId xmlns:a16="http://schemas.microsoft.com/office/drawing/2014/main" id="{58DD303D-6A5A-43C0-946C-E2A29CE022F1}"/>
+                <a16:creationId xmlns:a16="http://schemas.microsoft.com/office/drawing/2014/main" id="{2D4E4121-CDC8-41BA-846E-58655BA90FCF}"/>
               </a:ext>
             </a:extLst>
           </p:cNvPr>
-          <p:cNvSpPr txBox="1">
-            <a:spLocks/>
+          <p:cNvSpPr>
+            <a:spLocks noGrp="1"/>
           </p:cNvSpPr>
-          <p:nvPr/>
-        </p:nvSpPr>
-        <p:spPr>
-          <a:xfrm>
-            <a:off x="1154321" y="375999"/>
+          <p:nvPr>
+            <p:ph type="ctrTitle"/>
+          </p:nvPr>
+        </p:nvSpPr>
+        <p:spPr>
+          <a:xfrm>
+            <a:off x="985071" y="362452"/>
             <a:ext cx="7766936" cy="970133"/>
           </a:xfrm>
-          <a:prstGeom prst="rect">
-            <a:avLst/>
-          </a:prstGeom>
-        </p:spPr>
-        <p:txBody>
-          <a:bodyPr vert="horz" lIns="91440" tIns="45720" rIns="91440" bIns="45720" rtlCol="0" anchor="b">
-            <a:noAutofit/>
-          </a:bodyPr>
-          <a:lstStyle>
-            <a:lvl1pPr algn="r" defTabSz="457200" rtl="0" eaLnBrk="1" latinLnBrk="0" hangingPunct="1">
-              <a:spcBef>
-                <a:spcPct val="0"/>
-              </a:spcBef>
-              <a:buNone/>
-              <a:defRPr sz="5400" kern="1200">
-                <a:solidFill>
-                  <a:schemeClr val="accent1"/>
-                </a:solidFill>
-                <a:latin typeface="+mj-lt"/>
-                <a:ea typeface="+mj-ea"/>
-                <a:cs typeface="+mj-cs"/>
-              </a:defRPr>
-            </a:lvl1pPr>
-            <a:lvl2pPr eaLnBrk="1" hangingPunct="1">
-              <a:defRPr>
-                <a:solidFill>
-                  <a:schemeClr val="tx2"/>
-                </a:solidFill>
-              </a:defRPr>
-            </a:lvl2pPr>
-            <a:lvl3pPr eaLnBrk="1" hangingPunct="1">
-              <a:defRPr>
-                <a:solidFill>
-                  <a:schemeClr val="tx2"/>
-                </a:solidFill>
-              </a:defRPr>
-            </a:lvl3pPr>
-            <a:lvl4pPr eaLnBrk="1" hangingPunct="1">
-              <a:defRPr>
-                <a:solidFill>
-                  <a:schemeClr val="tx2"/>
-                </a:solidFill>
-              </a:defRPr>
-            </a:lvl4pPr>
-            <a:lvl5pPr eaLnBrk="1" hangingPunct="1">
-              <a:defRPr>
-                <a:solidFill>
-                  <a:schemeClr val="tx2"/>
-                </a:solidFill>
-              </a:defRPr>
-            </a:lvl5pPr>
-            <a:lvl6pPr eaLnBrk="1" hangingPunct="1">
-              <a:defRPr>
-                <a:solidFill>
-                  <a:schemeClr val="tx2"/>
-                </a:solidFill>
-              </a:defRPr>
-            </a:lvl6pPr>
-            <a:lvl7pPr eaLnBrk="1" hangingPunct="1">
-              <a:defRPr>
-                <a:solidFill>
-                  <a:schemeClr val="tx2"/>
-                </a:solidFill>
-              </a:defRPr>
-            </a:lvl7pPr>
-            <a:lvl8pPr eaLnBrk="1" hangingPunct="1">
-              <a:defRPr>
-                <a:solidFill>
-                  <a:schemeClr val="tx2"/>
-                </a:solidFill>
-              </a:defRPr>
-            </a:lvl8pPr>
-            <a:lvl9pPr eaLnBrk="1" hangingPunct="1">
-              <a:defRPr>
-                <a:solidFill>
-                  <a:schemeClr val="tx2"/>
-                </a:solidFill>
-              </a:defRPr>
-            </a:lvl9pPr>
-          </a:lstStyle>
+        </p:spPr>
+        <p:txBody>
+          <a:bodyPr/>
+          <a:lstStyle/>
           <a:p>
             <a:pPr algn="l"/>
             <a:r>
@@ -8202,7 +8698,7 @@
                 <a:latin typeface="Segoe UI" panose="020B0502040204020203" pitchFamily="34" charset="0"/>
                 <a:cs typeface="Segoe UI" panose="020B0502040204020203" pitchFamily="34" charset="0"/>
               </a:rPr>
-              <a:t>Position static</a:t>
+              <a:t>Child Selector</a:t>
             </a:r>
             <a:endParaRPr lang="en-US" sz="4000" b="1" dirty="0">
               <a:solidFill>
@@ -8219,10 +8715,10 @@
       </p:sp>
       <p:pic>
         <p:nvPicPr>
-          <p:cNvPr id="11" name="Picture 10">
+          <p:cNvPr id="5" name="Picture 4">
             <a:extLst>
               <a:ext uri="{FF2B5EF4-FFF2-40B4-BE49-F238E27FC236}">
-                <a16:creationId xmlns:a16="http://schemas.microsoft.com/office/drawing/2014/main" id="{D5078542-4468-4513-88E5-F8AD0B089596}"/>
+                <a16:creationId xmlns:a16="http://schemas.microsoft.com/office/drawing/2014/main" id="{3BB5F167-6CFD-4AC0-8EF9-8BA79FEA3C66}"/>
               </a:ext>
             </a:extLst>
           </p:cNvPr>
@@ -8239,23 +8735,317 @@
         </p:blipFill>
         <p:spPr>
           <a:xfrm>
-            <a:off x="1154321" y="1455938"/>
-            <a:ext cx="8652968" cy="5285875"/>
+            <a:off x="985071" y="1389735"/>
+            <a:ext cx="9435279" cy="5463173"/>
           </a:xfrm>
           <a:prstGeom prst="rect">
             <a:avLst/>
           </a:prstGeom>
+        </p:spPr>
+      </p:pic>
+      <p:sp>
+        <p:nvSpPr>
+          <p:cNvPr id="8" name="Oval 7">
+            <a:extLst>
+              <a:ext uri="{FF2B5EF4-FFF2-40B4-BE49-F238E27FC236}">
+                <a16:creationId xmlns:a16="http://schemas.microsoft.com/office/drawing/2014/main" id="{7B06B510-D7B1-442C-AAEA-86A0A4ED5923}"/>
+              </a:ext>
+            </a:extLst>
+          </p:cNvPr>
+          <p:cNvSpPr/>
+          <p:nvPr/>
+        </p:nvSpPr>
+        <p:spPr>
+          <a:xfrm>
+            <a:off x="8010810" y="562371"/>
+            <a:ext cx="2311749" cy="945611"/>
+          </a:xfrm>
+          <a:prstGeom prst="ellipse">
+            <a:avLst/>
+          </a:prstGeom>
+          <a:solidFill>
+            <a:schemeClr val="accent2"/>
+          </a:solidFill>
           <a:ln w="57150">
             <a:solidFill>
-              <a:srgbClr val="0070C0"/>
+              <a:schemeClr val="tx1">
+                <a:lumMod val="85000"/>
+                <a:lumOff val="15000"/>
+              </a:schemeClr>
             </a:solidFill>
           </a:ln>
         </p:spPr>
-      </p:pic>
+        <p:style>
+          <a:lnRef idx="2">
+            <a:schemeClr val="accent4">
+              <a:shade val="50000"/>
+            </a:schemeClr>
+          </a:lnRef>
+          <a:fillRef idx="1">
+            <a:schemeClr val="accent4"/>
+          </a:fillRef>
+          <a:effectRef idx="0">
+            <a:schemeClr val="accent4"/>
+          </a:effectRef>
+          <a:fontRef idx="minor">
+            <a:schemeClr val="lt1"/>
+          </a:fontRef>
+        </p:style>
+        <p:txBody>
+          <a:bodyPr rtlCol="0" anchor="ctr"/>
+          <a:lstStyle/>
+          <a:p>
+            <a:pPr algn="ctr"/>
+            <a:r>
+              <a:rPr lang="en-US" b="1" dirty="0">
+                <a:solidFill>
+                  <a:sysClr val="windowText" lastClr="000000"/>
+                </a:solidFill>
+              </a:rPr>
+              <a:t>COMBINATOR</a:t>
+            </a:r>
+          </a:p>
+          <a:p>
+            <a:pPr algn="ctr"/>
+            <a:r>
+              <a:rPr lang="en-US" b="1" dirty="0">
+                <a:solidFill>
+                  <a:sysClr val="windowText" lastClr="000000"/>
+                </a:solidFill>
+              </a:rPr>
+              <a:t>SELECTOR</a:t>
+            </a:r>
+          </a:p>
+        </p:txBody>
+      </p:sp>
+      <p:sp>
+        <p:nvSpPr>
+          <p:cNvPr id="9" name="Rectangle 8">
+            <a:extLst>
+              <a:ext uri="{FF2B5EF4-FFF2-40B4-BE49-F238E27FC236}">
+                <a16:creationId xmlns:a16="http://schemas.microsoft.com/office/drawing/2014/main" id="{B0021E20-9B92-4785-9B2D-B752F6E4B7ED}"/>
+              </a:ext>
+            </a:extLst>
+          </p:cNvPr>
+          <p:cNvSpPr/>
+          <p:nvPr/>
+        </p:nvSpPr>
+        <p:spPr>
+          <a:xfrm>
+            <a:off x="985071" y="1909526"/>
+            <a:ext cx="2126429" cy="827324"/>
+          </a:xfrm>
+          <a:prstGeom prst="rect">
+            <a:avLst/>
+          </a:prstGeom>
+          <a:noFill/>
+          <a:ln w="57150">
+            <a:solidFill>
+              <a:srgbClr val="C00000"/>
+            </a:solidFill>
+          </a:ln>
+        </p:spPr>
+        <p:style>
+          <a:lnRef idx="2">
+            <a:schemeClr val="accent1">
+              <a:shade val="50000"/>
+            </a:schemeClr>
+          </a:lnRef>
+          <a:fillRef idx="1">
+            <a:schemeClr val="accent1"/>
+          </a:fillRef>
+          <a:effectRef idx="0">
+            <a:schemeClr val="accent1"/>
+          </a:effectRef>
+          <a:fontRef idx="minor">
+            <a:schemeClr val="lt1"/>
+          </a:fontRef>
+        </p:style>
+        <p:txBody>
+          <a:bodyPr rtlCol="0" anchor="ctr"/>
+          <a:lstStyle/>
+          <a:p>
+            <a:pPr algn="ctr"/>
+            <a:endParaRPr lang="en-US"/>
+          </a:p>
+        </p:txBody>
+      </p:sp>
+      <p:sp>
+        <p:nvSpPr>
+          <p:cNvPr id="10" name="Rectangle 9">
+            <a:extLst>
+              <a:ext uri="{FF2B5EF4-FFF2-40B4-BE49-F238E27FC236}">
+                <a16:creationId xmlns:a16="http://schemas.microsoft.com/office/drawing/2014/main" id="{1BAEB502-483D-4172-BFE6-08EB73C5F234}"/>
+              </a:ext>
+            </a:extLst>
+          </p:cNvPr>
+          <p:cNvSpPr/>
+          <p:nvPr/>
+        </p:nvSpPr>
+        <p:spPr>
+          <a:xfrm>
+            <a:off x="5787676" y="1882066"/>
+            <a:ext cx="4632673" cy="433015"/>
+          </a:xfrm>
+          <a:prstGeom prst="rect">
+            <a:avLst/>
+          </a:prstGeom>
+          <a:noFill/>
+          <a:ln w="57150">
+            <a:solidFill>
+              <a:srgbClr val="00B050"/>
+            </a:solidFill>
+          </a:ln>
+        </p:spPr>
+        <p:style>
+          <a:lnRef idx="2">
+            <a:schemeClr val="accent1">
+              <a:shade val="50000"/>
+            </a:schemeClr>
+          </a:lnRef>
+          <a:fillRef idx="1">
+            <a:schemeClr val="accent1"/>
+          </a:fillRef>
+          <a:effectRef idx="0">
+            <a:schemeClr val="accent1"/>
+          </a:effectRef>
+          <a:fontRef idx="minor">
+            <a:schemeClr val="lt1"/>
+          </a:fontRef>
+        </p:style>
+        <p:txBody>
+          <a:bodyPr rtlCol="0" anchor="ctr"/>
+          <a:lstStyle/>
+          <a:p>
+            <a:pPr algn="ctr"/>
+            <a:endParaRPr lang="en-US"/>
+          </a:p>
+        </p:txBody>
+      </p:sp>
+      <p:sp>
+        <p:nvSpPr>
+          <p:cNvPr id="13" name="Arrow: Right 12">
+            <a:extLst>
+              <a:ext uri="{FF2B5EF4-FFF2-40B4-BE49-F238E27FC236}">
+                <a16:creationId xmlns:a16="http://schemas.microsoft.com/office/drawing/2014/main" id="{36BAEBA1-3226-4DDE-A064-389741A4F9D5}"/>
+              </a:ext>
+            </a:extLst>
+          </p:cNvPr>
+          <p:cNvSpPr/>
+          <p:nvPr/>
+        </p:nvSpPr>
+        <p:spPr>
+          <a:xfrm rot="10800000" flipV="1">
+            <a:off x="3238150" y="2162269"/>
+            <a:ext cx="1175099" cy="574581"/>
+          </a:xfrm>
+          <a:prstGeom prst="rightArrow">
+            <a:avLst/>
+          </a:prstGeom>
+          <a:solidFill>
+            <a:srgbClr val="C00000"/>
+          </a:solidFill>
+          <a:ln w="38100">
+            <a:solidFill>
+              <a:schemeClr val="tx1">
+                <a:lumMod val="85000"/>
+                <a:lumOff val="15000"/>
+              </a:schemeClr>
+            </a:solidFill>
+          </a:ln>
+        </p:spPr>
+        <p:style>
+          <a:lnRef idx="2">
+            <a:schemeClr val="accent1">
+              <a:shade val="50000"/>
+            </a:schemeClr>
+          </a:lnRef>
+          <a:fillRef idx="1">
+            <a:schemeClr val="accent1"/>
+          </a:fillRef>
+          <a:effectRef idx="0">
+            <a:schemeClr val="accent1"/>
+          </a:effectRef>
+          <a:fontRef idx="minor">
+            <a:schemeClr val="lt1"/>
+          </a:fontRef>
+        </p:style>
+        <p:txBody>
+          <a:bodyPr rtlCol="0" anchor="ctr"/>
+          <a:lstStyle/>
+          <a:p>
+            <a:pPr algn="ctr"/>
+            <a:r>
+              <a:rPr lang="en-US" dirty="0"/>
+              <a:t>Selector</a:t>
+            </a:r>
+          </a:p>
+        </p:txBody>
+      </p:sp>
+      <p:sp>
+        <p:nvSpPr>
+          <p:cNvPr id="14" name="Arrow: Right 13">
+            <a:extLst>
+              <a:ext uri="{FF2B5EF4-FFF2-40B4-BE49-F238E27FC236}">
+                <a16:creationId xmlns:a16="http://schemas.microsoft.com/office/drawing/2014/main" id="{217F3DA2-BACD-4E28-88F9-D5D4132B2A69}"/>
+              </a:ext>
+            </a:extLst>
+          </p:cNvPr>
+          <p:cNvSpPr/>
+          <p:nvPr/>
+        </p:nvSpPr>
+        <p:spPr>
+          <a:xfrm>
+            <a:off x="4682269" y="1858020"/>
+            <a:ext cx="979058" cy="603858"/>
+          </a:xfrm>
+          <a:prstGeom prst="rightArrow">
+            <a:avLst/>
+          </a:prstGeom>
+          <a:solidFill>
+            <a:srgbClr val="00B050"/>
+          </a:solidFill>
+          <a:ln w="38100">
+            <a:solidFill>
+              <a:schemeClr val="tx1">
+                <a:lumMod val="85000"/>
+                <a:lumOff val="15000"/>
+              </a:schemeClr>
+            </a:solidFill>
+          </a:ln>
+        </p:spPr>
+        <p:style>
+          <a:lnRef idx="2">
+            <a:schemeClr val="accent1">
+              <a:shade val="50000"/>
+            </a:schemeClr>
+          </a:lnRef>
+          <a:fillRef idx="1">
+            <a:schemeClr val="accent1"/>
+          </a:fillRef>
+          <a:effectRef idx="0">
+            <a:schemeClr val="accent1"/>
+          </a:effectRef>
+          <a:fontRef idx="minor">
+            <a:schemeClr val="lt1"/>
+          </a:fontRef>
+        </p:style>
+        <p:txBody>
+          <a:bodyPr rtlCol="0" anchor="ctr"/>
+          <a:lstStyle/>
+          <a:p>
+            <a:pPr algn="ctr"/>
+            <a:r>
+              <a:rPr lang="en-US" dirty="0"/>
+              <a:t>Desc</a:t>
+            </a:r>
+          </a:p>
+        </p:txBody>
+      </p:sp>
     </p:spTree>
     <p:extLst>
       <p:ext uri="{BB962C8B-B14F-4D97-AF65-F5344CB8AC3E}">
-        <p14:creationId xmlns:p14="http://schemas.microsoft.com/office/powerpoint/2010/main" val="2141053325"/>
+        <p14:creationId xmlns:p14="http://schemas.microsoft.com/office/powerpoint/2010/main" val="226457760"/>
       </p:ext>
     </p:extLst>
   </p:cSld>
@@ -8284,103 +9074,29 @@
       </p:grpSpPr>
       <p:sp>
         <p:nvSpPr>
-          <p:cNvPr id="7" name="Title 1">
+          <p:cNvPr id="2" name="Title 1">
             <a:extLst>
               <a:ext uri="{FF2B5EF4-FFF2-40B4-BE49-F238E27FC236}">
-                <a16:creationId xmlns:a16="http://schemas.microsoft.com/office/drawing/2014/main" id="{58DD303D-6A5A-43C0-946C-E2A29CE022F1}"/>
+                <a16:creationId xmlns:a16="http://schemas.microsoft.com/office/drawing/2014/main" id="{2D4E4121-CDC8-41BA-846E-58655BA90FCF}"/>
               </a:ext>
             </a:extLst>
           </p:cNvPr>
-          <p:cNvSpPr txBox="1">
-            <a:spLocks/>
+          <p:cNvSpPr>
+            <a:spLocks noGrp="1"/>
           </p:cNvSpPr>
-          <p:nvPr/>
-        </p:nvSpPr>
-        <p:spPr>
-          <a:xfrm>
-            <a:off x="1154321" y="375999"/>
-            <a:ext cx="7766936" cy="970133"/>
-          </a:xfrm>
-          <a:prstGeom prst="rect">
-            <a:avLst/>
-          </a:prstGeom>
-        </p:spPr>
-        <p:txBody>
-          <a:bodyPr vert="horz" lIns="91440" tIns="45720" rIns="91440" bIns="45720" rtlCol="0" anchor="b">
-            <a:noAutofit/>
-          </a:bodyPr>
-          <a:lstStyle>
-            <a:lvl1pPr algn="r" defTabSz="457200" rtl="0" eaLnBrk="1" latinLnBrk="0" hangingPunct="1">
-              <a:spcBef>
-                <a:spcPct val="0"/>
-              </a:spcBef>
-              <a:buNone/>
-              <a:defRPr sz="5400" kern="1200">
-                <a:solidFill>
-                  <a:schemeClr val="accent1"/>
-                </a:solidFill>
-                <a:latin typeface="+mj-lt"/>
-                <a:ea typeface="+mj-ea"/>
-                <a:cs typeface="+mj-cs"/>
-              </a:defRPr>
-            </a:lvl1pPr>
-            <a:lvl2pPr eaLnBrk="1" hangingPunct="1">
-              <a:defRPr>
-                <a:solidFill>
-                  <a:schemeClr val="tx2"/>
-                </a:solidFill>
-              </a:defRPr>
-            </a:lvl2pPr>
-            <a:lvl3pPr eaLnBrk="1" hangingPunct="1">
-              <a:defRPr>
-                <a:solidFill>
-                  <a:schemeClr val="tx2"/>
-                </a:solidFill>
-              </a:defRPr>
-            </a:lvl3pPr>
-            <a:lvl4pPr eaLnBrk="1" hangingPunct="1">
-              <a:defRPr>
-                <a:solidFill>
-                  <a:schemeClr val="tx2"/>
-                </a:solidFill>
-              </a:defRPr>
-            </a:lvl4pPr>
-            <a:lvl5pPr eaLnBrk="1" hangingPunct="1">
-              <a:defRPr>
-                <a:solidFill>
-                  <a:schemeClr val="tx2"/>
-                </a:solidFill>
-              </a:defRPr>
-            </a:lvl5pPr>
-            <a:lvl6pPr eaLnBrk="1" hangingPunct="1">
-              <a:defRPr>
-                <a:solidFill>
-                  <a:schemeClr val="tx2"/>
-                </a:solidFill>
-              </a:defRPr>
-            </a:lvl6pPr>
-            <a:lvl7pPr eaLnBrk="1" hangingPunct="1">
-              <a:defRPr>
-                <a:solidFill>
-                  <a:schemeClr val="tx2"/>
-                </a:solidFill>
-              </a:defRPr>
-            </a:lvl7pPr>
-            <a:lvl8pPr eaLnBrk="1" hangingPunct="1">
-              <a:defRPr>
-                <a:solidFill>
-                  <a:schemeClr val="tx2"/>
-                </a:solidFill>
-              </a:defRPr>
-            </a:lvl8pPr>
-            <a:lvl9pPr eaLnBrk="1" hangingPunct="1">
-              <a:defRPr>
-                <a:solidFill>
-                  <a:schemeClr val="tx2"/>
-                </a:solidFill>
-              </a:defRPr>
-            </a:lvl9pPr>
-          </a:lstStyle>
+          <p:nvPr>
+            <p:ph type="ctrTitle"/>
+          </p:nvPr>
+        </p:nvSpPr>
+        <p:spPr>
+          <a:xfrm>
+            <a:off x="1154320" y="375999"/>
+            <a:ext cx="9450179" cy="970133"/>
+          </a:xfrm>
+        </p:spPr>
+        <p:txBody>
+          <a:bodyPr/>
+          <a:lstStyle/>
           <a:p>
             <a:pPr algn="l"/>
             <a:r>
@@ -8407,20 +9123,7 @@
                 <a:latin typeface="Segoe UI" panose="020B0502040204020203" pitchFamily="34" charset="0"/>
                 <a:cs typeface="Segoe UI" panose="020B0502040204020203" pitchFamily="34" charset="0"/>
               </a:rPr>
-              <a:t> | </a:t>
-            </a:r>
-            <a:r>
-              <a:rPr lang="en-US" sz="4000" dirty="0">
-                <a:solidFill>
-                  <a:schemeClr val="tx1">
-                    <a:lumMod val="75000"/>
-                    <a:lumOff val="25000"/>
-                  </a:schemeClr>
-                </a:solidFill>
-                <a:latin typeface="Segoe UI" panose="020B0502040204020203" pitchFamily="34" charset="0"/>
-                <a:cs typeface="Segoe UI" panose="020B0502040204020203" pitchFamily="34" charset="0"/>
-              </a:rPr>
-              <a:t>Position relative</a:t>
+              <a:t> | Adjacent Sibling Selector (+)</a:t>
             </a:r>
             <a:endParaRPr lang="en-US" sz="4000" b="1" dirty="0">
               <a:solidFill>
@@ -8437,10 +9140,10 @@
       </p:sp>
       <p:pic>
         <p:nvPicPr>
-          <p:cNvPr id="3" name="Picture 2">
+          <p:cNvPr id="5" name="Picture 4">
             <a:extLst>
               <a:ext uri="{FF2B5EF4-FFF2-40B4-BE49-F238E27FC236}">
-                <a16:creationId xmlns:a16="http://schemas.microsoft.com/office/drawing/2014/main" id="{6433D36C-CB6F-47E3-AC3E-C1D2C79673C8}"/>
+                <a16:creationId xmlns:a16="http://schemas.microsoft.com/office/drawing/2014/main" id="{77BCAE66-F8E9-4030-A93F-0568DCF68813}"/>
               </a:ext>
             </a:extLst>
           </p:cNvPr>
@@ -8457,23 +9160,317 @@
         </p:blipFill>
         <p:spPr>
           <a:xfrm>
-            <a:off x="1154321" y="1270432"/>
-            <a:ext cx="8867775" cy="5524500"/>
+            <a:off x="1269999" y="1446678"/>
+            <a:ext cx="8580413" cy="5411321"/>
           </a:xfrm>
           <a:prstGeom prst="rect">
             <a:avLst/>
           </a:prstGeom>
+        </p:spPr>
+      </p:pic>
+      <p:sp>
+        <p:nvSpPr>
+          <p:cNvPr id="6" name="Oval 5">
+            <a:extLst>
+              <a:ext uri="{FF2B5EF4-FFF2-40B4-BE49-F238E27FC236}">
+                <a16:creationId xmlns:a16="http://schemas.microsoft.com/office/drawing/2014/main" id="{E62C2D54-531B-4ACE-9805-32F85F88B95F}"/>
+              </a:ext>
+            </a:extLst>
+          </p:cNvPr>
+          <p:cNvSpPr/>
+          <p:nvPr/>
+        </p:nvSpPr>
+        <p:spPr>
+          <a:xfrm>
+            <a:off x="8360060" y="5661421"/>
+            <a:ext cx="2311749" cy="945611"/>
+          </a:xfrm>
+          <a:prstGeom prst="ellipse">
+            <a:avLst/>
+          </a:prstGeom>
+          <a:solidFill>
+            <a:schemeClr val="accent2"/>
+          </a:solidFill>
           <a:ln w="57150">
             <a:solidFill>
-              <a:srgbClr val="0070C0"/>
+              <a:schemeClr val="tx1">
+                <a:lumMod val="85000"/>
+                <a:lumOff val="15000"/>
+              </a:schemeClr>
             </a:solidFill>
           </a:ln>
         </p:spPr>
-      </p:pic>
+        <p:style>
+          <a:lnRef idx="2">
+            <a:schemeClr val="accent4">
+              <a:shade val="50000"/>
+            </a:schemeClr>
+          </a:lnRef>
+          <a:fillRef idx="1">
+            <a:schemeClr val="accent4"/>
+          </a:fillRef>
+          <a:effectRef idx="0">
+            <a:schemeClr val="accent4"/>
+          </a:effectRef>
+          <a:fontRef idx="minor">
+            <a:schemeClr val="lt1"/>
+          </a:fontRef>
+        </p:style>
+        <p:txBody>
+          <a:bodyPr rtlCol="0" anchor="ctr"/>
+          <a:lstStyle/>
+          <a:p>
+            <a:pPr algn="ctr"/>
+            <a:r>
+              <a:rPr lang="en-US" b="1" dirty="0">
+                <a:solidFill>
+                  <a:sysClr val="windowText" lastClr="000000"/>
+                </a:solidFill>
+              </a:rPr>
+              <a:t>COMBINATOR</a:t>
+            </a:r>
+          </a:p>
+          <a:p>
+            <a:pPr algn="ctr"/>
+            <a:r>
+              <a:rPr lang="en-US" b="1" dirty="0">
+                <a:solidFill>
+                  <a:sysClr val="windowText" lastClr="000000"/>
+                </a:solidFill>
+              </a:rPr>
+              <a:t>SELECTOR</a:t>
+            </a:r>
+          </a:p>
+        </p:txBody>
+      </p:sp>
+      <p:sp>
+        <p:nvSpPr>
+          <p:cNvPr id="7" name="Rectangle 6">
+            <a:extLst>
+              <a:ext uri="{FF2B5EF4-FFF2-40B4-BE49-F238E27FC236}">
+                <a16:creationId xmlns:a16="http://schemas.microsoft.com/office/drawing/2014/main" id="{B0EAEED2-D9C3-4C8F-AF45-BE3E651DBEF9}"/>
+              </a:ext>
+            </a:extLst>
+          </p:cNvPr>
+          <p:cNvSpPr/>
+          <p:nvPr/>
+        </p:nvSpPr>
+        <p:spPr>
+          <a:xfrm>
+            <a:off x="1224238" y="1882066"/>
+            <a:ext cx="2126429" cy="827324"/>
+          </a:xfrm>
+          <a:prstGeom prst="rect">
+            <a:avLst/>
+          </a:prstGeom>
+          <a:noFill/>
+          <a:ln w="57150">
+            <a:solidFill>
+              <a:srgbClr val="C00000"/>
+            </a:solidFill>
+          </a:ln>
+        </p:spPr>
+        <p:style>
+          <a:lnRef idx="2">
+            <a:schemeClr val="accent1">
+              <a:shade val="50000"/>
+            </a:schemeClr>
+          </a:lnRef>
+          <a:fillRef idx="1">
+            <a:schemeClr val="accent1"/>
+          </a:fillRef>
+          <a:effectRef idx="0">
+            <a:schemeClr val="accent1"/>
+          </a:effectRef>
+          <a:fontRef idx="minor">
+            <a:schemeClr val="lt1"/>
+          </a:fontRef>
+        </p:style>
+        <p:txBody>
+          <a:bodyPr rtlCol="0" anchor="ctr"/>
+          <a:lstStyle/>
+          <a:p>
+            <a:pPr algn="ctr"/>
+            <a:endParaRPr lang="en-US"/>
+          </a:p>
+        </p:txBody>
+      </p:sp>
+      <p:sp>
+        <p:nvSpPr>
+          <p:cNvPr id="8" name="Rectangle 7">
+            <a:extLst>
+              <a:ext uri="{FF2B5EF4-FFF2-40B4-BE49-F238E27FC236}">
+                <a16:creationId xmlns:a16="http://schemas.microsoft.com/office/drawing/2014/main" id="{8D387C67-AC73-4EB8-966A-7735A01106D6}"/>
+              </a:ext>
+            </a:extLst>
+          </p:cNvPr>
+          <p:cNvSpPr/>
+          <p:nvPr/>
+        </p:nvSpPr>
+        <p:spPr>
+          <a:xfrm>
+            <a:off x="5628926" y="1890173"/>
+            <a:ext cx="4632673" cy="884777"/>
+          </a:xfrm>
+          <a:prstGeom prst="rect">
+            <a:avLst/>
+          </a:prstGeom>
+          <a:noFill/>
+          <a:ln w="57150">
+            <a:solidFill>
+              <a:srgbClr val="00B050"/>
+            </a:solidFill>
+          </a:ln>
+        </p:spPr>
+        <p:style>
+          <a:lnRef idx="2">
+            <a:schemeClr val="accent1">
+              <a:shade val="50000"/>
+            </a:schemeClr>
+          </a:lnRef>
+          <a:fillRef idx="1">
+            <a:schemeClr val="accent1"/>
+          </a:fillRef>
+          <a:effectRef idx="0">
+            <a:schemeClr val="accent1"/>
+          </a:effectRef>
+          <a:fontRef idx="minor">
+            <a:schemeClr val="lt1"/>
+          </a:fontRef>
+        </p:style>
+        <p:txBody>
+          <a:bodyPr rtlCol="0" anchor="ctr"/>
+          <a:lstStyle/>
+          <a:p>
+            <a:pPr algn="ctr"/>
+            <a:endParaRPr lang="en-US"/>
+          </a:p>
+        </p:txBody>
+      </p:sp>
+      <p:sp>
+        <p:nvSpPr>
+          <p:cNvPr id="9" name="Arrow: Right 8">
+            <a:extLst>
+              <a:ext uri="{FF2B5EF4-FFF2-40B4-BE49-F238E27FC236}">
+                <a16:creationId xmlns:a16="http://schemas.microsoft.com/office/drawing/2014/main" id="{01AF1CC9-B29B-4917-B1C3-CCC1C20884FC}"/>
+              </a:ext>
+            </a:extLst>
+          </p:cNvPr>
+          <p:cNvSpPr/>
+          <p:nvPr/>
+        </p:nvSpPr>
+        <p:spPr>
+          <a:xfrm>
+            <a:off x="4522387" y="1797894"/>
+            <a:ext cx="979058" cy="603858"/>
+          </a:xfrm>
+          <a:prstGeom prst="rightArrow">
+            <a:avLst/>
+          </a:prstGeom>
+          <a:solidFill>
+            <a:srgbClr val="00B050"/>
+          </a:solidFill>
+          <a:ln w="38100">
+            <a:solidFill>
+              <a:schemeClr val="tx1">
+                <a:lumMod val="85000"/>
+                <a:lumOff val="15000"/>
+              </a:schemeClr>
+            </a:solidFill>
+          </a:ln>
+        </p:spPr>
+        <p:style>
+          <a:lnRef idx="2">
+            <a:schemeClr val="accent1">
+              <a:shade val="50000"/>
+            </a:schemeClr>
+          </a:lnRef>
+          <a:fillRef idx="1">
+            <a:schemeClr val="accent1"/>
+          </a:fillRef>
+          <a:effectRef idx="0">
+            <a:schemeClr val="accent1"/>
+          </a:effectRef>
+          <a:fontRef idx="minor">
+            <a:schemeClr val="lt1"/>
+          </a:fontRef>
+        </p:style>
+        <p:txBody>
+          <a:bodyPr rtlCol="0" anchor="ctr"/>
+          <a:lstStyle/>
+          <a:p>
+            <a:pPr algn="ctr"/>
+            <a:r>
+              <a:rPr lang="en-US" dirty="0"/>
+              <a:t>Desc</a:t>
+            </a:r>
+          </a:p>
+        </p:txBody>
+      </p:sp>
+      <p:sp>
+        <p:nvSpPr>
+          <p:cNvPr id="10" name="Arrow: Right 9">
+            <a:extLst>
+              <a:ext uri="{FF2B5EF4-FFF2-40B4-BE49-F238E27FC236}">
+                <a16:creationId xmlns:a16="http://schemas.microsoft.com/office/drawing/2014/main" id="{446CB88E-BCE6-4212-AA1E-BE03CED1278E}"/>
+              </a:ext>
+            </a:extLst>
+          </p:cNvPr>
+          <p:cNvSpPr/>
+          <p:nvPr/>
+        </p:nvSpPr>
+        <p:spPr>
+          <a:xfrm rot="10800000" flipV="1">
+            <a:off x="3466310" y="2200369"/>
+            <a:ext cx="1207289" cy="574581"/>
+          </a:xfrm>
+          <a:prstGeom prst="rightArrow">
+            <a:avLst/>
+          </a:prstGeom>
+          <a:solidFill>
+            <a:srgbClr val="C00000"/>
+          </a:solidFill>
+          <a:ln w="38100">
+            <a:solidFill>
+              <a:schemeClr val="tx1">
+                <a:lumMod val="85000"/>
+                <a:lumOff val="15000"/>
+              </a:schemeClr>
+            </a:solidFill>
+          </a:ln>
+        </p:spPr>
+        <p:style>
+          <a:lnRef idx="2">
+            <a:schemeClr val="accent1">
+              <a:shade val="50000"/>
+            </a:schemeClr>
+          </a:lnRef>
+          <a:fillRef idx="1">
+            <a:schemeClr val="accent1"/>
+          </a:fillRef>
+          <a:effectRef idx="0">
+            <a:schemeClr val="accent1"/>
+          </a:effectRef>
+          <a:fontRef idx="minor">
+            <a:schemeClr val="lt1"/>
+          </a:fontRef>
+        </p:style>
+        <p:txBody>
+          <a:bodyPr rtlCol="0" anchor="ctr"/>
+          <a:lstStyle/>
+          <a:p>
+            <a:pPr algn="ctr"/>
+            <a:r>
+              <a:rPr lang="en-US" dirty="0"/>
+              <a:t>Selector</a:t>
+            </a:r>
+          </a:p>
+        </p:txBody>
+      </p:sp>
     </p:spTree>
     <p:extLst>
       <p:ext uri="{BB962C8B-B14F-4D97-AF65-F5344CB8AC3E}">
-        <p14:creationId xmlns:p14="http://schemas.microsoft.com/office/powerpoint/2010/main" val="101053629"/>
+        <p14:creationId xmlns:p14="http://schemas.microsoft.com/office/powerpoint/2010/main" val="608556182"/>
       </p:ext>
     </p:extLst>
   </p:cSld>
@@ -8502,103 +9499,29 @@
       </p:grpSpPr>
       <p:sp>
         <p:nvSpPr>
-          <p:cNvPr id="7" name="Title 1">
+          <p:cNvPr id="2" name="Title 1">
             <a:extLst>
               <a:ext uri="{FF2B5EF4-FFF2-40B4-BE49-F238E27FC236}">
-                <a16:creationId xmlns:a16="http://schemas.microsoft.com/office/drawing/2014/main" id="{58DD303D-6A5A-43C0-946C-E2A29CE022F1}"/>
+                <a16:creationId xmlns:a16="http://schemas.microsoft.com/office/drawing/2014/main" id="{2D4E4121-CDC8-41BA-846E-58655BA90FCF}"/>
               </a:ext>
             </a:extLst>
           </p:cNvPr>
-          <p:cNvSpPr txBox="1">
-            <a:spLocks/>
+          <p:cNvSpPr>
+            <a:spLocks noGrp="1"/>
           </p:cNvSpPr>
-          <p:nvPr/>
-        </p:nvSpPr>
-        <p:spPr>
-          <a:xfrm>
-            <a:off x="1154321" y="375999"/>
-            <a:ext cx="7766936" cy="970133"/>
-          </a:xfrm>
-          <a:prstGeom prst="rect">
-            <a:avLst/>
-          </a:prstGeom>
-        </p:spPr>
-        <p:txBody>
-          <a:bodyPr vert="horz" lIns="91440" tIns="45720" rIns="91440" bIns="45720" rtlCol="0" anchor="b">
-            <a:noAutofit/>
-          </a:bodyPr>
-          <a:lstStyle>
-            <a:lvl1pPr algn="r" defTabSz="457200" rtl="0" eaLnBrk="1" latinLnBrk="0" hangingPunct="1">
-              <a:spcBef>
-                <a:spcPct val="0"/>
-              </a:spcBef>
-              <a:buNone/>
-              <a:defRPr sz="5400" kern="1200">
-                <a:solidFill>
-                  <a:schemeClr val="accent1"/>
-                </a:solidFill>
-                <a:latin typeface="+mj-lt"/>
-                <a:ea typeface="+mj-ea"/>
-                <a:cs typeface="+mj-cs"/>
-              </a:defRPr>
-            </a:lvl1pPr>
-            <a:lvl2pPr eaLnBrk="1" hangingPunct="1">
-              <a:defRPr>
-                <a:solidFill>
-                  <a:schemeClr val="tx2"/>
-                </a:solidFill>
-              </a:defRPr>
-            </a:lvl2pPr>
-            <a:lvl3pPr eaLnBrk="1" hangingPunct="1">
-              <a:defRPr>
-                <a:solidFill>
-                  <a:schemeClr val="tx2"/>
-                </a:solidFill>
-              </a:defRPr>
-            </a:lvl3pPr>
-            <a:lvl4pPr eaLnBrk="1" hangingPunct="1">
-              <a:defRPr>
-                <a:solidFill>
-                  <a:schemeClr val="tx2"/>
-                </a:solidFill>
-              </a:defRPr>
-            </a:lvl4pPr>
-            <a:lvl5pPr eaLnBrk="1" hangingPunct="1">
-              <a:defRPr>
-                <a:solidFill>
-                  <a:schemeClr val="tx2"/>
-                </a:solidFill>
-              </a:defRPr>
-            </a:lvl5pPr>
-            <a:lvl6pPr eaLnBrk="1" hangingPunct="1">
-              <a:defRPr>
-                <a:solidFill>
-                  <a:schemeClr val="tx2"/>
-                </a:solidFill>
-              </a:defRPr>
-            </a:lvl6pPr>
-            <a:lvl7pPr eaLnBrk="1" hangingPunct="1">
-              <a:defRPr>
-                <a:solidFill>
-                  <a:schemeClr val="tx2"/>
-                </a:solidFill>
-              </a:defRPr>
-            </a:lvl7pPr>
-            <a:lvl8pPr eaLnBrk="1" hangingPunct="1">
-              <a:defRPr>
-                <a:solidFill>
-                  <a:schemeClr val="tx2"/>
-                </a:solidFill>
-              </a:defRPr>
-            </a:lvl8pPr>
-            <a:lvl9pPr eaLnBrk="1" hangingPunct="1">
-              <a:defRPr>
-                <a:solidFill>
-                  <a:schemeClr val="tx2"/>
-                </a:solidFill>
-              </a:defRPr>
-            </a:lvl9pPr>
-          </a:lstStyle>
+          <p:nvPr>
+            <p:ph type="ctrTitle"/>
+          </p:nvPr>
+        </p:nvSpPr>
+        <p:spPr>
+          <a:xfrm>
+            <a:off x="1154320" y="375999"/>
+            <a:ext cx="8199229" cy="970133"/>
+          </a:xfrm>
+        </p:spPr>
+        <p:txBody>
+          <a:bodyPr/>
+          <a:lstStyle/>
           <a:p>
             <a:pPr algn="l"/>
             <a:r>
@@ -8638,7 +9561,7 @@
                 <a:latin typeface="Segoe UI" panose="020B0502040204020203" pitchFamily="34" charset="0"/>
                 <a:cs typeface="Segoe UI" panose="020B0502040204020203" pitchFamily="34" charset="0"/>
               </a:rPr>
-              <a:t>Position fixed</a:t>
+              <a:t>General Sibling Selector (~)</a:t>
             </a:r>
             <a:endParaRPr lang="en-US" sz="4000" b="1" dirty="0">
               <a:solidFill>
@@ -8655,10 +9578,10 @@
       </p:sp>
       <p:pic>
         <p:nvPicPr>
-          <p:cNvPr id="4" name="Picture 3">
+          <p:cNvPr id="5" name="Picture 4">
             <a:extLst>
               <a:ext uri="{FF2B5EF4-FFF2-40B4-BE49-F238E27FC236}">
-                <a16:creationId xmlns:a16="http://schemas.microsoft.com/office/drawing/2014/main" id="{04616759-3B77-4C98-ABF1-74B1A1F5E566}"/>
+                <a16:creationId xmlns:a16="http://schemas.microsoft.com/office/drawing/2014/main" id="{D9A67577-AFDC-4EA8-9F90-D868845BA002}"/>
               </a:ext>
             </a:extLst>
           </p:cNvPr>
@@ -8675,23 +9598,317 @@
         </p:blipFill>
         <p:spPr>
           <a:xfrm>
-            <a:off x="1154321" y="1460711"/>
-            <a:ext cx="7403753" cy="5308648"/>
+            <a:off x="1231899" y="1454092"/>
+            <a:ext cx="10351433" cy="5105458"/>
           </a:xfrm>
           <a:prstGeom prst="rect">
             <a:avLst/>
           </a:prstGeom>
+        </p:spPr>
+      </p:pic>
+      <p:sp>
+        <p:nvSpPr>
+          <p:cNvPr id="6" name="Oval 5">
+            <a:extLst>
+              <a:ext uri="{FF2B5EF4-FFF2-40B4-BE49-F238E27FC236}">
+                <a16:creationId xmlns:a16="http://schemas.microsoft.com/office/drawing/2014/main" id="{7943D8BD-5A8F-40C0-B2E3-6D717D2DD7BE}"/>
+              </a:ext>
+            </a:extLst>
+          </p:cNvPr>
+          <p:cNvSpPr/>
+          <p:nvPr/>
+        </p:nvSpPr>
+        <p:spPr>
+          <a:xfrm>
+            <a:off x="8887110" y="5223271"/>
+            <a:ext cx="2311749" cy="945611"/>
+          </a:xfrm>
+          <a:prstGeom prst="ellipse">
+            <a:avLst/>
+          </a:prstGeom>
+          <a:solidFill>
+            <a:schemeClr val="accent2"/>
+          </a:solidFill>
           <a:ln w="57150">
             <a:solidFill>
-              <a:srgbClr val="0070C0"/>
+              <a:schemeClr val="tx1">
+                <a:lumMod val="85000"/>
+                <a:lumOff val="15000"/>
+              </a:schemeClr>
             </a:solidFill>
           </a:ln>
         </p:spPr>
-      </p:pic>
+        <p:style>
+          <a:lnRef idx="2">
+            <a:schemeClr val="accent4">
+              <a:shade val="50000"/>
+            </a:schemeClr>
+          </a:lnRef>
+          <a:fillRef idx="1">
+            <a:schemeClr val="accent4"/>
+          </a:fillRef>
+          <a:effectRef idx="0">
+            <a:schemeClr val="accent4"/>
+          </a:effectRef>
+          <a:fontRef idx="minor">
+            <a:schemeClr val="lt1"/>
+          </a:fontRef>
+        </p:style>
+        <p:txBody>
+          <a:bodyPr rtlCol="0" anchor="ctr"/>
+          <a:lstStyle/>
+          <a:p>
+            <a:pPr algn="ctr"/>
+            <a:r>
+              <a:rPr lang="en-US" b="1" dirty="0">
+                <a:solidFill>
+                  <a:sysClr val="windowText" lastClr="000000"/>
+                </a:solidFill>
+              </a:rPr>
+              <a:t>COMBINATOR</a:t>
+            </a:r>
+          </a:p>
+          <a:p>
+            <a:pPr algn="ctr"/>
+            <a:r>
+              <a:rPr lang="en-US" b="1" dirty="0">
+                <a:solidFill>
+                  <a:sysClr val="windowText" lastClr="000000"/>
+                </a:solidFill>
+              </a:rPr>
+              <a:t>SELECTOR</a:t>
+            </a:r>
+          </a:p>
+        </p:txBody>
+      </p:sp>
+      <p:sp>
+        <p:nvSpPr>
+          <p:cNvPr id="7" name="Rectangle 6">
+            <a:extLst>
+              <a:ext uri="{FF2B5EF4-FFF2-40B4-BE49-F238E27FC236}">
+                <a16:creationId xmlns:a16="http://schemas.microsoft.com/office/drawing/2014/main" id="{4C7B4CFD-97B4-4848-B880-13A1CA80D8CD}"/>
+              </a:ext>
+            </a:extLst>
+          </p:cNvPr>
+          <p:cNvSpPr/>
+          <p:nvPr/>
+        </p:nvSpPr>
+        <p:spPr>
+          <a:xfrm>
+            <a:off x="1231900" y="2002716"/>
+            <a:ext cx="2387600" cy="892884"/>
+          </a:xfrm>
+          <a:prstGeom prst="rect">
+            <a:avLst/>
+          </a:prstGeom>
+          <a:noFill/>
+          <a:ln w="57150">
+            <a:solidFill>
+              <a:srgbClr val="C00000"/>
+            </a:solidFill>
+          </a:ln>
+        </p:spPr>
+        <p:style>
+          <a:lnRef idx="2">
+            <a:schemeClr val="accent1">
+              <a:shade val="50000"/>
+            </a:schemeClr>
+          </a:lnRef>
+          <a:fillRef idx="1">
+            <a:schemeClr val="accent1"/>
+          </a:fillRef>
+          <a:effectRef idx="0">
+            <a:schemeClr val="accent1"/>
+          </a:effectRef>
+          <a:fontRef idx="minor">
+            <a:schemeClr val="lt1"/>
+          </a:fontRef>
+        </p:style>
+        <p:txBody>
+          <a:bodyPr rtlCol="0" anchor="ctr"/>
+          <a:lstStyle/>
+          <a:p>
+            <a:pPr algn="ctr"/>
+            <a:endParaRPr lang="en-US"/>
+          </a:p>
+        </p:txBody>
+      </p:sp>
+      <p:sp>
+        <p:nvSpPr>
+          <p:cNvPr id="8" name="Rectangle 7">
+            <a:extLst>
+              <a:ext uri="{FF2B5EF4-FFF2-40B4-BE49-F238E27FC236}">
+                <a16:creationId xmlns:a16="http://schemas.microsoft.com/office/drawing/2014/main" id="{4FAE1B13-F16F-4275-B9A0-327B84B75403}"/>
+              </a:ext>
+            </a:extLst>
+          </p:cNvPr>
+          <p:cNvSpPr/>
+          <p:nvPr/>
+        </p:nvSpPr>
+        <p:spPr>
+          <a:xfrm>
+            <a:off x="6473476" y="2010823"/>
+            <a:ext cx="5109856" cy="511579"/>
+          </a:xfrm>
+          <a:prstGeom prst="rect">
+            <a:avLst/>
+          </a:prstGeom>
+          <a:noFill/>
+          <a:ln w="57150">
+            <a:solidFill>
+              <a:srgbClr val="00B050"/>
+            </a:solidFill>
+          </a:ln>
+        </p:spPr>
+        <p:style>
+          <a:lnRef idx="2">
+            <a:schemeClr val="accent1">
+              <a:shade val="50000"/>
+            </a:schemeClr>
+          </a:lnRef>
+          <a:fillRef idx="1">
+            <a:schemeClr val="accent1"/>
+          </a:fillRef>
+          <a:effectRef idx="0">
+            <a:schemeClr val="accent1"/>
+          </a:effectRef>
+          <a:fontRef idx="minor">
+            <a:schemeClr val="lt1"/>
+          </a:fontRef>
+        </p:style>
+        <p:txBody>
+          <a:bodyPr rtlCol="0" anchor="ctr"/>
+          <a:lstStyle/>
+          <a:p>
+            <a:pPr algn="ctr"/>
+            <a:endParaRPr lang="en-US"/>
+          </a:p>
+        </p:txBody>
+      </p:sp>
+      <p:sp>
+        <p:nvSpPr>
+          <p:cNvPr id="9" name="Arrow: Right 8">
+            <a:extLst>
+              <a:ext uri="{FF2B5EF4-FFF2-40B4-BE49-F238E27FC236}">
+                <a16:creationId xmlns:a16="http://schemas.microsoft.com/office/drawing/2014/main" id="{955033C3-2425-42FF-BD55-9F6144E83D2A}"/>
+              </a:ext>
+            </a:extLst>
+          </p:cNvPr>
+          <p:cNvSpPr/>
+          <p:nvPr/>
+        </p:nvSpPr>
+        <p:spPr>
+          <a:xfrm>
+            <a:off x="5366937" y="1918544"/>
+            <a:ext cx="979058" cy="603858"/>
+          </a:xfrm>
+          <a:prstGeom prst="rightArrow">
+            <a:avLst/>
+          </a:prstGeom>
+          <a:solidFill>
+            <a:srgbClr val="00B050"/>
+          </a:solidFill>
+          <a:ln w="38100">
+            <a:solidFill>
+              <a:schemeClr val="tx1">
+                <a:lumMod val="85000"/>
+                <a:lumOff val="15000"/>
+              </a:schemeClr>
+            </a:solidFill>
+          </a:ln>
+        </p:spPr>
+        <p:style>
+          <a:lnRef idx="2">
+            <a:schemeClr val="accent1">
+              <a:shade val="50000"/>
+            </a:schemeClr>
+          </a:lnRef>
+          <a:fillRef idx="1">
+            <a:schemeClr val="accent1"/>
+          </a:fillRef>
+          <a:effectRef idx="0">
+            <a:schemeClr val="accent1"/>
+          </a:effectRef>
+          <a:fontRef idx="minor">
+            <a:schemeClr val="lt1"/>
+          </a:fontRef>
+        </p:style>
+        <p:txBody>
+          <a:bodyPr rtlCol="0" anchor="ctr"/>
+          <a:lstStyle/>
+          <a:p>
+            <a:pPr algn="ctr"/>
+            <a:r>
+              <a:rPr lang="en-US" dirty="0"/>
+              <a:t>Desc</a:t>
+            </a:r>
+          </a:p>
+        </p:txBody>
+      </p:sp>
+      <p:sp>
+        <p:nvSpPr>
+          <p:cNvPr id="10" name="Arrow: Right 9">
+            <a:extLst>
+              <a:ext uri="{FF2B5EF4-FFF2-40B4-BE49-F238E27FC236}">
+                <a16:creationId xmlns:a16="http://schemas.microsoft.com/office/drawing/2014/main" id="{7875BB21-E7AF-4EC3-8E9E-2F60833948D7}"/>
+              </a:ext>
+            </a:extLst>
+          </p:cNvPr>
+          <p:cNvSpPr/>
+          <p:nvPr/>
+        </p:nvSpPr>
+        <p:spPr>
+          <a:xfrm rot="10800000" flipV="1">
+            <a:off x="3746980" y="2449158"/>
+            <a:ext cx="1288569" cy="574581"/>
+          </a:xfrm>
+          <a:prstGeom prst="rightArrow">
+            <a:avLst/>
+          </a:prstGeom>
+          <a:solidFill>
+            <a:srgbClr val="C00000"/>
+          </a:solidFill>
+          <a:ln w="38100">
+            <a:solidFill>
+              <a:schemeClr val="tx1">
+                <a:lumMod val="85000"/>
+                <a:lumOff val="15000"/>
+              </a:schemeClr>
+            </a:solidFill>
+          </a:ln>
+        </p:spPr>
+        <p:style>
+          <a:lnRef idx="2">
+            <a:schemeClr val="accent1">
+              <a:shade val="50000"/>
+            </a:schemeClr>
+          </a:lnRef>
+          <a:fillRef idx="1">
+            <a:schemeClr val="accent1"/>
+          </a:fillRef>
+          <a:effectRef idx="0">
+            <a:schemeClr val="accent1"/>
+          </a:effectRef>
+          <a:fontRef idx="minor">
+            <a:schemeClr val="lt1"/>
+          </a:fontRef>
+        </p:style>
+        <p:txBody>
+          <a:bodyPr rtlCol="0" anchor="ctr"/>
+          <a:lstStyle/>
+          <a:p>
+            <a:pPr algn="ctr"/>
+            <a:r>
+              <a:rPr lang="en-US" dirty="0"/>
+              <a:t>Selector</a:t>
+            </a:r>
+          </a:p>
+        </p:txBody>
+      </p:sp>
     </p:spTree>
     <p:extLst>
       <p:ext uri="{BB962C8B-B14F-4D97-AF65-F5344CB8AC3E}">
-        <p14:creationId xmlns:p14="http://schemas.microsoft.com/office/powerpoint/2010/main" val="1320260955"/>
+        <p14:creationId xmlns:p14="http://schemas.microsoft.com/office/powerpoint/2010/main" val="3838673443"/>
       </p:ext>
     </p:extLst>
   </p:cSld>
@@ -9014,103 +10231,29 @@
       </p:grpSpPr>
       <p:sp>
         <p:nvSpPr>
-          <p:cNvPr id="7" name="Title 1">
+          <p:cNvPr id="2" name="Title 1">
             <a:extLst>
               <a:ext uri="{FF2B5EF4-FFF2-40B4-BE49-F238E27FC236}">
-                <a16:creationId xmlns:a16="http://schemas.microsoft.com/office/drawing/2014/main" id="{58DD303D-6A5A-43C0-946C-E2A29CE022F1}"/>
+                <a16:creationId xmlns:a16="http://schemas.microsoft.com/office/drawing/2014/main" id="{2D4E4121-CDC8-41BA-846E-58655BA90FCF}"/>
               </a:ext>
             </a:extLst>
           </p:cNvPr>
-          <p:cNvSpPr txBox="1">
-            <a:spLocks/>
+          <p:cNvSpPr>
+            <a:spLocks noGrp="1"/>
           </p:cNvSpPr>
-          <p:nvPr/>
-        </p:nvSpPr>
-        <p:spPr>
-          <a:xfrm>
-            <a:off x="1154321" y="375999"/>
-            <a:ext cx="7766936" cy="970133"/>
-          </a:xfrm>
-          <a:prstGeom prst="rect">
-            <a:avLst/>
-          </a:prstGeom>
-        </p:spPr>
-        <p:txBody>
-          <a:bodyPr vert="horz" lIns="91440" tIns="45720" rIns="91440" bIns="45720" rtlCol="0" anchor="b">
-            <a:noAutofit/>
-          </a:bodyPr>
-          <a:lstStyle>
-            <a:lvl1pPr algn="r" defTabSz="457200" rtl="0" eaLnBrk="1" latinLnBrk="0" hangingPunct="1">
-              <a:spcBef>
-                <a:spcPct val="0"/>
-              </a:spcBef>
-              <a:buNone/>
-              <a:defRPr sz="5400" kern="1200">
-                <a:solidFill>
-                  <a:schemeClr val="accent1"/>
-                </a:solidFill>
-                <a:latin typeface="+mj-lt"/>
-                <a:ea typeface="+mj-ea"/>
-                <a:cs typeface="+mj-cs"/>
-              </a:defRPr>
-            </a:lvl1pPr>
-            <a:lvl2pPr eaLnBrk="1" hangingPunct="1">
-              <a:defRPr>
-                <a:solidFill>
-                  <a:schemeClr val="tx2"/>
-                </a:solidFill>
-              </a:defRPr>
-            </a:lvl2pPr>
-            <a:lvl3pPr eaLnBrk="1" hangingPunct="1">
-              <a:defRPr>
-                <a:solidFill>
-                  <a:schemeClr val="tx2"/>
-                </a:solidFill>
-              </a:defRPr>
-            </a:lvl3pPr>
-            <a:lvl4pPr eaLnBrk="1" hangingPunct="1">
-              <a:defRPr>
-                <a:solidFill>
-                  <a:schemeClr val="tx2"/>
-                </a:solidFill>
-              </a:defRPr>
-            </a:lvl4pPr>
-            <a:lvl5pPr eaLnBrk="1" hangingPunct="1">
-              <a:defRPr>
-                <a:solidFill>
-                  <a:schemeClr val="tx2"/>
-                </a:solidFill>
-              </a:defRPr>
-            </a:lvl5pPr>
-            <a:lvl6pPr eaLnBrk="1" hangingPunct="1">
-              <a:defRPr>
-                <a:solidFill>
-                  <a:schemeClr val="tx2"/>
-                </a:solidFill>
-              </a:defRPr>
-            </a:lvl6pPr>
-            <a:lvl7pPr eaLnBrk="1" hangingPunct="1">
-              <a:defRPr>
-                <a:solidFill>
-                  <a:schemeClr val="tx2"/>
-                </a:solidFill>
-              </a:defRPr>
-            </a:lvl7pPr>
-            <a:lvl8pPr eaLnBrk="1" hangingPunct="1">
-              <a:defRPr>
-                <a:solidFill>
-                  <a:schemeClr val="tx2"/>
-                </a:solidFill>
-              </a:defRPr>
-            </a:lvl8pPr>
-            <a:lvl9pPr eaLnBrk="1" hangingPunct="1">
-              <a:defRPr>
-                <a:solidFill>
-                  <a:schemeClr val="tx2"/>
-                </a:solidFill>
-              </a:defRPr>
-            </a:lvl9pPr>
-          </a:lstStyle>
+          <p:nvPr>
+            <p:ph type="ctrTitle"/>
+          </p:nvPr>
+        </p:nvSpPr>
+        <p:spPr>
+          <a:xfrm>
+            <a:off x="1154320" y="375999"/>
+            <a:ext cx="8199229" cy="970133"/>
+          </a:xfrm>
+        </p:spPr>
+        <p:txBody>
+          <a:bodyPr/>
+          <a:lstStyle/>
           <a:p>
             <a:pPr algn="l"/>
             <a:r>
@@ -9150,7 +10293,7 @@
                 <a:latin typeface="Segoe UI" panose="020B0502040204020203" pitchFamily="34" charset="0"/>
                 <a:cs typeface="Segoe UI" panose="020B0502040204020203" pitchFamily="34" charset="0"/>
               </a:rPr>
-              <a:t>Position absolute</a:t>
+              <a:t>Pseudo Classes Selector</a:t>
             </a:r>
             <a:endParaRPr lang="en-US" sz="4000" b="1" dirty="0">
               <a:solidFill>
@@ -9165,12 +10308,161 @@
           </a:p>
         </p:txBody>
       </p:sp>
+      <p:sp>
+        <p:nvSpPr>
+          <p:cNvPr id="11" name="TextBox 10">
+            <a:extLst>
+              <a:ext uri="{FF2B5EF4-FFF2-40B4-BE49-F238E27FC236}">
+                <a16:creationId xmlns:a16="http://schemas.microsoft.com/office/drawing/2014/main" id="{0BEE3D45-412B-466A-8CF5-E4ADC5B2F1A0}"/>
+              </a:ext>
+            </a:extLst>
+          </p:cNvPr>
+          <p:cNvSpPr txBox="1"/>
+          <p:nvPr/>
+        </p:nvSpPr>
+        <p:spPr>
+          <a:xfrm>
+            <a:off x="1154320" y="1346132"/>
+            <a:ext cx="7919830" cy="2308324"/>
+          </a:xfrm>
+          <a:prstGeom prst="rect">
+            <a:avLst/>
+          </a:prstGeom>
+          <a:noFill/>
+        </p:spPr>
+        <p:txBody>
+          <a:bodyPr wrap="square">
+            <a:spAutoFit/>
+          </a:bodyPr>
+          <a:lstStyle/>
+          <a:p>
+            <a:r>
+              <a:rPr lang="en-US" dirty="0">
+                <a:latin typeface="Segoe UI" panose="020B0502040204020203" pitchFamily="34" charset="0"/>
+                <a:cs typeface="Segoe UI" panose="020B0502040204020203" pitchFamily="34" charset="0"/>
+              </a:rPr>
+              <a:t>A pseudo-class is used to define a special state of an element.</a:t>
+            </a:r>
+          </a:p>
+          <a:p>
+            <a:endParaRPr lang="en-US" dirty="0">
+              <a:latin typeface="Segoe UI" panose="020B0502040204020203" pitchFamily="34" charset="0"/>
+              <a:cs typeface="Segoe UI" panose="020B0502040204020203" pitchFamily="34" charset="0"/>
+            </a:endParaRPr>
+          </a:p>
+          <a:p>
+            <a:r>
+              <a:rPr lang="en-US" dirty="0">
+                <a:latin typeface="Segoe UI" panose="020B0502040204020203" pitchFamily="34" charset="0"/>
+                <a:cs typeface="Segoe UI" panose="020B0502040204020203" pitchFamily="34" charset="0"/>
+              </a:rPr>
+              <a:t>For example, it can be used to:</a:t>
+            </a:r>
+          </a:p>
+          <a:p>
+            <a:pPr marL="342900" indent="-342900">
+              <a:buFont typeface="+mj-lt"/>
+              <a:buAutoNum type="arabicPeriod"/>
+            </a:pPr>
+            <a:r>
+              <a:rPr lang="en-US" dirty="0">
+                <a:latin typeface="Segoe UI" panose="020B0502040204020203" pitchFamily="34" charset="0"/>
+                <a:cs typeface="Segoe UI" panose="020B0502040204020203" pitchFamily="34" charset="0"/>
+              </a:rPr>
+              <a:t>Style an element when a user mouses over it</a:t>
+            </a:r>
+          </a:p>
+          <a:p>
+            <a:pPr marL="342900" indent="-342900">
+              <a:buFont typeface="+mj-lt"/>
+              <a:buAutoNum type="arabicPeriod"/>
+            </a:pPr>
+            <a:r>
+              <a:rPr lang="en-US" dirty="0">
+                <a:latin typeface="Segoe UI" panose="020B0502040204020203" pitchFamily="34" charset="0"/>
+                <a:cs typeface="Segoe UI" panose="020B0502040204020203" pitchFamily="34" charset="0"/>
+              </a:rPr>
+              <a:t>Style visited and unvisited links differently</a:t>
+            </a:r>
+          </a:p>
+          <a:p>
+            <a:pPr marL="342900" indent="-342900">
+              <a:buFont typeface="+mj-lt"/>
+              <a:buAutoNum type="arabicPeriod"/>
+            </a:pPr>
+            <a:r>
+              <a:rPr lang="en-US" dirty="0">
+                <a:latin typeface="Segoe UI" panose="020B0502040204020203" pitchFamily="34" charset="0"/>
+                <a:cs typeface="Segoe UI" panose="020B0502040204020203" pitchFamily="34" charset="0"/>
+              </a:rPr>
+              <a:t>Style an element when it gets focus</a:t>
+            </a:r>
+          </a:p>
+          <a:p>
+            <a:pPr marL="342900" indent="-342900">
+              <a:buFont typeface="+mj-lt"/>
+              <a:buAutoNum type="arabicPeriod"/>
+            </a:pPr>
+            <a:endParaRPr lang="en-US" dirty="0">
+              <a:latin typeface="Segoe UI" panose="020B0502040204020203" pitchFamily="34" charset="0"/>
+              <a:cs typeface="Segoe UI" panose="020B0502040204020203" pitchFamily="34" charset="0"/>
+            </a:endParaRPr>
+          </a:p>
+          <a:p>
+            <a:r>
+              <a:rPr lang="en-US" b="1" dirty="0">
+                <a:latin typeface="Segoe UI" panose="020B0502040204020203" pitchFamily="34" charset="0"/>
+                <a:cs typeface="Segoe UI" panose="020B0502040204020203" pitchFamily="34" charset="0"/>
+              </a:rPr>
+              <a:t>Syntax:</a:t>
+            </a:r>
+          </a:p>
+        </p:txBody>
+      </p:sp>
+      <p:sp>
+        <p:nvSpPr>
+          <p:cNvPr id="12" name="TextBox 11">
+            <a:extLst>
+              <a:ext uri="{FF2B5EF4-FFF2-40B4-BE49-F238E27FC236}">
+                <a16:creationId xmlns:a16="http://schemas.microsoft.com/office/drawing/2014/main" id="{D6B6867A-B71D-4700-9B25-BE5B5AA43448}"/>
+              </a:ext>
+            </a:extLst>
+          </p:cNvPr>
+          <p:cNvSpPr txBox="1"/>
+          <p:nvPr/>
+        </p:nvSpPr>
+        <p:spPr>
+          <a:xfrm>
+            <a:off x="1154320" y="6297335"/>
+            <a:ext cx="8396080" cy="369332"/>
+          </a:xfrm>
+          <a:prstGeom prst="rect">
+            <a:avLst/>
+          </a:prstGeom>
+          <a:noFill/>
+        </p:spPr>
+        <p:txBody>
+          <a:bodyPr wrap="square">
+            <a:spAutoFit/>
+          </a:bodyPr>
+          <a:lstStyle/>
+          <a:p>
+            <a:r>
+              <a:rPr lang="en-US" dirty="0">
+                <a:latin typeface="Segoe UI" panose="020B0502040204020203" pitchFamily="34" charset="0"/>
+                <a:cs typeface="Segoe UI" panose="020B0502040204020203" pitchFamily="34" charset="0"/>
+              </a:rPr>
+              <a:t>https://www.w3schools.com/css/tryit.asp?filename=trycss_pseudo-class_links</a:t>
+            </a:r>
+          </a:p>
+        </p:txBody>
+      </p:sp>
       <p:pic>
         <p:nvPicPr>
-          <p:cNvPr id="3" name="Picture 2">
+          <p:cNvPr id="14" name="Picture 13">
             <a:extLst>
               <a:ext uri="{FF2B5EF4-FFF2-40B4-BE49-F238E27FC236}">
-                <a16:creationId xmlns:a16="http://schemas.microsoft.com/office/drawing/2014/main" id="{0E696899-1389-4E73-9373-50F77010B439}"/>
+                <a16:creationId xmlns:a16="http://schemas.microsoft.com/office/drawing/2014/main" id="{1DC219BE-3FB2-4A64-842C-3927EF1D1C7C}"/>
               </a:ext>
             </a:extLst>
           </p:cNvPr>
@@ -9187,15 +10479,18 @@
         </p:blipFill>
         <p:spPr>
           <a:xfrm>
-            <a:off x="1154321" y="1597981"/>
-            <a:ext cx="8333836" cy="5046816"/>
+            <a:off x="1204912" y="3832225"/>
+            <a:ext cx="2924175" cy="1085850"/>
           </a:xfrm>
           <a:prstGeom prst="rect">
             <a:avLst/>
           </a:prstGeom>
           <a:ln w="57150">
             <a:solidFill>
-              <a:srgbClr val="0070C0"/>
+              <a:schemeClr val="tx1">
+                <a:lumMod val="85000"/>
+                <a:lumOff val="15000"/>
+              </a:schemeClr>
             </a:solidFill>
           </a:ln>
         </p:spPr>
@@ -9203,7 +10498,7 @@
     </p:spTree>
     <p:extLst>
       <p:ext uri="{BB962C8B-B14F-4D97-AF65-F5344CB8AC3E}">
-        <p14:creationId xmlns:p14="http://schemas.microsoft.com/office/powerpoint/2010/main" val="1268880243"/>
+        <p14:creationId xmlns:p14="http://schemas.microsoft.com/office/powerpoint/2010/main" val="735703933"/>
       </p:ext>
     </p:extLst>
   </p:cSld>
@@ -9232,103 +10527,29 @@
       </p:grpSpPr>
       <p:sp>
         <p:nvSpPr>
-          <p:cNvPr id="7" name="Title 1">
+          <p:cNvPr id="2" name="Title 1">
             <a:extLst>
               <a:ext uri="{FF2B5EF4-FFF2-40B4-BE49-F238E27FC236}">
-                <a16:creationId xmlns:a16="http://schemas.microsoft.com/office/drawing/2014/main" id="{58DD303D-6A5A-43C0-946C-E2A29CE022F1}"/>
+                <a16:creationId xmlns:a16="http://schemas.microsoft.com/office/drawing/2014/main" id="{2D4E4121-CDC8-41BA-846E-58655BA90FCF}"/>
               </a:ext>
             </a:extLst>
           </p:cNvPr>
-          <p:cNvSpPr txBox="1">
-            <a:spLocks/>
+          <p:cNvSpPr>
+            <a:spLocks noGrp="1"/>
           </p:cNvSpPr>
-          <p:nvPr/>
-        </p:nvSpPr>
-        <p:spPr>
-          <a:xfrm>
-            <a:off x="1154321" y="375999"/>
-            <a:ext cx="7766936" cy="970133"/>
-          </a:xfrm>
-          <a:prstGeom prst="rect">
-            <a:avLst/>
-          </a:prstGeom>
-        </p:spPr>
-        <p:txBody>
-          <a:bodyPr vert="horz" lIns="91440" tIns="45720" rIns="91440" bIns="45720" rtlCol="0" anchor="b">
-            <a:noAutofit/>
-          </a:bodyPr>
-          <a:lstStyle>
-            <a:lvl1pPr algn="r" defTabSz="457200" rtl="0" eaLnBrk="1" latinLnBrk="0" hangingPunct="1">
-              <a:spcBef>
-                <a:spcPct val="0"/>
-              </a:spcBef>
-              <a:buNone/>
-              <a:defRPr sz="5400" kern="1200">
-                <a:solidFill>
-                  <a:schemeClr val="accent1"/>
-                </a:solidFill>
-                <a:latin typeface="+mj-lt"/>
-                <a:ea typeface="+mj-ea"/>
-                <a:cs typeface="+mj-cs"/>
-              </a:defRPr>
-            </a:lvl1pPr>
-            <a:lvl2pPr eaLnBrk="1" hangingPunct="1">
-              <a:defRPr>
-                <a:solidFill>
-                  <a:schemeClr val="tx2"/>
-                </a:solidFill>
-              </a:defRPr>
-            </a:lvl2pPr>
-            <a:lvl3pPr eaLnBrk="1" hangingPunct="1">
-              <a:defRPr>
-                <a:solidFill>
-                  <a:schemeClr val="tx2"/>
-                </a:solidFill>
-              </a:defRPr>
-            </a:lvl3pPr>
-            <a:lvl4pPr eaLnBrk="1" hangingPunct="1">
-              <a:defRPr>
-                <a:solidFill>
-                  <a:schemeClr val="tx2"/>
-                </a:solidFill>
-              </a:defRPr>
-            </a:lvl4pPr>
-            <a:lvl5pPr eaLnBrk="1" hangingPunct="1">
-              <a:defRPr>
-                <a:solidFill>
-                  <a:schemeClr val="tx2"/>
-                </a:solidFill>
-              </a:defRPr>
-            </a:lvl5pPr>
-            <a:lvl6pPr eaLnBrk="1" hangingPunct="1">
-              <a:defRPr>
-                <a:solidFill>
-                  <a:schemeClr val="tx2"/>
-                </a:solidFill>
-              </a:defRPr>
-            </a:lvl6pPr>
-            <a:lvl7pPr eaLnBrk="1" hangingPunct="1">
-              <a:defRPr>
-                <a:solidFill>
-                  <a:schemeClr val="tx2"/>
-                </a:solidFill>
-              </a:defRPr>
-            </a:lvl7pPr>
-            <a:lvl8pPr eaLnBrk="1" hangingPunct="1">
-              <a:defRPr>
-                <a:solidFill>
-                  <a:schemeClr val="tx2"/>
-                </a:solidFill>
-              </a:defRPr>
-            </a:lvl8pPr>
-            <a:lvl9pPr eaLnBrk="1" hangingPunct="1">
-              <a:defRPr>
-                <a:solidFill>
-                  <a:schemeClr val="tx2"/>
-                </a:solidFill>
-              </a:defRPr>
-            </a:lvl9pPr>
-          </a:lstStyle>
+          <p:nvPr>
+            <p:ph type="ctrTitle"/>
+          </p:nvPr>
+        </p:nvSpPr>
+        <p:spPr>
+          <a:xfrm>
+            <a:off x="1154320" y="375999"/>
+            <a:ext cx="8199229" cy="970133"/>
+          </a:xfrm>
+        </p:spPr>
+        <p:txBody>
+          <a:bodyPr/>
+          <a:lstStyle/>
           <a:p>
             <a:pPr algn="l"/>
             <a:r>
@@ -9368,7 +10589,7 @@
                 <a:latin typeface="Segoe UI" panose="020B0502040204020203" pitchFamily="34" charset="0"/>
                 <a:cs typeface="Segoe UI" panose="020B0502040204020203" pitchFamily="34" charset="0"/>
               </a:rPr>
-              <a:t>Position sticky</a:t>
+              <a:t>Pseudo Element Selector</a:t>
             </a:r>
             <a:endParaRPr lang="en-US" sz="4000" b="1" dirty="0">
               <a:solidFill>
@@ -9383,12 +10604,184 @@
           </a:p>
         </p:txBody>
       </p:sp>
+      <p:sp>
+        <p:nvSpPr>
+          <p:cNvPr id="11" name="TextBox 10">
+            <a:extLst>
+              <a:ext uri="{FF2B5EF4-FFF2-40B4-BE49-F238E27FC236}">
+                <a16:creationId xmlns:a16="http://schemas.microsoft.com/office/drawing/2014/main" id="{0BEE3D45-412B-466A-8CF5-E4ADC5B2F1A0}"/>
+              </a:ext>
+            </a:extLst>
+          </p:cNvPr>
+          <p:cNvSpPr txBox="1"/>
+          <p:nvPr/>
+        </p:nvSpPr>
+        <p:spPr>
+          <a:xfrm>
+            <a:off x="1154320" y="1346132"/>
+            <a:ext cx="7919830" cy="2308324"/>
+          </a:xfrm>
+          <a:prstGeom prst="rect">
+            <a:avLst/>
+          </a:prstGeom>
+          <a:noFill/>
+        </p:spPr>
+        <p:txBody>
+          <a:bodyPr wrap="square">
+            <a:spAutoFit/>
+          </a:bodyPr>
+          <a:lstStyle/>
+          <a:p>
+            <a:r>
+              <a:rPr lang="en-US" dirty="0">
+                <a:latin typeface="Segoe UI" panose="020B0502040204020203" pitchFamily="34" charset="0"/>
+                <a:cs typeface="Segoe UI" panose="020B0502040204020203" pitchFamily="34" charset="0"/>
+              </a:rPr>
+              <a:t>A CSS pseudo-element is used to style specified parts of an element.</a:t>
+            </a:r>
+          </a:p>
+          <a:p>
+            <a:endParaRPr lang="en-US" dirty="0">
+              <a:latin typeface="Segoe UI" panose="020B0502040204020203" pitchFamily="34" charset="0"/>
+              <a:cs typeface="Segoe UI" panose="020B0502040204020203" pitchFamily="34" charset="0"/>
+            </a:endParaRPr>
+          </a:p>
+          <a:p>
+            <a:r>
+              <a:rPr lang="en-US" dirty="0">
+                <a:latin typeface="Segoe UI" panose="020B0502040204020203" pitchFamily="34" charset="0"/>
+                <a:cs typeface="Segoe UI" panose="020B0502040204020203" pitchFamily="34" charset="0"/>
+              </a:rPr>
+              <a:t>For example, it can be used to:</a:t>
+            </a:r>
+          </a:p>
+          <a:p>
+            <a:pPr marL="342900" indent="-342900">
+              <a:buFont typeface="+mj-lt"/>
+              <a:buAutoNum type="arabicPeriod"/>
+            </a:pPr>
+            <a:r>
+              <a:rPr lang="en-US" dirty="0">
+                <a:latin typeface="Segoe UI" panose="020B0502040204020203" pitchFamily="34" charset="0"/>
+                <a:cs typeface="Segoe UI" panose="020B0502040204020203" pitchFamily="34" charset="0"/>
+              </a:rPr>
+              <a:t>Style the first letter, or line, of an element</a:t>
+            </a:r>
+          </a:p>
+          <a:p>
+            <a:pPr marL="342900" indent="-342900">
+              <a:buFont typeface="+mj-lt"/>
+              <a:buAutoNum type="arabicPeriod"/>
+            </a:pPr>
+            <a:r>
+              <a:rPr lang="en-US" dirty="0">
+                <a:latin typeface="Segoe UI" panose="020B0502040204020203" pitchFamily="34" charset="0"/>
+                <a:cs typeface="Segoe UI" panose="020B0502040204020203" pitchFamily="34" charset="0"/>
+              </a:rPr>
+              <a:t>Insert content before, or after, the content of an element </a:t>
+            </a:r>
+          </a:p>
+          <a:p>
+            <a:pPr marL="342900" indent="-342900">
+              <a:buFont typeface="+mj-lt"/>
+              <a:buAutoNum type="arabicPeriod"/>
+            </a:pPr>
+            <a:endParaRPr lang="en-US" dirty="0">
+              <a:latin typeface="Segoe UI" panose="020B0502040204020203" pitchFamily="34" charset="0"/>
+              <a:cs typeface="Segoe UI" panose="020B0502040204020203" pitchFamily="34" charset="0"/>
+            </a:endParaRPr>
+          </a:p>
+          <a:p>
+            <a:pPr marL="342900" indent="-342900">
+              <a:buFont typeface="+mj-lt"/>
+              <a:buAutoNum type="arabicPeriod"/>
+            </a:pPr>
+            <a:endParaRPr lang="en-US" dirty="0">
+              <a:latin typeface="Segoe UI" panose="020B0502040204020203" pitchFamily="34" charset="0"/>
+              <a:cs typeface="Segoe UI" panose="020B0502040204020203" pitchFamily="34" charset="0"/>
+            </a:endParaRPr>
+          </a:p>
+          <a:p>
+            <a:r>
+              <a:rPr lang="en-US" b="1" dirty="0">
+                <a:latin typeface="Segoe UI" panose="020B0502040204020203" pitchFamily="34" charset="0"/>
+                <a:cs typeface="Segoe UI" panose="020B0502040204020203" pitchFamily="34" charset="0"/>
+              </a:rPr>
+              <a:t>Syntax:</a:t>
+            </a:r>
+          </a:p>
+        </p:txBody>
+      </p:sp>
+      <p:sp>
+        <p:nvSpPr>
+          <p:cNvPr id="4" name="Oval 3">
+            <a:extLst>
+              <a:ext uri="{FF2B5EF4-FFF2-40B4-BE49-F238E27FC236}">
+                <a16:creationId xmlns:a16="http://schemas.microsoft.com/office/drawing/2014/main" id="{9DDBB7BF-DB6B-41BA-9849-559896F1810D}"/>
+              </a:ext>
+            </a:extLst>
+          </p:cNvPr>
+          <p:cNvSpPr/>
+          <p:nvPr/>
+        </p:nvSpPr>
+        <p:spPr>
+          <a:xfrm>
+            <a:off x="8725931" y="536971"/>
+            <a:ext cx="2311749" cy="945611"/>
+          </a:xfrm>
+          <a:prstGeom prst="ellipse">
+            <a:avLst/>
+          </a:prstGeom>
+          <a:solidFill>
+            <a:srgbClr val="C00000"/>
+          </a:solidFill>
+          <a:ln w="57150">
+            <a:solidFill>
+              <a:schemeClr val="tx1">
+                <a:lumMod val="85000"/>
+                <a:lumOff val="15000"/>
+              </a:schemeClr>
+            </a:solidFill>
+          </a:ln>
+        </p:spPr>
+        <p:style>
+          <a:lnRef idx="2">
+            <a:schemeClr val="accent4">
+              <a:shade val="50000"/>
+            </a:schemeClr>
+          </a:lnRef>
+          <a:fillRef idx="1">
+            <a:schemeClr val="accent4"/>
+          </a:fillRef>
+          <a:effectRef idx="0">
+            <a:schemeClr val="accent4"/>
+          </a:effectRef>
+          <a:fontRef idx="minor">
+            <a:schemeClr val="lt1"/>
+          </a:fontRef>
+        </p:style>
+        <p:txBody>
+          <a:bodyPr rtlCol="0" anchor="ctr"/>
+          <a:lstStyle/>
+          <a:p>
+            <a:pPr algn="ctr"/>
+            <a:r>
+              <a:rPr lang="en-US" b="1" dirty="0">
+                <a:solidFill>
+                  <a:sysClr val="windowText" lastClr="000000"/>
+                </a:solidFill>
+              </a:rPr>
+              <a:t>PSEUDO ELEMENT SELECTOR</a:t>
+            </a:r>
+          </a:p>
+        </p:txBody>
+      </p:sp>
       <p:pic>
         <p:nvPicPr>
-          <p:cNvPr id="4" name="Picture 3">
+          <p:cNvPr id="5" name="Picture 4">
             <a:extLst>
               <a:ext uri="{FF2B5EF4-FFF2-40B4-BE49-F238E27FC236}">
-                <a16:creationId xmlns:a16="http://schemas.microsoft.com/office/drawing/2014/main" id="{22E79301-E723-4F40-999C-D0C461D4CCA6}"/>
+                <a16:creationId xmlns:a16="http://schemas.microsoft.com/office/drawing/2014/main" id="{F601699A-A227-4D2F-8CE1-86FA4859FF0F}"/>
               </a:ext>
             </a:extLst>
           </p:cNvPr>
@@ -9405,23 +10798,56 @@
         </p:blipFill>
         <p:spPr>
           <a:xfrm>
-            <a:off x="1154321" y="1864403"/>
-            <a:ext cx="10067925" cy="3981450"/>
+            <a:off x="1154320" y="3654456"/>
+            <a:ext cx="3371850" cy="1000125"/>
           </a:xfrm>
           <a:prstGeom prst="rect">
             <a:avLst/>
           </a:prstGeom>
           <a:ln w="57150">
             <a:solidFill>
-              <a:srgbClr val="0070C0"/>
+              <a:schemeClr val="tx1">
+                <a:lumMod val="85000"/>
+                <a:lumOff val="15000"/>
+              </a:schemeClr>
             </a:solidFill>
           </a:ln>
+        </p:spPr>
+      </p:pic>
+      <p:pic>
+        <p:nvPicPr>
+          <p:cNvPr id="7" name="Picture 6">
+            <a:extLst>
+              <a:ext uri="{FF2B5EF4-FFF2-40B4-BE49-F238E27FC236}">
+                <a16:creationId xmlns:a16="http://schemas.microsoft.com/office/drawing/2014/main" id="{A379ED80-3F8F-471D-8B25-517CBD1BFB77}"/>
+              </a:ext>
+            </a:extLst>
+          </p:cNvPr>
+          <p:cNvPicPr>
+            <a:picLocks noChangeAspect="1"/>
+          </p:cNvPicPr>
+          <p:nvPr/>
+        </p:nvPicPr>
+        <p:blipFill>
+          <a:blip r:embed="rId3"/>
+          <a:stretch>
+            <a:fillRect/>
+          </a:stretch>
+        </p:blipFill>
+        <p:spPr>
+          <a:xfrm>
+            <a:off x="6047944" y="3654456"/>
+            <a:ext cx="5300196" cy="2247900"/>
+          </a:xfrm>
+          <a:prstGeom prst="rect">
+            <a:avLst/>
+          </a:prstGeom>
         </p:spPr>
       </p:pic>
     </p:spTree>
     <p:extLst>
       <p:ext uri="{BB962C8B-B14F-4D97-AF65-F5344CB8AC3E}">
-        <p14:creationId xmlns:p14="http://schemas.microsoft.com/office/powerpoint/2010/main" val="812550312"/>
+        <p14:creationId xmlns:p14="http://schemas.microsoft.com/office/powerpoint/2010/main" val="839963605"/>
       </p:ext>
     </p:extLst>
   </p:cSld>
@@ -9450,103 +10876,29 @@
       </p:grpSpPr>
       <p:sp>
         <p:nvSpPr>
-          <p:cNvPr id="7" name="Title 1">
+          <p:cNvPr id="2" name="Title 1">
             <a:extLst>
               <a:ext uri="{FF2B5EF4-FFF2-40B4-BE49-F238E27FC236}">
-                <a16:creationId xmlns:a16="http://schemas.microsoft.com/office/drawing/2014/main" id="{58DD303D-6A5A-43C0-946C-E2A29CE022F1}"/>
+                <a16:creationId xmlns:a16="http://schemas.microsoft.com/office/drawing/2014/main" id="{2D4E4121-CDC8-41BA-846E-58655BA90FCF}"/>
               </a:ext>
             </a:extLst>
           </p:cNvPr>
-          <p:cNvSpPr txBox="1">
-            <a:spLocks/>
+          <p:cNvSpPr>
+            <a:spLocks noGrp="1"/>
           </p:cNvSpPr>
-          <p:nvPr/>
-        </p:nvSpPr>
-        <p:spPr>
-          <a:xfrm>
-            <a:off x="1154321" y="375999"/>
-            <a:ext cx="7766936" cy="970133"/>
-          </a:xfrm>
-          <a:prstGeom prst="rect">
-            <a:avLst/>
-          </a:prstGeom>
-        </p:spPr>
-        <p:txBody>
-          <a:bodyPr vert="horz" lIns="91440" tIns="45720" rIns="91440" bIns="45720" rtlCol="0" anchor="b">
-            <a:noAutofit/>
-          </a:bodyPr>
-          <a:lstStyle>
-            <a:lvl1pPr algn="r" defTabSz="457200" rtl="0" eaLnBrk="1" latinLnBrk="0" hangingPunct="1">
-              <a:spcBef>
-                <a:spcPct val="0"/>
-              </a:spcBef>
-              <a:buNone/>
-              <a:defRPr sz="5400" kern="1200">
-                <a:solidFill>
-                  <a:schemeClr val="accent1"/>
-                </a:solidFill>
-                <a:latin typeface="+mj-lt"/>
-                <a:ea typeface="+mj-ea"/>
-                <a:cs typeface="+mj-cs"/>
-              </a:defRPr>
-            </a:lvl1pPr>
-            <a:lvl2pPr eaLnBrk="1" hangingPunct="1">
-              <a:defRPr>
-                <a:solidFill>
-                  <a:schemeClr val="tx2"/>
-                </a:solidFill>
-              </a:defRPr>
-            </a:lvl2pPr>
-            <a:lvl3pPr eaLnBrk="1" hangingPunct="1">
-              <a:defRPr>
-                <a:solidFill>
-                  <a:schemeClr val="tx2"/>
-                </a:solidFill>
-              </a:defRPr>
-            </a:lvl3pPr>
-            <a:lvl4pPr eaLnBrk="1" hangingPunct="1">
-              <a:defRPr>
-                <a:solidFill>
-                  <a:schemeClr val="tx2"/>
-                </a:solidFill>
-              </a:defRPr>
-            </a:lvl4pPr>
-            <a:lvl5pPr eaLnBrk="1" hangingPunct="1">
-              <a:defRPr>
-                <a:solidFill>
-                  <a:schemeClr val="tx2"/>
-                </a:solidFill>
-              </a:defRPr>
-            </a:lvl5pPr>
-            <a:lvl6pPr eaLnBrk="1" hangingPunct="1">
-              <a:defRPr>
-                <a:solidFill>
-                  <a:schemeClr val="tx2"/>
-                </a:solidFill>
-              </a:defRPr>
-            </a:lvl6pPr>
-            <a:lvl7pPr eaLnBrk="1" hangingPunct="1">
-              <a:defRPr>
-                <a:solidFill>
-                  <a:schemeClr val="tx2"/>
-                </a:solidFill>
-              </a:defRPr>
-            </a:lvl7pPr>
-            <a:lvl8pPr eaLnBrk="1" hangingPunct="1">
-              <a:defRPr>
-                <a:solidFill>
-                  <a:schemeClr val="tx2"/>
-                </a:solidFill>
-              </a:defRPr>
-            </a:lvl8pPr>
-            <a:lvl9pPr eaLnBrk="1" hangingPunct="1">
-              <a:defRPr>
-                <a:solidFill>
-                  <a:schemeClr val="tx2"/>
-                </a:solidFill>
-              </a:defRPr>
-            </a:lvl9pPr>
-          </a:lstStyle>
+          <p:nvPr>
+            <p:ph type="ctrTitle"/>
+          </p:nvPr>
+        </p:nvSpPr>
+        <p:spPr>
+          <a:xfrm>
+            <a:off x="1154320" y="375999"/>
+            <a:ext cx="8199229" cy="970133"/>
+          </a:xfrm>
+        </p:spPr>
+        <p:txBody>
+          <a:bodyPr/>
+          <a:lstStyle/>
           <a:p>
             <a:pPr algn="l"/>
             <a:r>
@@ -9586,7 +10938,7 @@
                 <a:latin typeface="Segoe UI" panose="020B0502040204020203" pitchFamily="34" charset="0"/>
                 <a:cs typeface="Segoe UI" panose="020B0502040204020203" pitchFamily="34" charset="0"/>
               </a:rPr>
-              <a:t>Position sticky</a:t>
+              <a:t>::first-line</a:t>
             </a:r>
             <a:endParaRPr lang="en-US" sz="4000" b="1" dirty="0">
               <a:solidFill>
@@ -9603,10 +10955,10 @@
       </p:sp>
       <p:pic>
         <p:nvPicPr>
-          <p:cNvPr id="4" name="Picture 3">
+          <p:cNvPr id="5" name="Picture 4">
             <a:extLst>
               <a:ext uri="{FF2B5EF4-FFF2-40B4-BE49-F238E27FC236}">
-                <a16:creationId xmlns:a16="http://schemas.microsoft.com/office/drawing/2014/main" id="{22E79301-E723-4F40-999C-D0C461D4CCA6}"/>
+                <a16:creationId xmlns:a16="http://schemas.microsoft.com/office/drawing/2014/main" id="{62797211-ED6B-4D4F-BB83-024608E4CD7B}"/>
               </a:ext>
             </a:extLst>
           </p:cNvPr>
@@ -9623,23 +10975,306 @@
         </p:blipFill>
         <p:spPr>
           <a:xfrm>
-            <a:off x="1154321" y="1864403"/>
-            <a:ext cx="10067925" cy="3981450"/>
+            <a:off x="757528" y="1742831"/>
+            <a:ext cx="10676943" cy="3887502"/>
           </a:xfrm>
           <a:prstGeom prst="rect">
             <a:avLst/>
           </a:prstGeom>
+        </p:spPr>
+      </p:pic>
+      <p:sp>
+        <p:nvSpPr>
+          <p:cNvPr id="7" name="Rectangle 6">
+            <a:extLst>
+              <a:ext uri="{FF2B5EF4-FFF2-40B4-BE49-F238E27FC236}">
+                <a16:creationId xmlns:a16="http://schemas.microsoft.com/office/drawing/2014/main" id="{A2EB3ABC-BBA3-43A0-A695-796B5FEC7207}"/>
+              </a:ext>
+            </a:extLst>
+          </p:cNvPr>
+          <p:cNvSpPr/>
+          <p:nvPr/>
+        </p:nvSpPr>
+        <p:spPr>
+          <a:xfrm>
+            <a:off x="761774" y="2270868"/>
+            <a:ext cx="2495776" cy="1158132"/>
+          </a:xfrm>
+          <a:prstGeom prst="rect">
+            <a:avLst/>
+          </a:prstGeom>
+          <a:noFill/>
           <a:ln w="57150">
             <a:solidFill>
-              <a:srgbClr val="0070C0"/>
+              <a:srgbClr val="C00000"/>
             </a:solidFill>
           </a:ln>
         </p:spPr>
-      </p:pic>
+        <p:style>
+          <a:lnRef idx="2">
+            <a:schemeClr val="accent1">
+              <a:shade val="50000"/>
+            </a:schemeClr>
+          </a:lnRef>
+          <a:fillRef idx="1">
+            <a:schemeClr val="accent1"/>
+          </a:fillRef>
+          <a:effectRef idx="0">
+            <a:schemeClr val="accent1"/>
+          </a:effectRef>
+          <a:fontRef idx="minor">
+            <a:schemeClr val="lt1"/>
+          </a:fontRef>
+        </p:style>
+        <p:txBody>
+          <a:bodyPr rtlCol="0" anchor="ctr"/>
+          <a:lstStyle/>
+          <a:p>
+            <a:pPr algn="ctr"/>
+            <a:endParaRPr lang="en-US"/>
+          </a:p>
+        </p:txBody>
+      </p:sp>
+      <p:sp>
+        <p:nvSpPr>
+          <p:cNvPr id="8" name="Rectangle 7">
+            <a:extLst>
+              <a:ext uri="{FF2B5EF4-FFF2-40B4-BE49-F238E27FC236}">
+                <a16:creationId xmlns:a16="http://schemas.microsoft.com/office/drawing/2014/main" id="{7B944626-E1D2-49AD-832E-D42C0271EA3F}"/>
+              </a:ext>
+            </a:extLst>
+          </p:cNvPr>
+          <p:cNvSpPr/>
+          <p:nvPr/>
+        </p:nvSpPr>
+        <p:spPr>
+          <a:xfrm>
+            <a:off x="6168676" y="1775873"/>
+            <a:ext cx="5216874" cy="884777"/>
+          </a:xfrm>
+          <a:prstGeom prst="rect">
+            <a:avLst/>
+          </a:prstGeom>
+          <a:noFill/>
+          <a:ln w="57150">
+            <a:solidFill>
+              <a:srgbClr val="00B050"/>
+            </a:solidFill>
+          </a:ln>
+        </p:spPr>
+        <p:style>
+          <a:lnRef idx="2">
+            <a:schemeClr val="accent1">
+              <a:shade val="50000"/>
+            </a:schemeClr>
+          </a:lnRef>
+          <a:fillRef idx="1">
+            <a:schemeClr val="accent1"/>
+          </a:fillRef>
+          <a:effectRef idx="0">
+            <a:schemeClr val="accent1"/>
+          </a:effectRef>
+          <a:fontRef idx="minor">
+            <a:schemeClr val="lt1"/>
+          </a:fontRef>
+        </p:style>
+        <p:txBody>
+          <a:bodyPr rtlCol="0" anchor="ctr"/>
+          <a:lstStyle/>
+          <a:p>
+            <a:pPr algn="ctr"/>
+            <a:endParaRPr lang="en-US"/>
+          </a:p>
+        </p:txBody>
+      </p:sp>
+      <p:sp>
+        <p:nvSpPr>
+          <p:cNvPr id="9" name="Arrow: Right 8">
+            <a:extLst>
+              <a:ext uri="{FF2B5EF4-FFF2-40B4-BE49-F238E27FC236}">
+                <a16:creationId xmlns:a16="http://schemas.microsoft.com/office/drawing/2014/main" id="{D486A7CE-A989-4324-A4F7-EDB9227D1DD0}"/>
+              </a:ext>
+            </a:extLst>
+          </p:cNvPr>
+          <p:cNvSpPr/>
+          <p:nvPr/>
+        </p:nvSpPr>
+        <p:spPr>
+          <a:xfrm>
+            <a:off x="4909737" y="1742831"/>
+            <a:ext cx="979058" cy="603858"/>
+          </a:xfrm>
+          <a:prstGeom prst="rightArrow">
+            <a:avLst/>
+          </a:prstGeom>
+          <a:solidFill>
+            <a:srgbClr val="00B050"/>
+          </a:solidFill>
+          <a:ln w="38100">
+            <a:solidFill>
+              <a:schemeClr val="tx1">
+                <a:lumMod val="85000"/>
+                <a:lumOff val="15000"/>
+              </a:schemeClr>
+            </a:solidFill>
+          </a:ln>
+        </p:spPr>
+        <p:style>
+          <a:lnRef idx="2">
+            <a:schemeClr val="accent1">
+              <a:shade val="50000"/>
+            </a:schemeClr>
+          </a:lnRef>
+          <a:fillRef idx="1">
+            <a:schemeClr val="accent1"/>
+          </a:fillRef>
+          <a:effectRef idx="0">
+            <a:schemeClr val="accent1"/>
+          </a:effectRef>
+          <a:fontRef idx="minor">
+            <a:schemeClr val="lt1"/>
+          </a:fontRef>
+        </p:style>
+        <p:txBody>
+          <a:bodyPr rtlCol="0" anchor="ctr"/>
+          <a:lstStyle/>
+          <a:p>
+            <a:pPr algn="ctr"/>
+            <a:r>
+              <a:rPr lang="en-US" dirty="0"/>
+              <a:t>Desc</a:t>
+            </a:r>
+          </a:p>
+        </p:txBody>
+      </p:sp>
+      <p:sp>
+        <p:nvSpPr>
+          <p:cNvPr id="10" name="Arrow: Right 9">
+            <a:extLst>
+              <a:ext uri="{FF2B5EF4-FFF2-40B4-BE49-F238E27FC236}">
+                <a16:creationId xmlns:a16="http://schemas.microsoft.com/office/drawing/2014/main" id="{7800153E-E2B2-42BB-AB53-9EDCF4B11431}"/>
+              </a:ext>
+            </a:extLst>
+          </p:cNvPr>
+          <p:cNvSpPr/>
+          <p:nvPr/>
+        </p:nvSpPr>
+        <p:spPr>
+          <a:xfrm rot="10800000" flipV="1">
+            <a:off x="3424543" y="2950808"/>
+            <a:ext cx="1288569" cy="574581"/>
+          </a:xfrm>
+          <a:prstGeom prst="rightArrow">
+            <a:avLst/>
+          </a:prstGeom>
+          <a:solidFill>
+            <a:srgbClr val="C00000"/>
+          </a:solidFill>
+          <a:ln w="38100">
+            <a:solidFill>
+              <a:schemeClr val="tx1">
+                <a:lumMod val="85000"/>
+                <a:lumOff val="15000"/>
+              </a:schemeClr>
+            </a:solidFill>
+          </a:ln>
+        </p:spPr>
+        <p:style>
+          <a:lnRef idx="2">
+            <a:schemeClr val="accent1">
+              <a:shade val="50000"/>
+            </a:schemeClr>
+          </a:lnRef>
+          <a:fillRef idx="1">
+            <a:schemeClr val="accent1"/>
+          </a:fillRef>
+          <a:effectRef idx="0">
+            <a:schemeClr val="accent1"/>
+          </a:effectRef>
+          <a:fontRef idx="minor">
+            <a:schemeClr val="lt1"/>
+          </a:fontRef>
+        </p:style>
+        <p:txBody>
+          <a:bodyPr rtlCol="0" anchor="ctr"/>
+          <a:lstStyle/>
+          <a:p>
+            <a:pPr algn="ctr"/>
+            <a:r>
+              <a:rPr lang="en-US" dirty="0"/>
+              <a:t>Selector</a:t>
+            </a:r>
+          </a:p>
+        </p:txBody>
+      </p:sp>
+      <p:sp>
+        <p:nvSpPr>
+          <p:cNvPr id="13" name="Oval 12">
+            <a:extLst>
+              <a:ext uri="{FF2B5EF4-FFF2-40B4-BE49-F238E27FC236}">
+                <a16:creationId xmlns:a16="http://schemas.microsoft.com/office/drawing/2014/main" id="{6A182051-5FD4-4E04-B9DB-1043A5407F0B}"/>
+              </a:ext>
+            </a:extLst>
+          </p:cNvPr>
+          <p:cNvSpPr/>
+          <p:nvPr/>
+        </p:nvSpPr>
+        <p:spPr>
+          <a:xfrm>
+            <a:off x="8579881" y="5190569"/>
+            <a:ext cx="2311749" cy="945611"/>
+          </a:xfrm>
+          <a:prstGeom prst="ellipse">
+            <a:avLst/>
+          </a:prstGeom>
+          <a:solidFill>
+            <a:srgbClr val="C00000"/>
+          </a:solidFill>
+          <a:ln w="57150">
+            <a:solidFill>
+              <a:schemeClr val="tx1">
+                <a:lumMod val="85000"/>
+                <a:lumOff val="15000"/>
+              </a:schemeClr>
+            </a:solidFill>
+          </a:ln>
+        </p:spPr>
+        <p:style>
+          <a:lnRef idx="2">
+            <a:schemeClr val="accent4">
+              <a:shade val="50000"/>
+            </a:schemeClr>
+          </a:lnRef>
+          <a:fillRef idx="1">
+            <a:schemeClr val="accent4"/>
+          </a:fillRef>
+          <a:effectRef idx="0">
+            <a:schemeClr val="accent4"/>
+          </a:effectRef>
+          <a:fontRef idx="minor">
+            <a:schemeClr val="lt1"/>
+          </a:fontRef>
+        </p:style>
+        <p:txBody>
+          <a:bodyPr rtlCol="0" anchor="ctr"/>
+          <a:lstStyle/>
+          <a:p>
+            <a:pPr algn="ctr"/>
+            <a:r>
+              <a:rPr lang="en-US" b="1" dirty="0">
+                <a:solidFill>
+                  <a:sysClr val="windowText" lastClr="000000"/>
+                </a:solidFill>
+              </a:rPr>
+              <a:t>PSEUDO ELEMENT SELECTOR</a:t>
+            </a:r>
+          </a:p>
+        </p:txBody>
+      </p:sp>
     </p:spTree>
     <p:extLst>
       <p:ext uri="{BB962C8B-B14F-4D97-AF65-F5344CB8AC3E}">
-        <p14:creationId xmlns:p14="http://schemas.microsoft.com/office/powerpoint/2010/main" val="3014142961"/>
+        <p14:creationId xmlns:p14="http://schemas.microsoft.com/office/powerpoint/2010/main" val="1598450579"/>
       </p:ext>
     </p:extLst>
   </p:cSld>
@@ -9666,256 +11301,12 @@
           <a:chExt cx="0" cy="0"/>
         </a:xfrm>
       </p:grpSpPr>
-      <p:sp>
-        <p:nvSpPr>
-          <p:cNvPr id="7" name="Title 1">
+      <p:pic>
+        <p:nvPicPr>
+          <p:cNvPr id="4" name="Picture 3">
             <a:extLst>
               <a:ext uri="{FF2B5EF4-FFF2-40B4-BE49-F238E27FC236}">
-                <a16:creationId xmlns:a16="http://schemas.microsoft.com/office/drawing/2014/main" id="{58DD303D-6A5A-43C0-946C-E2A29CE022F1}"/>
-              </a:ext>
-            </a:extLst>
-          </p:cNvPr>
-          <p:cNvSpPr txBox="1">
-            <a:spLocks/>
-          </p:cNvSpPr>
-          <p:nvPr/>
-        </p:nvSpPr>
-        <p:spPr>
-          <a:xfrm>
-            <a:off x="1154321" y="375999"/>
-            <a:ext cx="7766936" cy="970133"/>
-          </a:xfrm>
-          <a:prstGeom prst="rect">
-            <a:avLst/>
-          </a:prstGeom>
-        </p:spPr>
-        <p:txBody>
-          <a:bodyPr vert="horz" lIns="91440" tIns="45720" rIns="91440" bIns="45720" rtlCol="0" anchor="b">
-            <a:noAutofit/>
-          </a:bodyPr>
-          <a:lstStyle>
-            <a:lvl1pPr algn="r" defTabSz="457200" rtl="0" eaLnBrk="1" latinLnBrk="0" hangingPunct="1">
-              <a:spcBef>
-                <a:spcPct val="0"/>
-              </a:spcBef>
-              <a:buNone/>
-              <a:defRPr sz="5400" kern="1200">
-                <a:solidFill>
-                  <a:schemeClr val="accent1"/>
-                </a:solidFill>
-                <a:latin typeface="+mj-lt"/>
-                <a:ea typeface="+mj-ea"/>
-                <a:cs typeface="+mj-cs"/>
-              </a:defRPr>
-            </a:lvl1pPr>
-            <a:lvl2pPr eaLnBrk="1" hangingPunct="1">
-              <a:defRPr>
-                <a:solidFill>
-                  <a:schemeClr val="tx2"/>
-                </a:solidFill>
-              </a:defRPr>
-            </a:lvl2pPr>
-            <a:lvl3pPr eaLnBrk="1" hangingPunct="1">
-              <a:defRPr>
-                <a:solidFill>
-                  <a:schemeClr val="tx2"/>
-                </a:solidFill>
-              </a:defRPr>
-            </a:lvl3pPr>
-            <a:lvl4pPr eaLnBrk="1" hangingPunct="1">
-              <a:defRPr>
-                <a:solidFill>
-                  <a:schemeClr val="tx2"/>
-                </a:solidFill>
-              </a:defRPr>
-            </a:lvl4pPr>
-            <a:lvl5pPr eaLnBrk="1" hangingPunct="1">
-              <a:defRPr>
-                <a:solidFill>
-                  <a:schemeClr val="tx2"/>
-                </a:solidFill>
-              </a:defRPr>
-            </a:lvl5pPr>
-            <a:lvl6pPr eaLnBrk="1" hangingPunct="1">
-              <a:defRPr>
-                <a:solidFill>
-                  <a:schemeClr val="tx2"/>
-                </a:solidFill>
-              </a:defRPr>
-            </a:lvl6pPr>
-            <a:lvl7pPr eaLnBrk="1" hangingPunct="1">
-              <a:defRPr>
-                <a:solidFill>
-                  <a:schemeClr val="tx2"/>
-                </a:solidFill>
-              </a:defRPr>
-            </a:lvl7pPr>
-            <a:lvl8pPr eaLnBrk="1" hangingPunct="1">
-              <a:defRPr>
-                <a:solidFill>
-                  <a:schemeClr val="tx2"/>
-                </a:solidFill>
-              </a:defRPr>
-            </a:lvl8pPr>
-            <a:lvl9pPr eaLnBrk="1" hangingPunct="1">
-              <a:defRPr>
-                <a:solidFill>
-                  <a:schemeClr val="tx2"/>
-                </a:solidFill>
-              </a:defRPr>
-            </a:lvl9pPr>
-          </a:lstStyle>
-          <a:p>
-            <a:pPr algn="l"/>
-            <a:r>
-              <a:rPr lang="en-US" sz="4800" b="1" dirty="0">
-                <a:solidFill>
-                  <a:schemeClr val="tx1">
-                    <a:lumMod val="75000"/>
-                    <a:lumOff val="25000"/>
-                  </a:schemeClr>
-                </a:solidFill>
-                <a:latin typeface="Segoe UI" panose="020B0502040204020203" pitchFamily="34" charset="0"/>
-                <a:cs typeface="Segoe UI" panose="020B0502040204020203" pitchFamily="34" charset="0"/>
-              </a:rPr>
-              <a:t>CSS</a:t>
-            </a:r>
-            <a:r>
-              <a:rPr lang="en-US" sz="4800" dirty="0">
-                <a:solidFill>
-                  <a:schemeClr val="tx1">
-                    <a:lumMod val="75000"/>
-                    <a:lumOff val="25000"/>
-                  </a:schemeClr>
-                </a:solidFill>
-                <a:latin typeface="Segoe UI" panose="020B0502040204020203" pitchFamily="34" charset="0"/>
-                <a:cs typeface="Segoe UI" panose="020B0502040204020203" pitchFamily="34" charset="0"/>
-              </a:rPr>
-              <a:t> | </a:t>
-            </a:r>
-            <a:r>
-              <a:rPr lang="en-US" sz="4000" dirty="0">
-                <a:solidFill>
-                  <a:schemeClr val="tx1">
-                    <a:lumMod val="75000"/>
-                    <a:lumOff val="25000"/>
-                  </a:schemeClr>
-                </a:solidFill>
-                <a:latin typeface="Segoe UI" panose="020B0502040204020203" pitchFamily="34" charset="0"/>
-                <a:cs typeface="Segoe UI" panose="020B0502040204020203" pitchFamily="34" charset="0"/>
-              </a:rPr>
-              <a:t>Unit</a:t>
-            </a:r>
-            <a:endParaRPr lang="en-US" sz="4000" b="1" dirty="0">
-              <a:solidFill>
-                <a:schemeClr val="tx1">
-                  <a:lumMod val="75000"/>
-                  <a:lumOff val="25000"/>
-                </a:schemeClr>
-              </a:solidFill>
-              <a:latin typeface="Segoe UI" panose="020B0502040204020203" pitchFamily="34" charset="0"/>
-              <a:cs typeface="Segoe UI" panose="020B0502040204020203" pitchFamily="34" charset="0"/>
-            </a:endParaRPr>
-          </a:p>
-        </p:txBody>
-      </p:sp>
-      <p:sp>
-        <p:nvSpPr>
-          <p:cNvPr id="5" name="Subtitle 2">
-            <a:extLst>
-              <a:ext uri="{FF2B5EF4-FFF2-40B4-BE49-F238E27FC236}">
-                <a16:creationId xmlns:a16="http://schemas.microsoft.com/office/drawing/2014/main" id="{D0ED5C53-0E83-43C5-837B-2B169AC2F0E1}"/>
-              </a:ext>
-            </a:extLst>
-          </p:cNvPr>
-          <p:cNvSpPr>
-            <a:spLocks noGrp="1"/>
-          </p:cNvSpPr>
-          <p:nvPr>
-            <p:ph type="subTitle" idx="1"/>
-          </p:nvPr>
-        </p:nvSpPr>
-        <p:spPr>
-          <a:xfrm>
-            <a:off x="1154320" y="1651248"/>
-            <a:ext cx="9498883" cy="2414725"/>
-          </a:xfrm>
-          <a:ln>
-            <a:noFill/>
-          </a:ln>
-        </p:spPr>
-        <p:txBody>
-          <a:bodyPr>
-            <a:normAutofit/>
-          </a:bodyPr>
-          <a:lstStyle/>
-          <a:p>
-            <a:pPr algn="l"/>
-            <a:r>
-              <a:rPr lang="en-US" dirty="0">
-                <a:solidFill>
-                  <a:schemeClr val="tx1"/>
-                </a:solidFill>
-                <a:latin typeface="Segoe UI" panose="020B0502040204020203" pitchFamily="34" charset="0"/>
-                <a:cs typeface="Segoe UI" panose="020B0502040204020203" pitchFamily="34" charset="0"/>
-              </a:rPr>
-              <a:t>CSS has several different units for expressing a length.</a:t>
-            </a:r>
-          </a:p>
-          <a:p>
-            <a:pPr algn="l"/>
-            <a:endParaRPr lang="en-US" dirty="0">
-              <a:solidFill>
-                <a:schemeClr val="tx1"/>
-              </a:solidFill>
-              <a:latin typeface="Segoe UI" panose="020B0502040204020203" pitchFamily="34" charset="0"/>
-              <a:cs typeface="Segoe UI" panose="020B0502040204020203" pitchFamily="34" charset="0"/>
-            </a:endParaRPr>
-          </a:p>
-          <a:p>
-            <a:pPr algn="l"/>
-            <a:r>
-              <a:rPr lang="en-US" dirty="0">
-                <a:solidFill>
-                  <a:schemeClr val="tx1"/>
-                </a:solidFill>
-                <a:latin typeface="Segoe UI" panose="020B0502040204020203" pitchFamily="34" charset="0"/>
-                <a:cs typeface="Segoe UI" panose="020B0502040204020203" pitchFamily="34" charset="0"/>
-              </a:rPr>
-              <a:t>Many CSS properties take "length" values, such as width, margin, padding, font-size, etc.</a:t>
-            </a:r>
-          </a:p>
-          <a:p>
-            <a:pPr algn="l"/>
-            <a:endParaRPr lang="en-US" dirty="0">
-              <a:solidFill>
-                <a:schemeClr val="tx1"/>
-              </a:solidFill>
-              <a:latin typeface="Segoe UI" panose="020B0502040204020203" pitchFamily="34" charset="0"/>
-              <a:cs typeface="Segoe UI" panose="020B0502040204020203" pitchFamily="34" charset="0"/>
-            </a:endParaRPr>
-          </a:p>
-          <a:p>
-            <a:pPr algn="l"/>
-            <a:r>
-              <a:rPr lang="en-US" dirty="0">
-                <a:solidFill>
-                  <a:schemeClr val="tx1"/>
-                </a:solidFill>
-                <a:latin typeface="Segoe UI" panose="020B0502040204020203" pitchFamily="34" charset="0"/>
-                <a:cs typeface="Segoe UI" panose="020B0502040204020203" pitchFamily="34" charset="0"/>
-              </a:rPr>
-              <a:t>Length is a number followed by a length unit, such as 10px, 2em, etc.</a:t>
-            </a:r>
-          </a:p>
-        </p:txBody>
-      </p:sp>
-      <p:pic>
-        <p:nvPicPr>
-          <p:cNvPr id="3" name="Picture 2">
-            <a:extLst>
-              <a:ext uri="{FF2B5EF4-FFF2-40B4-BE49-F238E27FC236}">
-                <a16:creationId xmlns:a16="http://schemas.microsoft.com/office/drawing/2014/main" id="{9F1F2880-DA4D-4002-A9D3-3A23BF69BCF1}"/>
+                <a16:creationId xmlns:a16="http://schemas.microsoft.com/office/drawing/2014/main" id="{19FDCEDE-8561-47EB-B78F-AA5F4299595B}"/>
               </a:ext>
             </a:extLst>
           </p:cNvPr>
@@ -9932,53 +11323,377 @@
         </p:blipFill>
         <p:spPr>
           <a:xfrm>
-            <a:off x="1154320" y="3946125"/>
-            <a:ext cx="2657475" cy="2286000"/>
+            <a:off x="887172" y="1742831"/>
+            <a:ext cx="10417655" cy="3247857"/>
           </a:xfrm>
           <a:prstGeom prst="rect">
             <a:avLst/>
           </a:prstGeom>
-          <a:ln w="57150">
-            <a:solidFill>
-              <a:srgbClr val="0070C0"/>
-            </a:solidFill>
-          </a:ln>
         </p:spPr>
       </p:pic>
       <p:sp>
         <p:nvSpPr>
-          <p:cNvPr id="9" name="TextBox 8">
+          <p:cNvPr id="2" name="Title 1">
             <a:extLst>
               <a:ext uri="{FF2B5EF4-FFF2-40B4-BE49-F238E27FC236}">
-                <a16:creationId xmlns:a16="http://schemas.microsoft.com/office/drawing/2014/main" id="{F0EBA322-C34D-44F8-8F78-450659DE6003}"/>
+                <a16:creationId xmlns:a16="http://schemas.microsoft.com/office/drawing/2014/main" id="{2D4E4121-CDC8-41BA-846E-58655BA90FCF}"/>
               </a:ext>
             </a:extLst>
           </p:cNvPr>
-          <p:cNvSpPr txBox="1"/>
+          <p:cNvSpPr>
+            <a:spLocks noGrp="1"/>
+          </p:cNvSpPr>
+          <p:nvPr>
+            <p:ph type="ctrTitle"/>
+          </p:nvPr>
+        </p:nvSpPr>
+        <p:spPr>
+          <a:xfrm>
+            <a:off x="1154320" y="375999"/>
+            <a:ext cx="8199229" cy="970133"/>
+          </a:xfrm>
+        </p:spPr>
+        <p:txBody>
+          <a:bodyPr/>
+          <a:lstStyle/>
+          <a:p>
+            <a:pPr algn="l"/>
+            <a:r>
+              <a:rPr lang="en-US" sz="4800" b="1" dirty="0">
+                <a:solidFill>
+                  <a:schemeClr val="tx1">
+                    <a:lumMod val="75000"/>
+                    <a:lumOff val="25000"/>
+                  </a:schemeClr>
+                </a:solidFill>
+                <a:latin typeface="Segoe UI" panose="020B0502040204020203" pitchFamily="34" charset="0"/>
+                <a:cs typeface="Segoe UI" panose="020B0502040204020203" pitchFamily="34" charset="0"/>
+              </a:rPr>
+              <a:t>CSS</a:t>
+            </a:r>
+            <a:r>
+              <a:rPr lang="en-US" sz="4800" dirty="0">
+                <a:solidFill>
+                  <a:schemeClr val="tx1">
+                    <a:lumMod val="75000"/>
+                    <a:lumOff val="25000"/>
+                  </a:schemeClr>
+                </a:solidFill>
+                <a:latin typeface="Segoe UI" panose="020B0502040204020203" pitchFamily="34" charset="0"/>
+                <a:cs typeface="Segoe UI" panose="020B0502040204020203" pitchFamily="34" charset="0"/>
+              </a:rPr>
+              <a:t> | </a:t>
+            </a:r>
+            <a:r>
+              <a:rPr lang="en-US" sz="4000" dirty="0">
+                <a:solidFill>
+                  <a:schemeClr val="tx1">
+                    <a:lumMod val="75000"/>
+                    <a:lumOff val="25000"/>
+                  </a:schemeClr>
+                </a:solidFill>
+                <a:latin typeface="Segoe UI" panose="020B0502040204020203" pitchFamily="34" charset="0"/>
+                <a:cs typeface="Segoe UI" panose="020B0502040204020203" pitchFamily="34" charset="0"/>
+              </a:rPr>
+              <a:t>::first-letter</a:t>
+            </a:r>
+            <a:endParaRPr lang="en-US" sz="4000" b="1" dirty="0">
+              <a:solidFill>
+                <a:schemeClr val="tx1">
+                  <a:lumMod val="75000"/>
+                  <a:lumOff val="25000"/>
+                </a:schemeClr>
+              </a:solidFill>
+              <a:latin typeface="Segoe UI" panose="020B0502040204020203" pitchFamily="34" charset="0"/>
+              <a:cs typeface="Segoe UI" panose="020B0502040204020203" pitchFamily="34" charset="0"/>
+            </a:endParaRPr>
+          </a:p>
+        </p:txBody>
+      </p:sp>
+      <p:sp>
+        <p:nvSpPr>
+          <p:cNvPr id="7" name="Rectangle 6">
+            <a:extLst>
+              <a:ext uri="{FF2B5EF4-FFF2-40B4-BE49-F238E27FC236}">
+                <a16:creationId xmlns:a16="http://schemas.microsoft.com/office/drawing/2014/main" id="{A2EB3ABC-BBA3-43A0-A695-796B5FEC7207}"/>
+              </a:ext>
+            </a:extLst>
+          </p:cNvPr>
+          <p:cNvSpPr/>
           <p:nvPr/>
         </p:nvSpPr>
         <p:spPr>
           <a:xfrm>
-            <a:off x="4398885" y="6297335"/>
-            <a:ext cx="6098958" cy="369332"/>
+            <a:off x="761774" y="2270868"/>
+            <a:ext cx="2495776" cy="1158132"/>
           </a:xfrm>
           <a:prstGeom prst="rect">
             <a:avLst/>
           </a:prstGeom>
           <a:noFill/>
-        </p:spPr>
-        <p:txBody>
-          <a:bodyPr wrap="square">
-            <a:spAutoFit/>
-          </a:bodyPr>
+          <a:ln w="57150">
+            <a:solidFill>
+              <a:srgbClr val="C00000"/>
+            </a:solidFill>
+          </a:ln>
+        </p:spPr>
+        <p:style>
+          <a:lnRef idx="2">
+            <a:schemeClr val="accent1">
+              <a:shade val="50000"/>
+            </a:schemeClr>
+          </a:lnRef>
+          <a:fillRef idx="1">
+            <a:schemeClr val="accent1"/>
+          </a:fillRef>
+          <a:effectRef idx="0">
+            <a:schemeClr val="accent1"/>
+          </a:effectRef>
+          <a:fontRef idx="minor">
+            <a:schemeClr val="lt1"/>
+          </a:fontRef>
+        </p:style>
+        <p:txBody>
+          <a:bodyPr rtlCol="0" anchor="ctr"/>
           <a:lstStyle/>
           <a:p>
-            <a:r>
-              <a:rPr lang="en-US" dirty="0">
-                <a:latin typeface="Segoe UI" panose="020B0502040204020203" pitchFamily="34" charset="0"/>
-                <a:cs typeface="Segoe UI" panose="020B0502040204020203" pitchFamily="34" charset="0"/>
-              </a:rPr>
-              <a:t>https://www.w3schools.com/css/css_units.asp</a:t>
+            <a:pPr algn="ctr"/>
+            <a:endParaRPr lang="en-US"/>
+          </a:p>
+        </p:txBody>
+      </p:sp>
+      <p:sp>
+        <p:nvSpPr>
+          <p:cNvPr id="8" name="Rectangle 7">
+            <a:extLst>
+              <a:ext uri="{FF2B5EF4-FFF2-40B4-BE49-F238E27FC236}">
+                <a16:creationId xmlns:a16="http://schemas.microsoft.com/office/drawing/2014/main" id="{7B944626-E1D2-49AD-832E-D42C0271EA3F}"/>
+              </a:ext>
+            </a:extLst>
+          </p:cNvPr>
+          <p:cNvSpPr/>
+          <p:nvPr/>
+        </p:nvSpPr>
+        <p:spPr>
+          <a:xfrm>
+            <a:off x="6168676" y="1775873"/>
+            <a:ext cx="5216874" cy="884777"/>
+          </a:xfrm>
+          <a:prstGeom prst="rect">
+            <a:avLst/>
+          </a:prstGeom>
+          <a:noFill/>
+          <a:ln w="57150">
+            <a:solidFill>
+              <a:srgbClr val="00B050"/>
+            </a:solidFill>
+          </a:ln>
+        </p:spPr>
+        <p:style>
+          <a:lnRef idx="2">
+            <a:schemeClr val="accent1">
+              <a:shade val="50000"/>
+            </a:schemeClr>
+          </a:lnRef>
+          <a:fillRef idx="1">
+            <a:schemeClr val="accent1"/>
+          </a:fillRef>
+          <a:effectRef idx="0">
+            <a:schemeClr val="accent1"/>
+          </a:effectRef>
+          <a:fontRef idx="minor">
+            <a:schemeClr val="lt1"/>
+          </a:fontRef>
+        </p:style>
+        <p:txBody>
+          <a:bodyPr rtlCol="0" anchor="ctr"/>
+          <a:lstStyle/>
+          <a:p>
+            <a:pPr algn="ctr"/>
+            <a:endParaRPr lang="en-US"/>
+          </a:p>
+        </p:txBody>
+      </p:sp>
+      <p:sp>
+        <p:nvSpPr>
+          <p:cNvPr id="9" name="Arrow: Right 8">
+            <a:extLst>
+              <a:ext uri="{FF2B5EF4-FFF2-40B4-BE49-F238E27FC236}">
+                <a16:creationId xmlns:a16="http://schemas.microsoft.com/office/drawing/2014/main" id="{D486A7CE-A989-4324-A4F7-EDB9227D1DD0}"/>
+              </a:ext>
+            </a:extLst>
+          </p:cNvPr>
+          <p:cNvSpPr/>
+          <p:nvPr/>
+        </p:nvSpPr>
+        <p:spPr>
+          <a:xfrm>
+            <a:off x="4909737" y="1742831"/>
+            <a:ext cx="979058" cy="603858"/>
+          </a:xfrm>
+          <a:prstGeom prst="rightArrow">
+            <a:avLst/>
+          </a:prstGeom>
+          <a:solidFill>
+            <a:srgbClr val="00B050"/>
+          </a:solidFill>
+          <a:ln w="38100">
+            <a:solidFill>
+              <a:schemeClr val="tx1">
+                <a:lumMod val="85000"/>
+                <a:lumOff val="15000"/>
+              </a:schemeClr>
+            </a:solidFill>
+          </a:ln>
+        </p:spPr>
+        <p:style>
+          <a:lnRef idx="2">
+            <a:schemeClr val="accent1">
+              <a:shade val="50000"/>
+            </a:schemeClr>
+          </a:lnRef>
+          <a:fillRef idx="1">
+            <a:schemeClr val="accent1"/>
+          </a:fillRef>
+          <a:effectRef idx="0">
+            <a:schemeClr val="accent1"/>
+          </a:effectRef>
+          <a:fontRef idx="minor">
+            <a:schemeClr val="lt1"/>
+          </a:fontRef>
+        </p:style>
+        <p:txBody>
+          <a:bodyPr rtlCol="0" anchor="ctr"/>
+          <a:lstStyle/>
+          <a:p>
+            <a:pPr algn="ctr"/>
+            <a:r>
+              <a:rPr lang="en-US" dirty="0"/>
+              <a:t>Desc</a:t>
+            </a:r>
+          </a:p>
+        </p:txBody>
+      </p:sp>
+      <p:sp>
+        <p:nvSpPr>
+          <p:cNvPr id="10" name="Arrow: Right 9">
+            <a:extLst>
+              <a:ext uri="{FF2B5EF4-FFF2-40B4-BE49-F238E27FC236}">
+                <a16:creationId xmlns:a16="http://schemas.microsoft.com/office/drawing/2014/main" id="{7800153E-E2B2-42BB-AB53-9EDCF4B11431}"/>
+              </a:ext>
+            </a:extLst>
+          </p:cNvPr>
+          <p:cNvSpPr/>
+          <p:nvPr/>
+        </p:nvSpPr>
+        <p:spPr>
+          <a:xfrm rot="10800000" flipV="1">
+            <a:off x="3424543" y="2950808"/>
+            <a:ext cx="1288569" cy="574581"/>
+          </a:xfrm>
+          <a:prstGeom prst="rightArrow">
+            <a:avLst/>
+          </a:prstGeom>
+          <a:solidFill>
+            <a:srgbClr val="C00000"/>
+          </a:solidFill>
+          <a:ln w="38100">
+            <a:solidFill>
+              <a:schemeClr val="tx1">
+                <a:lumMod val="85000"/>
+                <a:lumOff val="15000"/>
+              </a:schemeClr>
+            </a:solidFill>
+          </a:ln>
+        </p:spPr>
+        <p:style>
+          <a:lnRef idx="2">
+            <a:schemeClr val="accent1">
+              <a:shade val="50000"/>
+            </a:schemeClr>
+          </a:lnRef>
+          <a:fillRef idx="1">
+            <a:schemeClr val="accent1"/>
+          </a:fillRef>
+          <a:effectRef idx="0">
+            <a:schemeClr val="accent1"/>
+          </a:effectRef>
+          <a:fontRef idx="minor">
+            <a:schemeClr val="lt1"/>
+          </a:fontRef>
+        </p:style>
+        <p:txBody>
+          <a:bodyPr rtlCol="0" anchor="ctr"/>
+          <a:lstStyle/>
+          <a:p>
+            <a:pPr algn="ctr"/>
+            <a:r>
+              <a:rPr lang="en-US" dirty="0"/>
+              <a:t>Selector</a:t>
+            </a:r>
+          </a:p>
+        </p:txBody>
+      </p:sp>
+      <p:sp>
+        <p:nvSpPr>
+          <p:cNvPr id="13" name="Oval 12">
+            <a:extLst>
+              <a:ext uri="{FF2B5EF4-FFF2-40B4-BE49-F238E27FC236}">
+                <a16:creationId xmlns:a16="http://schemas.microsoft.com/office/drawing/2014/main" id="{6A182051-5FD4-4E04-B9DB-1043A5407F0B}"/>
+              </a:ext>
+            </a:extLst>
+          </p:cNvPr>
+          <p:cNvSpPr/>
+          <p:nvPr/>
+        </p:nvSpPr>
+        <p:spPr>
+          <a:xfrm>
+            <a:off x="8579881" y="5190569"/>
+            <a:ext cx="2311749" cy="945611"/>
+          </a:xfrm>
+          <a:prstGeom prst="ellipse">
+            <a:avLst/>
+          </a:prstGeom>
+          <a:solidFill>
+            <a:srgbClr val="C00000"/>
+          </a:solidFill>
+          <a:ln w="57150">
+            <a:solidFill>
+              <a:schemeClr val="tx1">
+                <a:lumMod val="85000"/>
+                <a:lumOff val="15000"/>
+              </a:schemeClr>
+            </a:solidFill>
+          </a:ln>
+        </p:spPr>
+        <p:style>
+          <a:lnRef idx="2">
+            <a:schemeClr val="accent4">
+              <a:shade val="50000"/>
+            </a:schemeClr>
+          </a:lnRef>
+          <a:fillRef idx="1">
+            <a:schemeClr val="accent4"/>
+          </a:fillRef>
+          <a:effectRef idx="0">
+            <a:schemeClr val="accent4"/>
+          </a:effectRef>
+          <a:fontRef idx="minor">
+            <a:schemeClr val="lt1"/>
+          </a:fontRef>
+        </p:style>
+        <p:txBody>
+          <a:bodyPr rtlCol="0" anchor="ctr"/>
+          <a:lstStyle/>
+          <a:p>
+            <a:pPr algn="ctr"/>
+            <a:r>
+              <a:rPr lang="en-US" b="1" dirty="0">
+                <a:solidFill>
+                  <a:sysClr val="windowText" lastClr="000000"/>
+                </a:solidFill>
+              </a:rPr>
+              <a:t>PSEUDO ELEMENT SELECTOR</a:t>
             </a:r>
           </a:p>
         </p:txBody>
@@ -9986,7 +11701,7 @@
     </p:spTree>
     <p:extLst>
       <p:ext uri="{BB962C8B-B14F-4D97-AF65-F5344CB8AC3E}">
-        <p14:creationId xmlns:p14="http://schemas.microsoft.com/office/powerpoint/2010/main" val="891178699"/>
+        <p14:creationId xmlns:p14="http://schemas.microsoft.com/office/powerpoint/2010/main" val="2499275752"/>
       </p:ext>
     </p:extLst>
   </p:cSld>
@@ -10013,233 +11728,12 @@
           <a:chExt cx="0" cy="0"/>
         </a:xfrm>
       </p:grpSpPr>
-      <p:sp>
-        <p:nvSpPr>
-          <p:cNvPr id="7" name="Title 1">
-            <a:extLst>
-              <a:ext uri="{FF2B5EF4-FFF2-40B4-BE49-F238E27FC236}">
-                <a16:creationId xmlns:a16="http://schemas.microsoft.com/office/drawing/2014/main" id="{58DD303D-6A5A-43C0-946C-E2A29CE022F1}"/>
-              </a:ext>
-            </a:extLst>
-          </p:cNvPr>
-          <p:cNvSpPr txBox="1">
-            <a:spLocks/>
-          </p:cNvSpPr>
-          <p:nvPr/>
-        </p:nvSpPr>
-        <p:spPr>
-          <a:xfrm>
-            <a:off x="1154321" y="375999"/>
-            <a:ext cx="7766936" cy="970133"/>
-          </a:xfrm>
-          <a:prstGeom prst="rect">
-            <a:avLst/>
-          </a:prstGeom>
-        </p:spPr>
-        <p:txBody>
-          <a:bodyPr vert="horz" lIns="91440" tIns="45720" rIns="91440" bIns="45720" rtlCol="0" anchor="b">
-            <a:noAutofit/>
-          </a:bodyPr>
-          <a:lstStyle>
-            <a:lvl1pPr algn="r" defTabSz="457200" rtl="0" eaLnBrk="1" latinLnBrk="0" hangingPunct="1">
-              <a:spcBef>
-                <a:spcPct val="0"/>
-              </a:spcBef>
-              <a:buNone/>
-              <a:defRPr sz="5400" kern="1200">
-                <a:solidFill>
-                  <a:schemeClr val="accent1"/>
-                </a:solidFill>
-                <a:latin typeface="+mj-lt"/>
-                <a:ea typeface="+mj-ea"/>
-                <a:cs typeface="+mj-cs"/>
-              </a:defRPr>
-            </a:lvl1pPr>
-            <a:lvl2pPr eaLnBrk="1" hangingPunct="1">
-              <a:defRPr>
-                <a:solidFill>
-                  <a:schemeClr val="tx2"/>
-                </a:solidFill>
-              </a:defRPr>
-            </a:lvl2pPr>
-            <a:lvl3pPr eaLnBrk="1" hangingPunct="1">
-              <a:defRPr>
-                <a:solidFill>
-                  <a:schemeClr val="tx2"/>
-                </a:solidFill>
-              </a:defRPr>
-            </a:lvl3pPr>
-            <a:lvl4pPr eaLnBrk="1" hangingPunct="1">
-              <a:defRPr>
-                <a:solidFill>
-                  <a:schemeClr val="tx2"/>
-                </a:solidFill>
-              </a:defRPr>
-            </a:lvl4pPr>
-            <a:lvl5pPr eaLnBrk="1" hangingPunct="1">
-              <a:defRPr>
-                <a:solidFill>
-                  <a:schemeClr val="tx2"/>
-                </a:solidFill>
-              </a:defRPr>
-            </a:lvl5pPr>
-            <a:lvl6pPr eaLnBrk="1" hangingPunct="1">
-              <a:defRPr>
-                <a:solidFill>
-                  <a:schemeClr val="tx2"/>
-                </a:solidFill>
-              </a:defRPr>
-            </a:lvl6pPr>
-            <a:lvl7pPr eaLnBrk="1" hangingPunct="1">
-              <a:defRPr>
-                <a:solidFill>
-                  <a:schemeClr val="tx2"/>
-                </a:solidFill>
-              </a:defRPr>
-            </a:lvl7pPr>
-            <a:lvl8pPr eaLnBrk="1" hangingPunct="1">
-              <a:defRPr>
-                <a:solidFill>
-                  <a:schemeClr val="tx2"/>
-                </a:solidFill>
-              </a:defRPr>
-            </a:lvl8pPr>
-            <a:lvl9pPr eaLnBrk="1" hangingPunct="1">
-              <a:defRPr>
-                <a:solidFill>
-                  <a:schemeClr val="tx2"/>
-                </a:solidFill>
-              </a:defRPr>
-            </a:lvl9pPr>
-          </a:lstStyle>
-          <a:p>
-            <a:pPr algn="l"/>
-            <a:r>
-              <a:rPr lang="en-US" sz="4800" b="1" dirty="0">
-                <a:solidFill>
-                  <a:schemeClr val="tx1">
-                    <a:lumMod val="75000"/>
-                    <a:lumOff val="25000"/>
-                  </a:schemeClr>
-                </a:solidFill>
-                <a:latin typeface="Segoe UI" panose="020B0502040204020203" pitchFamily="34" charset="0"/>
-                <a:cs typeface="Segoe UI" panose="020B0502040204020203" pitchFamily="34" charset="0"/>
-              </a:rPr>
-              <a:t>CSS</a:t>
-            </a:r>
-            <a:r>
-              <a:rPr lang="en-US" sz="4800" dirty="0">
-                <a:solidFill>
-                  <a:schemeClr val="tx1">
-                    <a:lumMod val="75000"/>
-                    <a:lumOff val="25000"/>
-                  </a:schemeClr>
-                </a:solidFill>
-                <a:latin typeface="Segoe UI" panose="020B0502040204020203" pitchFamily="34" charset="0"/>
-                <a:cs typeface="Segoe UI" panose="020B0502040204020203" pitchFamily="34" charset="0"/>
-              </a:rPr>
-              <a:t> | </a:t>
-            </a:r>
-            <a:r>
-              <a:rPr lang="en-US" sz="4000" dirty="0">
-                <a:solidFill>
-                  <a:schemeClr val="tx1">
-                    <a:lumMod val="75000"/>
-                    <a:lumOff val="25000"/>
-                  </a:schemeClr>
-                </a:solidFill>
-                <a:latin typeface="Segoe UI" panose="020B0502040204020203" pitchFamily="34" charset="0"/>
-                <a:cs typeface="Segoe UI" panose="020B0502040204020203" pitchFamily="34" charset="0"/>
-              </a:rPr>
-              <a:t>Absolute lengths</a:t>
-            </a:r>
-            <a:endParaRPr lang="en-US" sz="4000" b="1" dirty="0">
-              <a:solidFill>
-                <a:schemeClr val="tx1">
-                  <a:lumMod val="75000"/>
-                  <a:lumOff val="25000"/>
-                </a:schemeClr>
-              </a:solidFill>
-              <a:latin typeface="Segoe UI" panose="020B0502040204020203" pitchFamily="34" charset="0"/>
-              <a:cs typeface="Segoe UI" panose="020B0502040204020203" pitchFamily="34" charset="0"/>
-            </a:endParaRPr>
-          </a:p>
-        </p:txBody>
-      </p:sp>
-      <p:sp>
-        <p:nvSpPr>
-          <p:cNvPr id="5" name="Subtitle 2">
-            <a:extLst>
-              <a:ext uri="{FF2B5EF4-FFF2-40B4-BE49-F238E27FC236}">
-                <a16:creationId xmlns:a16="http://schemas.microsoft.com/office/drawing/2014/main" id="{D0ED5C53-0E83-43C5-837B-2B169AC2F0E1}"/>
-              </a:ext>
-            </a:extLst>
-          </p:cNvPr>
-          <p:cNvSpPr>
-            <a:spLocks noGrp="1"/>
-          </p:cNvSpPr>
-          <p:nvPr>
-            <p:ph type="subTitle" idx="1"/>
-          </p:nvPr>
-        </p:nvSpPr>
-        <p:spPr>
-          <a:xfrm>
-            <a:off x="1154322" y="1464817"/>
-            <a:ext cx="5068926" cy="3142694"/>
-          </a:xfrm>
-          <a:ln>
-            <a:noFill/>
-          </a:ln>
-        </p:spPr>
-        <p:txBody>
-          <a:bodyPr>
-            <a:normAutofit/>
-          </a:bodyPr>
-          <a:lstStyle/>
-          <a:p>
-            <a:pPr algn="l"/>
-            <a:r>
-              <a:rPr lang="en-US" dirty="0">
-                <a:solidFill>
-                  <a:schemeClr val="tx1"/>
-                </a:solidFill>
-                <a:latin typeface="Segoe UI" panose="020B0502040204020203" pitchFamily="34" charset="0"/>
-                <a:cs typeface="Segoe UI" panose="020B0502040204020203" pitchFamily="34" charset="0"/>
-              </a:rPr>
-              <a:t>The absolute length units are fixed and a length expressed in any of these will appear as exactly that size.</a:t>
-            </a:r>
-          </a:p>
-          <a:p>
-            <a:pPr algn="l"/>
-            <a:endParaRPr lang="en-US" dirty="0">
-              <a:solidFill>
-                <a:schemeClr val="tx1"/>
-              </a:solidFill>
-              <a:latin typeface="Segoe UI" panose="020B0502040204020203" pitchFamily="34" charset="0"/>
-              <a:cs typeface="Segoe UI" panose="020B0502040204020203" pitchFamily="34" charset="0"/>
-            </a:endParaRPr>
-          </a:p>
-          <a:p>
-            <a:pPr algn="l"/>
-            <a:r>
-              <a:rPr lang="en-US" dirty="0">
-                <a:solidFill>
-                  <a:schemeClr val="tx1"/>
-                </a:solidFill>
-                <a:latin typeface="Segoe UI" panose="020B0502040204020203" pitchFamily="34" charset="0"/>
-                <a:cs typeface="Segoe UI" panose="020B0502040204020203" pitchFamily="34" charset="0"/>
-              </a:rPr>
-              <a:t>Absolute length units are not recommended for use on screen, because screen sizes vary so much. However, they can be used if the output medium is known, such as for print layout.</a:t>
-            </a:r>
-          </a:p>
-        </p:txBody>
-      </p:sp>
       <p:pic>
         <p:nvPicPr>
           <p:cNvPr id="4" name="Picture 3">
             <a:extLst>
               <a:ext uri="{FF2B5EF4-FFF2-40B4-BE49-F238E27FC236}">
-                <a16:creationId xmlns:a16="http://schemas.microsoft.com/office/drawing/2014/main" id="{A775F302-5357-4594-B8DA-39DAC70ECA6C}"/>
+                <a16:creationId xmlns:a16="http://schemas.microsoft.com/office/drawing/2014/main" id="{08F69B00-9287-4BCF-93B5-EE4EBBDB5EC8}"/>
               </a:ext>
             </a:extLst>
           </p:cNvPr>
@@ -10256,23 +11750,385 @@
         </p:blipFill>
         <p:spPr>
           <a:xfrm>
-            <a:off x="6956563" y="2509884"/>
-            <a:ext cx="4391025" cy="3629025"/>
+            <a:off x="973667" y="1742831"/>
+            <a:ext cx="11457285" cy="3962500"/>
           </a:xfrm>
           <a:prstGeom prst="rect">
             <a:avLst/>
           </a:prstGeom>
+        </p:spPr>
+      </p:pic>
+      <p:sp>
+        <p:nvSpPr>
+          <p:cNvPr id="2" name="Title 1">
+            <a:extLst>
+              <a:ext uri="{FF2B5EF4-FFF2-40B4-BE49-F238E27FC236}">
+                <a16:creationId xmlns:a16="http://schemas.microsoft.com/office/drawing/2014/main" id="{2D4E4121-CDC8-41BA-846E-58655BA90FCF}"/>
+              </a:ext>
+            </a:extLst>
+          </p:cNvPr>
+          <p:cNvSpPr>
+            <a:spLocks noGrp="1"/>
+          </p:cNvSpPr>
+          <p:nvPr>
+            <p:ph type="ctrTitle"/>
+          </p:nvPr>
+        </p:nvSpPr>
+        <p:spPr>
+          <a:xfrm>
+            <a:off x="1154320" y="375999"/>
+            <a:ext cx="8199229" cy="970133"/>
+          </a:xfrm>
+        </p:spPr>
+        <p:txBody>
+          <a:bodyPr/>
+          <a:lstStyle/>
+          <a:p>
+            <a:pPr algn="l"/>
+            <a:r>
+              <a:rPr lang="en-US" sz="4800" b="1" dirty="0">
+                <a:solidFill>
+                  <a:schemeClr val="tx1">
+                    <a:lumMod val="75000"/>
+                    <a:lumOff val="25000"/>
+                  </a:schemeClr>
+                </a:solidFill>
+                <a:latin typeface="Segoe UI" panose="020B0502040204020203" pitchFamily="34" charset="0"/>
+                <a:cs typeface="Segoe UI" panose="020B0502040204020203" pitchFamily="34" charset="0"/>
+              </a:rPr>
+              <a:t>CSS</a:t>
+            </a:r>
+            <a:r>
+              <a:rPr lang="en-US" sz="4800" dirty="0">
+                <a:solidFill>
+                  <a:schemeClr val="tx1">
+                    <a:lumMod val="75000"/>
+                    <a:lumOff val="25000"/>
+                  </a:schemeClr>
+                </a:solidFill>
+                <a:latin typeface="Segoe UI" panose="020B0502040204020203" pitchFamily="34" charset="0"/>
+                <a:cs typeface="Segoe UI" panose="020B0502040204020203" pitchFamily="34" charset="0"/>
+              </a:rPr>
+              <a:t> | </a:t>
+            </a:r>
+            <a:r>
+              <a:rPr lang="en-US" sz="4000" dirty="0">
+                <a:solidFill>
+                  <a:schemeClr val="tx1">
+                    <a:lumMod val="75000"/>
+                    <a:lumOff val="25000"/>
+                  </a:schemeClr>
+                </a:solidFill>
+                <a:latin typeface="Segoe UI" panose="020B0502040204020203" pitchFamily="34" charset="0"/>
+                <a:cs typeface="Segoe UI" panose="020B0502040204020203" pitchFamily="34" charset="0"/>
+              </a:rPr>
+              <a:t>::after</a:t>
+            </a:r>
+            <a:endParaRPr lang="en-US" sz="4000" b="1" dirty="0">
+              <a:solidFill>
+                <a:schemeClr val="tx1">
+                  <a:lumMod val="75000"/>
+                  <a:lumOff val="25000"/>
+                </a:schemeClr>
+              </a:solidFill>
+              <a:latin typeface="Segoe UI" panose="020B0502040204020203" pitchFamily="34" charset="0"/>
+              <a:cs typeface="Segoe UI" panose="020B0502040204020203" pitchFamily="34" charset="0"/>
+            </a:endParaRPr>
+          </a:p>
+        </p:txBody>
+      </p:sp>
+      <p:sp>
+        <p:nvSpPr>
+          <p:cNvPr id="7" name="Rectangle 6">
+            <a:extLst>
+              <a:ext uri="{FF2B5EF4-FFF2-40B4-BE49-F238E27FC236}">
+                <a16:creationId xmlns:a16="http://schemas.microsoft.com/office/drawing/2014/main" id="{A2EB3ABC-BBA3-43A0-A695-796B5FEC7207}"/>
+              </a:ext>
+            </a:extLst>
+          </p:cNvPr>
+          <p:cNvSpPr/>
+          <p:nvPr/>
+        </p:nvSpPr>
+        <p:spPr>
+          <a:xfrm>
+            <a:off x="906160" y="2346690"/>
+            <a:ext cx="2495776" cy="1082310"/>
+          </a:xfrm>
+          <a:prstGeom prst="rect">
+            <a:avLst/>
+          </a:prstGeom>
+          <a:noFill/>
           <a:ln w="57150">
             <a:solidFill>
-              <a:srgbClr val="0070C0"/>
+              <a:srgbClr val="C00000"/>
             </a:solidFill>
           </a:ln>
         </p:spPr>
-      </p:pic>
+        <p:style>
+          <a:lnRef idx="2">
+            <a:schemeClr val="accent1">
+              <a:shade val="50000"/>
+            </a:schemeClr>
+          </a:lnRef>
+          <a:fillRef idx="1">
+            <a:schemeClr val="accent1"/>
+          </a:fillRef>
+          <a:effectRef idx="0">
+            <a:schemeClr val="accent1"/>
+          </a:effectRef>
+          <a:fontRef idx="minor">
+            <a:schemeClr val="lt1"/>
+          </a:fontRef>
+        </p:style>
+        <p:txBody>
+          <a:bodyPr rtlCol="0" anchor="ctr"/>
+          <a:lstStyle/>
+          <a:p>
+            <a:pPr algn="ctr"/>
+            <a:endParaRPr lang="en-US"/>
+          </a:p>
+        </p:txBody>
+      </p:sp>
+      <p:sp>
+        <p:nvSpPr>
+          <p:cNvPr id="8" name="Rectangle 7">
+            <a:extLst>
+              <a:ext uri="{FF2B5EF4-FFF2-40B4-BE49-F238E27FC236}">
+                <a16:creationId xmlns:a16="http://schemas.microsoft.com/office/drawing/2014/main" id="{7B944626-E1D2-49AD-832E-D42C0271EA3F}"/>
+              </a:ext>
+            </a:extLst>
+          </p:cNvPr>
+          <p:cNvSpPr/>
+          <p:nvPr/>
+        </p:nvSpPr>
+        <p:spPr>
+          <a:xfrm>
+            <a:off x="6893303" y="1724596"/>
+            <a:ext cx="5481692" cy="1782559"/>
+          </a:xfrm>
+          <a:prstGeom prst="rect">
+            <a:avLst/>
+          </a:prstGeom>
+          <a:noFill/>
+          <a:ln w="57150">
+            <a:solidFill>
+              <a:srgbClr val="00B050"/>
+            </a:solidFill>
+          </a:ln>
+        </p:spPr>
+        <p:style>
+          <a:lnRef idx="2">
+            <a:schemeClr val="accent1">
+              <a:shade val="50000"/>
+            </a:schemeClr>
+          </a:lnRef>
+          <a:fillRef idx="1">
+            <a:schemeClr val="accent1"/>
+          </a:fillRef>
+          <a:effectRef idx="0">
+            <a:schemeClr val="accent1"/>
+          </a:effectRef>
+          <a:fontRef idx="minor">
+            <a:schemeClr val="lt1"/>
+          </a:fontRef>
+        </p:style>
+        <p:txBody>
+          <a:bodyPr rtlCol="0" anchor="ctr"/>
+          <a:lstStyle/>
+          <a:p>
+            <a:pPr algn="ctr"/>
+            <a:endParaRPr lang="en-US"/>
+          </a:p>
+        </p:txBody>
+      </p:sp>
+      <p:sp>
+        <p:nvSpPr>
+          <p:cNvPr id="9" name="Arrow: Right 8">
+            <a:extLst>
+              <a:ext uri="{FF2B5EF4-FFF2-40B4-BE49-F238E27FC236}">
+                <a16:creationId xmlns:a16="http://schemas.microsoft.com/office/drawing/2014/main" id="{D486A7CE-A989-4324-A4F7-EDB9227D1DD0}"/>
+              </a:ext>
+            </a:extLst>
+          </p:cNvPr>
+          <p:cNvSpPr/>
+          <p:nvPr/>
+        </p:nvSpPr>
+        <p:spPr>
+          <a:xfrm>
+            <a:off x="5606471" y="1886764"/>
+            <a:ext cx="979058" cy="603858"/>
+          </a:xfrm>
+          <a:prstGeom prst="rightArrow">
+            <a:avLst/>
+          </a:prstGeom>
+          <a:solidFill>
+            <a:srgbClr val="00B050"/>
+          </a:solidFill>
+          <a:ln w="38100">
+            <a:solidFill>
+              <a:schemeClr val="tx1">
+                <a:lumMod val="85000"/>
+                <a:lumOff val="15000"/>
+              </a:schemeClr>
+            </a:solidFill>
+          </a:ln>
+        </p:spPr>
+        <p:style>
+          <a:lnRef idx="2">
+            <a:schemeClr val="accent1">
+              <a:shade val="50000"/>
+            </a:schemeClr>
+          </a:lnRef>
+          <a:fillRef idx="1">
+            <a:schemeClr val="accent1"/>
+          </a:fillRef>
+          <a:effectRef idx="0">
+            <a:schemeClr val="accent1"/>
+          </a:effectRef>
+          <a:fontRef idx="minor">
+            <a:schemeClr val="lt1"/>
+          </a:fontRef>
+        </p:style>
+        <p:txBody>
+          <a:bodyPr rtlCol="0" anchor="ctr"/>
+          <a:lstStyle/>
+          <a:p>
+            <a:pPr algn="ctr"/>
+            <a:r>
+              <a:rPr lang="en-US" dirty="0"/>
+              <a:t>Desc</a:t>
+            </a:r>
+          </a:p>
+        </p:txBody>
+      </p:sp>
+      <p:sp>
+        <p:nvSpPr>
+          <p:cNvPr id="10" name="Arrow: Right 9">
+            <a:extLst>
+              <a:ext uri="{FF2B5EF4-FFF2-40B4-BE49-F238E27FC236}">
+                <a16:creationId xmlns:a16="http://schemas.microsoft.com/office/drawing/2014/main" id="{7800153E-E2B2-42BB-AB53-9EDCF4B11431}"/>
+              </a:ext>
+            </a:extLst>
+          </p:cNvPr>
+          <p:cNvSpPr/>
+          <p:nvPr/>
+        </p:nvSpPr>
+        <p:spPr>
+          <a:xfrm rot="10800000" flipV="1">
+            <a:off x="3511552" y="2950809"/>
+            <a:ext cx="1288569" cy="574581"/>
+          </a:xfrm>
+          <a:prstGeom prst="rightArrow">
+            <a:avLst/>
+          </a:prstGeom>
+          <a:solidFill>
+            <a:srgbClr val="C00000"/>
+          </a:solidFill>
+          <a:ln w="38100">
+            <a:solidFill>
+              <a:schemeClr val="tx1">
+                <a:lumMod val="85000"/>
+                <a:lumOff val="15000"/>
+              </a:schemeClr>
+            </a:solidFill>
+          </a:ln>
+        </p:spPr>
+        <p:style>
+          <a:lnRef idx="2">
+            <a:schemeClr val="accent1">
+              <a:shade val="50000"/>
+            </a:schemeClr>
+          </a:lnRef>
+          <a:fillRef idx="1">
+            <a:schemeClr val="accent1"/>
+          </a:fillRef>
+          <a:effectRef idx="0">
+            <a:schemeClr val="accent1"/>
+          </a:effectRef>
+          <a:fontRef idx="minor">
+            <a:schemeClr val="lt1"/>
+          </a:fontRef>
+        </p:style>
+        <p:txBody>
+          <a:bodyPr rtlCol="0" anchor="ctr"/>
+          <a:lstStyle/>
+          <a:p>
+            <a:pPr algn="ctr"/>
+            <a:r>
+              <a:rPr lang="en-US" dirty="0"/>
+              <a:t>Selector</a:t>
+            </a:r>
+          </a:p>
+        </p:txBody>
+      </p:sp>
+      <p:sp>
+        <p:nvSpPr>
+          <p:cNvPr id="13" name="Oval 12">
+            <a:extLst>
+              <a:ext uri="{FF2B5EF4-FFF2-40B4-BE49-F238E27FC236}">
+                <a16:creationId xmlns:a16="http://schemas.microsoft.com/office/drawing/2014/main" id="{6A182051-5FD4-4E04-B9DB-1043A5407F0B}"/>
+              </a:ext>
+            </a:extLst>
+          </p:cNvPr>
+          <p:cNvSpPr/>
+          <p:nvPr/>
+        </p:nvSpPr>
+        <p:spPr>
+          <a:xfrm>
+            <a:off x="8579881" y="5190569"/>
+            <a:ext cx="2311749" cy="945611"/>
+          </a:xfrm>
+          <a:prstGeom prst="ellipse">
+            <a:avLst/>
+          </a:prstGeom>
+          <a:solidFill>
+            <a:srgbClr val="C00000"/>
+          </a:solidFill>
+          <a:ln w="57150">
+            <a:solidFill>
+              <a:schemeClr val="tx1">
+                <a:lumMod val="85000"/>
+                <a:lumOff val="15000"/>
+              </a:schemeClr>
+            </a:solidFill>
+          </a:ln>
+        </p:spPr>
+        <p:style>
+          <a:lnRef idx="2">
+            <a:schemeClr val="accent4">
+              <a:shade val="50000"/>
+            </a:schemeClr>
+          </a:lnRef>
+          <a:fillRef idx="1">
+            <a:schemeClr val="accent4"/>
+          </a:fillRef>
+          <a:effectRef idx="0">
+            <a:schemeClr val="accent4"/>
+          </a:effectRef>
+          <a:fontRef idx="minor">
+            <a:schemeClr val="lt1"/>
+          </a:fontRef>
+        </p:style>
+        <p:txBody>
+          <a:bodyPr rtlCol="0" anchor="ctr"/>
+          <a:lstStyle/>
+          <a:p>
+            <a:pPr algn="ctr"/>
+            <a:r>
+              <a:rPr lang="en-US" b="1" dirty="0">
+                <a:solidFill>
+                  <a:sysClr val="windowText" lastClr="000000"/>
+                </a:solidFill>
+              </a:rPr>
+              <a:t>PSEUDO ELEMENT SELECTOR</a:t>
+            </a:r>
+          </a:p>
+        </p:txBody>
+      </p:sp>
     </p:spTree>
     <p:extLst>
       <p:ext uri="{BB962C8B-B14F-4D97-AF65-F5344CB8AC3E}">
-        <p14:creationId xmlns:p14="http://schemas.microsoft.com/office/powerpoint/2010/main" val="2107374234"/>
+        <p14:creationId xmlns:p14="http://schemas.microsoft.com/office/powerpoint/2010/main" val="4287438789"/>
       </p:ext>
     </p:extLst>
   </p:cSld>
@@ -10299,210 +12155,12 @@
           <a:chExt cx="0" cy="0"/>
         </a:xfrm>
       </p:grpSpPr>
-      <p:sp>
-        <p:nvSpPr>
-          <p:cNvPr id="7" name="Title 1">
+      <p:pic>
+        <p:nvPicPr>
+          <p:cNvPr id="5" name="Picture 4">
             <a:extLst>
               <a:ext uri="{FF2B5EF4-FFF2-40B4-BE49-F238E27FC236}">
-                <a16:creationId xmlns:a16="http://schemas.microsoft.com/office/drawing/2014/main" id="{58DD303D-6A5A-43C0-946C-E2A29CE022F1}"/>
-              </a:ext>
-            </a:extLst>
-          </p:cNvPr>
-          <p:cNvSpPr txBox="1">
-            <a:spLocks/>
-          </p:cNvSpPr>
-          <p:nvPr/>
-        </p:nvSpPr>
-        <p:spPr>
-          <a:xfrm>
-            <a:off x="1154321" y="375999"/>
-            <a:ext cx="7766936" cy="970133"/>
-          </a:xfrm>
-          <a:prstGeom prst="rect">
-            <a:avLst/>
-          </a:prstGeom>
-        </p:spPr>
-        <p:txBody>
-          <a:bodyPr vert="horz" lIns="91440" tIns="45720" rIns="91440" bIns="45720" rtlCol="0" anchor="b">
-            <a:noAutofit/>
-          </a:bodyPr>
-          <a:lstStyle>
-            <a:lvl1pPr algn="r" defTabSz="457200" rtl="0" eaLnBrk="1" latinLnBrk="0" hangingPunct="1">
-              <a:spcBef>
-                <a:spcPct val="0"/>
-              </a:spcBef>
-              <a:buNone/>
-              <a:defRPr sz="5400" kern="1200">
-                <a:solidFill>
-                  <a:schemeClr val="accent1"/>
-                </a:solidFill>
-                <a:latin typeface="+mj-lt"/>
-                <a:ea typeface="+mj-ea"/>
-                <a:cs typeface="+mj-cs"/>
-              </a:defRPr>
-            </a:lvl1pPr>
-            <a:lvl2pPr eaLnBrk="1" hangingPunct="1">
-              <a:defRPr>
-                <a:solidFill>
-                  <a:schemeClr val="tx2"/>
-                </a:solidFill>
-              </a:defRPr>
-            </a:lvl2pPr>
-            <a:lvl3pPr eaLnBrk="1" hangingPunct="1">
-              <a:defRPr>
-                <a:solidFill>
-                  <a:schemeClr val="tx2"/>
-                </a:solidFill>
-              </a:defRPr>
-            </a:lvl3pPr>
-            <a:lvl4pPr eaLnBrk="1" hangingPunct="1">
-              <a:defRPr>
-                <a:solidFill>
-                  <a:schemeClr val="tx2"/>
-                </a:solidFill>
-              </a:defRPr>
-            </a:lvl4pPr>
-            <a:lvl5pPr eaLnBrk="1" hangingPunct="1">
-              <a:defRPr>
-                <a:solidFill>
-                  <a:schemeClr val="tx2"/>
-                </a:solidFill>
-              </a:defRPr>
-            </a:lvl5pPr>
-            <a:lvl6pPr eaLnBrk="1" hangingPunct="1">
-              <a:defRPr>
-                <a:solidFill>
-                  <a:schemeClr val="tx2"/>
-                </a:solidFill>
-              </a:defRPr>
-            </a:lvl6pPr>
-            <a:lvl7pPr eaLnBrk="1" hangingPunct="1">
-              <a:defRPr>
-                <a:solidFill>
-                  <a:schemeClr val="tx2"/>
-                </a:solidFill>
-              </a:defRPr>
-            </a:lvl7pPr>
-            <a:lvl8pPr eaLnBrk="1" hangingPunct="1">
-              <a:defRPr>
-                <a:solidFill>
-                  <a:schemeClr val="tx2"/>
-                </a:solidFill>
-              </a:defRPr>
-            </a:lvl8pPr>
-            <a:lvl9pPr eaLnBrk="1" hangingPunct="1">
-              <a:defRPr>
-                <a:solidFill>
-                  <a:schemeClr val="tx2"/>
-                </a:solidFill>
-              </a:defRPr>
-            </a:lvl9pPr>
-          </a:lstStyle>
-          <a:p>
-            <a:pPr algn="l"/>
-            <a:r>
-              <a:rPr lang="en-US" sz="4800" b="1" dirty="0">
-                <a:solidFill>
-                  <a:schemeClr val="tx1">
-                    <a:lumMod val="75000"/>
-                    <a:lumOff val="25000"/>
-                  </a:schemeClr>
-                </a:solidFill>
-                <a:latin typeface="Segoe UI" panose="020B0502040204020203" pitchFamily="34" charset="0"/>
-                <a:cs typeface="Segoe UI" panose="020B0502040204020203" pitchFamily="34" charset="0"/>
-              </a:rPr>
-              <a:t>CSS</a:t>
-            </a:r>
-            <a:r>
-              <a:rPr lang="en-US" sz="4800" dirty="0">
-                <a:solidFill>
-                  <a:schemeClr val="tx1">
-                    <a:lumMod val="75000"/>
-                    <a:lumOff val="25000"/>
-                  </a:schemeClr>
-                </a:solidFill>
-                <a:latin typeface="Segoe UI" panose="020B0502040204020203" pitchFamily="34" charset="0"/>
-                <a:cs typeface="Segoe UI" panose="020B0502040204020203" pitchFamily="34" charset="0"/>
-              </a:rPr>
-              <a:t> | </a:t>
-            </a:r>
-            <a:r>
-              <a:rPr lang="en-US" sz="4000" dirty="0">
-                <a:solidFill>
-                  <a:schemeClr val="tx1">
-                    <a:lumMod val="75000"/>
-                    <a:lumOff val="25000"/>
-                  </a:schemeClr>
-                </a:solidFill>
-                <a:latin typeface="Segoe UI" panose="020B0502040204020203" pitchFamily="34" charset="0"/>
-                <a:cs typeface="Segoe UI" panose="020B0502040204020203" pitchFamily="34" charset="0"/>
-              </a:rPr>
-              <a:t>Relatives lengths</a:t>
-            </a:r>
-            <a:endParaRPr lang="en-US" sz="4000" b="1" dirty="0">
-              <a:solidFill>
-                <a:schemeClr val="tx1">
-                  <a:lumMod val="75000"/>
-                  <a:lumOff val="25000"/>
-                </a:schemeClr>
-              </a:solidFill>
-              <a:latin typeface="Segoe UI" panose="020B0502040204020203" pitchFamily="34" charset="0"/>
-              <a:cs typeface="Segoe UI" panose="020B0502040204020203" pitchFamily="34" charset="0"/>
-            </a:endParaRPr>
-          </a:p>
-        </p:txBody>
-      </p:sp>
-      <p:sp>
-        <p:nvSpPr>
-          <p:cNvPr id="5" name="Subtitle 2">
-            <a:extLst>
-              <a:ext uri="{FF2B5EF4-FFF2-40B4-BE49-F238E27FC236}">
-                <a16:creationId xmlns:a16="http://schemas.microsoft.com/office/drawing/2014/main" id="{D0ED5C53-0E83-43C5-837B-2B169AC2F0E1}"/>
-              </a:ext>
-            </a:extLst>
-          </p:cNvPr>
-          <p:cNvSpPr>
-            <a:spLocks noGrp="1"/>
-          </p:cNvSpPr>
-          <p:nvPr>
-            <p:ph type="subTitle" idx="1"/>
-          </p:nvPr>
-        </p:nvSpPr>
-        <p:spPr>
-          <a:xfrm>
-            <a:off x="1154321" y="1464817"/>
-            <a:ext cx="9907255" cy="1198484"/>
-          </a:xfrm>
-          <a:ln>
-            <a:noFill/>
-          </a:ln>
-        </p:spPr>
-        <p:txBody>
-          <a:bodyPr>
-            <a:normAutofit/>
-          </a:bodyPr>
-          <a:lstStyle/>
-          <a:p>
-            <a:pPr algn="l"/>
-            <a:r>
-              <a:rPr lang="en-US" dirty="0">
-                <a:solidFill>
-                  <a:schemeClr val="tx1"/>
-                </a:solidFill>
-                <a:latin typeface="Segoe UI" panose="020B0502040204020203" pitchFamily="34" charset="0"/>
-                <a:cs typeface="Segoe UI" panose="020B0502040204020203" pitchFamily="34" charset="0"/>
-              </a:rPr>
-              <a:t>Relative length units specify a length relative to another length property. Relative length units scales better between different rendering mediums.</a:t>
-            </a:r>
-          </a:p>
-        </p:txBody>
-      </p:sp>
-      <p:pic>
-        <p:nvPicPr>
-          <p:cNvPr id="3" name="Picture 2">
-            <a:extLst>
-              <a:ext uri="{FF2B5EF4-FFF2-40B4-BE49-F238E27FC236}">
-                <a16:creationId xmlns:a16="http://schemas.microsoft.com/office/drawing/2014/main" id="{C4686397-59C9-4604-9CA4-58BD2E28F32D}"/>
+                <a16:creationId xmlns:a16="http://schemas.microsoft.com/office/drawing/2014/main" id="{75CCFA07-86D0-4916-8A64-7F6DFA17B0BB}"/>
               </a:ext>
             </a:extLst>
           </p:cNvPr>
@@ -10519,35 +12177,109 @@
         </p:blipFill>
         <p:spPr>
           <a:xfrm>
-            <a:off x="4146096" y="2460878"/>
-            <a:ext cx="7566549" cy="4021123"/>
+            <a:off x="906160" y="1742831"/>
+            <a:ext cx="11150608" cy="3829648"/>
           </a:xfrm>
           <a:prstGeom prst="rect">
             <a:avLst/>
           </a:prstGeom>
-          <a:ln w="57150">
-            <a:solidFill>
-              <a:srgbClr val="0070C0"/>
-            </a:solidFill>
-          </a:ln>
         </p:spPr>
       </p:pic>
       <p:sp>
         <p:nvSpPr>
-          <p:cNvPr id="8" name="TextBox 7">
+          <p:cNvPr id="2" name="Title 1">
             <a:extLst>
               <a:ext uri="{FF2B5EF4-FFF2-40B4-BE49-F238E27FC236}">
-                <a16:creationId xmlns:a16="http://schemas.microsoft.com/office/drawing/2014/main" id="{4C814098-E84D-4F31-A0AA-956594D48852}"/>
+                <a16:creationId xmlns:a16="http://schemas.microsoft.com/office/drawing/2014/main" id="{2D4E4121-CDC8-41BA-846E-58655BA90FCF}"/>
               </a:ext>
             </a:extLst>
           </p:cNvPr>
-          <p:cNvSpPr txBox="1"/>
+          <p:cNvSpPr>
+            <a:spLocks noGrp="1"/>
+          </p:cNvSpPr>
+          <p:nvPr>
+            <p:ph type="ctrTitle"/>
+          </p:nvPr>
+        </p:nvSpPr>
+        <p:spPr>
+          <a:xfrm>
+            <a:off x="1154320" y="375999"/>
+            <a:ext cx="8199229" cy="970133"/>
+          </a:xfrm>
+        </p:spPr>
+        <p:txBody>
+          <a:bodyPr/>
+          <a:lstStyle/>
+          <a:p>
+            <a:pPr algn="l"/>
+            <a:r>
+              <a:rPr lang="en-US" sz="4800" b="1" dirty="0">
+                <a:solidFill>
+                  <a:schemeClr val="tx1">
+                    <a:lumMod val="75000"/>
+                    <a:lumOff val="25000"/>
+                  </a:schemeClr>
+                </a:solidFill>
+                <a:latin typeface="Segoe UI" panose="020B0502040204020203" pitchFamily="34" charset="0"/>
+                <a:cs typeface="Segoe UI" panose="020B0502040204020203" pitchFamily="34" charset="0"/>
+              </a:rPr>
+              <a:t>CSS</a:t>
+            </a:r>
+            <a:r>
+              <a:rPr lang="en-US" sz="4800" dirty="0">
+                <a:solidFill>
+                  <a:schemeClr val="tx1">
+                    <a:lumMod val="75000"/>
+                    <a:lumOff val="25000"/>
+                  </a:schemeClr>
+                </a:solidFill>
+                <a:latin typeface="Segoe UI" panose="020B0502040204020203" pitchFamily="34" charset="0"/>
+                <a:cs typeface="Segoe UI" panose="020B0502040204020203" pitchFamily="34" charset="0"/>
+              </a:rPr>
+              <a:t> | </a:t>
+            </a:r>
+            <a:r>
+              <a:rPr lang="en-US" sz="4000" dirty="0">
+                <a:solidFill>
+                  <a:schemeClr val="tx1">
+                    <a:lumMod val="75000"/>
+                    <a:lumOff val="25000"/>
+                  </a:schemeClr>
+                </a:solidFill>
+                <a:latin typeface="Segoe UI" panose="020B0502040204020203" pitchFamily="34" charset="0"/>
+                <a:cs typeface="Segoe UI" panose="020B0502040204020203" pitchFamily="34" charset="0"/>
+              </a:rPr>
+              <a:t>::before</a:t>
+            </a:r>
+            <a:endParaRPr lang="en-US" sz="4000" b="1" dirty="0">
+              <a:solidFill>
+                <a:schemeClr val="tx1">
+                  <a:lumMod val="75000"/>
+                  <a:lumOff val="25000"/>
+                </a:schemeClr>
+              </a:solidFill>
+              <a:latin typeface="Segoe UI" panose="020B0502040204020203" pitchFamily="34" charset="0"/>
+              <a:cs typeface="Segoe UI" panose="020B0502040204020203" pitchFamily="34" charset="0"/>
+            </a:endParaRPr>
+          </a:p>
+        </p:txBody>
+      </p:sp>
+      <p:sp>
+        <p:nvSpPr>
+          <p:cNvPr id="7" name="Rectangle 6">
+            <a:extLst>
+              <a:ext uri="{FF2B5EF4-FFF2-40B4-BE49-F238E27FC236}">
+                <a16:creationId xmlns:a16="http://schemas.microsoft.com/office/drawing/2014/main" id="{A2EB3ABC-BBA3-43A0-A695-796B5FEC7207}"/>
+              </a:ext>
+            </a:extLst>
+          </p:cNvPr>
+          <p:cNvSpPr/>
           <p:nvPr/>
         </p:nvSpPr>
         <p:spPr>
           <a:xfrm>
-            <a:off x="479355" y="3924733"/>
-            <a:ext cx="3138256" cy="1477328"/>
+            <a:off x="906160" y="2346690"/>
+            <a:ext cx="2495776" cy="989178"/>
           </a:xfrm>
           <a:prstGeom prst="rect">
             <a:avLst/>
@@ -10555,19 +12287,267 @@
           <a:noFill/>
           <a:ln w="57150">
             <a:solidFill>
-              <a:srgbClr val="0070C0"/>
+              <a:srgbClr val="C00000"/>
             </a:solidFill>
           </a:ln>
         </p:spPr>
-        <p:txBody>
-          <a:bodyPr wrap="square">
-            <a:spAutoFit/>
-          </a:bodyPr>
+        <p:style>
+          <a:lnRef idx="2">
+            <a:schemeClr val="accent1">
+              <a:shade val="50000"/>
+            </a:schemeClr>
+          </a:lnRef>
+          <a:fillRef idx="1">
+            <a:schemeClr val="accent1"/>
+          </a:fillRef>
+          <a:effectRef idx="0">
+            <a:schemeClr val="accent1"/>
+          </a:effectRef>
+          <a:fontRef idx="minor">
+            <a:schemeClr val="lt1"/>
+          </a:fontRef>
+        </p:style>
+        <p:txBody>
+          <a:bodyPr rtlCol="0" anchor="ctr"/>
           <a:lstStyle/>
           <a:p>
+            <a:pPr algn="ctr"/>
+            <a:endParaRPr lang="en-US"/>
+          </a:p>
+        </p:txBody>
+      </p:sp>
+      <p:sp>
+        <p:nvSpPr>
+          <p:cNvPr id="8" name="Rectangle 7">
+            <a:extLst>
+              <a:ext uri="{FF2B5EF4-FFF2-40B4-BE49-F238E27FC236}">
+                <a16:creationId xmlns:a16="http://schemas.microsoft.com/office/drawing/2014/main" id="{7B944626-E1D2-49AD-832E-D42C0271EA3F}"/>
+              </a:ext>
+            </a:extLst>
+          </p:cNvPr>
+          <p:cNvSpPr/>
+          <p:nvPr/>
+        </p:nvSpPr>
+        <p:spPr>
+          <a:xfrm>
+            <a:off x="6575076" y="1742831"/>
+            <a:ext cx="5481692" cy="1782559"/>
+          </a:xfrm>
+          <a:prstGeom prst="rect">
+            <a:avLst/>
+          </a:prstGeom>
+          <a:noFill/>
+          <a:ln w="57150">
+            <a:solidFill>
+              <a:srgbClr val="00B050"/>
+            </a:solidFill>
+          </a:ln>
+        </p:spPr>
+        <p:style>
+          <a:lnRef idx="2">
+            <a:schemeClr val="accent1">
+              <a:shade val="50000"/>
+            </a:schemeClr>
+          </a:lnRef>
+          <a:fillRef idx="1">
+            <a:schemeClr val="accent1"/>
+          </a:fillRef>
+          <a:effectRef idx="0">
+            <a:schemeClr val="accent1"/>
+          </a:effectRef>
+          <a:fontRef idx="minor">
+            <a:schemeClr val="lt1"/>
+          </a:fontRef>
+        </p:style>
+        <p:txBody>
+          <a:bodyPr rtlCol="0" anchor="ctr"/>
+          <a:lstStyle/>
+          <a:p>
+            <a:pPr algn="ctr"/>
+            <a:endParaRPr lang="en-US"/>
+          </a:p>
+        </p:txBody>
+      </p:sp>
+      <p:sp>
+        <p:nvSpPr>
+          <p:cNvPr id="9" name="Arrow: Right 8">
+            <a:extLst>
+              <a:ext uri="{FF2B5EF4-FFF2-40B4-BE49-F238E27FC236}">
+                <a16:creationId xmlns:a16="http://schemas.microsoft.com/office/drawing/2014/main" id="{D486A7CE-A989-4324-A4F7-EDB9227D1DD0}"/>
+              </a:ext>
+            </a:extLst>
+          </p:cNvPr>
+          <p:cNvSpPr/>
+          <p:nvPr/>
+        </p:nvSpPr>
+        <p:spPr>
+          <a:xfrm>
+            <a:off x="4909737" y="1742831"/>
+            <a:ext cx="979058" cy="603858"/>
+          </a:xfrm>
+          <a:prstGeom prst="rightArrow">
+            <a:avLst/>
+          </a:prstGeom>
+          <a:solidFill>
+            <a:srgbClr val="00B050"/>
+          </a:solidFill>
+          <a:ln w="38100">
+            <a:solidFill>
+              <a:schemeClr val="tx1">
+                <a:lumMod val="85000"/>
+                <a:lumOff val="15000"/>
+              </a:schemeClr>
+            </a:solidFill>
+          </a:ln>
+        </p:spPr>
+        <p:style>
+          <a:lnRef idx="2">
+            <a:schemeClr val="accent1">
+              <a:shade val="50000"/>
+            </a:schemeClr>
+          </a:lnRef>
+          <a:fillRef idx="1">
+            <a:schemeClr val="accent1"/>
+          </a:fillRef>
+          <a:effectRef idx="0">
+            <a:schemeClr val="accent1"/>
+          </a:effectRef>
+          <a:fontRef idx="minor">
+            <a:schemeClr val="lt1"/>
+          </a:fontRef>
+        </p:style>
+        <p:txBody>
+          <a:bodyPr rtlCol="0" anchor="ctr"/>
+          <a:lstStyle/>
+          <a:p>
+            <a:pPr algn="ctr"/>
             <a:r>
               <a:rPr lang="en-US" dirty="0"/>
-              <a:t>CSS Viewport is defined as the visible area on a window screen which refers to the displays of the mobile devices. </a:t>
+              <a:t>Desc</a:t>
+            </a:r>
+          </a:p>
+        </p:txBody>
+      </p:sp>
+      <p:sp>
+        <p:nvSpPr>
+          <p:cNvPr id="10" name="Arrow: Right 9">
+            <a:extLst>
+              <a:ext uri="{FF2B5EF4-FFF2-40B4-BE49-F238E27FC236}">
+                <a16:creationId xmlns:a16="http://schemas.microsoft.com/office/drawing/2014/main" id="{7800153E-E2B2-42BB-AB53-9EDCF4B11431}"/>
+              </a:ext>
+            </a:extLst>
+          </p:cNvPr>
+          <p:cNvSpPr/>
+          <p:nvPr/>
+        </p:nvSpPr>
+        <p:spPr>
+          <a:xfrm rot="10800000" flipV="1">
+            <a:off x="3511552" y="2950809"/>
+            <a:ext cx="1288569" cy="574581"/>
+          </a:xfrm>
+          <a:prstGeom prst="rightArrow">
+            <a:avLst/>
+          </a:prstGeom>
+          <a:solidFill>
+            <a:srgbClr val="C00000"/>
+          </a:solidFill>
+          <a:ln w="38100">
+            <a:solidFill>
+              <a:schemeClr val="tx1">
+                <a:lumMod val="85000"/>
+                <a:lumOff val="15000"/>
+              </a:schemeClr>
+            </a:solidFill>
+          </a:ln>
+        </p:spPr>
+        <p:style>
+          <a:lnRef idx="2">
+            <a:schemeClr val="accent1">
+              <a:shade val="50000"/>
+            </a:schemeClr>
+          </a:lnRef>
+          <a:fillRef idx="1">
+            <a:schemeClr val="accent1"/>
+          </a:fillRef>
+          <a:effectRef idx="0">
+            <a:schemeClr val="accent1"/>
+          </a:effectRef>
+          <a:fontRef idx="minor">
+            <a:schemeClr val="lt1"/>
+          </a:fontRef>
+        </p:style>
+        <p:txBody>
+          <a:bodyPr rtlCol="0" anchor="ctr"/>
+          <a:lstStyle/>
+          <a:p>
+            <a:pPr algn="ctr"/>
+            <a:r>
+              <a:rPr lang="en-US" dirty="0"/>
+              <a:t>Selector</a:t>
+            </a:r>
+          </a:p>
+        </p:txBody>
+      </p:sp>
+      <p:sp>
+        <p:nvSpPr>
+          <p:cNvPr id="13" name="Oval 12">
+            <a:extLst>
+              <a:ext uri="{FF2B5EF4-FFF2-40B4-BE49-F238E27FC236}">
+                <a16:creationId xmlns:a16="http://schemas.microsoft.com/office/drawing/2014/main" id="{6A182051-5FD4-4E04-B9DB-1043A5407F0B}"/>
+              </a:ext>
+            </a:extLst>
+          </p:cNvPr>
+          <p:cNvSpPr/>
+          <p:nvPr/>
+        </p:nvSpPr>
+        <p:spPr>
+          <a:xfrm>
+            <a:off x="8579881" y="5190569"/>
+            <a:ext cx="2311749" cy="945611"/>
+          </a:xfrm>
+          <a:prstGeom prst="ellipse">
+            <a:avLst/>
+          </a:prstGeom>
+          <a:solidFill>
+            <a:srgbClr val="C00000"/>
+          </a:solidFill>
+          <a:ln w="57150">
+            <a:solidFill>
+              <a:schemeClr val="tx1">
+                <a:lumMod val="85000"/>
+                <a:lumOff val="15000"/>
+              </a:schemeClr>
+            </a:solidFill>
+          </a:ln>
+        </p:spPr>
+        <p:style>
+          <a:lnRef idx="2">
+            <a:schemeClr val="accent4">
+              <a:shade val="50000"/>
+            </a:schemeClr>
+          </a:lnRef>
+          <a:fillRef idx="1">
+            <a:schemeClr val="accent4"/>
+          </a:fillRef>
+          <a:effectRef idx="0">
+            <a:schemeClr val="accent4"/>
+          </a:effectRef>
+          <a:fontRef idx="minor">
+            <a:schemeClr val="lt1"/>
+          </a:fontRef>
+        </p:style>
+        <p:txBody>
+          <a:bodyPr rtlCol="0" anchor="ctr"/>
+          <a:lstStyle/>
+          <a:p>
+            <a:pPr algn="ctr"/>
+            <a:r>
+              <a:rPr lang="en-US" b="1" dirty="0">
+                <a:solidFill>
+                  <a:sysClr val="windowText" lastClr="000000"/>
+                </a:solidFill>
+              </a:rPr>
+              <a:t>PSEUDO ELEMENT SELECTOR</a:t>
             </a:r>
           </a:p>
         </p:txBody>
@@ -10575,7 +12555,7 @@
     </p:spTree>
     <p:extLst>
       <p:ext uri="{BB962C8B-B14F-4D97-AF65-F5344CB8AC3E}">
-        <p14:creationId xmlns:p14="http://schemas.microsoft.com/office/powerpoint/2010/main" val="2248063033"/>
+        <p14:creationId xmlns:p14="http://schemas.microsoft.com/office/powerpoint/2010/main" val="3995371531"/>
       </p:ext>
     </p:extLst>
   </p:cSld>
@@ -10602,6 +12582,36 @@
           <a:chExt cx="0" cy="0"/>
         </a:xfrm>
       </p:grpSpPr>
+      <p:pic>
+        <p:nvPicPr>
+          <p:cNvPr id="11" name="Picture 10">
+            <a:extLst>
+              <a:ext uri="{FF2B5EF4-FFF2-40B4-BE49-F238E27FC236}">
+                <a16:creationId xmlns:a16="http://schemas.microsoft.com/office/drawing/2014/main" id="{D4A737DE-CF7C-450D-8794-33A19FE4AC50}"/>
+              </a:ext>
+            </a:extLst>
+          </p:cNvPr>
+          <p:cNvPicPr>
+            <a:picLocks noChangeAspect="1"/>
+          </p:cNvPicPr>
+          <p:nvPr/>
+        </p:nvPicPr>
+        <p:blipFill>
+          <a:blip r:embed="rId2"/>
+          <a:stretch>
+            <a:fillRect/>
+          </a:stretch>
+        </p:blipFill>
+        <p:spPr>
+          <a:xfrm>
+            <a:off x="971198" y="1346133"/>
+            <a:ext cx="9273470" cy="5352392"/>
+          </a:xfrm>
+          <a:prstGeom prst="rect">
+            <a:avLst/>
+          </a:prstGeom>
+        </p:spPr>
+      </p:pic>
       <p:sp>
         <p:nvSpPr>
           <p:cNvPr id="2" name="Title 1">
@@ -10620,8 +12630,8 @@
         </p:nvSpPr>
         <p:spPr>
           <a:xfrm>
-            <a:off x="1507067" y="345351"/>
-            <a:ext cx="7766936" cy="970133"/>
+            <a:off x="1154320" y="375999"/>
+            <a:ext cx="8199229" cy="970133"/>
           </a:xfrm>
         </p:spPr>
         <p:txBody>
@@ -10630,60 +12640,341 @@
           <a:p>
             <a:pPr algn="l"/>
             <a:r>
-              <a:rPr lang="en-US" sz="4000" b="1" dirty="0"/>
-              <a:t>FLEX</a:t>
-            </a:r>
-            <a:r>
-              <a:rPr lang="en-US" sz="4000" b="1" dirty="0">
-                <a:effectLst/>
-              </a:rPr>
-              <a:t>BOX</a:t>
-            </a:r>
-            <a:endParaRPr lang="en-US" sz="1200" b="1" dirty="0">
-              <a:effectLst/>
+              <a:rPr lang="en-US" sz="4800" b="1" dirty="0">
+                <a:solidFill>
+                  <a:schemeClr val="tx1">
+                    <a:lumMod val="75000"/>
+                    <a:lumOff val="25000"/>
+                  </a:schemeClr>
+                </a:solidFill>
+                <a:latin typeface="Segoe UI" panose="020B0502040204020203" pitchFamily="34" charset="0"/>
+                <a:cs typeface="Segoe UI" panose="020B0502040204020203" pitchFamily="34" charset="0"/>
+              </a:rPr>
+              <a:t>CSS</a:t>
+            </a:r>
+            <a:r>
+              <a:rPr lang="en-US" sz="4800" dirty="0">
+                <a:solidFill>
+                  <a:schemeClr val="tx1">
+                    <a:lumMod val="75000"/>
+                    <a:lumOff val="25000"/>
+                  </a:schemeClr>
+                </a:solidFill>
+                <a:latin typeface="Segoe UI" panose="020B0502040204020203" pitchFamily="34" charset="0"/>
+                <a:cs typeface="Segoe UI" panose="020B0502040204020203" pitchFamily="34" charset="0"/>
+              </a:rPr>
+              <a:t> | </a:t>
+            </a:r>
+            <a:r>
+              <a:rPr lang="en-US" sz="4000" dirty="0">
+                <a:solidFill>
+                  <a:schemeClr val="tx1">
+                    <a:lumMod val="75000"/>
+                    <a:lumOff val="25000"/>
+                  </a:schemeClr>
+                </a:solidFill>
+                <a:latin typeface="Segoe UI" panose="020B0502040204020203" pitchFamily="34" charset="0"/>
+                <a:cs typeface="Segoe UI" panose="020B0502040204020203" pitchFamily="34" charset="0"/>
+              </a:rPr>
+              <a:t>::marker</a:t>
+            </a:r>
+            <a:endParaRPr lang="en-US" sz="4000" b="1" dirty="0">
+              <a:solidFill>
+                <a:schemeClr val="tx1">
+                  <a:lumMod val="75000"/>
+                  <a:lumOff val="25000"/>
+                </a:schemeClr>
+              </a:solidFill>
+              <a:latin typeface="Segoe UI" panose="020B0502040204020203" pitchFamily="34" charset="0"/>
+              <a:cs typeface="Segoe UI" panose="020B0502040204020203" pitchFamily="34" charset="0"/>
             </a:endParaRPr>
           </a:p>
         </p:txBody>
       </p:sp>
       <p:sp>
         <p:nvSpPr>
-          <p:cNvPr id="3" name="Subtitle 2">
+          <p:cNvPr id="7" name="Rectangle 6">
             <a:extLst>
               <a:ext uri="{FF2B5EF4-FFF2-40B4-BE49-F238E27FC236}">
-                <a16:creationId xmlns:a16="http://schemas.microsoft.com/office/drawing/2014/main" id="{A584C4F9-6E08-478B-9CFF-E6852DBE2EC0}"/>
+                <a16:creationId xmlns:a16="http://schemas.microsoft.com/office/drawing/2014/main" id="{A2EB3ABC-BBA3-43A0-A695-796B5FEC7207}"/>
               </a:ext>
             </a:extLst>
           </p:cNvPr>
-          <p:cNvSpPr>
-            <a:spLocks noGrp="1"/>
-          </p:cNvSpPr>
-          <p:nvPr>
-            <p:ph type="subTitle" idx="1"/>
-          </p:nvPr>
-        </p:nvSpPr>
-        <p:spPr>
-          <a:xfrm>
-            <a:off x="1393793" y="1882067"/>
-            <a:ext cx="7880210" cy="3986073"/>
-          </a:xfrm>
-          <a:ln>
-            <a:noFill/>
+          <p:cNvSpPr/>
+          <p:nvPr/>
+        </p:nvSpPr>
+        <p:spPr>
+          <a:xfrm>
+            <a:off x="906160" y="1787890"/>
+            <a:ext cx="2495776" cy="1023043"/>
+          </a:xfrm>
+          <a:prstGeom prst="rect">
+            <a:avLst/>
+          </a:prstGeom>
+          <a:noFill/>
+          <a:ln w="57150">
+            <a:solidFill>
+              <a:srgbClr val="C00000"/>
+            </a:solidFill>
           </a:ln>
         </p:spPr>
-        <p:txBody>
-          <a:bodyPr>
-            <a:normAutofit/>
-          </a:bodyPr>
+        <p:style>
+          <a:lnRef idx="2">
+            <a:schemeClr val="accent1">
+              <a:shade val="50000"/>
+            </a:schemeClr>
+          </a:lnRef>
+          <a:fillRef idx="1">
+            <a:schemeClr val="accent1"/>
+          </a:fillRef>
+          <a:effectRef idx="0">
+            <a:schemeClr val="accent1"/>
+          </a:effectRef>
+          <a:fontRef idx="minor">
+            <a:schemeClr val="lt1"/>
+          </a:fontRef>
+        </p:style>
+        <p:txBody>
+          <a:bodyPr rtlCol="0" anchor="ctr"/>
           <a:lstStyle/>
           <a:p>
-            <a:pPr algn="l"/>
-            <a:r>
-              <a:rPr lang="en-US" dirty="0">
-                <a:solidFill>
-                  <a:schemeClr val="tx1"/>
-                </a:solidFill>
-              </a:rPr>
-              <a:t>https://css-tricks.com/snippets/css/a-guide-to-flexbox/</a:t>
+            <a:pPr algn="ctr"/>
+            <a:endParaRPr lang="en-US"/>
+          </a:p>
+        </p:txBody>
+      </p:sp>
+      <p:sp>
+        <p:nvSpPr>
+          <p:cNvPr id="8" name="Rectangle 7">
+            <a:extLst>
+              <a:ext uri="{FF2B5EF4-FFF2-40B4-BE49-F238E27FC236}">
+                <a16:creationId xmlns:a16="http://schemas.microsoft.com/office/drawing/2014/main" id="{7B944626-E1D2-49AD-832E-D42C0271EA3F}"/>
+              </a:ext>
+            </a:extLst>
+          </p:cNvPr>
+          <p:cNvSpPr/>
+          <p:nvPr/>
+        </p:nvSpPr>
+        <p:spPr>
+          <a:xfrm>
+            <a:off x="5664750" y="1326649"/>
+            <a:ext cx="4579918" cy="461242"/>
+          </a:xfrm>
+          <a:prstGeom prst="rect">
+            <a:avLst/>
+          </a:prstGeom>
+          <a:noFill/>
+          <a:ln w="57150">
+            <a:solidFill>
+              <a:srgbClr val="00B050"/>
+            </a:solidFill>
+          </a:ln>
+        </p:spPr>
+        <p:style>
+          <a:lnRef idx="2">
+            <a:schemeClr val="accent1">
+              <a:shade val="50000"/>
+            </a:schemeClr>
+          </a:lnRef>
+          <a:fillRef idx="1">
+            <a:schemeClr val="accent1"/>
+          </a:fillRef>
+          <a:effectRef idx="0">
+            <a:schemeClr val="accent1"/>
+          </a:effectRef>
+          <a:fontRef idx="minor">
+            <a:schemeClr val="lt1"/>
+          </a:fontRef>
+        </p:style>
+        <p:txBody>
+          <a:bodyPr rtlCol="0" anchor="ctr"/>
+          <a:lstStyle/>
+          <a:p>
+            <a:pPr algn="ctr"/>
+            <a:endParaRPr lang="en-US"/>
+          </a:p>
+        </p:txBody>
+      </p:sp>
+      <p:sp>
+        <p:nvSpPr>
+          <p:cNvPr id="9" name="Arrow: Right 8">
+            <a:extLst>
+              <a:ext uri="{FF2B5EF4-FFF2-40B4-BE49-F238E27FC236}">
+                <a16:creationId xmlns:a16="http://schemas.microsoft.com/office/drawing/2014/main" id="{D486A7CE-A989-4324-A4F7-EDB9227D1DD0}"/>
+              </a:ext>
+            </a:extLst>
+          </p:cNvPr>
+          <p:cNvSpPr/>
+          <p:nvPr/>
+        </p:nvSpPr>
+        <p:spPr>
+          <a:xfrm>
+            <a:off x="4382215" y="1233501"/>
+            <a:ext cx="979058" cy="603858"/>
+          </a:xfrm>
+          <a:prstGeom prst="rightArrow">
+            <a:avLst/>
+          </a:prstGeom>
+          <a:solidFill>
+            <a:srgbClr val="00B050"/>
+          </a:solidFill>
+          <a:ln w="38100">
+            <a:solidFill>
+              <a:schemeClr val="tx1">
+                <a:lumMod val="85000"/>
+                <a:lumOff val="15000"/>
+              </a:schemeClr>
+            </a:solidFill>
+          </a:ln>
+        </p:spPr>
+        <p:style>
+          <a:lnRef idx="2">
+            <a:schemeClr val="accent1">
+              <a:shade val="50000"/>
+            </a:schemeClr>
+          </a:lnRef>
+          <a:fillRef idx="1">
+            <a:schemeClr val="accent1"/>
+          </a:fillRef>
+          <a:effectRef idx="0">
+            <a:schemeClr val="accent1"/>
+          </a:effectRef>
+          <a:fontRef idx="minor">
+            <a:schemeClr val="lt1"/>
+          </a:fontRef>
+        </p:style>
+        <p:txBody>
+          <a:bodyPr rtlCol="0" anchor="ctr"/>
+          <a:lstStyle/>
+          <a:p>
+            <a:pPr algn="ctr"/>
+            <a:r>
+              <a:rPr lang="en-US" dirty="0"/>
+              <a:t>Desc</a:t>
+            </a:r>
+          </a:p>
+        </p:txBody>
+      </p:sp>
+      <p:sp>
+        <p:nvSpPr>
+          <p:cNvPr id="10" name="Arrow: Right 9">
+            <a:extLst>
+              <a:ext uri="{FF2B5EF4-FFF2-40B4-BE49-F238E27FC236}">
+                <a16:creationId xmlns:a16="http://schemas.microsoft.com/office/drawing/2014/main" id="{7800153E-E2B2-42BB-AB53-9EDCF4B11431}"/>
+              </a:ext>
+            </a:extLst>
+          </p:cNvPr>
+          <p:cNvSpPr/>
+          <p:nvPr/>
+        </p:nvSpPr>
+        <p:spPr>
+          <a:xfrm rot="10800000" flipV="1">
+            <a:off x="3519731" y="2328584"/>
+            <a:ext cx="1288569" cy="574581"/>
+          </a:xfrm>
+          <a:prstGeom prst="rightArrow">
+            <a:avLst/>
+          </a:prstGeom>
+          <a:solidFill>
+            <a:srgbClr val="C00000"/>
+          </a:solidFill>
+          <a:ln w="38100">
+            <a:solidFill>
+              <a:schemeClr val="tx1">
+                <a:lumMod val="85000"/>
+                <a:lumOff val="15000"/>
+              </a:schemeClr>
+            </a:solidFill>
+          </a:ln>
+        </p:spPr>
+        <p:style>
+          <a:lnRef idx="2">
+            <a:schemeClr val="accent1">
+              <a:shade val="50000"/>
+            </a:schemeClr>
+          </a:lnRef>
+          <a:fillRef idx="1">
+            <a:schemeClr val="accent1"/>
+          </a:fillRef>
+          <a:effectRef idx="0">
+            <a:schemeClr val="accent1"/>
+          </a:effectRef>
+          <a:fontRef idx="minor">
+            <a:schemeClr val="lt1"/>
+          </a:fontRef>
+        </p:style>
+        <p:txBody>
+          <a:bodyPr rtlCol="0" anchor="ctr"/>
+          <a:lstStyle/>
+          <a:p>
+            <a:pPr algn="ctr"/>
+            <a:r>
+              <a:rPr lang="en-US" dirty="0"/>
+              <a:t>Selector</a:t>
+            </a:r>
+          </a:p>
+        </p:txBody>
+      </p:sp>
+      <p:sp>
+        <p:nvSpPr>
+          <p:cNvPr id="13" name="Oval 12">
+            <a:extLst>
+              <a:ext uri="{FF2B5EF4-FFF2-40B4-BE49-F238E27FC236}">
+                <a16:creationId xmlns:a16="http://schemas.microsoft.com/office/drawing/2014/main" id="{6A182051-5FD4-4E04-B9DB-1043A5407F0B}"/>
+              </a:ext>
+            </a:extLst>
+          </p:cNvPr>
+          <p:cNvSpPr/>
+          <p:nvPr/>
+        </p:nvSpPr>
+        <p:spPr>
+          <a:xfrm>
+            <a:off x="8579881" y="5190569"/>
+            <a:ext cx="2311749" cy="945611"/>
+          </a:xfrm>
+          <a:prstGeom prst="ellipse">
+            <a:avLst/>
+          </a:prstGeom>
+          <a:solidFill>
+            <a:srgbClr val="C00000"/>
+          </a:solidFill>
+          <a:ln w="57150">
+            <a:solidFill>
+              <a:schemeClr val="tx1">
+                <a:lumMod val="85000"/>
+                <a:lumOff val="15000"/>
+              </a:schemeClr>
+            </a:solidFill>
+          </a:ln>
+        </p:spPr>
+        <p:style>
+          <a:lnRef idx="2">
+            <a:schemeClr val="accent4">
+              <a:shade val="50000"/>
+            </a:schemeClr>
+          </a:lnRef>
+          <a:fillRef idx="1">
+            <a:schemeClr val="accent4"/>
+          </a:fillRef>
+          <a:effectRef idx="0">
+            <a:schemeClr val="accent4"/>
+          </a:effectRef>
+          <a:fontRef idx="minor">
+            <a:schemeClr val="lt1"/>
+          </a:fontRef>
+        </p:style>
+        <p:txBody>
+          <a:bodyPr rtlCol="0" anchor="ctr"/>
+          <a:lstStyle/>
+          <a:p>
+            <a:pPr algn="ctr"/>
+            <a:r>
+              <a:rPr lang="en-US" b="1" dirty="0">
+                <a:solidFill>
+                  <a:sysClr val="windowText" lastClr="000000"/>
+                </a:solidFill>
+              </a:rPr>
+              <a:t>PSEUDO ELEMENT SELECTOR</a:t>
             </a:r>
           </a:p>
         </p:txBody>
@@ -10691,7 +12982,7 @@
     </p:spTree>
     <p:extLst>
       <p:ext uri="{BB962C8B-B14F-4D97-AF65-F5344CB8AC3E}">
-        <p14:creationId xmlns:p14="http://schemas.microsoft.com/office/powerpoint/2010/main" val="539132038"/>
+        <p14:creationId xmlns:p14="http://schemas.microsoft.com/office/powerpoint/2010/main" val="1234660245"/>
       </p:ext>
     </p:extLst>
   </p:cSld>
@@ -10718,6 +13009,36 @@
           <a:chExt cx="0" cy="0"/>
         </a:xfrm>
       </p:grpSpPr>
+      <p:pic>
+        <p:nvPicPr>
+          <p:cNvPr id="5" name="Picture 4">
+            <a:extLst>
+              <a:ext uri="{FF2B5EF4-FFF2-40B4-BE49-F238E27FC236}">
+                <a16:creationId xmlns:a16="http://schemas.microsoft.com/office/drawing/2014/main" id="{A7C3BDEA-806B-46FB-84D9-E0A921D12992}"/>
+              </a:ext>
+            </a:extLst>
+          </p:cNvPr>
+          <p:cNvPicPr>
+            <a:picLocks noChangeAspect="1"/>
+          </p:cNvPicPr>
+          <p:nvPr/>
+        </p:nvPicPr>
+        <p:blipFill>
+          <a:blip r:embed="rId2"/>
+          <a:stretch>
+            <a:fillRect/>
+          </a:stretch>
+        </p:blipFill>
+        <p:spPr>
+          <a:xfrm>
+            <a:off x="1198191" y="1346132"/>
+            <a:ext cx="9366372" cy="5410200"/>
+          </a:xfrm>
+          <a:prstGeom prst="rect">
+            <a:avLst/>
+          </a:prstGeom>
+        </p:spPr>
+      </p:pic>
       <p:sp>
         <p:nvSpPr>
           <p:cNvPr id="2" name="Title 1">
@@ -10736,8 +13057,8 @@
         </p:nvSpPr>
         <p:spPr>
           <a:xfrm>
-            <a:off x="1507067" y="345351"/>
-            <a:ext cx="7766936" cy="970133"/>
+            <a:off x="1154320" y="375999"/>
+            <a:ext cx="8199229" cy="970133"/>
           </a:xfrm>
         </p:spPr>
         <p:txBody>
@@ -10746,78 +13067,785 @@
           <a:p>
             <a:pPr algn="l"/>
             <a:r>
-              <a:rPr lang="en-US" sz="4000" b="1" dirty="0" err="1"/>
-              <a:t>Esercizio</a:t>
-            </a:r>
-            <a:endParaRPr lang="en-US" sz="1200" b="1" dirty="0">
-              <a:effectLst/>
+              <a:rPr lang="en-US" sz="4800" b="1" dirty="0">
+                <a:solidFill>
+                  <a:schemeClr val="tx1">
+                    <a:lumMod val="75000"/>
+                    <a:lumOff val="25000"/>
+                  </a:schemeClr>
+                </a:solidFill>
+                <a:latin typeface="Segoe UI" panose="020B0502040204020203" pitchFamily="34" charset="0"/>
+                <a:cs typeface="Segoe UI" panose="020B0502040204020203" pitchFamily="34" charset="0"/>
+              </a:rPr>
+              <a:t>CSS</a:t>
+            </a:r>
+            <a:r>
+              <a:rPr lang="en-US" sz="4800" dirty="0">
+                <a:solidFill>
+                  <a:schemeClr val="tx1">
+                    <a:lumMod val="75000"/>
+                    <a:lumOff val="25000"/>
+                  </a:schemeClr>
+                </a:solidFill>
+                <a:latin typeface="Segoe UI" panose="020B0502040204020203" pitchFamily="34" charset="0"/>
+                <a:cs typeface="Segoe UI" panose="020B0502040204020203" pitchFamily="34" charset="0"/>
+              </a:rPr>
+              <a:t> | </a:t>
+            </a:r>
+            <a:r>
+              <a:rPr lang="en-US" sz="4000" dirty="0">
+                <a:solidFill>
+                  <a:schemeClr val="tx1">
+                    <a:lumMod val="75000"/>
+                    <a:lumOff val="25000"/>
+                  </a:schemeClr>
+                </a:solidFill>
+                <a:latin typeface="Segoe UI" panose="020B0502040204020203" pitchFamily="34" charset="0"/>
+                <a:cs typeface="Segoe UI" panose="020B0502040204020203" pitchFamily="34" charset="0"/>
+              </a:rPr>
+              <a:t>::selection</a:t>
+            </a:r>
+            <a:endParaRPr lang="en-US" sz="4000" b="1" dirty="0">
+              <a:solidFill>
+                <a:schemeClr val="tx1">
+                  <a:lumMod val="75000"/>
+                  <a:lumOff val="25000"/>
+                </a:schemeClr>
+              </a:solidFill>
+              <a:latin typeface="Segoe UI" panose="020B0502040204020203" pitchFamily="34" charset="0"/>
+              <a:cs typeface="Segoe UI" panose="020B0502040204020203" pitchFamily="34" charset="0"/>
             </a:endParaRPr>
           </a:p>
         </p:txBody>
       </p:sp>
       <p:sp>
         <p:nvSpPr>
-          <p:cNvPr id="3" name="Subtitle 2">
+          <p:cNvPr id="7" name="Rectangle 6">
             <a:extLst>
               <a:ext uri="{FF2B5EF4-FFF2-40B4-BE49-F238E27FC236}">
-                <a16:creationId xmlns:a16="http://schemas.microsoft.com/office/drawing/2014/main" id="{A584C4F9-6E08-478B-9CFF-E6852DBE2EC0}"/>
+                <a16:creationId xmlns:a16="http://schemas.microsoft.com/office/drawing/2014/main" id="{A2EB3ABC-BBA3-43A0-A695-796B5FEC7207}"/>
               </a:ext>
             </a:extLst>
           </p:cNvPr>
-          <p:cNvSpPr>
-            <a:spLocks noGrp="1"/>
-          </p:cNvSpPr>
-          <p:nvPr>
-            <p:ph type="subTitle" idx="1"/>
-          </p:nvPr>
-        </p:nvSpPr>
-        <p:spPr>
-          <a:xfrm>
-            <a:off x="1393793" y="1882067"/>
-            <a:ext cx="7880210" cy="443883"/>
-          </a:xfrm>
-          <a:ln>
-            <a:noFill/>
+          <p:cNvSpPr/>
+          <p:nvPr/>
+        </p:nvSpPr>
+        <p:spPr>
+          <a:xfrm>
+            <a:off x="1154320" y="2074720"/>
+            <a:ext cx="2495776" cy="876089"/>
+          </a:xfrm>
+          <a:prstGeom prst="rect">
+            <a:avLst/>
+          </a:prstGeom>
+          <a:noFill/>
+          <a:ln w="57150">
+            <a:solidFill>
+              <a:srgbClr val="C00000"/>
+            </a:solidFill>
           </a:ln>
         </p:spPr>
-        <p:txBody>
-          <a:bodyPr>
-            <a:normAutofit/>
-          </a:bodyPr>
+        <p:style>
+          <a:lnRef idx="2">
+            <a:schemeClr val="accent1">
+              <a:shade val="50000"/>
+            </a:schemeClr>
+          </a:lnRef>
+          <a:fillRef idx="1">
+            <a:schemeClr val="accent1"/>
+          </a:fillRef>
+          <a:effectRef idx="0">
+            <a:schemeClr val="accent1"/>
+          </a:effectRef>
+          <a:fontRef idx="minor">
+            <a:schemeClr val="lt1"/>
+          </a:fontRef>
+        </p:style>
+        <p:txBody>
+          <a:bodyPr rtlCol="0" anchor="ctr"/>
           <a:lstStyle/>
           <a:p>
-            <a:pPr algn="l"/>
-            <a:r>
-              <a:rPr lang="en-US" dirty="0" err="1">
-                <a:solidFill>
-                  <a:schemeClr val="tx1"/>
-                </a:solidFill>
-              </a:rPr>
-              <a:t>Creare</a:t>
-            </a:r>
-            <a:r>
-              <a:rPr lang="en-US" dirty="0">
-                <a:solidFill>
-                  <a:schemeClr val="tx1"/>
-                </a:solidFill>
-              </a:rPr>
-              <a:t> un curriculum vitae</a:t>
-            </a:r>
-          </a:p>
-          <a:p>
-            <a:pPr algn="l"/>
-            <a:endParaRPr lang="en-US" dirty="0">
-              <a:solidFill>
-                <a:schemeClr val="tx1"/>
-              </a:solidFill>
-            </a:endParaRPr>
+            <a:pPr algn="ctr"/>
+            <a:endParaRPr lang="en-US"/>
+          </a:p>
+        </p:txBody>
+      </p:sp>
+      <p:sp>
+        <p:nvSpPr>
+          <p:cNvPr id="8" name="Rectangle 7">
+            <a:extLst>
+              <a:ext uri="{FF2B5EF4-FFF2-40B4-BE49-F238E27FC236}">
+                <a16:creationId xmlns:a16="http://schemas.microsoft.com/office/drawing/2014/main" id="{7B944626-E1D2-49AD-832E-D42C0271EA3F}"/>
+              </a:ext>
+            </a:extLst>
+          </p:cNvPr>
+          <p:cNvSpPr/>
+          <p:nvPr/>
+        </p:nvSpPr>
+        <p:spPr>
+          <a:xfrm>
+            <a:off x="5945036" y="2031665"/>
+            <a:ext cx="4619527" cy="1575136"/>
+          </a:xfrm>
+          <a:prstGeom prst="rect">
+            <a:avLst/>
+          </a:prstGeom>
+          <a:noFill/>
+          <a:ln w="57150">
+            <a:solidFill>
+              <a:srgbClr val="00B050"/>
+            </a:solidFill>
+          </a:ln>
+        </p:spPr>
+        <p:style>
+          <a:lnRef idx="2">
+            <a:schemeClr val="accent1">
+              <a:shade val="50000"/>
+            </a:schemeClr>
+          </a:lnRef>
+          <a:fillRef idx="1">
+            <a:schemeClr val="accent1"/>
+          </a:fillRef>
+          <a:effectRef idx="0">
+            <a:schemeClr val="accent1"/>
+          </a:effectRef>
+          <a:fontRef idx="minor">
+            <a:schemeClr val="lt1"/>
+          </a:fontRef>
+        </p:style>
+        <p:txBody>
+          <a:bodyPr rtlCol="0" anchor="ctr"/>
+          <a:lstStyle/>
+          <a:p>
+            <a:pPr algn="ctr"/>
+            <a:endParaRPr lang="en-US"/>
+          </a:p>
+        </p:txBody>
+      </p:sp>
+      <p:sp>
+        <p:nvSpPr>
+          <p:cNvPr id="9" name="Arrow: Right 8">
+            <a:extLst>
+              <a:ext uri="{FF2B5EF4-FFF2-40B4-BE49-F238E27FC236}">
+                <a16:creationId xmlns:a16="http://schemas.microsoft.com/office/drawing/2014/main" id="{D486A7CE-A989-4324-A4F7-EDB9227D1DD0}"/>
+              </a:ext>
+            </a:extLst>
+          </p:cNvPr>
+          <p:cNvSpPr/>
+          <p:nvPr/>
+        </p:nvSpPr>
+        <p:spPr>
+          <a:xfrm>
+            <a:off x="4737548" y="1908906"/>
+            <a:ext cx="979058" cy="603858"/>
+          </a:xfrm>
+          <a:prstGeom prst="rightArrow">
+            <a:avLst/>
+          </a:prstGeom>
+          <a:solidFill>
+            <a:srgbClr val="00B050"/>
+          </a:solidFill>
+          <a:ln w="38100">
+            <a:solidFill>
+              <a:schemeClr val="tx1">
+                <a:lumMod val="85000"/>
+                <a:lumOff val="15000"/>
+              </a:schemeClr>
+            </a:solidFill>
+          </a:ln>
+        </p:spPr>
+        <p:style>
+          <a:lnRef idx="2">
+            <a:schemeClr val="accent1">
+              <a:shade val="50000"/>
+            </a:schemeClr>
+          </a:lnRef>
+          <a:fillRef idx="1">
+            <a:schemeClr val="accent1"/>
+          </a:fillRef>
+          <a:effectRef idx="0">
+            <a:schemeClr val="accent1"/>
+          </a:effectRef>
+          <a:fontRef idx="minor">
+            <a:schemeClr val="lt1"/>
+          </a:fontRef>
+        </p:style>
+        <p:txBody>
+          <a:bodyPr rtlCol="0" anchor="ctr"/>
+          <a:lstStyle/>
+          <a:p>
+            <a:pPr algn="ctr"/>
+            <a:r>
+              <a:rPr lang="en-US" dirty="0"/>
+              <a:t>Desc</a:t>
+            </a:r>
+          </a:p>
+        </p:txBody>
+      </p:sp>
+      <p:sp>
+        <p:nvSpPr>
+          <p:cNvPr id="10" name="Arrow: Right 9">
+            <a:extLst>
+              <a:ext uri="{FF2B5EF4-FFF2-40B4-BE49-F238E27FC236}">
+                <a16:creationId xmlns:a16="http://schemas.microsoft.com/office/drawing/2014/main" id="{7800153E-E2B2-42BB-AB53-9EDCF4B11431}"/>
+              </a:ext>
+            </a:extLst>
+          </p:cNvPr>
+          <p:cNvSpPr/>
+          <p:nvPr/>
+        </p:nvSpPr>
+        <p:spPr>
+          <a:xfrm rot="10800000" flipV="1">
+            <a:off x="3794302" y="2490622"/>
+            <a:ext cx="1288569" cy="574581"/>
+          </a:xfrm>
+          <a:prstGeom prst="rightArrow">
+            <a:avLst/>
+          </a:prstGeom>
+          <a:solidFill>
+            <a:srgbClr val="C00000"/>
+          </a:solidFill>
+          <a:ln w="38100">
+            <a:solidFill>
+              <a:schemeClr val="tx1">
+                <a:lumMod val="85000"/>
+                <a:lumOff val="15000"/>
+              </a:schemeClr>
+            </a:solidFill>
+          </a:ln>
+        </p:spPr>
+        <p:style>
+          <a:lnRef idx="2">
+            <a:schemeClr val="accent1">
+              <a:shade val="50000"/>
+            </a:schemeClr>
+          </a:lnRef>
+          <a:fillRef idx="1">
+            <a:schemeClr val="accent1"/>
+          </a:fillRef>
+          <a:effectRef idx="0">
+            <a:schemeClr val="accent1"/>
+          </a:effectRef>
+          <a:fontRef idx="minor">
+            <a:schemeClr val="lt1"/>
+          </a:fontRef>
+        </p:style>
+        <p:txBody>
+          <a:bodyPr rtlCol="0" anchor="ctr"/>
+          <a:lstStyle/>
+          <a:p>
+            <a:pPr algn="ctr"/>
+            <a:r>
+              <a:rPr lang="en-US" dirty="0"/>
+              <a:t>Selector</a:t>
+            </a:r>
+          </a:p>
+        </p:txBody>
+      </p:sp>
+      <p:sp>
+        <p:nvSpPr>
+          <p:cNvPr id="13" name="Oval 12">
+            <a:extLst>
+              <a:ext uri="{FF2B5EF4-FFF2-40B4-BE49-F238E27FC236}">
+                <a16:creationId xmlns:a16="http://schemas.microsoft.com/office/drawing/2014/main" id="{6A182051-5FD4-4E04-B9DB-1043A5407F0B}"/>
+              </a:ext>
+            </a:extLst>
+          </p:cNvPr>
+          <p:cNvSpPr/>
+          <p:nvPr/>
+        </p:nvSpPr>
+        <p:spPr>
+          <a:xfrm>
+            <a:off x="8579881" y="5190569"/>
+            <a:ext cx="2311749" cy="945611"/>
+          </a:xfrm>
+          <a:prstGeom prst="ellipse">
+            <a:avLst/>
+          </a:prstGeom>
+          <a:solidFill>
+            <a:srgbClr val="C00000"/>
+          </a:solidFill>
+          <a:ln w="57150">
+            <a:solidFill>
+              <a:schemeClr val="tx1">
+                <a:lumMod val="85000"/>
+                <a:lumOff val="15000"/>
+              </a:schemeClr>
+            </a:solidFill>
+          </a:ln>
+        </p:spPr>
+        <p:style>
+          <a:lnRef idx="2">
+            <a:schemeClr val="accent4">
+              <a:shade val="50000"/>
+            </a:schemeClr>
+          </a:lnRef>
+          <a:fillRef idx="1">
+            <a:schemeClr val="accent4"/>
+          </a:fillRef>
+          <a:effectRef idx="0">
+            <a:schemeClr val="accent4"/>
+          </a:effectRef>
+          <a:fontRef idx="minor">
+            <a:schemeClr val="lt1"/>
+          </a:fontRef>
+        </p:style>
+        <p:txBody>
+          <a:bodyPr rtlCol="0" anchor="ctr"/>
+          <a:lstStyle/>
+          <a:p>
+            <a:pPr algn="ctr"/>
+            <a:r>
+              <a:rPr lang="en-US" b="1" dirty="0">
+                <a:solidFill>
+                  <a:sysClr val="windowText" lastClr="000000"/>
+                </a:solidFill>
+              </a:rPr>
+              <a:t>PSEUDO ELEMENT SELECTOR</a:t>
+            </a:r>
           </a:p>
         </p:txBody>
       </p:sp>
     </p:spTree>
     <p:extLst>
       <p:ext uri="{BB962C8B-B14F-4D97-AF65-F5344CB8AC3E}">
-        <p14:creationId xmlns:p14="http://schemas.microsoft.com/office/powerpoint/2010/main" val="577033235"/>
+        <p14:creationId xmlns:p14="http://schemas.microsoft.com/office/powerpoint/2010/main" val="2095980414"/>
+      </p:ext>
+    </p:extLst>
+  </p:cSld>
+  <p:clrMapOvr>
+    <a:masterClrMapping/>
+  </p:clrMapOvr>
+</p:sld>
+</file>
+
+<file path=ppt/slides/slide28.xml><?xml version="1.0" encoding="utf-8"?>
+<p:sld xmlns:a="http://schemas.openxmlformats.org/drawingml/2006/main" xmlns:r="http://schemas.openxmlformats.org/officeDocument/2006/relationships" xmlns:p="http://schemas.openxmlformats.org/presentationml/2006/main">
+  <p:cSld>
+    <p:spTree>
+      <p:nvGrpSpPr>
+        <p:cNvPr id="1" name=""/>
+        <p:cNvGrpSpPr/>
+        <p:nvPr/>
+      </p:nvGrpSpPr>
+      <p:grpSpPr>
+        <a:xfrm>
+          <a:off x="0" y="0"/>
+          <a:ext cx="0" cy="0"/>
+          <a:chOff x="0" y="0"/>
+          <a:chExt cx="0" cy="0"/>
+        </a:xfrm>
+      </p:grpSpPr>
+      <p:sp>
+        <p:nvSpPr>
+          <p:cNvPr id="7" name="Title 1">
+            <a:extLst>
+              <a:ext uri="{FF2B5EF4-FFF2-40B4-BE49-F238E27FC236}">
+                <a16:creationId xmlns:a16="http://schemas.microsoft.com/office/drawing/2014/main" id="{58DD303D-6A5A-43C0-946C-E2A29CE022F1}"/>
+              </a:ext>
+            </a:extLst>
+          </p:cNvPr>
+          <p:cNvSpPr txBox="1">
+            <a:spLocks/>
+          </p:cNvSpPr>
+          <p:nvPr/>
+        </p:nvSpPr>
+        <p:spPr>
+          <a:xfrm>
+            <a:off x="1154321" y="375999"/>
+            <a:ext cx="7766936" cy="970133"/>
+          </a:xfrm>
+          <a:prstGeom prst="rect">
+            <a:avLst/>
+          </a:prstGeom>
+        </p:spPr>
+        <p:txBody>
+          <a:bodyPr vert="horz" lIns="91440" tIns="45720" rIns="91440" bIns="45720" rtlCol="0" anchor="b">
+            <a:noAutofit/>
+          </a:bodyPr>
+          <a:lstStyle>
+            <a:lvl1pPr algn="r" defTabSz="457200" rtl="0" eaLnBrk="1" latinLnBrk="0" hangingPunct="1">
+              <a:spcBef>
+                <a:spcPct val="0"/>
+              </a:spcBef>
+              <a:buNone/>
+              <a:defRPr sz="5400" kern="1200">
+                <a:solidFill>
+                  <a:schemeClr val="accent1"/>
+                </a:solidFill>
+                <a:latin typeface="+mj-lt"/>
+                <a:ea typeface="+mj-ea"/>
+                <a:cs typeface="+mj-cs"/>
+              </a:defRPr>
+            </a:lvl1pPr>
+            <a:lvl2pPr eaLnBrk="1" hangingPunct="1">
+              <a:defRPr>
+                <a:solidFill>
+                  <a:schemeClr val="tx2"/>
+                </a:solidFill>
+              </a:defRPr>
+            </a:lvl2pPr>
+            <a:lvl3pPr eaLnBrk="1" hangingPunct="1">
+              <a:defRPr>
+                <a:solidFill>
+                  <a:schemeClr val="tx2"/>
+                </a:solidFill>
+              </a:defRPr>
+            </a:lvl3pPr>
+            <a:lvl4pPr eaLnBrk="1" hangingPunct="1">
+              <a:defRPr>
+                <a:solidFill>
+                  <a:schemeClr val="tx2"/>
+                </a:solidFill>
+              </a:defRPr>
+            </a:lvl4pPr>
+            <a:lvl5pPr eaLnBrk="1" hangingPunct="1">
+              <a:defRPr>
+                <a:solidFill>
+                  <a:schemeClr val="tx2"/>
+                </a:solidFill>
+              </a:defRPr>
+            </a:lvl5pPr>
+            <a:lvl6pPr eaLnBrk="1" hangingPunct="1">
+              <a:defRPr>
+                <a:solidFill>
+                  <a:schemeClr val="tx2"/>
+                </a:solidFill>
+              </a:defRPr>
+            </a:lvl6pPr>
+            <a:lvl7pPr eaLnBrk="1" hangingPunct="1">
+              <a:defRPr>
+                <a:solidFill>
+                  <a:schemeClr val="tx2"/>
+                </a:solidFill>
+              </a:defRPr>
+            </a:lvl7pPr>
+            <a:lvl8pPr eaLnBrk="1" hangingPunct="1">
+              <a:defRPr>
+                <a:solidFill>
+                  <a:schemeClr val="tx2"/>
+                </a:solidFill>
+              </a:defRPr>
+            </a:lvl8pPr>
+            <a:lvl9pPr eaLnBrk="1" hangingPunct="1">
+              <a:defRPr>
+                <a:solidFill>
+                  <a:schemeClr val="tx2"/>
+                </a:solidFill>
+              </a:defRPr>
+            </a:lvl9pPr>
+          </a:lstStyle>
+          <a:p>
+            <a:pPr algn="l"/>
+            <a:r>
+              <a:rPr lang="en-US" sz="4800" b="1" dirty="0">
+                <a:solidFill>
+                  <a:schemeClr val="tx1">
+                    <a:lumMod val="75000"/>
+                    <a:lumOff val="25000"/>
+                  </a:schemeClr>
+                </a:solidFill>
+                <a:latin typeface="Segoe UI" panose="020B0502040204020203" pitchFamily="34" charset="0"/>
+                <a:cs typeface="Segoe UI" panose="020B0502040204020203" pitchFamily="34" charset="0"/>
+              </a:rPr>
+              <a:t>CSS</a:t>
+            </a:r>
+            <a:r>
+              <a:rPr lang="en-US" sz="4800" dirty="0">
+                <a:solidFill>
+                  <a:schemeClr val="tx1">
+                    <a:lumMod val="75000"/>
+                    <a:lumOff val="25000"/>
+                  </a:schemeClr>
+                </a:solidFill>
+                <a:latin typeface="Segoe UI" panose="020B0502040204020203" pitchFamily="34" charset="0"/>
+                <a:cs typeface="Segoe UI" panose="020B0502040204020203" pitchFamily="34" charset="0"/>
+              </a:rPr>
+              <a:t> | </a:t>
+            </a:r>
+            <a:r>
+              <a:rPr lang="en-US" sz="4000" dirty="0">
+                <a:solidFill>
+                  <a:schemeClr val="tx1">
+                    <a:lumMod val="75000"/>
+                    <a:lumOff val="25000"/>
+                  </a:schemeClr>
+                </a:solidFill>
+                <a:latin typeface="Segoe UI" panose="020B0502040204020203" pitchFamily="34" charset="0"/>
+                <a:cs typeface="Segoe UI" panose="020B0502040204020203" pitchFamily="34" charset="0"/>
+              </a:rPr>
+              <a:t>Position static</a:t>
+            </a:r>
+            <a:endParaRPr lang="en-US" sz="4000" b="1" dirty="0">
+              <a:solidFill>
+                <a:schemeClr val="tx1">
+                  <a:lumMod val="75000"/>
+                  <a:lumOff val="25000"/>
+                </a:schemeClr>
+              </a:solidFill>
+              <a:latin typeface="Segoe UI" panose="020B0502040204020203" pitchFamily="34" charset="0"/>
+              <a:cs typeface="Segoe UI" panose="020B0502040204020203" pitchFamily="34" charset="0"/>
+            </a:endParaRPr>
+          </a:p>
+        </p:txBody>
+      </p:sp>
+      <p:pic>
+        <p:nvPicPr>
+          <p:cNvPr id="11" name="Picture 10">
+            <a:extLst>
+              <a:ext uri="{FF2B5EF4-FFF2-40B4-BE49-F238E27FC236}">
+                <a16:creationId xmlns:a16="http://schemas.microsoft.com/office/drawing/2014/main" id="{D5078542-4468-4513-88E5-F8AD0B089596}"/>
+              </a:ext>
+            </a:extLst>
+          </p:cNvPr>
+          <p:cNvPicPr>
+            <a:picLocks noChangeAspect="1"/>
+          </p:cNvPicPr>
+          <p:nvPr/>
+        </p:nvPicPr>
+        <p:blipFill>
+          <a:blip r:embed="rId2"/>
+          <a:stretch>
+            <a:fillRect/>
+          </a:stretch>
+        </p:blipFill>
+        <p:spPr>
+          <a:xfrm>
+            <a:off x="1154321" y="1455938"/>
+            <a:ext cx="8652968" cy="5285875"/>
+          </a:xfrm>
+          <a:prstGeom prst="rect">
+            <a:avLst/>
+          </a:prstGeom>
+          <a:ln w="57150">
+            <a:solidFill>
+              <a:srgbClr val="0070C0"/>
+            </a:solidFill>
+          </a:ln>
+        </p:spPr>
+      </p:pic>
+    </p:spTree>
+    <p:extLst>
+      <p:ext uri="{BB962C8B-B14F-4D97-AF65-F5344CB8AC3E}">
+        <p14:creationId xmlns:p14="http://schemas.microsoft.com/office/powerpoint/2010/main" val="2141053325"/>
+      </p:ext>
+    </p:extLst>
+  </p:cSld>
+  <p:clrMapOvr>
+    <a:masterClrMapping/>
+  </p:clrMapOvr>
+</p:sld>
+</file>
+
+<file path=ppt/slides/slide29.xml><?xml version="1.0" encoding="utf-8"?>
+<p:sld xmlns:a="http://schemas.openxmlformats.org/drawingml/2006/main" xmlns:r="http://schemas.openxmlformats.org/officeDocument/2006/relationships" xmlns:p="http://schemas.openxmlformats.org/presentationml/2006/main">
+  <p:cSld>
+    <p:spTree>
+      <p:nvGrpSpPr>
+        <p:cNvPr id="1" name=""/>
+        <p:cNvGrpSpPr/>
+        <p:nvPr/>
+      </p:nvGrpSpPr>
+      <p:grpSpPr>
+        <a:xfrm>
+          <a:off x="0" y="0"/>
+          <a:ext cx="0" cy="0"/>
+          <a:chOff x="0" y="0"/>
+          <a:chExt cx="0" cy="0"/>
+        </a:xfrm>
+      </p:grpSpPr>
+      <p:sp>
+        <p:nvSpPr>
+          <p:cNvPr id="7" name="Title 1">
+            <a:extLst>
+              <a:ext uri="{FF2B5EF4-FFF2-40B4-BE49-F238E27FC236}">
+                <a16:creationId xmlns:a16="http://schemas.microsoft.com/office/drawing/2014/main" id="{58DD303D-6A5A-43C0-946C-E2A29CE022F1}"/>
+              </a:ext>
+            </a:extLst>
+          </p:cNvPr>
+          <p:cNvSpPr txBox="1">
+            <a:spLocks/>
+          </p:cNvSpPr>
+          <p:nvPr/>
+        </p:nvSpPr>
+        <p:spPr>
+          <a:xfrm>
+            <a:off x="1154321" y="375999"/>
+            <a:ext cx="7766936" cy="970133"/>
+          </a:xfrm>
+          <a:prstGeom prst="rect">
+            <a:avLst/>
+          </a:prstGeom>
+        </p:spPr>
+        <p:txBody>
+          <a:bodyPr vert="horz" lIns="91440" tIns="45720" rIns="91440" bIns="45720" rtlCol="0" anchor="b">
+            <a:noAutofit/>
+          </a:bodyPr>
+          <a:lstStyle>
+            <a:lvl1pPr algn="r" defTabSz="457200" rtl="0" eaLnBrk="1" latinLnBrk="0" hangingPunct="1">
+              <a:spcBef>
+                <a:spcPct val="0"/>
+              </a:spcBef>
+              <a:buNone/>
+              <a:defRPr sz="5400" kern="1200">
+                <a:solidFill>
+                  <a:schemeClr val="accent1"/>
+                </a:solidFill>
+                <a:latin typeface="+mj-lt"/>
+                <a:ea typeface="+mj-ea"/>
+                <a:cs typeface="+mj-cs"/>
+              </a:defRPr>
+            </a:lvl1pPr>
+            <a:lvl2pPr eaLnBrk="1" hangingPunct="1">
+              <a:defRPr>
+                <a:solidFill>
+                  <a:schemeClr val="tx2"/>
+                </a:solidFill>
+              </a:defRPr>
+            </a:lvl2pPr>
+            <a:lvl3pPr eaLnBrk="1" hangingPunct="1">
+              <a:defRPr>
+                <a:solidFill>
+                  <a:schemeClr val="tx2"/>
+                </a:solidFill>
+              </a:defRPr>
+            </a:lvl3pPr>
+            <a:lvl4pPr eaLnBrk="1" hangingPunct="1">
+              <a:defRPr>
+                <a:solidFill>
+                  <a:schemeClr val="tx2"/>
+                </a:solidFill>
+              </a:defRPr>
+            </a:lvl4pPr>
+            <a:lvl5pPr eaLnBrk="1" hangingPunct="1">
+              <a:defRPr>
+                <a:solidFill>
+                  <a:schemeClr val="tx2"/>
+                </a:solidFill>
+              </a:defRPr>
+            </a:lvl5pPr>
+            <a:lvl6pPr eaLnBrk="1" hangingPunct="1">
+              <a:defRPr>
+                <a:solidFill>
+                  <a:schemeClr val="tx2"/>
+                </a:solidFill>
+              </a:defRPr>
+            </a:lvl6pPr>
+            <a:lvl7pPr eaLnBrk="1" hangingPunct="1">
+              <a:defRPr>
+                <a:solidFill>
+                  <a:schemeClr val="tx2"/>
+                </a:solidFill>
+              </a:defRPr>
+            </a:lvl7pPr>
+            <a:lvl8pPr eaLnBrk="1" hangingPunct="1">
+              <a:defRPr>
+                <a:solidFill>
+                  <a:schemeClr val="tx2"/>
+                </a:solidFill>
+              </a:defRPr>
+            </a:lvl8pPr>
+            <a:lvl9pPr eaLnBrk="1" hangingPunct="1">
+              <a:defRPr>
+                <a:solidFill>
+                  <a:schemeClr val="tx2"/>
+                </a:solidFill>
+              </a:defRPr>
+            </a:lvl9pPr>
+          </a:lstStyle>
+          <a:p>
+            <a:pPr algn="l"/>
+            <a:r>
+              <a:rPr lang="en-US" sz="4800" b="1" dirty="0">
+                <a:solidFill>
+                  <a:schemeClr val="tx1">
+                    <a:lumMod val="75000"/>
+                    <a:lumOff val="25000"/>
+                  </a:schemeClr>
+                </a:solidFill>
+                <a:latin typeface="Segoe UI" panose="020B0502040204020203" pitchFamily="34" charset="0"/>
+                <a:cs typeface="Segoe UI" panose="020B0502040204020203" pitchFamily="34" charset="0"/>
+              </a:rPr>
+              <a:t>CSS</a:t>
+            </a:r>
+            <a:r>
+              <a:rPr lang="en-US" sz="4800" dirty="0">
+                <a:solidFill>
+                  <a:schemeClr val="tx1">
+                    <a:lumMod val="75000"/>
+                    <a:lumOff val="25000"/>
+                  </a:schemeClr>
+                </a:solidFill>
+                <a:latin typeface="Segoe UI" panose="020B0502040204020203" pitchFamily="34" charset="0"/>
+                <a:cs typeface="Segoe UI" panose="020B0502040204020203" pitchFamily="34" charset="0"/>
+              </a:rPr>
+              <a:t> | </a:t>
+            </a:r>
+            <a:r>
+              <a:rPr lang="en-US" sz="4000" dirty="0">
+                <a:solidFill>
+                  <a:schemeClr val="tx1">
+                    <a:lumMod val="75000"/>
+                    <a:lumOff val="25000"/>
+                  </a:schemeClr>
+                </a:solidFill>
+                <a:latin typeface="Segoe UI" panose="020B0502040204020203" pitchFamily="34" charset="0"/>
+                <a:cs typeface="Segoe UI" panose="020B0502040204020203" pitchFamily="34" charset="0"/>
+              </a:rPr>
+              <a:t>Position relative</a:t>
+            </a:r>
+            <a:endParaRPr lang="en-US" sz="4000" b="1" dirty="0">
+              <a:solidFill>
+                <a:schemeClr val="tx1">
+                  <a:lumMod val="75000"/>
+                  <a:lumOff val="25000"/>
+                </a:schemeClr>
+              </a:solidFill>
+              <a:latin typeface="Segoe UI" panose="020B0502040204020203" pitchFamily="34" charset="0"/>
+              <a:cs typeface="Segoe UI" panose="020B0502040204020203" pitchFamily="34" charset="0"/>
+            </a:endParaRPr>
+          </a:p>
+        </p:txBody>
+      </p:sp>
+      <p:pic>
+        <p:nvPicPr>
+          <p:cNvPr id="3" name="Picture 2">
+            <a:extLst>
+              <a:ext uri="{FF2B5EF4-FFF2-40B4-BE49-F238E27FC236}">
+                <a16:creationId xmlns:a16="http://schemas.microsoft.com/office/drawing/2014/main" id="{6433D36C-CB6F-47E3-AC3E-C1D2C79673C8}"/>
+              </a:ext>
+            </a:extLst>
+          </p:cNvPr>
+          <p:cNvPicPr>
+            <a:picLocks noChangeAspect="1"/>
+          </p:cNvPicPr>
+          <p:nvPr/>
+        </p:nvPicPr>
+        <p:blipFill>
+          <a:blip r:embed="rId2"/>
+          <a:stretch>
+            <a:fillRect/>
+          </a:stretch>
+        </p:blipFill>
+        <p:spPr>
+          <a:xfrm>
+            <a:off x="1154321" y="1270432"/>
+            <a:ext cx="8867775" cy="5524500"/>
+          </a:xfrm>
+          <a:prstGeom prst="rect">
+            <a:avLst/>
+          </a:prstGeom>
+          <a:ln w="57150">
+            <a:solidFill>
+              <a:srgbClr val="0070C0"/>
+            </a:solidFill>
+          </a:ln>
+        </p:spPr>
+      </p:pic>
+    </p:spTree>
+    <p:extLst>
+      <p:ext uri="{BB962C8B-B14F-4D97-AF65-F5344CB8AC3E}">
+        <p14:creationId xmlns:p14="http://schemas.microsoft.com/office/powerpoint/2010/main" val="101053629"/>
       </p:ext>
     </p:extLst>
   </p:cSld>
@@ -11461,6 +14489,2056 @@
     <p:extLst>
       <p:ext uri="{BB962C8B-B14F-4D97-AF65-F5344CB8AC3E}">
         <p14:creationId xmlns:p14="http://schemas.microsoft.com/office/powerpoint/2010/main" val="3552402806"/>
+      </p:ext>
+    </p:extLst>
+  </p:cSld>
+  <p:clrMapOvr>
+    <a:masterClrMapping/>
+  </p:clrMapOvr>
+</p:sld>
+</file>
+
+<file path=ppt/slides/slide30.xml><?xml version="1.0" encoding="utf-8"?>
+<p:sld xmlns:a="http://schemas.openxmlformats.org/drawingml/2006/main" xmlns:r="http://schemas.openxmlformats.org/officeDocument/2006/relationships" xmlns:p="http://schemas.openxmlformats.org/presentationml/2006/main">
+  <p:cSld>
+    <p:spTree>
+      <p:nvGrpSpPr>
+        <p:cNvPr id="1" name=""/>
+        <p:cNvGrpSpPr/>
+        <p:nvPr/>
+      </p:nvGrpSpPr>
+      <p:grpSpPr>
+        <a:xfrm>
+          <a:off x="0" y="0"/>
+          <a:ext cx="0" cy="0"/>
+          <a:chOff x="0" y="0"/>
+          <a:chExt cx="0" cy="0"/>
+        </a:xfrm>
+      </p:grpSpPr>
+      <p:sp>
+        <p:nvSpPr>
+          <p:cNvPr id="7" name="Title 1">
+            <a:extLst>
+              <a:ext uri="{FF2B5EF4-FFF2-40B4-BE49-F238E27FC236}">
+                <a16:creationId xmlns:a16="http://schemas.microsoft.com/office/drawing/2014/main" id="{58DD303D-6A5A-43C0-946C-E2A29CE022F1}"/>
+              </a:ext>
+            </a:extLst>
+          </p:cNvPr>
+          <p:cNvSpPr txBox="1">
+            <a:spLocks/>
+          </p:cNvSpPr>
+          <p:nvPr/>
+        </p:nvSpPr>
+        <p:spPr>
+          <a:xfrm>
+            <a:off x="1154321" y="375999"/>
+            <a:ext cx="7766936" cy="970133"/>
+          </a:xfrm>
+          <a:prstGeom prst="rect">
+            <a:avLst/>
+          </a:prstGeom>
+        </p:spPr>
+        <p:txBody>
+          <a:bodyPr vert="horz" lIns="91440" tIns="45720" rIns="91440" bIns="45720" rtlCol="0" anchor="b">
+            <a:noAutofit/>
+          </a:bodyPr>
+          <a:lstStyle>
+            <a:lvl1pPr algn="r" defTabSz="457200" rtl="0" eaLnBrk="1" latinLnBrk="0" hangingPunct="1">
+              <a:spcBef>
+                <a:spcPct val="0"/>
+              </a:spcBef>
+              <a:buNone/>
+              <a:defRPr sz="5400" kern="1200">
+                <a:solidFill>
+                  <a:schemeClr val="accent1"/>
+                </a:solidFill>
+                <a:latin typeface="+mj-lt"/>
+                <a:ea typeface="+mj-ea"/>
+                <a:cs typeface="+mj-cs"/>
+              </a:defRPr>
+            </a:lvl1pPr>
+            <a:lvl2pPr eaLnBrk="1" hangingPunct="1">
+              <a:defRPr>
+                <a:solidFill>
+                  <a:schemeClr val="tx2"/>
+                </a:solidFill>
+              </a:defRPr>
+            </a:lvl2pPr>
+            <a:lvl3pPr eaLnBrk="1" hangingPunct="1">
+              <a:defRPr>
+                <a:solidFill>
+                  <a:schemeClr val="tx2"/>
+                </a:solidFill>
+              </a:defRPr>
+            </a:lvl3pPr>
+            <a:lvl4pPr eaLnBrk="1" hangingPunct="1">
+              <a:defRPr>
+                <a:solidFill>
+                  <a:schemeClr val="tx2"/>
+                </a:solidFill>
+              </a:defRPr>
+            </a:lvl4pPr>
+            <a:lvl5pPr eaLnBrk="1" hangingPunct="1">
+              <a:defRPr>
+                <a:solidFill>
+                  <a:schemeClr val="tx2"/>
+                </a:solidFill>
+              </a:defRPr>
+            </a:lvl5pPr>
+            <a:lvl6pPr eaLnBrk="1" hangingPunct="1">
+              <a:defRPr>
+                <a:solidFill>
+                  <a:schemeClr val="tx2"/>
+                </a:solidFill>
+              </a:defRPr>
+            </a:lvl6pPr>
+            <a:lvl7pPr eaLnBrk="1" hangingPunct="1">
+              <a:defRPr>
+                <a:solidFill>
+                  <a:schemeClr val="tx2"/>
+                </a:solidFill>
+              </a:defRPr>
+            </a:lvl7pPr>
+            <a:lvl8pPr eaLnBrk="1" hangingPunct="1">
+              <a:defRPr>
+                <a:solidFill>
+                  <a:schemeClr val="tx2"/>
+                </a:solidFill>
+              </a:defRPr>
+            </a:lvl8pPr>
+            <a:lvl9pPr eaLnBrk="1" hangingPunct="1">
+              <a:defRPr>
+                <a:solidFill>
+                  <a:schemeClr val="tx2"/>
+                </a:solidFill>
+              </a:defRPr>
+            </a:lvl9pPr>
+          </a:lstStyle>
+          <a:p>
+            <a:pPr algn="l"/>
+            <a:r>
+              <a:rPr lang="en-US" sz="4800" b="1" dirty="0">
+                <a:solidFill>
+                  <a:schemeClr val="tx1">
+                    <a:lumMod val="75000"/>
+                    <a:lumOff val="25000"/>
+                  </a:schemeClr>
+                </a:solidFill>
+                <a:latin typeface="Segoe UI" panose="020B0502040204020203" pitchFamily="34" charset="0"/>
+                <a:cs typeface="Segoe UI" panose="020B0502040204020203" pitchFamily="34" charset="0"/>
+              </a:rPr>
+              <a:t>CSS</a:t>
+            </a:r>
+            <a:r>
+              <a:rPr lang="en-US" sz="4800" dirty="0">
+                <a:solidFill>
+                  <a:schemeClr val="tx1">
+                    <a:lumMod val="75000"/>
+                    <a:lumOff val="25000"/>
+                  </a:schemeClr>
+                </a:solidFill>
+                <a:latin typeface="Segoe UI" panose="020B0502040204020203" pitchFamily="34" charset="0"/>
+                <a:cs typeface="Segoe UI" panose="020B0502040204020203" pitchFamily="34" charset="0"/>
+              </a:rPr>
+              <a:t> | </a:t>
+            </a:r>
+            <a:r>
+              <a:rPr lang="en-US" sz="4000" dirty="0">
+                <a:solidFill>
+                  <a:schemeClr val="tx1">
+                    <a:lumMod val="75000"/>
+                    <a:lumOff val="25000"/>
+                  </a:schemeClr>
+                </a:solidFill>
+                <a:latin typeface="Segoe UI" panose="020B0502040204020203" pitchFamily="34" charset="0"/>
+                <a:cs typeface="Segoe UI" panose="020B0502040204020203" pitchFamily="34" charset="0"/>
+              </a:rPr>
+              <a:t>Position fixed</a:t>
+            </a:r>
+            <a:endParaRPr lang="en-US" sz="4000" b="1" dirty="0">
+              <a:solidFill>
+                <a:schemeClr val="tx1">
+                  <a:lumMod val="75000"/>
+                  <a:lumOff val="25000"/>
+                </a:schemeClr>
+              </a:solidFill>
+              <a:latin typeface="Segoe UI" panose="020B0502040204020203" pitchFamily="34" charset="0"/>
+              <a:cs typeface="Segoe UI" panose="020B0502040204020203" pitchFamily="34" charset="0"/>
+            </a:endParaRPr>
+          </a:p>
+        </p:txBody>
+      </p:sp>
+      <p:pic>
+        <p:nvPicPr>
+          <p:cNvPr id="4" name="Picture 3">
+            <a:extLst>
+              <a:ext uri="{FF2B5EF4-FFF2-40B4-BE49-F238E27FC236}">
+                <a16:creationId xmlns:a16="http://schemas.microsoft.com/office/drawing/2014/main" id="{04616759-3B77-4C98-ABF1-74B1A1F5E566}"/>
+              </a:ext>
+            </a:extLst>
+          </p:cNvPr>
+          <p:cNvPicPr>
+            <a:picLocks noChangeAspect="1"/>
+          </p:cNvPicPr>
+          <p:nvPr/>
+        </p:nvPicPr>
+        <p:blipFill>
+          <a:blip r:embed="rId2"/>
+          <a:stretch>
+            <a:fillRect/>
+          </a:stretch>
+        </p:blipFill>
+        <p:spPr>
+          <a:xfrm>
+            <a:off x="1154321" y="1460711"/>
+            <a:ext cx="7403753" cy="5308648"/>
+          </a:xfrm>
+          <a:prstGeom prst="rect">
+            <a:avLst/>
+          </a:prstGeom>
+          <a:ln w="57150">
+            <a:solidFill>
+              <a:srgbClr val="0070C0"/>
+            </a:solidFill>
+          </a:ln>
+        </p:spPr>
+      </p:pic>
+    </p:spTree>
+    <p:extLst>
+      <p:ext uri="{BB962C8B-B14F-4D97-AF65-F5344CB8AC3E}">
+        <p14:creationId xmlns:p14="http://schemas.microsoft.com/office/powerpoint/2010/main" val="1320260955"/>
+      </p:ext>
+    </p:extLst>
+  </p:cSld>
+  <p:clrMapOvr>
+    <a:masterClrMapping/>
+  </p:clrMapOvr>
+</p:sld>
+</file>
+
+<file path=ppt/slides/slide31.xml><?xml version="1.0" encoding="utf-8"?>
+<p:sld xmlns:a="http://schemas.openxmlformats.org/drawingml/2006/main" xmlns:r="http://schemas.openxmlformats.org/officeDocument/2006/relationships" xmlns:p="http://schemas.openxmlformats.org/presentationml/2006/main">
+  <p:cSld>
+    <p:spTree>
+      <p:nvGrpSpPr>
+        <p:cNvPr id="1" name=""/>
+        <p:cNvGrpSpPr/>
+        <p:nvPr/>
+      </p:nvGrpSpPr>
+      <p:grpSpPr>
+        <a:xfrm>
+          <a:off x="0" y="0"/>
+          <a:ext cx="0" cy="0"/>
+          <a:chOff x="0" y="0"/>
+          <a:chExt cx="0" cy="0"/>
+        </a:xfrm>
+      </p:grpSpPr>
+      <p:sp>
+        <p:nvSpPr>
+          <p:cNvPr id="7" name="Title 1">
+            <a:extLst>
+              <a:ext uri="{FF2B5EF4-FFF2-40B4-BE49-F238E27FC236}">
+                <a16:creationId xmlns:a16="http://schemas.microsoft.com/office/drawing/2014/main" id="{58DD303D-6A5A-43C0-946C-E2A29CE022F1}"/>
+              </a:ext>
+            </a:extLst>
+          </p:cNvPr>
+          <p:cNvSpPr txBox="1">
+            <a:spLocks/>
+          </p:cNvSpPr>
+          <p:nvPr/>
+        </p:nvSpPr>
+        <p:spPr>
+          <a:xfrm>
+            <a:off x="1154321" y="375999"/>
+            <a:ext cx="7766936" cy="970133"/>
+          </a:xfrm>
+          <a:prstGeom prst="rect">
+            <a:avLst/>
+          </a:prstGeom>
+        </p:spPr>
+        <p:txBody>
+          <a:bodyPr vert="horz" lIns="91440" tIns="45720" rIns="91440" bIns="45720" rtlCol="0" anchor="b">
+            <a:noAutofit/>
+          </a:bodyPr>
+          <a:lstStyle>
+            <a:lvl1pPr algn="r" defTabSz="457200" rtl="0" eaLnBrk="1" latinLnBrk="0" hangingPunct="1">
+              <a:spcBef>
+                <a:spcPct val="0"/>
+              </a:spcBef>
+              <a:buNone/>
+              <a:defRPr sz="5400" kern="1200">
+                <a:solidFill>
+                  <a:schemeClr val="accent1"/>
+                </a:solidFill>
+                <a:latin typeface="+mj-lt"/>
+                <a:ea typeface="+mj-ea"/>
+                <a:cs typeface="+mj-cs"/>
+              </a:defRPr>
+            </a:lvl1pPr>
+            <a:lvl2pPr eaLnBrk="1" hangingPunct="1">
+              <a:defRPr>
+                <a:solidFill>
+                  <a:schemeClr val="tx2"/>
+                </a:solidFill>
+              </a:defRPr>
+            </a:lvl2pPr>
+            <a:lvl3pPr eaLnBrk="1" hangingPunct="1">
+              <a:defRPr>
+                <a:solidFill>
+                  <a:schemeClr val="tx2"/>
+                </a:solidFill>
+              </a:defRPr>
+            </a:lvl3pPr>
+            <a:lvl4pPr eaLnBrk="1" hangingPunct="1">
+              <a:defRPr>
+                <a:solidFill>
+                  <a:schemeClr val="tx2"/>
+                </a:solidFill>
+              </a:defRPr>
+            </a:lvl4pPr>
+            <a:lvl5pPr eaLnBrk="1" hangingPunct="1">
+              <a:defRPr>
+                <a:solidFill>
+                  <a:schemeClr val="tx2"/>
+                </a:solidFill>
+              </a:defRPr>
+            </a:lvl5pPr>
+            <a:lvl6pPr eaLnBrk="1" hangingPunct="1">
+              <a:defRPr>
+                <a:solidFill>
+                  <a:schemeClr val="tx2"/>
+                </a:solidFill>
+              </a:defRPr>
+            </a:lvl6pPr>
+            <a:lvl7pPr eaLnBrk="1" hangingPunct="1">
+              <a:defRPr>
+                <a:solidFill>
+                  <a:schemeClr val="tx2"/>
+                </a:solidFill>
+              </a:defRPr>
+            </a:lvl7pPr>
+            <a:lvl8pPr eaLnBrk="1" hangingPunct="1">
+              <a:defRPr>
+                <a:solidFill>
+                  <a:schemeClr val="tx2"/>
+                </a:solidFill>
+              </a:defRPr>
+            </a:lvl8pPr>
+            <a:lvl9pPr eaLnBrk="1" hangingPunct="1">
+              <a:defRPr>
+                <a:solidFill>
+                  <a:schemeClr val="tx2"/>
+                </a:solidFill>
+              </a:defRPr>
+            </a:lvl9pPr>
+          </a:lstStyle>
+          <a:p>
+            <a:pPr algn="l"/>
+            <a:r>
+              <a:rPr lang="en-US" sz="4800" b="1" dirty="0">
+                <a:solidFill>
+                  <a:schemeClr val="tx1">
+                    <a:lumMod val="75000"/>
+                    <a:lumOff val="25000"/>
+                  </a:schemeClr>
+                </a:solidFill>
+                <a:latin typeface="Segoe UI" panose="020B0502040204020203" pitchFamily="34" charset="0"/>
+                <a:cs typeface="Segoe UI" panose="020B0502040204020203" pitchFamily="34" charset="0"/>
+              </a:rPr>
+              <a:t>CSS</a:t>
+            </a:r>
+            <a:r>
+              <a:rPr lang="en-US" sz="4800" dirty="0">
+                <a:solidFill>
+                  <a:schemeClr val="tx1">
+                    <a:lumMod val="75000"/>
+                    <a:lumOff val="25000"/>
+                  </a:schemeClr>
+                </a:solidFill>
+                <a:latin typeface="Segoe UI" panose="020B0502040204020203" pitchFamily="34" charset="0"/>
+                <a:cs typeface="Segoe UI" panose="020B0502040204020203" pitchFamily="34" charset="0"/>
+              </a:rPr>
+              <a:t> | </a:t>
+            </a:r>
+            <a:r>
+              <a:rPr lang="en-US" sz="4000" dirty="0">
+                <a:solidFill>
+                  <a:schemeClr val="tx1">
+                    <a:lumMod val="75000"/>
+                    <a:lumOff val="25000"/>
+                  </a:schemeClr>
+                </a:solidFill>
+                <a:latin typeface="Segoe UI" panose="020B0502040204020203" pitchFamily="34" charset="0"/>
+                <a:cs typeface="Segoe UI" panose="020B0502040204020203" pitchFamily="34" charset="0"/>
+              </a:rPr>
+              <a:t>Position absolute</a:t>
+            </a:r>
+            <a:endParaRPr lang="en-US" sz="4000" b="1" dirty="0">
+              <a:solidFill>
+                <a:schemeClr val="tx1">
+                  <a:lumMod val="75000"/>
+                  <a:lumOff val="25000"/>
+                </a:schemeClr>
+              </a:solidFill>
+              <a:latin typeface="Segoe UI" panose="020B0502040204020203" pitchFamily="34" charset="0"/>
+              <a:cs typeface="Segoe UI" panose="020B0502040204020203" pitchFamily="34" charset="0"/>
+            </a:endParaRPr>
+          </a:p>
+        </p:txBody>
+      </p:sp>
+      <p:pic>
+        <p:nvPicPr>
+          <p:cNvPr id="3" name="Picture 2">
+            <a:extLst>
+              <a:ext uri="{FF2B5EF4-FFF2-40B4-BE49-F238E27FC236}">
+                <a16:creationId xmlns:a16="http://schemas.microsoft.com/office/drawing/2014/main" id="{0E696899-1389-4E73-9373-50F77010B439}"/>
+              </a:ext>
+            </a:extLst>
+          </p:cNvPr>
+          <p:cNvPicPr>
+            <a:picLocks noChangeAspect="1"/>
+          </p:cNvPicPr>
+          <p:nvPr/>
+        </p:nvPicPr>
+        <p:blipFill>
+          <a:blip r:embed="rId2"/>
+          <a:stretch>
+            <a:fillRect/>
+          </a:stretch>
+        </p:blipFill>
+        <p:spPr>
+          <a:xfrm>
+            <a:off x="1154321" y="1597981"/>
+            <a:ext cx="8333836" cy="5046816"/>
+          </a:xfrm>
+          <a:prstGeom prst="rect">
+            <a:avLst/>
+          </a:prstGeom>
+          <a:ln w="57150">
+            <a:solidFill>
+              <a:srgbClr val="0070C0"/>
+            </a:solidFill>
+          </a:ln>
+        </p:spPr>
+      </p:pic>
+    </p:spTree>
+    <p:extLst>
+      <p:ext uri="{BB962C8B-B14F-4D97-AF65-F5344CB8AC3E}">
+        <p14:creationId xmlns:p14="http://schemas.microsoft.com/office/powerpoint/2010/main" val="1268880243"/>
+      </p:ext>
+    </p:extLst>
+  </p:cSld>
+  <p:clrMapOvr>
+    <a:masterClrMapping/>
+  </p:clrMapOvr>
+</p:sld>
+</file>
+
+<file path=ppt/slides/slide32.xml><?xml version="1.0" encoding="utf-8"?>
+<p:sld xmlns:a="http://schemas.openxmlformats.org/drawingml/2006/main" xmlns:r="http://schemas.openxmlformats.org/officeDocument/2006/relationships" xmlns:p="http://schemas.openxmlformats.org/presentationml/2006/main">
+  <p:cSld>
+    <p:spTree>
+      <p:nvGrpSpPr>
+        <p:cNvPr id="1" name=""/>
+        <p:cNvGrpSpPr/>
+        <p:nvPr/>
+      </p:nvGrpSpPr>
+      <p:grpSpPr>
+        <a:xfrm>
+          <a:off x="0" y="0"/>
+          <a:ext cx="0" cy="0"/>
+          <a:chOff x="0" y="0"/>
+          <a:chExt cx="0" cy="0"/>
+        </a:xfrm>
+      </p:grpSpPr>
+      <p:sp>
+        <p:nvSpPr>
+          <p:cNvPr id="7" name="Title 1">
+            <a:extLst>
+              <a:ext uri="{FF2B5EF4-FFF2-40B4-BE49-F238E27FC236}">
+                <a16:creationId xmlns:a16="http://schemas.microsoft.com/office/drawing/2014/main" id="{58DD303D-6A5A-43C0-946C-E2A29CE022F1}"/>
+              </a:ext>
+            </a:extLst>
+          </p:cNvPr>
+          <p:cNvSpPr txBox="1">
+            <a:spLocks/>
+          </p:cNvSpPr>
+          <p:nvPr/>
+        </p:nvSpPr>
+        <p:spPr>
+          <a:xfrm>
+            <a:off x="1154321" y="375999"/>
+            <a:ext cx="7766936" cy="970133"/>
+          </a:xfrm>
+          <a:prstGeom prst="rect">
+            <a:avLst/>
+          </a:prstGeom>
+        </p:spPr>
+        <p:txBody>
+          <a:bodyPr vert="horz" lIns="91440" tIns="45720" rIns="91440" bIns="45720" rtlCol="0" anchor="b">
+            <a:noAutofit/>
+          </a:bodyPr>
+          <a:lstStyle>
+            <a:lvl1pPr algn="r" defTabSz="457200" rtl="0" eaLnBrk="1" latinLnBrk="0" hangingPunct="1">
+              <a:spcBef>
+                <a:spcPct val="0"/>
+              </a:spcBef>
+              <a:buNone/>
+              <a:defRPr sz="5400" kern="1200">
+                <a:solidFill>
+                  <a:schemeClr val="accent1"/>
+                </a:solidFill>
+                <a:latin typeface="+mj-lt"/>
+                <a:ea typeface="+mj-ea"/>
+                <a:cs typeface="+mj-cs"/>
+              </a:defRPr>
+            </a:lvl1pPr>
+            <a:lvl2pPr eaLnBrk="1" hangingPunct="1">
+              <a:defRPr>
+                <a:solidFill>
+                  <a:schemeClr val="tx2"/>
+                </a:solidFill>
+              </a:defRPr>
+            </a:lvl2pPr>
+            <a:lvl3pPr eaLnBrk="1" hangingPunct="1">
+              <a:defRPr>
+                <a:solidFill>
+                  <a:schemeClr val="tx2"/>
+                </a:solidFill>
+              </a:defRPr>
+            </a:lvl3pPr>
+            <a:lvl4pPr eaLnBrk="1" hangingPunct="1">
+              <a:defRPr>
+                <a:solidFill>
+                  <a:schemeClr val="tx2"/>
+                </a:solidFill>
+              </a:defRPr>
+            </a:lvl4pPr>
+            <a:lvl5pPr eaLnBrk="1" hangingPunct="1">
+              <a:defRPr>
+                <a:solidFill>
+                  <a:schemeClr val="tx2"/>
+                </a:solidFill>
+              </a:defRPr>
+            </a:lvl5pPr>
+            <a:lvl6pPr eaLnBrk="1" hangingPunct="1">
+              <a:defRPr>
+                <a:solidFill>
+                  <a:schemeClr val="tx2"/>
+                </a:solidFill>
+              </a:defRPr>
+            </a:lvl6pPr>
+            <a:lvl7pPr eaLnBrk="1" hangingPunct="1">
+              <a:defRPr>
+                <a:solidFill>
+                  <a:schemeClr val="tx2"/>
+                </a:solidFill>
+              </a:defRPr>
+            </a:lvl7pPr>
+            <a:lvl8pPr eaLnBrk="1" hangingPunct="1">
+              <a:defRPr>
+                <a:solidFill>
+                  <a:schemeClr val="tx2"/>
+                </a:solidFill>
+              </a:defRPr>
+            </a:lvl8pPr>
+            <a:lvl9pPr eaLnBrk="1" hangingPunct="1">
+              <a:defRPr>
+                <a:solidFill>
+                  <a:schemeClr val="tx2"/>
+                </a:solidFill>
+              </a:defRPr>
+            </a:lvl9pPr>
+          </a:lstStyle>
+          <a:p>
+            <a:pPr algn="l"/>
+            <a:r>
+              <a:rPr lang="en-US" sz="4800" b="1" dirty="0">
+                <a:solidFill>
+                  <a:schemeClr val="tx1">
+                    <a:lumMod val="75000"/>
+                    <a:lumOff val="25000"/>
+                  </a:schemeClr>
+                </a:solidFill>
+                <a:latin typeface="Segoe UI" panose="020B0502040204020203" pitchFamily="34" charset="0"/>
+                <a:cs typeface="Segoe UI" panose="020B0502040204020203" pitchFamily="34" charset="0"/>
+              </a:rPr>
+              <a:t>CSS</a:t>
+            </a:r>
+            <a:r>
+              <a:rPr lang="en-US" sz="4800" dirty="0">
+                <a:solidFill>
+                  <a:schemeClr val="tx1">
+                    <a:lumMod val="75000"/>
+                    <a:lumOff val="25000"/>
+                  </a:schemeClr>
+                </a:solidFill>
+                <a:latin typeface="Segoe UI" panose="020B0502040204020203" pitchFamily="34" charset="0"/>
+                <a:cs typeface="Segoe UI" panose="020B0502040204020203" pitchFamily="34" charset="0"/>
+              </a:rPr>
+              <a:t> | </a:t>
+            </a:r>
+            <a:r>
+              <a:rPr lang="en-US" sz="4000" dirty="0">
+                <a:solidFill>
+                  <a:schemeClr val="tx1">
+                    <a:lumMod val="75000"/>
+                    <a:lumOff val="25000"/>
+                  </a:schemeClr>
+                </a:solidFill>
+                <a:latin typeface="Segoe UI" panose="020B0502040204020203" pitchFamily="34" charset="0"/>
+                <a:cs typeface="Segoe UI" panose="020B0502040204020203" pitchFamily="34" charset="0"/>
+              </a:rPr>
+              <a:t>Position sticky</a:t>
+            </a:r>
+            <a:endParaRPr lang="en-US" sz="4000" b="1" dirty="0">
+              <a:solidFill>
+                <a:schemeClr val="tx1">
+                  <a:lumMod val="75000"/>
+                  <a:lumOff val="25000"/>
+                </a:schemeClr>
+              </a:solidFill>
+              <a:latin typeface="Segoe UI" panose="020B0502040204020203" pitchFamily="34" charset="0"/>
+              <a:cs typeface="Segoe UI" panose="020B0502040204020203" pitchFamily="34" charset="0"/>
+            </a:endParaRPr>
+          </a:p>
+        </p:txBody>
+      </p:sp>
+      <p:pic>
+        <p:nvPicPr>
+          <p:cNvPr id="4" name="Picture 3">
+            <a:extLst>
+              <a:ext uri="{FF2B5EF4-FFF2-40B4-BE49-F238E27FC236}">
+                <a16:creationId xmlns:a16="http://schemas.microsoft.com/office/drawing/2014/main" id="{22E79301-E723-4F40-999C-D0C461D4CCA6}"/>
+              </a:ext>
+            </a:extLst>
+          </p:cNvPr>
+          <p:cNvPicPr>
+            <a:picLocks noChangeAspect="1"/>
+          </p:cNvPicPr>
+          <p:nvPr/>
+        </p:nvPicPr>
+        <p:blipFill>
+          <a:blip r:embed="rId2"/>
+          <a:stretch>
+            <a:fillRect/>
+          </a:stretch>
+        </p:blipFill>
+        <p:spPr>
+          <a:xfrm>
+            <a:off x="1154321" y="1864403"/>
+            <a:ext cx="10067925" cy="3981450"/>
+          </a:xfrm>
+          <a:prstGeom prst="rect">
+            <a:avLst/>
+          </a:prstGeom>
+          <a:ln w="57150">
+            <a:solidFill>
+              <a:srgbClr val="0070C0"/>
+            </a:solidFill>
+          </a:ln>
+        </p:spPr>
+      </p:pic>
+    </p:spTree>
+    <p:extLst>
+      <p:ext uri="{BB962C8B-B14F-4D97-AF65-F5344CB8AC3E}">
+        <p14:creationId xmlns:p14="http://schemas.microsoft.com/office/powerpoint/2010/main" val="812550312"/>
+      </p:ext>
+    </p:extLst>
+  </p:cSld>
+  <p:clrMapOvr>
+    <a:masterClrMapping/>
+  </p:clrMapOvr>
+</p:sld>
+</file>
+
+<file path=ppt/slides/slide33.xml><?xml version="1.0" encoding="utf-8"?>
+<p:sld xmlns:a="http://schemas.openxmlformats.org/drawingml/2006/main" xmlns:r="http://schemas.openxmlformats.org/officeDocument/2006/relationships" xmlns:p="http://schemas.openxmlformats.org/presentationml/2006/main">
+  <p:cSld>
+    <p:spTree>
+      <p:nvGrpSpPr>
+        <p:cNvPr id="1" name=""/>
+        <p:cNvGrpSpPr/>
+        <p:nvPr/>
+      </p:nvGrpSpPr>
+      <p:grpSpPr>
+        <a:xfrm>
+          <a:off x="0" y="0"/>
+          <a:ext cx="0" cy="0"/>
+          <a:chOff x="0" y="0"/>
+          <a:chExt cx="0" cy="0"/>
+        </a:xfrm>
+      </p:grpSpPr>
+      <p:sp>
+        <p:nvSpPr>
+          <p:cNvPr id="7" name="Title 1">
+            <a:extLst>
+              <a:ext uri="{FF2B5EF4-FFF2-40B4-BE49-F238E27FC236}">
+                <a16:creationId xmlns:a16="http://schemas.microsoft.com/office/drawing/2014/main" id="{58DD303D-6A5A-43C0-946C-E2A29CE022F1}"/>
+              </a:ext>
+            </a:extLst>
+          </p:cNvPr>
+          <p:cNvSpPr txBox="1">
+            <a:spLocks/>
+          </p:cNvSpPr>
+          <p:nvPr/>
+        </p:nvSpPr>
+        <p:spPr>
+          <a:xfrm>
+            <a:off x="1154321" y="375999"/>
+            <a:ext cx="7766936" cy="970133"/>
+          </a:xfrm>
+          <a:prstGeom prst="rect">
+            <a:avLst/>
+          </a:prstGeom>
+        </p:spPr>
+        <p:txBody>
+          <a:bodyPr vert="horz" lIns="91440" tIns="45720" rIns="91440" bIns="45720" rtlCol="0" anchor="b">
+            <a:noAutofit/>
+          </a:bodyPr>
+          <a:lstStyle>
+            <a:lvl1pPr algn="r" defTabSz="457200" rtl="0" eaLnBrk="1" latinLnBrk="0" hangingPunct="1">
+              <a:spcBef>
+                <a:spcPct val="0"/>
+              </a:spcBef>
+              <a:buNone/>
+              <a:defRPr sz="5400" kern="1200">
+                <a:solidFill>
+                  <a:schemeClr val="accent1"/>
+                </a:solidFill>
+                <a:latin typeface="+mj-lt"/>
+                <a:ea typeface="+mj-ea"/>
+                <a:cs typeface="+mj-cs"/>
+              </a:defRPr>
+            </a:lvl1pPr>
+            <a:lvl2pPr eaLnBrk="1" hangingPunct="1">
+              <a:defRPr>
+                <a:solidFill>
+                  <a:schemeClr val="tx2"/>
+                </a:solidFill>
+              </a:defRPr>
+            </a:lvl2pPr>
+            <a:lvl3pPr eaLnBrk="1" hangingPunct="1">
+              <a:defRPr>
+                <a:solidFill>
+                  <a:schemeClr val="tx2"/>
+                </a:solidFill>
+              </a:defRPr>
+            </a:lvl3pPr>
+            <a:lvl4pPr eaLnBrk="1" hangingPunct="1">
+              <a:defRPr>
+                <a:solidFill>
+                  <a:schemeClr val="tx2"/>
+                </a:solidFill>
+              </a:defRPr>
+            </a:lvl4pPr>
+            <a:lvl5pPr eaLnBrk="1" hangingPunct="1">
+              <a:defRPr>
+                <a:solidFill>
+                  <a:schemeClr val="tx2"/>
+                </a:solidFill>
+              </a:defRPr>
+            </a:lvl5pPr>
+            <a:lvl6pPr eaLnBrk="1" hangingPunct="1">
+              <a:defRPr>
+                <a:solidFill>
+                  <a:schemeClr val="tx2"/>
+                </a:solidFill>
+              </a:defRPr>
+            </a:lvl6pPr>
+            <a:lvl7pPr eaLnBrk="1" hangingPunct="1">
+              <a:defRPr>
+                <a:solidFill>
+                  <a:schemeClr val="tx2"/>
+                </a:solidFill>
+              </a:defRPr>
+            </a:lvl7pPr>
+            <a:lvl8pPr eaLnBrk="1" hangingPunct="1">
+              <a:defRPr>
+                <a:solidFill>
+                  <a:schemeClr val="tx2"/>
+                </a:solidFill>
+              </a:defRPr>
+            </a:lvl8pPr>
+            <a:lvl9pPr eaLnBrk="1" hangingPunct="1">
+              <a:defRPr>
+                <a:solidFill>
+                  <a:schemeClr val="tx2"/>
+                </a:solidFill>
+              </a:defRPr>
+            </a:lvl9pPr>
+          </a:lstStyle>
+          <a:p>
+            <a:pPr algn="l"/>
+            <a:r>
+              <a:rPr lang="en-US" sz="4800" b="1" dirty="0">
+                <a:solidFill>
+                  <a:schemeClr val="tx1">
+                    <a:lumMod val="75000"/>
+                    <a:lumOff val="25000"/>
+                  </a:schemeClr>
+                </a:solidFill>
+                <a:latin typeface="Segoe UI" panose="020B0502040204020203" pitchFamily="34" charset="0"/>
+                <a:cs typeface="Segoe UI" panose="020B0502040204020203" pitchFamily="34" charset="0"/>
+              </a:rPr>
+              <a:t>CSS</a:t>
+            </a:r>
+            <a:r>
+              <a:rPr lang="en-US" sz="4800" dirty="0">
+                <a:solidFill>
+                  <a:schemeClr val="tx1">
+                    <a:lumMod val="75000"/>
+                    <a:lumOff val="25000"/>
+                  </a:schemeClr>
+                </a:solidFill>
+                <a:latin typeface="Segoe UI" panose="020B0502040204020203" pitchFamily="34" charset="0"/>
+                <a:cs typeface="Segoe UI" panose="020B0502040204020203" pitchFamily="34" charset="0"/>
+              </a:rPr>
+              <a:t> | </a:t>
+            </a:r>
+            <a:r>
+              <a:rPr lang="en-US" sz="4000" dirty="0">
+                <a:solidFill>
+                  <a:schemeClr val="tx1">
+                    <a:lumMod val="75000"/>
+                    <a:lumOff val="25000"/>
+                  </a:schemeClr>
+                </a:solidFill>
+                <a:latin typeface="Segoe UI" panose="020B0502040204020203" pitchFamily="34" charset="0"/>
+                <a:cs typeface="Segoe UI" panose="020B0502040204020203" pitchFamily="34" charset="0"/>
+              </a:rPr>
+              <a:t>Position sticky</a:t>
+            </a:r>
+            <a:endParaRPr lang="en-US" sz="4000" b="1" dirty="0">
+              <a:solidFill>
+                <a:schemeClr val="tx1">
+                  <a:lumMod val="75000"/>
+                  <a:lumOff val="25000"/>
+                </a:schemeClr>
+              </a:solidFill>
+              <a:latin typeface="Segoe UI" panose="020B0502040204020203" pitchFamily="34" charset="0"/>
+              <a:cs typeface="Segoe UI" panose="020B0502040204020203" pitchFamily="34" charset="0"/>
+            </a:endParaRPr>
+          </a:p>
+        </p:txBody>
+      </p:sp>
+      <p:pic>
+        <p:nvPicPr>
+          <p:cNvPr id="4" name="Picture 3">
+            <a:extLst>
+              <a:ext uri="{FF2B5EF4-FFF2-40B4-BE49-F238E27FC236}">
+                <a16:creationId xmlns:a16="http://schemas.microsoft.com/office/drawing/2014/main" id="{22E79301-E723-4F40-999C-D0C461D4CCA6}"/>
+              </a:ext>
+            </a:extLst>
+          </p:cNvPr>
+          <p:cNvPicPr>
+            <a:picLocks noChangeAspect="1"/>
+          </p:cNvPicPr>
+          <p:nvPr/>
+        </p:nvPicPr>
+        <p:blipFill>
+          <a:blip r:embed="rId2"/>
+          <a:stretch>
+            <a:fillRect/>
+          </a:stretch>
+        </p:blipFill>
+        <p:spPr>
+          <a:xfrm>
+            <a:off x="1154321" y="1864403"/>
+            <a:ext cx="10067925" cy="3981450"/>
+          </a:xfrm>
+          <a:prstGeom prst="rect">
+            <a:avLst/>
+          </a:prstGeom>
+          <a:ln w="57150">
+            <a:solidFill>
+              <a:srgbClr val="0070C0"/>
+            </a:solidFill>
+          </a:ln>
+        </p:spPr>
+      </p:pic>
+    </p:spTree>
+    <p:extLst>
+      <p:ext uri="{BB962C8B-B14F-4D97-AF65-F5344CB8AC3E}">
+        <p14:creationId xmlns:p14="http://schemas.microsoft.com/office/powerpoint/2010/main" val="3014142961"/>
+      </p:ext>
+    </p:extLst>
+  </p:cSld>
+  <p:clrMapOvr>
+    <a:masterClrMapping/>
+  </p:clrMapOvr>
+</p:sld>
+</file>
+
+<file path=ppt/slides/slide34.xml><?xml version="1.0" encoding="utf-8"?>
+<p:sld xmlns:a="http://schemas.openxmlformats.org/drawingml/2006/main" xmlns:r="http://schemas.openxmlformats.org/officeDocument/2006/relationships" xmlns:p="http://schemas.openxmlformats.org/presentationml/2006/main">
+  <p:cSld>
+    <p:spTree>
+      <p:nvGrpSpPr>
+        <p:cNvPr id="1" name=""/>
+        <p:cNvGrpSpPr/>
+        <p:nvPr/>
+      </p:nvGrpSpPr>
+      <p:grpSpPr>
+        <a:xfrm>
+          <a:off x="0" y="0"/>
+          <a:ext cx="0" cy="0"/>
+          <a:chOff x="0" y="0"/>
+          <a:chExt cx="0" cy="0"/>
+        </a:xfrm>
+      </p:grpSpPr>
+      <p:sp>
+        <p:nvSpPr>
+          <p:cNvPr id="7" name="Title 1">
+            <a:extLst>
+              <a:ext uri="{FF2B5EF4-FFF2-40B4-BE49-F238E27FC236}">
+                <a16:creationId xmlns:a16="http://schemas.microsoft.com/office/drawing/2014/main" id="{58DD303D-6A5A-43C0-946C-E2A29CE022F1}"/>
+              </a:ext>
+            </a:extLst>
+          </p:cNvPr>
+          <p:cNvSpPr txBox="1">
+            <a:spLocks/>
+          </p:cNvSpPr>
+          <p:nvPr/>
+        </p:nvSpPr>
+        <p:spPr>
+          <a:xfrm>
+            <a:off x="1154321" y="375999"/>
+            <a:ext cx="7766936" cy="970133"/>
+          </a:xfrm>
+          <a:prstGeom prst="rect">
+            <a:avLst/>
+          </a:prstGeom>
+        </p:spPr>
+        <p:txBody>
+          <a:bodyPr vert="horz" lIns="91440" tIns="45720" rIns="91440" bIns="45720" rtlCol="0" anchor="b">
+            <a:noAutofit/>
+          </a:bodyPr>
+          <a:lstStyle>
+            <a:lvl1pPr algn="r" defTabSz="457200" rtl="0" eaLnBrk="1" latinLnBrk="0" hangingPunct="1">
+              <a:spcBef>
+                <a:spcPct val="0"/>
+              </a:spcBef>
+              <a:buNone/>
+              <a:defRPr sz="5400" kern="1200">
+                <a:solidFill>
+                  <a:schemeClr val="accent1"/>
+                </a:solidFill>
+                <a:latin typeface="+mj-lt"/>
+                <a:ea typeface="+mj-ea"/>
+                <a:cs typeface="+mj-cs"/>
+              </a:defRPr>
+            </a:lvl1pPr>
+            <a:lvl2pPr eaLnBrk="1" hangingPunct="1">
+              <a:defRPr>
+                <a:solidFill>
+                  <a:schemeClr val="tx2"/>
+                </a:solidFill>
+              </a:defRPr>
+            </a:lvl2pPr>
+            <a:lvl3pPr eaLnBrk="1" hangingPunct="1">
+              <a:defRPr>
+                <a:solidFill>
+                  <a:schemeClr val="tx2"/>
+                </a:solidFill>
+              </a:defRPr>
+            </a:lvl3pPr>
+            <a:lvl4pPr eaLnBrk="1" hangingPunct="1">
+              <a:defRPr>
+                <a:solidFill>
+                  <a:schemeClr val="tx2"/>
+                </a:solidFill>
+              </a:defRPr>
+            </a:lvl4pPr>
+            <a:lvl5pPr eaLnBrk="1" hangingPunct="1">
+              <a:defRPr>
+                <a:solidFill>
+                  <a:schemeClr val="tx2"/>
+                </a:solidFill>
+              </a:defRPr>
+            </a:lvl5pPr>
+            <a:lvl6pPr eaLnBrk="1" hangingPunct="1">
+              <a:defRPr>
+                <a:solidFill>
+                  <a:schemeClr val="tx2"/>
+                </a:solidFill>
+              </a:defRPr>
+            </a:lvl6pPr>
+            <a:lvl7pPr eaLnBrk="1" hangingPunct="1">
+              <a:defRPr>
+                <a:solidFill>
+                  <a:schemeClr val="tx2"/>
+                </a:solidFill>
+              </a:defRPr>
+            </a:lvl7pPr>
+            <a:lvl8pPr eaLnBrk="1" hangingPunct="1">
+              <a:defRPr>
+                <a:solidFill>
+                  <a:schemeClr val="tx2"/>
+                </a:solidFill>
+              </a:defRPr>
+            </a:lvl8pPr>
+            <a:lvl9pPr eaLnBrk="1" hangingPunct="1">
+              <a:defRPr>
+                <a:solidFill>
+                  <a:schemeClr val="tx2"/>
+                </a:solidFill>
+              </a:defRPr>
+            </a:lvl9pPr>
+          </a:lstStyle>
+          <a:p>
+            <a:pPr algn="l"/>
+            <a:r>
+              <a:rPr lang="en-US" sz="4800" b="1" dirty="0">
+                <a:solidFill>
+                  <a:schemeClr val="tx1">
+                    <a:lumMod val="75000"/>
+                    <a:lumOff val="25000"/>
+                  </a:schemeClr>
+                </a:solidFill>
+                <a:latin typeface="Segoe UI" panose="020B0502040204020203" pitchFamily="34" charset="0"/>
+                <a:cs typeface="Segoe UI" panose="020B0502040204020203" pitchFamily="34" charset="0"/>
+              </a:rPr>
+              <a:t>CSS</a:t>
+            </a:r>
+            <a:r>
+              <a:rPr lang="en-US" sz="4800" dirty="0">
+                <a:solidFill>
+                  <a:schemeClr val="tx1">
+                    <a:lumMod val="75000"/>
+                    <a:lumOff val="25000"/>
+                  </a:schemeClr>
+                </a:solidFill>
+                <a:latin typeface="Segoe UI" panose="020B0502040204020203" pitchFamily="34" charset="0"/>
+                <a:cs typeface="Segoe UI" panose="020B0502040204020203" pitchFamily="34" charset="0"/>
+              </a:rPr>
+              <a:t> | </a:t>
+            </a:r>
+            <a:r>
+              <a:rPr lang="en-US" sz="4000" dirty="0">
+                <a:solidFill>
+                  <a:schemeClr val="tx1">
+                    <a:lumMod val="75000"/>
+                    <a:lumOff val="25000"/>
+                  </a:schemeClr>
+                </a:solidFill>
+                <a:latin typeface="Segoe UI" panose="020B0502040204020203" pitchFamily="34" charset="0"/>
+                <a:cs typeface="Segoe UI" panose="020B0502040204020203" pitchFamily="34" charset="0"/>
+              </a:rPr>
+              <a:t>Unit</a:t>
+            </a:r>
+            <a:endParaRPr lang="en-US" sz="4000" b="1" dirty="0">
+              <a:solidFill>
+                <a:schemeClr val="tx1">
+                  <a:lumMod val="75000"/>
+                  <a:lumOff val="25000"/>
+                </a:schemeClr>
+              </a:solidFill>
+              <a:latin typeface="Segoe UI" panose="020B0502040204020203" pitchFamily="34" charset="0"/>
+              <a:cs typeface="Segoe UI" panose="020B0502040204020203" pitchFamily="34" charset="0"/>
+            </a:endParaRPr>
+          </a:p>
+        </p:txBody>
+      </p:sp>
+      <p:sp>
+        <p:nvSpPr>
+          <p:cNvPr id="5" name="Subtitle 2">
+            <a:extLst>
+              <a:ext uri="{FF2B5EF4-FFF2-40B4-BE49-F238E27FC236}">
+                <a16:creationId xmlns:a16="http://schemas.microsoft.com/office/drawing/2014/main" id="{D0ED5C53-0E83-43C5-837B-2B169AC2F0E1}"/>
+              </a:ext>
+            </a:extLst>
+          </p:cNvPr>
+          <p:cNvSpPr>
+            <a:spLocks noGrp="1"/>
+          </p:cNvSpPr>
+          <p:nvPr>
+            <p:ph type="subTitle" idx="1"/>
+          </p:nvPr>
+        </p:nvSpPr>
+        <p:spPr>
+          <a:xfrm>
+            <a:off x="1154320" y="1651248"/>
+            <a:ext cx="9498883" cy="2414725"/>
+          </a:xfrm>
+          <a:ln>
+            <a:noFill/>
+          </a:ln>
+        </p:spPr>
+        <p:txBody>
+          <a:bodyPr>
+            <a:normAutofit/>
+          </a:bodyPr>
+          <a:lstStyle/>
+          <a:p>
+            <a:pPr algn="l"/>
+            <a:r>
+              <a:rPr lang="en-US" dirty="0">
+                <a:solidFill>
+                  <a:schemeClr val="tx1"/>
+                </a:solidFill>
+                <a:latin typeface="Segoe UI" panose="020B0502040204020203" pitchFamily="34" charset="0"/>
+                <a:cs typeface="Segoe UI" panose="020B0502040204020203" pitchFamily="34" charset="0"/>
+              </a:rPr>
+              <a:t>CSS has several different units for expressing a length.</a:t>
+            </a:r>
+          </a:p>
+          <a:p>
+            <a:pPr algn="l"/>
+            <a:endParaRPr lang="en-US" dirty="0">
+              <a:solidFill>
+                <a:schemeClr val="tx1"/>
+              </a:solidFill>
+              <a:latin typeface="Segoe UI" panose="020B0502040204020203" pitchFamily="34" charset="0"/>
+              <a:cs typeface="Segoe UI" panose="020B0502040204020203" pitchFamily="34" charset="0"/>
+            </a:endParaRPr>
+          </a:p>
+          <a:p>
+            <a:pPr algn="l"/>
+            <a:r>
+              <a:rPr lang="en-US" dirty="0">
+                <a:solidFill>
+                  <a:schemeClr val="tx1"/>
+                </a:solidFill>
+                <a:latin typeface="Segoe UI" panose="020B0502040204020203" pitchFamily="34" charset="0"/>
+                <a:cs typeface="Segoe UI" panose="020B0502040204020203" pitchFamily="34" charset="0"/>
+              </a:rPr>
+              <a:t>Many CSS properties take "length" values, such as width, margin, padding, font-size, etc.</a:t>
+            </a:r>
+          </a:p>
+          <a:p>
+            <a:pPr algn="l"/>
+            <a:endParaRPr lang="en-US" dirty="0">
+              <a:solidFill>
+                <a:schemeClr val="tx1"/>
+              </a:solidFill>
+              <a:latin typeface="Segoe UI" panose="020B0502040204020203" pitchFamily="34" charset="0"/>
+              <a:cs typeface="Segoe UI" panose="020B0502040204020203" pitchFamily="34" charset="0"/>
+            </a:endParaRPr>
+          </a:p>
+          <a:p>
+            <a:pPr algn="l"/>
+            <a:r>
+              <a:rPr lang="en-US" dirty="0">
+                <a:solidFill>
+                  <a:schemeClr val="tx1"/>
+                </a:solidFill>
+                <a:latin typeface="Segoe UI" panose="020B0502040204020203" pitchFamily="34" charset="0"/>
+                <a:cs typeface="Segoe UI" panose="020B0502040204020203" pitchFamily="34" charset="0"/>
+              </a:rPr>
+              <a:t>Length is a number followed by a length unit, such as 10px, 2em, etc.</a:t>
+            </a:r>
+          </a:p>
+        </p:txBody>
+      </p:sp>
+      <p:pic>
+        <p:nvPicPr>
+          <p:cNvPr id="3" name="Picture 2">
+            <a:extLst>
+              <a:ext uri="{FF2B5EF4-FFF2-40B4-BE49-F238E27FC236}">
+                <a16:creationId xmlns:a16="http://schemas.microsoft.com/office/drawing/2014/main" id="{9F1F2880-DA4D-4002-A9D3-3A23BF69BCF1}"/>
+              </a:ext>
+            </a:extLst>
+          </p:cNvPr>
+          <p:cNvPicPr>
+            <a:picLocks noChangeAspect="1"/>
+          </p:cNvPicPr>
+          <p:nvPr/>
+        </p:nvPicPr>
+        <p:blipFill>
+          <a:blip r:embed="rId2"/>
+          <a:stretch>
+            <a:fillRect/>
+          </a:stretch>
+        </p:blipFill>
+        <p:spPr>
+          <a:xfrm>
+            <a:off x="1154320" y="3946125"/>
+            <a:ext cx="2657475" cy="2286000"/>
+          </a:xfrm>
+          <a:prstGeom prst="rect">
+            <a:avLst/>
+          </a:prstGeom>
+          <a:ln w="57150">
+            <a:solidFill>
+              <a:srgbClr val="0070C0"/>
+            </a:solidFill>
+          </a:ln>
+        </p:spPr>
+      </p:pic>
+      <p:sp>
+        <p:nvSpPr>
+          <p:cNvPr id="9" name="TextBox 8">
+            <a:extLst>
+              <a:ext uri="{FF2B5EF4-FFF2-40B4-BE49-F238E27FC236}">
+                <a16:creationId xmlns:a16="http://schemas.microsoft.com/office/drawing/2014/main" id="{F0EBA322-C34D-44F8-8F78-450659DE6003}"/>
+              </a:ext>
+            </a:extLst>
+          </p:cNvPr>
+          <p:cNvSpPr txBox="1"/>
+          <p:nvPr/>
+        </p:nvSpPr>
+        <p:spPr>
+          <a:xfrm>
+            <a:off x="4398885" y="6297335"/>
+            <a:ext cx="6098958" cy="369332"/>
+          </a:xfrm>
+          <a:prstGeom prst="rect">
+            <a:avLst/>
+          </a:prstGeom>
+          <a:noFill/>
+        </p:spPr>
+        <p:txBody>
+          <a:bodyPr wrap="square">
+            <a:spAutoFit/>
+          </a:bodyPr>
+          <a:lstStyle/>
+          <a:p>
+            <a:r>
+              <a:rPr lang="en-US" dirty="0">
+                <a:latin typeface="Segoe UI" panose="020B0502040204020203" pitchFamily="34" charset="0"/>
+                <a:cs typeface="Segoe UI" panose="020B0502040204020203" pitchFamily="34" charset="0"/>
+              </a:rPr>
+              <a:t>https://www.w3schools.com/css/css_units.asp</a:t>
+            </a:r>
+          </a:p>
+        </p:txBody>
+      </p:sp>
+    </p:spTree>
+    <p:extLst>
+      <p:ext uri="{BB962C8B-B14F-4D97-AF65-F5344CB8AC3E}">
+        <p14:creationId xmlns:p14="http://schemas.microsoft.com/office/powerpoint/2010/main" val="891178699"/>
+      </p:ext>
+    </p:extLst>
+  </p:cSld>
+  <p:clrMapOvr>
+    <a:masterClrMapping/>
+  </p:clrMapOvr>
+</p:sld>
+</file>
+
+<file path=ppt/slides/slide35.xml><?xml version="1.0" encoding="utf-8"?>
+<p:sld xmlns:a="http://schemas.openxmlformats.org/drawingml/2006/main" xmlns:r="http://schemas.openxmlformats.org/officeDocument/2006/relationships" xmlns:p="http://schemas.openxmlformats.org/presentationml/2006/main">
+  <p:cSld>
+    <p:spTree>
+      <p:nvGrpSpPr>
+        <p:cNvPr id="1" name=""/>
+        <p:cNvGrpSpPr/>
+        <p:nvPr/>
+      </p:nvGrpSpPr>
+      <p:grpSpPr>
+        <a:xfrm>
+          <a:off x="0" y="0"/>
+          <a:ext cx="0" cy="0"/>
+          <a:chOff x="0" y="0"/>
+          <a:chExt cx="0" cy="0"/>
+        </a:xfrm>
+      </p:grpSpPr>
+      <p:sp>
+        <p:nvSpPr>
+          <p:cNvPr id="7" name="Title 1">
+            <a:extLst>
+              <a:ext uri="{FF2B5EF4-FFF2-40B4-BE49-F238E27FC236}">
+                <a16:creationId xmlns:a16="http://schemas.microsoft.com/office/drawing/2014/main" id="{58DD303D-6A5A-43C0-946C-E2A29CE022F1}"/>
+              </a:ext>
+            </a:extLst>
+          </p:cNvPr>
+          <p:cNvSpPr txBox="1">
+            <a:spLocks/>
+          </p:cNvSpPr>
+          <p:nvPr/>
+        </p:nvSpPr>
+        <p:spPr>
+          <a:xfrm>
+            <a:off x="1154321" y="375999"/>
+            <a:ext cx="7766936" cy="970133"/>
+          </a:xfrm>
+          <a:prstGeom prst="rect">
+            <a:avLst/>
+          </a:prstGeom>
+        </p:spPr>
+        <p:txBody>
+          <a:bodyPr vert="horz" lIns="91440" tIns="45720" rIns="91440" bIns="45720" rtlCol="0" anchor="b">
+            <a:noAutofit/>
+          </a:bodyPr>
+          <a:lstStyle>
+            <a:lvl1pPr algn="r" defTabSz="457200" rtl="0" eaLnBrk="1" latinLnBrk="0" hangingPunct="1">
+              <a:spcBef>
+                <a:spcPct val="0"/>
+              </a:spcBef>
+              <a:buNone/>
+              <a:defRPr sz="5400" kern="1200">
+                <a:solidFill>
+                  <a:schemeClr val="accent1"/>
+                </a:solidFill>
+                <a:latin typeface="+mj-lt"/>
+                <a:ea typeface="+mj-ea"/>
+                <a:cs typeface="+mj-cs"/>
+              </a:defRPr>
+            </a:lvl1pPr>
+            <a:lvl2pPr eaLnBrk="1" hangingPunct="1">
+              <a:defRPr>
+                <a:solidFill>
+                  <a:schemeClr val="tx2"/>
+                </a:solidFill>
+              </a:defRPr>
+            </a:lvl2pPr>
+            <a:lvl3pPr eaLnBrk="1" hangingPunct="1">
+              <a:defRPr>
+                <a:solidFill>
+                  <a:schemeClr val="tx2"/>
+                </a:solidFill>
+              </a:defRPr>
+            </a:lvl3pPr>
+            <a:lvl4pPr eaLnBrk="1" hangingPunct="1">
+              <a:defRPr>
+                <a:solidFill>
+                  <a:schemeClr val="tx2"/>
+                </a:solidFill>
+              </a:defRPr>
+            </a:lvl4pPr>
+            <a:lvl5pPr eaLnBrk="1" hangingPunct="1">
+              <a:defRPr>
+                <a:solidFill>
+                  <a:schemeClr val="tx2"/>
+                </a:solidFill>
+              </a:defRPr>
+            </a:lvl5pPr>
+            <a:lvl6pPr eaLnBrk="1" hangingPunct="1">
+              <a:defRPr>
+                <a:solidFill>
+                  <a:schemeClr val="tx2"/>
+                </a:solidFill>
+              </a:defRPr>
+            </a:lvl6pPr>
+            <a:lvl7pPr eaLnBrk="1" hangingPunct="1">
+              <a:defRPr>
+                <a:solidFill>
+                  <a:schemeClr val="tx2"/>
+                </a:solidFill>
+              </a:defRPr>
+            </a:lvl7pPr>
+            <a:lvl8pPr eaLnBrk="1" hangingPunct="1">
+              <a:defRPr>
+                <a:solidFill>
+                  <a:schemeClr val="tx2"/>
+                </a:solidFill>
+              </a:defRPr>
+            </a:lvl8pPr>
+            <a:lvl9pPr eaLnBrk="1" hangingPunct="1">
+              <a:defRPr>
+                <a:solidFill>
+                  <a:schemeClr val="tx2"/>
+                </a:solidFill>
+              </a:defRPr>
+            </a:lvl9pPr>
+          </a:lstStyle>
+          <a:p>
+            <a:pPr algn="l"/>
+            <a:r>
+              <a:rPr lang="en-US" sz="4800" b="1" dirty="0">
+                <a:solidFill>
+                  <a:schemeClr val="tx1">
+                    <a:lumMod val="75000"/>
+                    <a:lumOff val="25000"/>
+                  </a:schemeClr>
+                </a:solidFill>
+                <a:latin typeface="Segoe UI" panose="020B0502040204020203" pitchFamily="34" charset="0"/>
+                <a:cs typeface="Segoe UI" panose="020B0502040204020203" pitchFamily="34" charset="0"/>
+              </a:rPr>
+              <a:t>CSS</a:t>
+            </a:r>
+            <a:r>
+              <a:rPr lang="en-US" sz="4800" dirty="0">
+                <a:solidFill>
+                  <a:schemeClr val="tx1">
+                    <a:lumMod val="75000"/>
+                    <a:lumOff val="25000"/>
+                  </a:schemeClr>
+                </a:solidFill>
+                <a:latin typeface="Segoe UI" panose="020B0502040204020203" pitchFamily="34" charset="0"/>
+                <a:cs typeface="Segoe UI" panose="020B0502040204020203" pitchFamily="34" charset="0"/>
+              </a:rPr>
+              <a:t> | </a:t>
+            </a:r>
+            <a:r>
+              <a:rPr lang="en-US" sz="4000" dirty="0">
+                <a:solidFill>
+                  <a:schemeClr val="tx1">
+                    <a:lumMod val="75000"/>
+                    <a:lumOff val="25000"/>
+                  </a:schemeClr>
+                </a:solidFill>
+                <a:latin typeface="Segoe UI" panose="020B0502040204020203" pitchFamily="34" charset="0"/>
+                <a:cs typeface="Segoe UI" panose="020B0502040204020203" pitchFamily="34" charset="0"/>
+              </a:rPr>
+              <a:t>Absolute lengths</a:t>
+            </a:r>
+            <a:endParaRPr lang="en-US" sz="4000" b="1" dirty="0">
+              <a:solidFill>
+                <a:schemeClr val="tx1">
+                  <a:lumMod val="75000"/>
+                  <a:lumOff val="25000"/>
+                </a:schemeClr>
+              </a:solidFill>
+              <a:latin typeface="Segoe UI" panose="020B0502040204020203" pitchFamily="34" charset="0"/>
+              <a:cs typeface="Segoe UI" panose="020B0502040204020203" pitchFamily="34" charset="0"/>
+            </a:endParaRPr>
+          </a:p>
+        </p:txBody>
+      </p:sp>
+      <p:sp>
+        <p:nvSpPr>
+          <p:cNvPr id="5" name="Subtitle 2">
+            <a:extLst>
+              <a:ext uri="{FF2B5EF4-FFF2-40B4-BE49-F238E27FC236}">
+                <a16:creationId xmlns:a16="http://schemas.microsoft.com/office/drawing/2014/main" id="{D0ED5C53-0E83-43C5-837B-2B169AC2F0E1}"/>
+              </a:ext>
+            </a:extLst>
+          </p:cNvPr>
+          <p:cNvSpPr>
+            <a:spLocks noGrp="1"/>
+          </p:cNvSpPr>
+          <p:nvPr>
+            <p:ph type="subTitle" idx="1"/>
+          </p:nvPr>
+        </p:nvSpPr>
+        <p:spPr>
+          <a:xfrm>
+            <a:off x="1154322" y="1464817"/>
+            <a:ext cx="5068926" cy="3142694"/>
+          </a:xfrm>
+          <a:ln>
+            <a:noFill/>
+          </a:ln>
+        </p:spPr>
+        <p:txBody>
+          <a:bodyPr>
+            <a:normAutofit/>
+          </a:bodyPr>
+          <a:lstStyle/>
+          <a:p>
+            <a:pPr algn="l"/>
+            <a:r>
+              <a:rPr lang="en-US" dirty="0">
+                <a:solidFill>
+                  <a:schemeClr val="tx1"/>
+                </a:solidFill>
+                <a:latin typeface="Segoe UI" panose="020B0502040204020203" pitchFamily="34" charset="0"/>
+                <a:cs typeface="Segoe UI" panose="020B0502040204020203" pitchFamily="34" charset="0"/>
+              </a:rPr>
+              <a:t>The absolute length units are fixed and a length expressed in any of these will appear as exactly that size.</a:t>
+            </a:r>
+          </a:p>
+          <a:p>
+            <a:pPr algn="l"/>
+            <a:endParaRPr lang="en-US" dirty="0">
+              <a:solidFill>
+                <a:schemeClr val="tx1"/>
+              </a:solidFill>
+              <a:latin typeface="Segoe UI" panose="020B0502040204020203" pitchFamily="34" charset="0"/>
+              <a:cs typeface="Segoe UI" panose="020B0502040204020203" pitchFamily="34" charset="0"/>
+            </a:endParaRPr>
+          </a:p>
+          <a:p>
+            <a:pPr algn="l"/>
+            <a:r>
+              <a:rPr lang="en-US" dirty="0">
+                <a:solidFill>
+                  <a:schemeClr val="tx1"/>
+                </a:solidFill>
+                <a:latin typeface="Segoe UI" panose="020B0502040204020203" pitchFamily="34" charset="0"/>
+                <a:cs typeface="Segoe UI" panose="020B0502040204020203" pitchFamily="34" charset="0"/>
+              </a:rPr>
+              <a:t>Absolute length units are not recommended for use on screen, because screen sizes vary so much. However, they can be used if the output medium is known, such as for print layout.</a:t>
+            </a:r>
+          </a:p>
+        </p:txBody>
+      </p:sp>
+      <p:pic>
+        <p:nvPicPr>
+          <p:cNvPr id="4" name="Picture 3">
+            <a:extLst>
+              <a:ext uri="{FF2B5EF4-FFF2-40B4-BE49-F238E27FC236}">
+                <a16:creationId xmlns:a16="http://schemas.microsoft.com/office/drawing/2014/main" id="{A775F302-5357-4594-B8DA-39DAC70ECA6C}"/>
+              </a:ext>
+            </a:extLst>
+          </p:cNvPr>
+          <p:cNvPicPr>
+            <a:picLocks noChangeAspect="1"/>
+          </p:cNvPicPr>
+          <p:nvPr/>
+        </p:nvPicPr>
+        <p:blipFill>
+          <a:blip r:embed="rId2"/>
+          <a:stretch>
+            <a:fillRect/>
+          </a:stretch>
+        </p:blipFill>
+        <p:spPr>
+          <a:xfrm>
+            <a:off x="6956563" y="2509884"/>
+            <a:ext cx="4391025" cy="3629025"/>
+          </a:xfrm>
+          <a:prstGeom prst="rect">
+            <a:avLst/>
+          </a:prstGeom>
+          <a:ln w="57150">
+            <a:solidFill>
+              <a:srgbClr val="0070C0"/>
+            </a:solidFill>
+          </a:ln>
+        </p:spPr>
+      </p:pic>
+    </p:spTree>
+    <p:extLst>
+      <p:ext uri="{BB962C8B-B14F-4D97-AF65-F5344CB8AC3E}">
+        <p14:creationId xmlns:p14="http://schemas.microsoft.com/office/powerpoint/2010/main" val="2107374234"/>
+      </p:ext>
+    </p:extLst>
+  </p:cSld>
+  <p:clrMapOvr>
+    <a:masterClrMapping/>
+  </p:clrMapOvr>
+</p:sld>
+</file>
+
+<file path=ppt/slides/slide36.xml><?xml version="1.0" encoding="utf-8"?>
+<p:sld xmlns:a="http://schemas.openxmlformats.org/drawingml/2006/main" xmlns:r="http://schemas.openxmlformats.org/officeDocument/2006/relationships" xmlns:p="http://schemas.openxmlformats.org/presentationml/2006/main">
+  <p:cSld>
+    <p:spTree>
+      <p:nvGrpSpPr>
+        <p:cNvPr id="1" name=""/>
+        <p:cNvGrpSpPr/>
+        <p:nvPr/>
+      </p:nvGrpSpPr>
+      <p:grpSpPr>
+        <a:xfrm>
+          <a:off x="0" y="0"/>
+          <a:ext cx="0" cy="0"/>
+          <a:chOff x="0" y="0"/>
+          <a:chExt cx="0" cy="0"/>
+        </a:xfrm>
+      </p:grpSpPr>
+      <p:sp>
+        <p:nvSpPr>
+          <p:cNvPr id="7" name="Title 1">
+            <a:extLst>
+              <a:ext uri="{FF2B5EF4-FFF2-40B4-BE49-F238E27FC236}">
+                <a16:creationId xmlns:a16="http://schemas.microsoft.com/office/drawing/2014/main" id="{58DD303D-6A5A-43C0-946C-E2A29CE022F1}"/>
+              </a:ext>
+            </a:extLst>
+          </p:cNvPr>
+          <p:cNvSpPr txBox="1">
+            <a:spLocks/>
+          </p:cNvSpPr>
+          <p:nvPr/>
+        </p:nvSpPr>
+        <p:spPr>
+          <a:xfrm>
+            <a:off x="1154321" y="375999"/>
+            <a:ext cx="7766936" cy="970133"/>
+          </a:xfrm>
+          <a:prstGeom prst="rect">
+            <a:avLst/>
+          </a:prstGeom>
+        </p:spPr>
+        <p:txBody>
+          <a:bodyPr vert="horz" lIns="91440" tIns="45720" rIns="91440" bIns="45720" rtlCol="0" anchor="b">
+            <a:noAutofit/>
+          </a:bodyPr>
+          <a:lstStyle>
+            <a:lvl1pPr algn="r" defTabSz="457200" rtl="0" eaLnBrk="1" latinLnBrk="0" hangingPunct="1">
+              <a:spcBef>
+                <a:spcPct val="0"/>
+              </a:spcBef>
+              <a:buNone/>
+              <a:defRPr sz="5400" kern="1200">
+                <a:solidFill>
+                  <a:schemeClr val="accent1"/>
+                </a:solidFill>
+                <a:latin typeface="+mj-lt"/>
+                <a:ea typeface="+mj-ea"/>
+                <a:cs typeface="+mj-cs"/>
+              </a:defRPr>
+            </a:lvl1pPr>
+            <a:lvl2pPr eaLnBrk="1" hangingPunct="1">
+              <a:defRPr>
+                <a:solidFill>
+                  <a:schemeClr val="tx2"/>
+                </a:solidFill>
+              </a:defRPr>
+            </a:lvl2pPr>
+            <a:lvl3pPr eaLnBrk="1" hangingPunct="1">
+              <a:defRPr>
+                <a:solidFill>
+                  <a:schemeClr val="tx2"/>
+                </a:solidFill>
+              </a:defRPr>
+            </a:lvl3pPr>
+            <a:lvl4pPr eaLnBrk="1" hangingPunct="1">
+              <a:defRPr>
+                <a:solidFill>
+                  <a:schemeClr val="tx2"/>
+                </a:solidFill>
+              </a:defRPr>
+            </a:lvl4pPr>
+            <a:lvl5pPr eaLnBrk="1" hangingPunct="1">
+              <a:defRPr>
+                <a:solidFill>
+                  <a:schemeClr val="tx2"/>
+                </a:solidFill>
+              </a:defRPr>
+            </a:lvl5pPr>
+            <a:lvl6pPr eaLnBrk="1" hangingPunct="1">
+              <a:defRPr>
+                <a:solidFill>
+                  <a:schemeClr val="tx2"/>
+                </a:solidFill>
+              </a:defRPr>
+            </a:lvl6pPr>
+            <a:lvl7pPr eaLnBrk="1" hangingPunct="1">
+              <a:defRPr>
+                <a:solidFill>
+                  <a:schemeClr val="tx2"/>
+                </a:solidFill>
+              </a:defRPr>
+            </a:lvl7pPr>
+            <a:lvl8pPr eaLnBrk="1" hangingPunct="1">
+              <a:defRPr>
+                <a:solidFill>
+                  <a:schemeClr val="tx2"/>
+                </a:solidFill>
+              </a:defRPr>
+            </a:lvl8pPr>
+            <a:lvl9pPr eaLnBrk="1" hangingPunct="1">
+              <a:defRPr>
+                <a:solidFill>
+                  <a:schemeClr val="tx2"/>
+                </a:solidFill>
+              </a:defRPr>
+            </a:lvl9pPr>
+          </a:lstStyle>
+          <a:p>
+            <a:pPr algn="l"/>
+            <a:r>
+              <a:rPr lang="en-US" sz="4800" b="1" dirty="0">
+                <a:solidFill>
+                  <a:schemeClr val="tx1">
+                    <a:lumMod val="75000"/>
+                    <a:lumOff val="25000"/>
+                  </a:schemeClr>
+                </a:solidFill>
+                <a:latin typeface="Segoe UI" panose="020B0502040204020203" pitchFamily="34" charset="0"/>
+                <a:cs typeface="Segoe UI" panose="020B0502040204020203" pitchFamily="34" charset="0"/>
+              </a:rPr>
+              <a:t>CSS</a:t>
+            </a:r>
+            <a:r>
+              <a:rPr lang="en-US" sz="4800" dirty="0">
+                <a:solidFill>
+                  <a:schemeClr val="tx1">
+                    <a:lumMod val="75000"/>
+                    <a:lumOff val="25000"/>
+                  </a:schemeClr>
+                </a:solidFill>
+                <a:latin typeface="Segoe UI" panose="020B0502040204020203" pitchFamily="34" charset="0"/>
+                <a:cs typeface="Segoe UI" panose="020B0502040204020203" pitchFamily="34" charset="0"/>
+              </a:rPr>
+              <a:t> | </a:t>
+            </a:r>
+            <a:r>
+              <a:rPr lang="en-US" sz="4000" dirty="0">
+                <a:solidFill>
+                  <a:schemeClr val="tx1">
+                    <a:lumMod val="75000"/>
+                    <a:lumOff val="25000"/>
+                  </a:schemeClr>
+                </a:solidFill>
+                <a:latin typeface="Segoe UI" panose="020B0502040204020203" pitchFamily="34" charset="0"/>
+                <a:cs typeface="Segoe UI" panose="020B0502040204020203" pitchFamily="34" charset="0"/>
+              </a:rPr>
+              <a:t>Relatives lengths</a:t>
+            </a:r>
+            <a:endParaRPr lang="en-US" sz="4000" b="1" dirty="0">
+              <a:solidFill>
+                <a:schemeClr val="tx1">
+                  <a:lumMod val="75000"/>
+                  <a:lumOff val="25000"/>
+                </a:schemeClr>
+              </a:solidFill>
+              <a:latin typeface="Segoe UI" panose="020B0502040204020203" pitchFamily="34" charset="0"/>
+              <a:cs typeface="Segoe UI" panose="020B0502040204020203" pitchFamily="34" charset="0"/>
+            </a:endParaRPr>
+          </a:p>
+        </p:txBody>
+      </p:sp>
+      <p:sp>
+        <p:nvSpPr>
+          <p:cNvPr id="5" name="Subtitle 2">
+            <a:extLst>
+              <a:ext uri="{FF2B5EF4-FFF2-40B4-BE49-F238E27FC236}">
+                <a16:creationId xmlns:a16="http://schemas.microsoft.com/office/drawing/2014/main" id="{D0ED5C53-0E83-43C5-837B-2B169AC2F0E1}"/>
+              </a:ext>
+            </a:extLst>
+          </p:cNvPr>
+          <p:cNvSpPr>
+            <a:spLocks noGrp="1"/>
+          </p:cNvSpPr>
+          <p:nvPr>
+            <p:ph type="subTitle" idx="1"/>
+          </p:nvPr>
+        </p:nvSpPr>
+        <p:spPr>
+          <a:xfrm>
+            <a:off x="1154321" y="1464817"/>
+            <a:ext cx="9907255" cy="1198484"/>
+          </a:xfrm>
+          <a:ln>
+            <a:noFill/>
+          </a:ln>
+        </p:spPr>
+        <p:txBody>
+          <a:bodyPr>
+            <a:normAutofit/>
+          </a:bodyPr>
+          <a:lstStyle/>
+          <a:p>
+            <a:pPr algn="l"/>
+            <a:r>
+              <a:rPr lang="en-US" dirty="0">
+                <a:solidFill>
+                  <a:schemeClr val="tx1"/>
+                </a:solidFill>
+                <a:latin typeface="Segoe UI" panose="020B0502040204020203" pitchFamily="34" charset="0"/>
+                <a:cs typeface="Segoe UI" panose="020B0502040204020203" pitchFamily="34" charset="0"/>
+              </a:rPr>
+              <a:t>Relative length units specify a length relative to another length property. Relative length units scales better between different rendering mediums.</a:t>
+            </a:r>
+          </a:p>
+        </p:txBody>
+      </p:sp>
+      <p:pic>
+        <p:nvPicPr>
+          <p:cNvPr id="3" name="Picture 2">
+            <a:extLst>
+              <a:ext uri="{FF2B5EF4-FFF2-40B4-BE49-F238E27FC236}">
+                <a16:creationId xmlns:a16="http://schemas.microsoft.com/office/drawing/2014/main" id="{C4686397-59C9-4604-9CA4-58BD2E28F32D}"/>
+              </a:ext>
+            </a:extLst>
+          </p:cNvPr>
+          <p:cNvPicPr>
+            <a:picLocks noChangeAspect="1"/>
+          </p:cNvPicPr>
+          <p:nvPr/>
+        </p:nvPicPr>
+        <p:blipFill>
+          <a:blip r:embed="rId2"/>
+          <a:stretch>
+            <a:fillRect/>
+          </a:stretch>
+        </p:blipFill>
+        <p:spPr>
+          <a:xfrm>
+            <a:off x="4146096" y="2460878"/>
+            <a:ext cx="7566549" cy="4021123"/>
+          </a:xfrm>
+          <a:prstGeom prst="rect">
+            <a:avLst/>
+          </a:prstGeom>
+          <a:ln w="57150">
+            <a:solidFill>
+              <a:srgbClr val="0070C0"/>
+            </a:solidFill>
+          </a:ln>
+        </p:spPr>
+      </p:pic>
+      <p:sp>
+        <p:nvSpPr>
+          <p:cNvPr id="8" name="TextBox 7">
+            <a:extLst>
+              <a:ext uri="{FF2B5EF4-FFF2-40B4-BE49-F238E27FC236}">
+                <a16:creationId xmlns:a16="http://schemas.microsoft.com/office/drawing/2014/main" id="{4C814098-E84D-4F31-A0AA-956594D48852}"/>
+              </a:ext>
+            </a:extLst>
+          </p:cNvPr>
+          <p:cNvSpPr txBox="1"/>
+          <p:nvPr/>
+        </p:nvSpPr>
+        <p:spPr>
+          <a:xfrm>
+            <a:off x="479355" y="3924733"/>
+            <a:ext cx="3138256" cy="1477328"/>
+          </a:xfrm>
+          <a:prstGeom prst="rect">
+            <a:avLst/>
+          </a:prstGeom>
+          <a:noFill/>
+          <a:ln w="57150">
+            <a:solidFill>
+              <a:srgbClr val="0070C0"/>
+            </a:solidFill>
+          </a:ln>
+        </p:spPr>
+        <p:txBody>
+          <a:bodyPr wrap="square">
+            <a:spAutoFit/>
+          </a:bodyPr>
+          <a:lstStyle/>
+          <a:p>
+            <a:r>
+              <a:rPr lang="en-US" dirty="0"/>
+              <a:t>CSS Viewport is defined as the visible area on a window screen which refers to the displays of the mobile devices. </a:t>
+            </a:r>
+          </a:p>
+        </p:txBody>
+      </p:sp>
+    </p:spTree>
+    <p:extLst>
+      <p:ext uri="{BB962C8B-B14F-4D97-AF65-F5344CB8AC3E}">
+        <p14:creationId xmlns:p14="http://schemas.microsoft.com/office/powerpoint/2010/main" val="2248063033"/>
+      </p:ext>
+    </p:extLst>
+  </p:cSld>
+  <p:clrMapOvr>
+    <a:masterClrMapping/>
+  </p:clrMapOvr>
+</p:sld>
+</file>
+
+<file path=ppt/slides/slide37.xml><?xml version="1.0" encoding="utf-8"?>
+<p:sld xmlns:a="http://schemas.openxmlformats.org/drawingml/2006/main" xmlns:r="http://schemas.openxmlformats.org/officeDocument/2006/relationships" xmlns:p="http://schemas.openxmlformats.org/presentationml/2006/main">
+  <p:cSld>
+    <p:spTree>
+      <p:nvGrpSpPr>
+        <p:cNvPr id="1" name=""/>
+        <p:cNvGrpSpPr/>
+        <p:nvPr/>
+      </p:nvGrpSpPr>
+      <p:grpSpPr>
+        <a:xfrm>
+          <a:off x="0" y="0"/>
+          <a:ext cx="0" cy="0"/>
+          <a:chOff x="0" y="0"/>
+          <a:chExt cx="0" cy="0"/>
+        </a:xfrm>
+      </p:grpSpPr>
+      <p:sp>
+        <p:nvSpPr>
+          <p:cNvPr id="2" name="Title 1">
+            <a:extLst>
+              <a:ext uri="{FF2B5EF4-FFF2-40B4-BE49-F238E27FC236}">
+                <a16:creationId xmlns:a16="http://schemas.microsoft.com/office/drawing/2014/main" id="{2D4E4121-CDC8-41BA-846E-58655BA90FCF}"/>
+              </a:ext>
+            </a:extLst>
+          </p:cNvPr>
+          <p:cNvSpPr>
+            <a:spLocks noGrp="1"/>
+          </p:cNvSpPr>
+          <p:nvPr>
+            <p:ph type="ctrTitle"/>
+          </p:nvPr>
+        </p:nvSpPr>
+        <p:spPr>
+          <a:xfrm>
+            <a:off x="1507067" y="345351"/>
+            <a:ext cx="7766936" cy="970133"/>
+          </a:xfrm>
+        </p:spPr>
+        <p:txBody>
+          <a:bodyPr/>
+          <a:lstStyle/>
+          <a:p>
+            <a:pPr algn="l"/>
+            <a:r>
+              <a:rPr lang="en-US" sz="4000" b="1" dirty="0"/>
+              <a:t>FLEX</a:t>
+            </a:r>
+            <a:r>
+              <a:rPr lang="en-US" sz="4000" b="1" dirty="0">
+                <a:effectLst/>
+              </a:rPr>
+              <a:t>BOX</a:t>
+            </a:r>
+            <a:endParaRPr lang="en-US" sz="1200" b="1" dirty="0">
+              <a:effectLst/>
+            </a:endParaRPr>
+          </a:p>
+        </p:txBody>
+      </p:sp>
+      <p:sp>
+        <p:nvSpPr>
+          <p:cNvPr id="3" name="Subtitle 2">
+            <a:extLst>
+              <a:ext uri="{FF2B5EF4-FFF2-40B4-BE49-F238E27FC236}">
+                <a16:creationId xmlns:a16="http://schemas.microsoft.com/office/drawing/2014/main" id="{A584C4F9-6E08-478B-9CFF-E6852DBE2EC0}"/>
+              </a:ext>
+            </a:extLst>
+          </p:cNvPr>
+          <p:cNvSpPr>
+            <a:spLocks noGrp="1"/>
+          </p:cNvSpPr>
+          <p:nvPr>
+            <p:ph type="subTitle" idx="1"/>
+          </p:nvPr>
+        </p:nvSpPr>
+        <p:spPr>
+          <a:xfrm>
+            <a:off x="1393793" y="1882067"/>
+            <a:ext cx="7880210" cy="3986073"/>
+          </a:xfrm>
+          <a:ln>
+            <a:noFill/>
+          </a:ln>
+        </p:spPr>
+        <p:txBody>
+          <a:bodyPr>
+            <a:normAutofit/>
+          </a:bodyPr>
+          <a:lstStyle/>
+          <a:p>
+            <a:pPr algn="l"/>
+            <a:r>
+              <a:rPr lang="en-US" dirty="0">
+                <a:solidFill>
+                  <a:schemeClr val="tx1"/>
+                </a:solidFill>
+              </a:rPr>
+              <a:t>https://css-tricks.com/snippets/css/a-guide-to-flexbox/</a:t>
+            </a:r>
+          </a:p>
+        </p:txBody>
+      </p:sp>
+    </p:spTree>
+    <p:extLst>
+      <p:ext uri="{BB962C8B-B14F-4D97-AF65-F5344CB8AC3E}">
+        <p14:creationId xmlns:p14="http://schemas.microsoft.com/office/powerpoint/2010/main" val="539132038"/>
+      </p:ext>
+    </p:extLst>
+  </p:cSld>
+  <p:clrMapOvr>
+    <a:masterClrMapping/>
+  </p:clrMapOvr>
+</p:sld>
+</file>
+
+<file path=ppt/slides/slide38.xml><?xml version="1.0" encoding="utf-8"?>
+<p:sld xmlns:a="http://schemas.openxmlformats.org/drawingml/2006/main" xmlns:r="http://schemas.openxmlformats.org/officeDocument/2006/relationships" xmlns:p="http://schemas.openxmlformats.org/presentationml/2006/main">
+  <p:cSld>
+    <p:spTree>
+      <p:nvGrpSpPr>
+        <p:cNvPr id="1" name=""/>
+        <p:cNvGrpSpPr/>
+        <p:nvPr/>
+      </p:nvGrpSpPr>
+      <p:grpSpPr>
+        <a:xfrm>
+          <a:off x="0" y="0"/>
+          <a:ext cx="0" cy="0"/>
+          <a:chOff x="0" y="0"/>
+          <a:chExt cx="0" cy="0"/>
+        </a:xfrm>
+      </p:grpSpPr>
+      <p:sp>
+        <p:nvSpPr>
+          <p:cNvPr id="2" name="Title 1">
+            <a:extLst>
+              <a:ext uri="{FF2B5EF4-FFF2-40B4-BE49-F238E27FC236}">
+                <a16:creationId xmlns:a16="http://schemas.microsoft.com/office/drawing/2014/main" id="{2D4E4121-CDC8-41BA-846E-58655BA90FCF}"/>
+              </a:ext>
+            </a:extLst>
+          </p:cNvPr>
+          <p:cNvSpPr>
+            <a:spLocks noGrp="1"/>
+          </p:cNvSpPr>
+          <p:nvPr>
+            <p:ph type="ctrTitle"/>
+          </p:nvPr>
+        </p:nvSpPr>
+        <p:spPr>
+          <a:xfrm>
+            <a:off x="1507067" y="345351"/>
+            <a:ext cx="7766936" cy="970133"/>
+          </a:xfrm>
+        </p:spPr>
+        <p:txBody>
+          <a:bodyPr/>
+          <a:lstStyle/>
+          <a:p>
+            <a:pPr algn="l"/>
+            <a:r>
+              <a:rPr lang="en-US" sz="4000" b="1" dirty="0" err="1"/>
+              <a:t>Esercizio</a:t>
+            </a:r>
+            <a:endParaRPr lang="en-US" sz="1200" b="1" dirty="0">
+              <a:effectLst/>
+            </a:endParaRPr>
+          </a:p>
+        </p:txBody>
+      </p:sp>
+      <p:sp>
+        <p:nvSpPr>
+          <p:cNvPr id="3" name="Subtitle 2">
+            <a:extLst>
+              <a:ext uri="{FF2B5EF4-FFF2-40B4-BE49-F238E27FC236}">
+                <a16:creationId xmlns:a16="http://schemas.microsoft.com/office/drawing/2014/main" id="{A584C4F9-6E08-478B-9CFF-E6852DBE2EC0}"/>
+              </a:ext>
+            </a:extLst>
+          </p:cNvPr>
+          <p:cNvSpPr>
+            <a:spLocks noGrp="1"/>
+          </p:cNvSpPr>
+          <p:nvPr>
+            <p:ph type="subTitle" idx="1"/>
+          </p:nvPr>
+        </p:nvSpPr>
+        <p:spPr>
+          <a:xfrm>
+            <a:off x="1393793" y="1882067"/>
+            <a:ext cx="7880210" cy="443883"/>
+          </a:xfrm>
+          <a:ln>
+            <a:noFill/>
+          </a:ln>
+        </p:spPr>
+        <p:txBody>
+          <a:bodyPr>
+            <a:normAutofit/>
+          </a:bodyPr>
+          <a:lstStyle/>
+          <a:p>
+            <a:pPr algn="l"/>
+            <a:r>
+              <a:rPr lang="en-US" dirty="0" err="1">
+                <a:solidFill>
+                  <a:schemeClr val="tx1"/>
+                </a:solidFill>
+              </a:rPr>
+              <a:t>Creare</a:t>
+            </a:r>
+            <a:r>
+              <a:rPr lang="en-US" dirty="0">
+                <a:solidFill>
+                  <a:schemeClr val="tx1"/>
+                </a:solidFill>
+              </a:rPr>
+              <a:t> un curriculum vitae</a:t>
+            </a:r>
+          </a:p>
+          <a:p>
+            <a:pPr algn="l"/>
+            <a:endParaRPr lang="en-US" dirty="0">
+              <a:solidFill>
+                <a:schemeClr val="tx1"/>
+              </a:solidFill>
+            </a:endParaRPr>
+          </a:p>
+        </p:txBody>
+      </p:sp>
+    </p:spTree>
+    <p:extLst>
+      <p:ext uri="{BB962C8B-B14F-4D97-AF65-F5344CB8AC3E}">
+        <p14:creationId xmlns:p14="http://schemas.microsoft.com/office/powerpoint/2010/main" val="577033235"/>
       </p:ext>
     </p:extLst>
   </p:cSld>
@@ -13661,6 +18739,12 @@
 </file>
 
 <file path=customXml/item1.xml><?xml version="1.0" encoding="utf-8"?>
+<p:properties xmlns:p="http://schemas.microsoft.com/office/2006/metadata/properties" xmlns:xsi="http://www.w3.org/2001/XMLSchema-instance" xmlns:pc="http://schemas.microsoft.com/office/infopath/2007/PartnerControls">
+  <documentManagement/>
+</p:properties>
+</file>
+
+<file path=customXml/item2.xml><?xml version="1.0" encoding="utf-8"?>
 <ct:contentTypeSchema xmlns:ct="http://schemas.microsoft.com/office/2006/metadata/contentType" xmlns:ma="http://schemas.microsoft.com/office/2006/metadata/properties/metaAttributes" ct:_="" ma:_="" ma:contentTypeName="Document" ma:contentTypeID="0x0101009A2BE1F110D95A43A6786136BCEB8641" ma:contentTypeVersion="13" ma:contentTypeDescription="Create a new document." ma:contentTypeScope="" ma:versionID="ce6829bd29cf2307478b9657f9910775">
   <xsd:schema xmlns:xsd="http://www.w3.org/2001/XMLSchema" xmlns:xs="http://www.w3.org/2001/XMLSchema" xmlns:p="http://schemas.microsoft.com/office/2006/metadata/properties" xmlns:ns3="356f36b9-8e44-4ca5-bba7-af1e5462cc3e" xmlns:ns4="4b418e1e-ab92-4533-8118-c23e1e558c8c" targetNamespace="http://schemas.microsoft.com/office/2006/metadata/properties" ma:root="true" ma:fieldsID="786f6e5f8809c9a460249a9b742b0bd2" ns3:_="" ns4:_="">
     <xsd:import namespace="356f36b9-8e44-4ca5-bba7-af1e5462cc3e"/>
@@ -13883,12 +18967,6 @@
 </ct:contentTypeSchema>
 </file>
 
-<file path=customXml/item2.xml><?xml version="1.0" encoding="utf-8"?>
-<p:properties xmlns:p="http://schemas.microsoft.com/office/2006/metadata/properties" xmlns:xsi="http://www.w3.org/2001/XMLSchema-instance" xmlns:pc="http://schemas.microsoft.com/office/infopath/2007/PartnerControls">
-  <documentManagement/>
-</p:properties>
-</file>
-
 <file path=customXml/item3.xml><?xml version="1.0" encoding="utf-8"?>
 <?mso-contentType ?>
 <FormTemplates xmlns="http://schemas.microsoft.com/sharepoint/v3/contenttype/forms">
@@ -13899,6 +18977,23 @@
 </file>
 
 <file path=customXml/itemProps1.xml><?xml version="1.0" encoding="utf-8"?>
+<ds:datastoreItem xmlns:ds="http://schemas.openxmlformats.org/officeDocument/2006/customXml" ds:itemID="{003782F6-33C2-44BE-9931-FD1B0CDE3DA2}">
+  <ds:schemaRefs>
+    <ds:schemaRef ds:uri="http://schemas.microsoft.com/office/2006/documentManagement/types"/>
+    <ds:schemaRef ds:uri="http://schemas.microsoft.com/office/2006/metadata/properties"/>
+    <ds:schemaRef ds:uri="http://purl.org/dc/terms/"/>
+    <ds:schemaRef ds:uri="http://schemas.openxmlformats.org/package/2006/metadata/core-properties"/>
+    <ds:schemaRef ds:uri="356f36b9-8e44-4ca5-bba7-af1e5462cc3e"/>
+    <ds:schemaRef ds:uri="http://purl.org/dc/dcmitype/"/>
+    <ds:schemaRef ds:uri="http://schemas.microsoft.com/office/infopath/2007/PartnerControls"/>
+    <ds:schemaRef ds:uri="4b418e1e-ab92-4533-8118-c23e1e558c8c"/>
+    <ds:schemaRef ds:uri="http://www.w3.org/XML/1998/namespace"/>
+    <ds:schemaRef ds:uri="http://purl.org/dc/elements/1.1/"/>
+  </ds:schemaRefs>
+</ds:datastoreItem>
+</file>
+
+<file path=customXml/itemProps2.xml><?xml version="1.0" encoding="utf-8"?>
 <ds:datastoreItem xmlns:ds="http://schemas.openxmlformats.org/officeDocument/2006/customXml" ds:itemID="{820A405D-3484-4ED2-94D4-9C6C74769E77}">
   <ds:schemaRefs>
     <ds:schemaRef ds:uri="http://schemas.microsoft.com/office/2006/metadata/contentType"/>
@@ -13917,23 +19012,6 @@
 </ds:datastoreItem>
 </file>
 
-<file path=customXml/itemProps2.xml><?xml version="1.0" encoding="utf-8"?>
-<ds:datastoreItem xmlns:ds="http://schemas.openxmlformats.org/officeDocument/2006/customXml" ds:itemID="{003782F6-33C2-44BE-9931-FD1B0CDE3DA2}">
-  <ds:schemaRefs>
-    <ds:schemaRef ds:uri="http://schemas.microsoft.com/office/2006/documentManagement/types"/>
-    <ds:schemaRef ds:uri="http://schemas.microsoft.com/office/2006/metadata/properties"/>
-    <ds:schemaRef ds:uri="http://purl.org/dc/terms/"/>
-    <ds:schemaRef ds:uri="http://schemas.openxmlformats.org/package/2006/metadata/core-properties"/>
-    <ds:schemaRef ds:uri="356f36b9-8e44-4ca5-bba7-af1e5462cc3e"/>
-    <ds:schemaRef ds:uri="http://purl.org/dc/dcmitype/"/>
-    <ds:schemaRef ds:uri="http://schemas.microsoft.com/office/infopath/2007/PartnerControls"/>
-    <ds:schemaRef ds:uri="4b418e1e-ab92-4533-8118-c23e1e558c8c"/>
-    <ds:schemaRef ds:uri="http://www.w3.org/XML/1998/namespace"/>
-    <ds:schemaRef ds:uri="http://purl.org/dc/elements/1.1/"/>
-  </ds:schemaRefs>
-</ds:datastoreItem>
-</file>
-
 <file path=customXml/itemProps3.xml><?xml version="1.0" encoding="utf-8"?>
 <ds:datastoreItem xmlns:ds="http://schemas.openxmlformats.org/officeDocument/2006/customXml" ds:itemID="{66A69156-554A-4CE8-84EF-E59A462C9D8A}">
   <ds:schemaRefs>

--- a/05_CSS.pptx
+++ b/05_CSS.pptx
@@ -5,7 +5,7 @@
     <p:sldMasterId id="2147483759" r:id="rId4"/>
   </p:sldMasterIdLst>
   <p:notesMasterIdLst>
-    <p:notesMasterId r:id="rId57"/>
+    <p:notesMasterId r:id="rId56"/>
   </p:notesMasterIdLst>
   <p:sldIdLst>
     <p:sldId id="333" r:id="rId5"/>
@@ -58,8 +58,7 @@
     <p:sldId id="383" r:id="rId52"/>
     <p:sldId id="384" r:id="rId53"/>
     <p:sldId id="385" r:id="rId54"/>
-    <p:sldId id="382" r:id="rId55"/>
-    <p:sldId id="356" r:id="rId56"/>
+    <p:sldId id="386" r:id="rId55"/>
   </p:sldIdLst>
   <p:sldSz cx="12192000" cy="6858000"/>
   <p:notesSz cx="6858000" cy="9144000"/>
@@ -21024,8 +21023,8 @@
         </p:nvSpPr>
         <p:spPr>
           <a:xfrm>
-            <a:off x="1507067" y="345351"/>
-            <a:ext cx="7766936" cy="970133"/>
+            <a:off x="1154320" y="375999"/>
+            <a:ext cx="9073413" cy="970133"/>
           </a:xfrm>
         </p:spPr>
         <p:txBody>
@@ -21034,49 +21033,69 @@
           <a:p>
             <a:pPr algn="l"/>
             <a:r>
-              <a:rPr lang="en-US" sz="4000" b="1" dirty="0"/>
-              <a:t>FLEX</a:t>
-            </a:r>
-            <a:r>
-              <a:rPr lang="en-US" sz="4000" b="1" dirty="0">
-                <a:effectLst/>
-              </a:rPr>
-              <a:t>BOX</a:t>
-            </a:r>
-            <a:endParaRPr lang="en-US" sz="1200" b="1" dirty="0">
-              <a:effectLst/>
+              <a:rPr lang="en-US" sz="4800" b="1" dirty="0">
+                <a:solidFill>
+                  <a:schemeClr val="tx1">
+                    <a:lumMod val="75000"/>
+                    <a:lumOff val="25000"/>
+                  </a:schemeClr>
+                </a:solidFill>
+                <a:latin typeface="Segoe UI" panose="020B0502040204020203" pitchFamily="34" charset="0"/>
+                <a:cs typeface="Segoe UI" panose="020B0502040204020203" pitchFamily="34" charset="0"/>
+              </a:rPr>
+              <a:t>CSS</a:t>
+            </a:r>
+            <a:r>
+              <a:rPr lang="en-US" sz="4800" dirty="0">
+                <a:solidFill>
+                  <a:schemeClr val="tx1">
+                    <a:lumMod val="75000"/>
+                    <a:lumOff val="25000"/>
+                  </a:schemeClr>
+                </a:solidFill>
+                <a:latin typeface="Segoe UI" panose="020B0502040204020203" pitchFamily="34" charset="0"/>
+                <a:cs typeface="Segoe UI" panose="020B0502040204020203" pitchFamily="34" charset="0"/>
+              </a:rPr>
+              <a:t> | Flexbox</a:t>
+            </a:r>
+            <a:endParaRPr lang="en-US" sz="4000" b="1" dirty="0">
+              <a:solidFill>
+                <a:schemeClr val="tx1">
+                  <a:lumMod val="75000"/>
+                  <a:lumOff val="25000"/>
+                </a:schemeClr>
+              </a:solidFill>
+              <a:latin typeface="Segoe UI" panose="020B0502040204020203" pitchFamily="34" charset="0"/>
+              <a:cs typeface="Segoe UI" panose="020B0502040204020203" pitchFamily="34" charset="0"/>
             </a:endParaRPr>
           </a:p>
         </p:txBody>
       </p:sp>
       <p:sp>
         <p:nvSpPr>
-          <p:cNvPr id="3" name="Subtitle 2">
+          <p:cNvPr id="6" name="TextBox 5">
             <a:extLst>
               <a:ext uri="{FF2B5EF4-FFF2-40B4-BE49-F238E27FC236}">
-                <a16:creationId xmlns:a16="http://schemas.microsoft.com/office/drawing/2014/main" id="{A584C4F9-6E08-478B-9CFF-E6852DBE2EC0}"/>
+                <a16:creationId xmlns:a16="http://schemas.microsoft.com/office/drawing/2014/main" id="{5EF0F688-5357-4C7D-9C16-C572A3CDC241}"/>
               </a:ext>
             </a:extLst>
           </p:cNvPr>
-          <p:cNvSpPr>
-            <a:spLocks noGrp="1"/>
-          </p:cNvSpPr>
-          <p:nvPr>
-            <p:ph type="subTitle" idx="1"/>
-          </p:nvPr>
-        </p:nvSpPr>
-        <p:spPr>
-          <a:xfrm>
-            <a:off x="1393793" y="1882067"/>
-            <a:ext cx="7880210" cy="3986073"/>
-          </a:xfrm>
-          <a:ln>
-            <a:noFill/>
-          </a:ln>
-        </p:spPr>
-        <p:txBody>
-          <a:bodyPr>
-            <a:normAutofit/>
+          <p:cNvSpPr txBox="1"/>
+          <p:nvPr/>
+        </p:nvSpPr>
+        <p:spPr>
+          <a:xfrm>
+            <a:off x="1154320" y="1614500"/>
+            <a:ext cx="6100232" cy="369332"/>
+          </a:xfrm>
+          <a:prstGeom prst="rect">
+            <a:avLst/>
+          </a:prstGeom>
+          <a:noFill/>
+        </p:spPr>
+        <p:txBody>
+          <a:bodyPr wrap="square">
+            <a:spAutoFit/>
           </a:bodyPr>
           <a:lstStyle/>
           <a:p>
@@ -21095,133 +21114,7 @@
     </p:spTree>
     <p:extLst>
       <p:ext uri="{BB962C8B-B14F-4D97-AF65-F5344CB8AC3E}">
-        <p14:creationId xmlns:p14="http://schemas.microsoft.com/office/powerpoint/2010/main" val="1320418949"/>
-      </p:ext>
-    </p:extLst>
-  </p:cSld>
-  <p:clrMapOvr>
-    <a:masterClrMapping/>
-  </p:clrMapOvr>
-</p:sld>
-</file>
-
-<file path=ppt/slides/slide52.xml><?xml version="1.0" encoding="utf-8"?>
-<p:sld xmlns:a="http://schemas.openxmlformats.org/drawingml/2006/main" xmlns:r="http://schemas.openxmlformats.org/officeDocument/2006/relationships" xmlns:p="http://schemas.openxmlformats.org/presentationml/2006/main">
-  <p:cSld>
-    <p:spTree>
-      <p:nvGrpSpPr>
-        <p:cNvPr id="1" name=""/>
-        <p:cNvGrpSpPr/>
-        <p:nvPr/>
-      </p:nvGrpSpPr>
-      <p:grpSpPr>
-        <a:xfrm>
-          <a:off x="0" y="0"/>
-          <a:ext cx="0" cy="0"/>
-          <a:chOff x="0" y="0"/>
-          <a:chExt cx="0" cy="0"/>
-        </a:xfrm>
-      </p:grpSpPr>
-      <p:sp>
-        <p:nvSpPr>
-          <p:cNvPr id="2" name="Title 1">
-            <a:extLst>
-              <a:ext uri="{FF2B5EF4-FFF2-40B4-BE49-F238E27FC236}">
-                <a16:creationId xmlns:a16="http://schemas.microsoft.com/office/drawing/2014/main" id="{2D4E4121-CDC8-41BA-846E-58655BA90FCF}"/>
-              </a:ext>
-            </a:extLst>
-          </p:cNvPr>
-          <p:cNvSpPr>
-            <a:spLocks noGrp="1"/>
-          </p:cNvSpPr>
-          <p:nvPr>
-            <p:ph type="ctrTitle"/>
-          </p:nvPr>
-        </p:nvSpPr>
-        <p:spPr>
-          <a:xfrm>
-            <a:off x="1507067" y="345351"/>
-            <a:ext cx="7766936" cy="970133"/>
-          </a:xfrm>
-        </p:spPr>
-        <p:txBody>
-          <a:bodyPr/>
-          <a:lstStyle/>
-          <a:p>
-            <a:pPr algn="l"/>
-            <a:r>
-              <a:rPr lang="en-US" sz="4000" b="1" dirty="0" err="1"/>
-              <a:t>Esercizio</a:t>
-            </a:r>
-            <a:endParaRPr lang="en-US" sz="1200" b="1" dirty="0">
-              <a:effectLst/>
-            </a:endParaRPr>
-          </a:p>
-        </p:txBody>
-      </p:sp>
-      <p:sp>
-        <p:nvSpPr>
-          <p:cNvPr id="3" name="Subtitle 2">
-            <a:extLst>
-              <a:ext uri="{FF2B5EF4-FFF2-40B4-BE49-F238E27FC236}">
-                <a16:creationId xmlns:a16="http://schemas.microsoft.com/office/drawing/2014/main" id="{A584C4F9-6E08-478B-9CFF-E6852DBE2EC0}"/>
-              </a:ext>
-            </a:extLst>
-          </p:cNvPr>
-          <p:cNvSpPr>
-            <a:spLocks noGrp="1"/>
-          </p:cNvSpPr>
-          <p:nvPr>
-            <p:ph type="subTitle" idx="1"/>
-          </p:nvPr>
-        </p:nvSpPr>
-        <p:spPr>
-          <a:xfrm>
-            <a:off x="1393793" y="1882067"/>
-            <a:ext cx="7880210" cy="443883"/>
-          </a:xfrm>
-          <a:ln>
-            <a:noFill/>
-          </a:ln>
-        </p:spPr>
-        <p:txBody>
-          <a:bodyPr>
-            <a:normAutofit/>
-          </a:bodyPr>
-          <a:lstStyle/>
-          <a:p>
-            <a:pPr algn="l"/>
-            <a:r>
-              <a:rPr lang="en-US" dirty="0" err="1">
-                <a:solidFill>
-                  <a:schemeClr val="tx1"/>
-                </a:solidFill>
-              </a:rPr>
-              <a:t>Creare</a:t>
-            </a:r>
-            <a:r>
-              <a:rPr lang="en-US" dirty="0">
-                <a:solidFill>
-                  <a:schemeClr val="tx1"/>
-                </a:solidFill>
-              </a:rPr>
-              <a:t> un curriculum vitae</a:t>
-            </a:r>
-          </a:p>
-          <a:p>
-            <a:pPr algn="l"/>
-            <a:endParaRPr lang="en-US" dirty="0">
-              <a:solidFill>
-                <a:schemeClr val="tx1"/>
-              </a:solidFill>
-            </a:endParaRPr>
-          </a:p>
-        </p:txBody>
-      </p:sp>
-    </p:spTree>
-    <p:extLst>
-      <p:ext uri="{BB962C8B-B14F-4D97-AF65-F5344CB8AC3E}">
-        <p14:creationId xmlns:p14="http://schemas.microsoft.com/office/powerpoint/2010/main" val="577033235"/>
+        <p14:creationId xmlns:p14="http://schemas.microsoft.com/office/powerpoint/2010/main" val="4123959886"/>
       </p:ext>
     </p:extLst>
   </p:cSld>

--- a/05_CSS.pptx
+++ b/05_CSS.pptx
@@ -247,7 +247,7 @@
           <a:p>
             <a:fld id="{C76DF261-2E64-46EA-8978-57B2C7401E71}" type="datetimeFigureOut">
               <a:rPr lang="en-US" smtClean="0"/>
-              <a:t>2/27/2022</a:t>
+              <a:t>3/1/2022</a:t>
             </a:fld>
             <a:endParaRPr lang="en-US"/>
           </a:p>
@@ -1416,7 +1416,7 @@
           <a:p>
             <a:fld id="{1160EA64-D806-43AC-9DF2-F8C432F32B4C}" type="datetimeFigureOut">
               <a:rPr lang="en-US" smtClean="0"/>
-              <a:t>2/27/2022</a:t>
+              <a:t>3/1/2022</a:t>
             </a:fld>
             <a:endParaRPr lang="en-US" dirty="0"/>
           </a:p>
@@ -1668,7 +1668,7 @@
           <a:p>
             <a:fld id="{1160EA64-D806-43AC-9DF2-F8C432F32B4C}" type="datetimeFigureOut">
               <a:rPr lang="en-US" smtClean="0"/>
-              <a:t>2/27/2022</a:t>
+              <a:t>3/1/2022</a:t>
             </a:fld>
             <a:endParaRPr lang="en-US" dirty="0"/>
           </a:p>
@@ -1984,7 +1984,7 @@
           <a:p>
             <a:fld id="{1160EA64-D806-43AC-9DF2-F8C432F32B4C}" type="datetimeFigureOut">
               <a:rPr lang="en-US" smtClean="0"/>
-              <a:t>2/27/2022</a:t>
+              <a:t>3/1/2022</a:t>
             </a:fld>
             <a:endParaRPr lang="en-US" dirty="0"/>
           </a:p>
@@ -2319,7 +2319,7 @@
           <a:p>
             <a:fld id="{1160EA64-D806-43AC-9DF2-F8C432F32B4C}" type="datetimeFigureOut">
               <a:rPr lang="en-US" smtClean="0"/>
-              <a:t>2/27/2022</a:t>
+              <a:t>3/1/2022</a:t>
             </a:fld>
             <a:endParaRPr lang="en-US" dirty="0"/>
           </a:p>
@@ -2635,7 +2635,7 @@
           <a:p>
             <a:fld id="{1160EA64-D806-43AC-9DF2-F8C432F32B4C}" type="datetimeFigureOut">
               <a:rPr lang="en-US" smtClean="0"/>
-              <a:t>2/27/2022</a:t>
+              <a:t>3/1/2022</a:t>
             </a:fld>
             <a:endParaRPr lang="en-US" dirty="0"/>
           </a:p>
@@ -3030,7 +3030,7 @@
           <a:p>
             <a:fld id="{1160EA64-D806-43AC-9DF2-F8C432F32B4C}" type="datetimeFigureOut">
               <a:rPr lang="en-US" smtClean="0"/>
-              <a:t>2/27/2022</a:t>
+              <a:t>3/1/2022</a:t>
             </a:fld>
             <a:endParaRPr lang="en-US" dirty="0"/>
           </a:p>
@@ -3202,7 +3202,7 @@
           <a:p>
             <a:fld id="{E9F9C37B-1D36-470B-8223-D6C91242EC14}" type="datetimeFigureOut">
               <a:rPr lang="en-US" smtClean="0"/>
-              <a:t>2/27/2022</a:t>
+              <a:t>3/1/2022</a:t>
             </a:fld>
             <a:endParaRPr lang="en-US" dirty="0"/>
           </a:p>
@@ -3382,7 +3382,7 @@
           <a:p>
             <a:fld id="{67C6F52A-A82B-47A2-A83A-8C4C91F2D59F}" type="datetimeFigureOut">
               <a:rPr lang="en-US" smtClean="0"/>
-              <a:t>2/27/2022</a:t>
+              <a:t>3/1/2022</a:t>
             </a:fld>
             <a:endParaRPr lang="en-US" dirty="0"/>
           </a:p>
@@ -3552,7 +3552,7 @@
           <a:p>
             <a:fld id="{F070A7B3-6521-4DCA-87E5-044747A908C1}" type="datetimeFigureOut">
               <a:rPr lang="en-US" smtClean="0"/>
-              <a:t>2/27/2022</a:t>
+              <a:t>3/1/2022</a:t>
             </a:fld>
             <a:endParaRPr lang="en-US" dirty="0"/>
           </a:p>
@@ -3800,7 +3800,7 @@
           <a:p>
             <a:fld id="{1160EA64-D806-43AC-9DF2-F8C432F32B4C}" type="datetimeFigureOut">
               <a:rPr lang="en-US" smtClean="0"/>
-              <a:t>2/27/2022</a:t>
+              <a:t>3/1/2022</a:t>
             </a:fld>
             <a:endParaRPr lang="en-US" dirty="0"/>
           </a:p>
@@ -4033,7 +4033,7 @@
           <a:p>
             <a:fld id="{AB134690-1557-4C89-A502-4959FE7FAD70}" type="datetimeFigureOut">
               <a:rPr lang="en-US" smtClean="0"/>
-              <a:t>2/27/2022</a:t>
+              <a:t>3/1/2022</a:t>
             </a:fld>
             <a:endParaRPr lang="en-US" dirty="0"/>
           </a:p>
@@ -4407,7 +4407,7 @@
           <a:p>
             <a:fld id="{1160EA64-D806-43AC-9DF2-F8C432F32B4C}" type="datetimeFigureOut">
               <a:rPr lang="en-US" smtClean="0"/>
-              <a:t>2/27/2022</a:t>
+              <a:t>3/1/2022</a:t>
             </a:fld>
             <a:endParaRPr lang="en-US" dirty="0"/>
           </a:p>
@@ -4532,7 +4532,7 @@
           <a:p>
             <a:fld id="{E1037C31-9E7A-4F99-8774-A0E530DE1A42}" type="datetimeFigureOut">
               <a:rPr lang="en-US" smtClean="0"/>
-              <a:t>2/27/2022</a:t>
+              <a:t>3/1/2022</a:t>
             </a:fld>
             <a:endParaRPr lang="en-US" dirty="0"/>
           </a:p>
@@ -4627,7 +4627,7 @@
           <a:p>
             <a:fld id="{C278504F-A551-4DE0-9316-4DCD1D8CC752}" type="datetimeFigureOut">
               <a:rPr lang="en-US" smtClean="0"/>
-              <a:t>2/27/2022</a:t>
+              <a:t>3/1/2022</a:t>
             </a:fld>
             <a:endParaRPr lang="en-US" dirty="0"/>
           </a:p>
@@ -4882,7 +4882,7 @@
           <a:p>
             <a:fld id="{1160EA64-D806-43AC-9DF2-F8C432F32B4C}" type="datetimeFigureOut">
               <a:rPr lang="en-US" smtClean="0"/>
-              <a:t>2/27/2022</a:t>
+              <a:t>3/1/2022</a:t>
             </a:fld>
             <a:endParaRPr lang="en-US" dirty="0"/>
           </a:p>
@@ -5190,7 +5190,7 @@
             <a:fld id="{1160EA64-D806-43AC-9DF2-F8C432F32B4C}" type="datetimeFigureOut">
               <a:rPr lang="en-US" smtClean="0"/>
               <a:pPr/>
-              <a:t>2/27/2022</a:t>
+              <a:t>3/1/2022</a:t>
             </a:fld>
             <a:endParaRPr lang="en-US" dirty="0"/>
           </a:p>
@@ -5892,7 +5892,7 @@
           <a:p>
             <a:fld id="{1160EA64-D806-43AC-9DF2-F8C432F32B4C}" type="datetimeFigureOut">
               <a:rPr lang="en-US" smtClean="0"/>
-              <a:t>2/27/2022</a:t>
+              <a:t>3/1/2022</a:t>
             </a:fld>
             <a:endParaRPr lang="en-US" dirty="0"/>
           </a:p>
@@ -12981,6 +12981,70 @@
           </a:p>
         </p:txBody>
       </p:sp>
+      <p:sp>
+        <p:nvSpPr>
+          <p:cNvPr id="8" name="Oval 7">
+            <a:extLst>
+              <a:ext uri="{FF2B5EF4-FFF2-40B4-BE49-F238E27FC236}">
+                <a16:creationId xmlns:a16="http://schemas.microsoft.com/office/drawing/2014/main" id="{4CECB664-596F-4339-823B-52733FADA383}"/>
+              </a:ext>
+            </a:extLst>
+          </p:cNvPr>
+          <p:cNvSpPr/>
+          <p:nvPr/>
+        </p:nvSpPr>
+        <p:spPr>
+          <a:xfrm>
+            <a:off x="4821411" y="5752135"/>
+            <a:ext cx="2311749" cy="945611"/>
+          </a:xfrm>
+          <a:prstGeom prst="ellipse">
+            <a:avLst/>
+          </a:prstGeom>
+          <a:solidFill>
+            <a:srgbClr val="FFC000"/>
+          </a:solidFill>
+          <a:ln w="57150">
+            <a:solidFill>
+              <a:schemeClr val="tx1">
+                <a:lumMod val="85000"/>
+                <a:lumOff val="15000"/>
+              </a:schemeClr>
+            </a:solidFill>
+          </a:ln>
+        </p:spPr>
+        <p:style>
+          <a:lnRef idx="2">
+            <a:schemeClr val="accent4">
+              <a:shade val="50000"/>
+            </a:schemeClr>
+          </a:lnRef>
+          <a:fillRef idx="1">
+            <a:schemeClr val="accent4"/>
+          </a:fillRef>
+          <a:effectRef idx="0">
+            <a:schemeClr val="accent4"/>
+          </a:effectRef>
+          <a:fontRef idx="minor">
+            <a:schemeClr val="lt1"/>
+          </a:fontRef>
+        </p:style>
+        <p:txBody>
+          <a:bodyPr rtlCol="0" anchor="ctr"/>
+          <a:lstStyle/>
+          <a:p>
+            <a:pPr algn="ctr"/>
+            <a:r>
+              <a:rPr lang="en-US" b="1" dirty="0">
+                <a:solidFill>
+                  <a:sysClr val="windowText" lastClr="000000"/>
+                </a:solidFill>
+              </a:rPr>
+              <a:t>PSEUDO ELEMENT SELECTOR</a:t>
+            </a:r>
+          </a:p>
+        </p:txBody>
+      </p:sp>
       <p:pic>
         <p:nvPicPr>
           <p:cNvPr id="5" name="Picture 4">
@@ -13033,7 +13097,7 @@
         </p:blipFill>
         <p:spPr>
           <a:xfrm>
-            <a:off x="8233633" y="283003"/>
+            <a:off x="7048445" y="122749"/>
             <a:ext cx="3709980" cy="6574997"/>
           </a:xfrm>
           <a:prstGeom prst="rect">
@@ -13041,70 +13105,6 @@
           </a:prstGeom>
         </p:spPr>
       </p:pic>
-      <p:sp>
-        <p:nvSpPr>
-          <p:cNvPr id="8" name="Oval 7">
-            <a:extLst>
-              <a:ext uri="{FF2B5EF4-FFF2-40B4-BE49-F238E27FC236}">
-                <a16:creationId xmlns:a16="http://schemas.microsoft.com/office/drawing/2014/main" id="{4CECB664-596F-4339-823B-52733FADA383}"/>
-              </a:ext>
-            </a:extLst>
-          </p:cNvPr>
-          <p:cNvSpPr/>
-          <p:nvPr/>
-        </p:nvSpPr>
-        <p:spPr>
-          <a:xfrm>
-            <a:off x="5625926" y="4751397"/>
-            <a:ext cx="2311749" cy="945611"/>
-          </a:xfrm>
-          <a:prstGeom prst="ellipse">
-            <a:avLst/>
-          </a:prstGeom>
-          <a:solidFill>
-            <a:srgbClr val="FFC000"/>
-          </a:solidFill>
-          <a:ln w="57150">
-            <a:solidFill>
-              <a:schemeClr val="tx1">
-                <a:lumMod val="85000"/>
-                <a:lumOff val="15000"/>
-              </a:schemeClr>
-            </a:solidFill>
-          </a:ln>
-        </p:spPr>
-        <p:style>
-          <a:lnRef idx="2">
-            <a:schemeClr val="accent4">
-              <a:shade val="50000"/>
-            </a:schemeClr>
-          </a:lnRef>
-          <a:fillRef idx="1">
-            <a:schemeClr val="accent4"/>
-          </a:fillRef>
-          <a:effectRef idx="0">
-            <a:schemeClr val="accent4"/>
-          </a:effectRef>
-          <a:fontRef idx="minor">
-            <a:schemeClr val="lt1"/>
-          </a:fontRef>
-        </p:style>
-        <p:txBody>
-          <a:bodyPr rtlCol="0" anchor="ctr"/>
-          <a:lstStyle/>
-          <a:p>
-            <a:pPr algn="ctr"/>
-            <a:r>
-              <a:rPr lang="en-US" b="1" dirty="0">
-                <a:solidFill>
-                  <a:sysClr val="windowText" lastClr="000000"/>
-                </a:solidFill>
-              </a:rPr>
-              <a:t>PSEUDO ELEMENT SELECTOR</a:t>
-            </a:r>
-          </a:p>
-        </p:txBody>
-      </p:sp>
     </p:spTree>
     <p:extLst>
       <p:ext uri="{BB962C8B-B14F-4D97-AF65-F5344CB8AC3E}">
@@ -22637,12 +22637,6 @@
 </file>
 
 <file path=customXml/item1.xml><?xml version="1.0" encoding="utf-8"?>
-<p:properties xmlns:p="http://schemas.microsoft.com/office/2006/metadata/properties" xmlns:xsi="http://www.w3.org/2001/XMLSchema-instance" xmlns:pc="http://schemas.microsoft.com/office/infopath/2007/PartnerControls">
-  <documentManagement/>
-</p:properties>
-</file>
-
-<file path=customXml/item2.xml><?xml version="1.0" encoding="utf-8"?>
 <ct:contentTypeSchema xmlns:ct="http://schemas.microsoft.com/office/2006/metadata/contentType" xmlns:ma="http://schemas.microsoft.com/office/2006/metadata/properties/metaAttributes" ct:_="" ma:_="" ma:contentTypeName="Document" ma:contentTypeID="0x0101009A2BE1F110D95A43A6786136BCEB8641" ma:contentTypeVersion="13" ma:contentTypeDescription="Create a new document." ma:contentTypeScope="" ma:versionID="ce6829bd29cf2307478b9657f9910775">
   <xsd:schema xmlns:xsd="http://www.w3.org/2001/XMLSchema" xmlns:xs="http://www.w3.org/2001/XMLSchema" xmlns:p="http://schemas.microsoft.com/office/2006/metadata/properties" xmlns:ns3="356f36b9-8e44-4ca5-bba7-af1e5462cc3e" xmlns:ns4="4b418e1e-ab92-4533-8118-c23e1e558c8c" targetNamespace="http://schemas.microsoft.com/office/2006/metadata/properties" ma:root="true" ma:fieldsID="786f6e5f8809c9a460249a9b742b0bd2" ns3:_="" ns4:_="">
     <xsd:import namespace="356f36b9-8e44-4ca5-bba7-af1e5462cc3e"/>
@@ -22865,6 +22859,12 @@
 </ct:contentTypeSchema>
 </file>
 
+<file path=customXml/item2.xml><?xml version="1.0" encoding="utf-8"?>
+<p:properties xmlns:p="http://schemas.microsoft.com/office/2006/metadata/properties" xmlns:xsi="http://www.w3.org/2001/XMLSchema-instance" xmlns:pc="http://schemas.microsoft.com/office/infopath/2007/PartnerControls">
+  <documentManagement/>
+</p:properties>
+</file>
+
 <file path=customXml/item3.xml><?xml version="1.0" encoding="utf-8"?>
 <?mso-contentType ?>
 <FormTemplates xmlns="http://schemas.microsoft.com/sharepoint/v3/contenttype/forms">
@@ -22875,23 +22875,6 @@
 </file>
 
 <file path=customXml/itemProps1.xml><?xml version="1.0" encoding="utf-8"?>
-<ds:datastoreItem xmlns:ds="http://schemas.openxmlformats.org/officeDocument/2006/customXml" ds:itemID="{003782F6-33C2-44BE-9931-FD1B0CDE3DA2}">
-  <ds:schemaRefs>
-    <ds:schemaRef ds:uri="http://schemas.microsoft.com/office/2006/documentManagement/types"/>
-    <ds:schemaRef ds:uri="http://schemas.microsoft.com/office/2006/metadata/properties"/>
-    <ds:schemaRef ds:uri="http://purl.org/dc/terms/"/>
-    <ds:schemaRef ds:uri="http://schemas.openxmlformats.org/package/2006/metadata/core-properties"/>
-    <ds:schemaRef ds:uri="356f36b9-8e44-4ca5-bba7-af1e5462cc3e"/>
-    <ds:schemaRef ds:uri="http://purl.org/dc/dcmitype/"/>
-    <ds:schemaRef ds:uri="http://schemas.microsoft.com/office/infopath/2007/PartnerControls"/>
-    <ds:schemaRef ds:uri="4b418e1e-ab92-4533-8118-c23e1e558c8c"/>
-    <ds:schemaRef ds:uri="http://www.w3.org/XML/1998/namespace"/>
-    <ds:schemaRef ds:uri="http://purl.org/dc/elements/1.1/"/>
-  </ds:schemaRefs>
-</ds:datastoreItem>
-</file>
-
-<file path=customXml/itemProps2.xml><?xml version="1.0" encoding="utf-8"?>
 <ds:datastoreItem xmlns:ds="http://schemas.openxmlformats.org/officeDocument/2006/customXml" ds:itemID="{820A405D-3484-4ED2-94D4-9C6C74769E77}">
   <ds:schemaRefs>
     <ds:schemaRef ds:uri="http://schemas.microsoft.com/office/2006/metadata/contentType"/>
@@ -22910,6 +22893,23 @@
 </ds:datastoreItem>
 </file>
 
+<file path=customXml/itemProps2.xml><?xml version="1.0" encoding="utf-8"?>
+<ds:datastoreItem xmlns:ds="http://schemas.openxmlformats.org/officeDocument/2006/customXml" ds:itemID="{003782F6-33C2-44BE-9931-FD1B0CDE3DA2}">
+  <ds:schemaRefs>
+    <ds:schemaRef ds:uri="http://schemas.microsoft.com/office/2006/documentManagement/types"/>
+    <ds:schemaRef ds:uri="http://schemas.microsoft.com/office/2006/metadata/properties"/>
+    <ds:schemaRef ds:uri="http://purl.org/dc/terms/"/>
+    <ds:schemaRef ds:uri="http://schemas.openxmlformats.org/package/2006/metadata/core-properties"/>
+    <ds:schemaRef ds:uri="356f36b9-8e44-4ca5-bba7-af1e5462cc3e"/>
+    <ds:schemaRef ds:uri="http://purl.org/dc/dcmitype/"/>
+    <ds:schemaRef ds:uri="http://schemas.microsoft.com/office/infopath/2007/PartnerControls"/>
+    <ds:schemaRef ds:uri="4b418e1e-ab92-4533-8118-c23e1e558c8c"/>
+    <ds:schemaRef ds:uri="http://www.w3.org/XML/1998/namespace"/>
+    <ds:schemaRef ds:uri="http://purl.org/dc/elements/1.1/"/>
+  </ds:schemaRefs>
+</ds:datastoreItem>
+</file>
+
 <file path=customXml/itemProps3.xml><?xml version="1.0" encoding="utf-8"?>
 <ds:datastoreItem xmlns:ds="http://schemas.openxmlformats.org/officeDocument/2006/customXml" ds:itemID="{66A69156-554A-4CE8-84EF-E59A462C9D8A}">
   <ds:schemaRefs>
